--- a/presentation/Presentation.pptx
+++ b/presentation/Presentation.pptx
@@ -5,16 +5,20 @@
     <p:sldMasterId id="2147483648" r:id="rId1"/>
   </p:sldMasterIdLst>
   <p:notesMasterIdLst>
-    <p:notesMasterId r:id="rId9"/>
+    <p:notesMasterId r:id="rId13"/>
   </p:notesMasterIdLst>
   <p:sldIdLst>
     <p:sldId id="259" r:id="rId2"/>
     <p:sldId id="261" r:id="rId3"/>
-    <p:sldId id="263" r:id="rId4"/>
-    <p:sldId id="264" r:id="rId5"/>
-    <p:sldId id="265" r:id="rId6"/>
-    <p:sldId id="266" r:id="rId7"/>
-    <p:sldId id="262" r:id="rId8"/>
+    <p:sldId id="270" r:id="rId4"/>
+    <p:sldId id="263" r:id="rId5"/>
+    <p:sldId id="264" r:id="rId6"/>
+    <p:sldId id="265" r:id="rId7"/>
+    <p:sldId id="267" r:id="rId8"/>
+    <p:sldId id="268" r:id="rId9"/>
+    <p:sldId id="262" r:id="rId10"/>
+    <p:sldId id="269" r:id="rId11"/>
+    <p:sldId id="266" r:id="rId12"/>
   </p:sldIdLst>
   <p:sldSz cx="12192000" cy="6858000"/>
   <p:notesSz cx="6858000" cy="9144000"/>
@@ -514,7 +518,18 @@
           <a:bodyPr/>
           <a:lstStyle/>
           <a:p>
-            <a:endParaRPr lang="en-GB" dirty="0"/>
+            <a:r>
+              <a:rPr lang="en-GB" dirty="0"/>
+              <a:t>https://</a:t>
+            </a:r>
+            <a:r>
+              <a:rPr lang="en-GB" dirty="0" err="1"/>
+              <a:t>www.graphus.ai</a:t>
+            </a:r>
+            <a:r>
+              <a:rPr lang="en-GB" dirty="0"/>
+              <a:t>/blog/10-facts-about-ransomware-in-2021-that-businesses-need-to-know/</a:t>
+            </a:r>
           </a:p>
         </p:txBody>
       </p:sp>
@@ -535,7 +550,186 @@
           <a:p>
             <a:fld id="{862D1C96-AE65-4153-A540-555B06E2BF5D}" type="slidenum">
               <a:rPr lang="pt-PT" smtClean="0"/>
-              <a:t>5</a:t>
+              <a:t>2</a:t>
+            </a:fld>
+            <a:endParaRPr lang="pt-PT"/>
+          </a:p>
+        </p:txBody>
+      </p:sp>
+    </p:spTree>
+    <p:extLst>
+      <p:ext uri="{BB962C8B-B14F-4D97-AF65-F5344CB8AC3E}">
+        <p14:creationId xmlns:p14="http://schemas.microsoft.com/office/powerpoint/2010/main" val="1073972281"/>
+      </p:ext>
+    </p:extLst>
+  </p:cSld>
+  <p:clrMapOvr>
+    <a:masterClrMapping/>
+  </p:clrMapOvr>
+</p:notes>
+</file>
+
+<file path=ppt/notesSlides/notesSlide2.xml><?xml version="1.0" encoding="utf-8"?>
+<p:notes xmlns:a="http://schemas.openxmlformats.org/drawingml/2006/main" xmlns:r="http://schemas.openxmlformats.org/officeDocument/2006/relationships" xmlns:p="http://schemas.openxmlformats.org/presentationml/2006/main">
+  <p:cSld>
+    <p:spTree>
+      <p:nvGrpSpPr>
+        <p:cNvPr id="1" name=""/>
+        <p:cNvGrpSpPr/>
+        <p:nvPr/>
+      </p:nvGrpSpPr>
+      <p:grpSpPr>
+        <a:xfrm>
+          <a:off x="0" y="0"/>
+          <a:ext cx="0" cy="0"/>
+          <a:chOff x="0" y="0"/>
+          <a:chExt cx="0" cy="0"/>
+        </a:xfrm>
+      </p:grpSpPr>
+      <p:sp>
+        <p:nvSpPr>
+          <p:cNvPr id="2" name="Marcador de Posição da Imagem do Diapositivo 1"/>
+          <p:cNvSpPr>
+            <a:spLocks noGrp="1" noRot="1" noChangeAspect="1"/>
+          </p:cNvSpPr>
+          <p:nvPr>
+            <p:ph type="sldImg"/>
+          </p:nvPr>
+        </p:nvSpPr>
+        <p:spPr/>
+      </p:sp>
+      <p:sp>
+        <p:nvSpPr>
+          <p:cNvPr id="3" name="Marcador de Posição de Notas 2"/>
+          <p:cNvSpPr>
+            <a:spLocks noGrp="1"/>
+          </p:cNvSpPr>
+          <p:nvPr>
+            <p:ph type="body" idx="1"/>
+          </p:nvPr>
+        </p:nvSpPr>
+        <p:spPr/>
+        <p:txBody>
+          <a:bodyPr/>
+          <a:lstStyle/>
+          <a:p>
+            <a:r>
+              <a:rPr lang="en-GB" dirty="0"/>
+              <a:t>https://</a:t>
+            </a:r>
+            <a:r>
+              <a:rPr lang="en-GB" dirty="0" err="1"/>
+              <a:t>www.graphus.ai</a:t>
+            </a:r>
+            <a:r>
+              <a:rPr lang="en-GB" dirty="0"/>
+              <a:t>/blog/10-facts-about-ransomware-in-2021-that-businesses-need-to-know/</a:t>
+            </a:r>
+          </a:p>
+        </p:txBody>
+      </p:sp>
+      <p:sp>
+        <p:nvSpPr>
+          <p:cNvPr id="4" name="Marcador de Posição do Número do Diapositivo 3"/>
+          <p:cNvSpPr>
+            <a:spLocks noGrp="1"/>
+          </p:cNvSpPr>
+          <p:nvPr>
+            <p:ph type="sldNum" sz="quarter" idx="5"/>
+          </p:nvPr>
+        </p:nvSpPr>
+        <p:spPr/>
+        <p:txBody>
+          <a:bodyPr/>
+          <a:lstStyle/>
+          <a:p>
+            <a:fld id="{862D1C96-AE65-4153-A540-555B06E2BF5D}" type="slidenum">
+              <a:rPr lang="pt-PT" smtClean="0"/>
+              <a:t>3</a:t>
+            </a:fld>
+            <a:endParaRPr lang="pt-PT"/>
+          </a:p>
+        </p:txBody>
+      </p:sp>
+    </p:spTree>
+    <p:extLst>
+      <p:ext uri="{BB962C8B-B14F-4D97-AF65-F5344CB8AC3E}">
+        <p14:creationId xmlns:p14="http://schemas.microsoft.com/office/powerpoint/2010/main" val="4207900005"/>
+      </p:ext>
+    </p:extLst>
+  </p:cSld>
+  <p:clrMapOvr>
+    <a:masterClrMapping/>
+  </p:clrMapOvr>
+</p:notes>
+</file>
+
+<file path=ppt/notesSlides/notesSlide3.xml><?xml version="1.0" encoding="utf-8"?>
+<p:notes xmlns:a="http://schemas.openxmlformats.org/drawingml/2006/main" xmlns:r="http://schemas.openxmlformats.org/officeDocument/2006/relationships" xmlns:p="http://schemas.openxmlformats.org/presentationml/2006/main">
+  <p:cSld>
+    <p:spTree>
+      <p:nvGrpSpPr>
+        <p:cNvPr id="1" name=""/>
+        <p:cNvGrpSpPr/>
+        <p:nvPr/>
+      </p:nvGrpSpPr>
+      <p:grpSpPr>
+        <a:xfrm>
+          <a:off x="0" y="0"/>
+          <a:ext cx="0" cy="0"/>
+          <a:chOff x="0" y="0"/>
+          <a:chExt cx="0" cy="0"/>
+        </a:xfrm>
+      </p:grpSpPr>
+      <p:sp>
+        <p:nvSpPr>
+          <p:cNvPr id="2" name="Marcador de Posição da Imagem do Diapositivo 1"/>
+          <p:cNvSpPr>
+            <a:spLocks noGrp="1" noRot="1" noChangeAspect="1"/>
+          </p:cNvSpPr>
+          <p:nvPr>
+            <p:ph type="sldImg"/>
+          </p:nvPr>
+        </p:nvSpPr>
+        <p:spPr/>
+      </p:sp>
+      <p:sp>
+        <p:nvSpPr>
+          <p:cNvPr id="3" name="Marcador de Posição de Notas 2"/>
+          <p:cNvSpPr>
+            <a:spLocks noGrp="1"/>
+          </p:cNvSpPr>
+          <p:nvPr>
+            <p:ph type="body" idx="1"/>
+          </p:nvPr>
+        </p:nvSpPr>
+        <p:spPr/>
+        <p:txBody>
+          <a:bodyPr/>
+          <a:lstStyle/>
+          <a:p>
+            <a:endParaRPr lang="en-GB" dirty="0"/>
+          </a:p>
+        </p:txBody>
+      </p:sp>
+      <p:sp>
+        <p:nvSpPr>
+          <p:cNvPr id="4" name="Marcador de Posição do Número do Diapositivo 3"/>
+          <p:cNvSpPr>
+            <a:spLocks noGrp="1"/>
+          </p:cNvSpPr>
+          <p:nvPr>
+            <p:ph type="sldNum" sz="quarter" idx="5"/>
+          </p:nvPr>
+        </p:nvSpPr>
+        <p:spPr/>
+        <p:txBody>
+          <a:bodyPr/>
+          <a:lstStyle/>
+          <a:p>
+            <a:fld id="{862D1C96-AE65-4153-A540-555B06E2BF5D}" type="slidenum">
+              <a:rPr lang="pt-PT" smtClean="0"/>
+              <a:t>6</a:t>
             </a:fld>
             <a:endParaRPr lang="pt-PT"/>
           </a:p>
@@ -6358,6 +6552,412 @@
 </p:sld>
 </file>
 
+<file path=ppt/slides/slide10.xml><?xml version="1.0" encoding="utf-8"?>
+<p:sld xmlns:a="http://schemas.openxmlformats.org/drawingml/2006/main" xmlns:r="http://schemas.openxmlformats.org/officeDocument/2006/relationships" xmlns:p="http://schemas.openxmlformats.org/presentationml/2006/main">
+  <p:cSld>
+    <p:spTree>
+      <p:nvGrpSpPr>
+        <p:cNvPr id="1" name=""/>
+        <p:cNvGrpSpPr/>
+        <p:nvPr/>
+      </p:nvGrpSpPr>
+      <p:grpSpPr>
+        <a:xfrm>
+          <a:off x="0" y="0"/>
+          <a:ext cx="0" cy="0"/>
+          <a:chOff x="0" y="0"/>
+          <a:chExt cx="0" cy="0"/>
+        </a:xfrm>
+      </p:grpSpPr>
+      <p:sp>
+        <p:nvSpPr>
+          <p:cNvPr id="2" name="Título 1">
+            <a:extLst>
+              <a:ext uri="{FF2B5EF4-FFF2-40B4-BE49-F238E27FC236}">
+                <a16:creationId xmlns:a16="http://schemas.microsoft.com/office/drawing/2014/main" id="{290198D7-7381-7BD0-7B6C-3352C41A1BAD}"/>
+              </a:ext>
+            </a:extLst>
+          </p:cNvPr>
+          <p:cNvSpPr>
+            <a:spLocks noGrp="1"/>
+          </p:cNvSpPr>
+          <p:nvPr>
+            <p:ph type="ctrTitle"/>
+          </p:nvPr>
+        </p:nvSpPr>
+        <p:spPr/>
+        <p:txBody>
+          <a:bodyPr/>
+          <a:lstStyle/>
+          <a:p>
+            <a:r>
+              <a:rPr lang="en-GB" dirty="0"/>
+              <a:t>Let’s make a malware</a:t>
+            </a:r>
+            <a:br>
+              <a:rPr lang="en-GB" dirty="0"/>
+            </a:br>
+            <a:r>
+              <a:rPr lang="en-GB" sz="2800" dirty="0">
+                <a:solidFill>
+                  <a:schemeClr val="bg1">
+                    <a:lumMod val="50000"/>
+                  </a:schemeClr>
+                </a:solidFill>
+              </a:rPr>
+              <a:t>Code obfuscation</a:t>
+            </a:r>
+            <a:endParaRPr lang="en-GB" dirty="0"/>
+          </a:p>
+        </p:txBody>
+      </p:sp>
+      <p:sp>
+        <p:nvSpPr>
+          <p:cNvPr id="3" name="Subtítulo 2">
+            <a:extLst>
+              <a:ext uri="{FF2B5EF4-FFF2-40B4-BE49-F238E27FC236}">
+                <a16:creationId xmlns:a16="http://schemas.microsoft.com/office/drawing/2014/main" id="{717A8B4D-8CEE-D51D-5917-4538B5A34057}"/>
+              </a:ext>
+            </a:extLst>
+          </p:cNvPr>
+          <p:cNvSpPr>
+            <a:spLocks noGrp="1"/>
+          </p:cNvSpPr>
+          <p:nvPr>
+            <p:ph type="subTitle" idx="13"/>
+          </p:nvPr>
+        </p:nvSpPr>
+        <p:spPr/>
+        <p:txBody>
+          <a:bodyPr/>
+          <a:lstStyle/>
+          <a:p>
+            <a:pPr>
+              <a:lnSpc>
+                <a:spcPct val="150000"/>
+              </a:lnSpc>
+            </a:pPr>
+            <a:r>
+              <a:rPr lang="en-GB" dirty="0"/>
+              <a:t>To do</a:t>
+            </a:r>
+          </a:p>
+        </p:txBody>
+      </p:sp>
+      <p:pic>
+        <p:nvPicPr>
+          <p:cNvPr id="4" name="Imagem 3">
+            <a:extLst>
+              <a:ext uri="{FF2B5EF4-FFF2-40B4-BE49-F238E27FC236}">
+                <a16:creationId xmlns:a16="http://schemas.microsoft.com/office/drawing/2014/main" id="{0EAA96F2-D30E-DCF9-C35D-44D03D2F098C}"/>
+              </a:ext>
+            </a:extLst>
+          </p:cNvPr>
+          <p:cNvPicPr>
+            <a:picLocks noChangeAspect="1"/>
+          </p:cNvPicPr>
+          <p:nvPr/>
+        </p:nvPicPr>
+        <p:blipFill>
+          <a:blip r:embed="rId2">
+            <a:extLst>
+              <a:ext uri="{28A0092B-C50C-407E-A947-70E740481C1C}">
+                <a14:useLocalDpi xmlns:a14="http://schemas.microsoft.com/office/drawing/2010/main" val="0"/>
+              </a:ext>
+            </a:extLst>
+          </a:blip>
+          <a:stretch>
+            <a:fillRect/>
+          </a:stretch>
+        </p:blipFill>
+        <p:spPr>
+          <a:xfrm>
+            <a:off x="2602454" y="6371432"/>
+            <a:ext cx="438377" cy="338320"/>
+          </a:xfrm>
+          <a:prstGeom prst="rect">
+            <a:avLst/>
+          </a:prstGeom>
+        </p:spPr>
+      </p:pic>
+      <p:pic>
+        <p:nvPicPr>
+          <p:cNvPr id="5" name="Imagem 4">
+            <a:extLst>
+              <a:ext uri="{FF2B5EF4-FFF2-40B4-BE49-F238E27FC236}">
+                <a16:creationId xmlns:a16="http://schemas.microsoft.com/office/drawing/2014/main" id="{F5CA5EFD-B561-B0DC-C995-6447DDA18C62}"/>
+              </a:ext>
+            </a:extLst>
+          </p:cNvPr>
+          <p:cNvPicPr>
+            <a:picLocks noChangeAspect="1"/>
+          </p:cNvPicPr>
+          <p:nvPr/>
+        </p:nvPicPr>
+        <p:blipFill>
+          <a:blip r:embed="rId3">
+            <a:extLst>
+              <a:ext uri="{28A0092B-C50C-407E-A947-70E740481C1C}">
+                <a14:useLocalDpi xmlns:a14="http://schemas.microsoft.com/office/drawing/2010/main" val="0"/>
+              </a:ext>
+            </a:extLst>
+          </a:blip>
+          <a:stretch>
+            <a:fillRect/>
+          </a:stretch>
+        </p:blipFill>
+        <p:spPr>
+          <a:xfrm>
+            <a:off x="1747844" y="6337055"/>
+            <a:ext cx="836680" cy="407074"/>
+          </a:xfrm>
+          <a:prstGeom prst="rect">
+            <a:avLst/>
+          </a:prstGeom>
+        </p:spPr>
+      </p:pic>
+    </p:spTree>
+    <p:extLst>
+      <p:ext uri="{BB962C8B-B14F-4D97-AF65-F5344CB8AC3E}">
+        <p14:creationId xmlns:p14="http://schemas.microsoft.com/office/powerpoint/2010/main" val="1389711841"/>
+      </p:ext>
+    </p:extLst>
+  </p:cSld>
+  <p:clrMapOvr>
+    <a:masterClrMapping/>
+  </p:clrMapOvr>
+</p:sld>
+</file>
+
+<file path=ppt/slides/slide11.xml><?xml version="1.0" encoding="utf-8"?>
+<p:sld xmlns:a="http://schemas.openxmlformats.org/drawingml/2006/main" xmlns:r="http://schemas.openxmlformats.org/officeDocument/2006/relationships" xmlns:p="http://schemas.openxmlformats.org/presentationml/2006/main">
+  <p:cSld>
+    <p:spTree>
+      <p:nvGrpSpPr>
+        <p:cNvPr id="1" name=""/>
+        <p:cNvGrpSpPr/>
+        <p:nvPr/>
+      </p:nvGrpSpPr>
+      <p:grpSpPr>
+        <a:xfrm>
+          <a:off x="0" y="0"/>
+          <a:ext cx="0" cy="0"/>
+          <a:chOff x="0" y="0"/>
+          <a:chExt cx="0" cy="0"/>
+        </a:xfrm>
+      </p:grpSpPr>
+      <p:sp>
+        <p:nvSpPr>
+          <p:cNvPr id="2" name="Título 1">
+            <a:extLst>
+              <a:ext uri="{FF2B5EF4-FFF2-40B4-BE49-F238E27FC236}">
+                <a16:creationId xmlns:a16="http://schemas.microsoft.com/office/drawing/2014/main" id="{290198D7-7381-7BD0-7B6C-3352C41A1BAD}"/>
+              </a:ext>
+            </a:extLst>
+          </p:cNvPr>
+          <p:cNvSpPr>
+            <a:spLocks noGrp="1"/>
+          </p:cNvSpPr>
+          <p:nvPr>
+            <p:ph type="ctrTitle"/>
+          </p:nvPr>
+        </p:nvSpPr>
+        <p:spPr/>
+        <p:txBody>
+          <a:bodyPr/>
+          <a:lstStyle/>
+          <a:p>
+            <a:r>
+              <a:rPr lang="en-GB" dirty="0"/>
+              <a:t>title</a:t>
+            </a:r>
+          </a:p>
+        </p:txBody>
+      </p:sp>
+      <p:sp>
+        <p:nvSpPr>
+          <p:cNvPr id="3" name="Subtítulo 2">
+            <a:extLst>
+              <a:ext uri="{FF2B5EF4-FFF2-40B4-BE49-F238E27FC236}">
+                <a16:creationId xmlns:a16="http://schemas.microsoft.com/office/drawing/2014/main" id="{717A8B4D-8CEE-D51D-5917-4538B5A34057}"/>
+              </a:ext>
+            </a:extLst>
+          </p:cNvPr>
+          <p:cNvSpPr>
+            <a:spLocks noGrp="1"/>
+          </p:cNvSpPr>
+          <p:nvPr>
+            <p:ph type="subTitle" idx="13"/>
+          </p:nvPr>
+        </p:nvSpPr>
+        <p:spPr/>
+        <p:txBody>
+          <a:bodyPr/>
+          <a:lstStyle/>
+          <a:p>
+            <a:pPr>
+              <a:lnSpc>
+                <a:spcPct val="100000"/>
+              </a:lnSpc>
+              <a:spcBef>
+                <a:spcPts val="1600"/>
+              </a:spcBef>
+            </a:pPr>
+            <a:r>
+              <a:rPr lang="en-GB" dirty="0"/>
+              <a:t>Lets make a ransomware</a:t>
+            </a:r>
+          </a:p>
+          <a:p>
+            <a:pPr>
+              <a:lnSpc>
+                <a:spcPct val="100000"/>
+              </a:lnSpc>
+              <a:spcBef>
+                <a:spcPts val="1600"/>
+              </a:spcBef>
+            </a:pPr>
+            <a:r>
+              <a:rPr lang="en-GB" dirty="0" err="1"/>
+              <a:t>Estrutura</a:t>
+            </a:r>
+            <a:r>
+              <a:rPr lang="en-GB" dirty="0"/>
+              <a:t> do virus</a:t>
+            </a:r>
+          </a:p>
+          <a:p>
+            <a:pPr>
+              <a:lnSpc>
+                <a:spcPct val="100000"/>
+              </a:lnSpc>
+              <a:spcBef>
+                <a:spcPts val="1600"/>
+              </a:spcBef>
+            </a:pPr>
+            <a:r>
+              <a:rPr lang="en-GB" dirty="0" err="1"/>
+              <a:t>Ofuscação</a:t>
+            </a:r>
+            <a:r>
+              <a:rPr lang="en-GB" dirty="0"/>
+              <a:t> do </a:t>
+            </a:r>
+            <a:r>
+              <a:rPr lang="en-GB" dirty="0" err="1"/>
+              <a:t>codigo</a:t>
+            </a:r>
+            <a:endParaRPr lang="en-GB" dirty="0"/>
+          </a:p>
+          <a:p>
+            <a:pPr>
+              <a:lnSpc>
+                <a:spcPct val="100000"/>
+              </a:lnSpc>
+              <a:spcBef>
+                <a:spcPts val="1600"/>
+              </a:spcBef>
+            </a:pPr>
+            <a:endParaRPr lang="en-GB" dirty="0"/>
+          </a:p>
+          <a:p>
+            <a:pPr>
+              <a:lnSpc>
+                <a:spcPct val="100000"/>
+              </a:lnSpc>
+              <a:spcBef>
+                <a:spcPts val="1600"/>
+              </a:spcBef>
+            </a:pPr>
+            <a:endParaRPr lang="en-GB" dirty="0"/>
+          </a:p>
+        </p:txBody>
+      </p:sp>
+      <p:pic>
+        <p:nvPicPr>
+          <p:cNvPr id="4" name="Imagem 3">
+            <a:extLst>
+              <a:ext uri="{FF2B5EF4-FFF2-40B4-BE49-F238E27FC236}">
+                <a16:creationId xmlns:a16="http://schemas.microsoft.com/office/drawing/2014/main" id="{0EAA96F2-D30E-DCF9-C35D-44D03D2F098C}"/>
+              </a:ext>
+            </a:extLst>
+          </p:cNvPr>
+          <p:cNvPicPr>
+            <a:picLocks noChangeAspect="1"/>
+          </p:cNvPicPr>
+          <p:nvPr/>
+        </p:nvPicPr>
+        <p:blipFill>
+          <a:blip r:embed="rId2">
+            <a:extLst>
+              <a:ext uri="{28A0092B-C50C-407E-A947-70E740481C1C}">
+                <a14:useLocalDpi xmlns:a14="http://schemas.microsoft.com/office/drawing/2010/main" val="0"/>
+              </a:ext>
+            </a:extLst>
+          </a:blip>
+          <a:stretch>
+            <a:fillRect/>
+          </a:stretch>
+        </p:blipFill>
+        <p:spPr>
+          <a:xfrm>
+            <a:off x="2602454" y="6371432"/>
+            <a:ext cx="438377" cy="338320"/>
+          </a:xfrm>
+          <a:prstGeom prst="rect">
+            <a:avLst/>
+          </a:prstGeom>
+        </p:spPr>
+      </p:pic>
+      <p:pic>
+        <p:nvPicPr>
+          <p:cNvPr id="5" name="Imagem 4">
+            <a:extLst>
+              <a:ext uri="{FF2B5EF4-FFF2-40B4-BE49-F238E27FC236}">
+                <a16:creationId xmlns:a16="http://schemas.microsoft.com/office/drawing/2014/main" id="{F5CA5EFD-B561-B0DC-C995-6447DDA18C62}"/>
+              </a:ext>
+            </a:extLst>
+          </p:cNvPr>
+          <p:cNvPicPr>
+            <a:picLocks noChangeAspect="1"/>
+          </p:cNvPicPr>
+          <p:nvPr/>
+        </p:nvPicPr>
+        <p:blipFill>
+          <a:blip r:embed="rId3">
+            <a:extLst>
+              <a:ext uri="{28A0092B-C50C-407E-A947-70E740481C1C}">
+                <a14:useLocalDpi xmlns:a14="http://schemas.microsoft.com/office/drawing/2010/main" val="0"/>
+              </a:ext>
+            </a:extLst>
+          </a:blip>
+          <a:stretch>
+            <a:fillRect/>
+          </a:stretch>
+        </p:blipFill>
+        <p:spPr>
+          <a:xfrm>
+            <a:off x="1747844" y="6337055"/>
+            <a:ext cx="836680" cy="407074"/>
+          </a:xfrm>
+          <a:prstGeom prst="rect">
+            <a:avLst/>
+          </a:prstGeom>
+        </p:spPr>
+      </p:pic>
+    </p:spTree>
+    <p:extLst>
+      <p:ext uri="{BB962C8B-B14F-4D97-AF65-F5344CB8AC3E}">
+        <p14:creationId xmlns:p14="http://schemas.microsoft.com/office/powerpoint/2010/main" val="2705951355"/>
+      </p:ext>
+    </p:extLst>
+  </p:cSld>
+  <p:clrMapOvr>
+    <a:masterClrMapping/>
+  </p:clrMapOvr>
+</p:sld>
+</file>
+
 <file path=ppt/slides/slide2.xml><?xml version="1.0" encoding="utf-8"?>
 <p:sld xmlns:a="http://schemas.openxmlformats.org/drawingml/2006/main" xmlns:r="http://schemas.openxmlformats.org/officeDocument/2006/relationships" xmlns:p="http://schemas.openxmlformats.org/presentationml/2006/main">
   <p:cSld>
@@ -6403,81 +7003,12 @@
           </a:p>
         </p:txBody>
       </p:sp>
-      <p:sp>
-        <p:nvSpPr>
-          <p:cNvPr id="3" name="Subtítulo 2">
-            <a:extLst>
-              <a:ext uri="{FF2B5EF4-FFF2-40B4-BE49-F238E27FC236}">
-                <a16:creationId xmlns:a16="http://schemas.microsoft.com/office/drawing/2014/main" id="{717A8B4D-8CEE-D51D-5917-4538B5A34057}"/>
-              </a:ext>
-            </a:extLst>
-          </p:cNvPr>
-          <p:cNvSpPr>
-            <a:spLocks noGrp="1"/>
-          </p:cNvSpPr>
-          <p:nvPr>
-            <p:ph type="subTitle" idx="13"/>
-          </p:nvPr>
-        </p:nvSpPr>
-        <p:spPr/>
-        <p:txBody>
-          <a:bodyPr/>
-          <a:lstStyle/>
-          <a:p>
-            <a:pPr>
-              <a:lnSpc>
-                <a:spcPct val="150000"/>
-              </a:lnSpc>
-            </a:pPr>
-            <a:r>
-              <a:rPr lang="en-GB" dirty="0"/>
-              <a:t>TO DO</a:t>
-            </a:r>
-          </a:p>
-        </p:txBody>
-      </p:sp>
       <p:pic>
         <p:nvPicPr>
           <p:cNvPr id="4" name="Imagem 3">
             <a:extLst>
               <a:ext uri="{FF2B5EF4-FFF2-40B4-BE49-F238E27FC236}">
                 <a16:creationId xmlns:a16="http://schemas.microsoft.com/office/drawing/2014/main" id="{0EAA96F2-D30E-DCF9-C35D-44D03D2F098C}"/>
-              </a:ext>
-            </a:extLst>
-          </p:cNvPr>
-          <p:cNvPicPr>
-            <a:picLocks noChangeAspect="1"/>
-          </p:cNvPicPr>
-          <p:nvPr/>
-        </p:nvPicPr>
-        <p:blipFill>
-          <a:blip r:embed="rId2">
-            <a:extLst>
-              <a:ext uri="{28A0092B-C50C-407E-A947-70E740481C1C}">
-                <a14:useLocalDpi xmlns:a14="http://schemas.microsoft.com/office/drawing/2010/main" val="0"/>
-              </a:ext>
-            </a:extLst>
-          </a:blip>
-          <a:stretch>
-            <a:fillRect/>
-          </a:stretch>
-        </p:blipFill>
-        <p:spPr>
-          <a:xfrm>
-            <a:off x="2602454" y="6371432"/>
-            <a:ext cx="438377" cy="338320"/>
-          </a:xfrm>
-          <a:prstGeom prst="rect">
-            <a:avLst/>
-          </a:prstGeom>
-        </p:spPr>
-      </p:pic>
-      <p:pic>
-        <p:nvPicPr>
-          <p:cNvPr id="5" name="Imagem 4">
-            <a:extLst>
-              <a:ext uri="{FF2B5EF4-FFF2-40B4-BE49-F238E27FC236}">
-                <a16:creationId xmlns:a16="http://schemas.microsoft.com/office/drawing/2014/main" id="{F5CA5EFD-B561-B0DC-C995-6447DDA18C62}"/>
               </a:ext>
             </a:extLst>
           </p:cNvPr>
@@ -6500,12 +7031,93 @@
         </p:blipFill>
         <p:spPr>
           <a:xfrm>
-            <a:off x="1747844" y="6337055"/>
-            <a:ext cx="836680" cy="407074"/>
+            <a:off x="2602454" y="6371432"/>
+            <a:ext cx="438377" cy="338320"/>
           </a:xfrm>
           <a:prstGeom prst="rect">
             <a:avLst/>
           </a:prstGeom>
+        </p:spPr>
+      </p:pic>
+      <p:pic>
+        <p:nvPicPr>
+          <p:cNvPr id="5" name="Imagem 4">
+            <a:extLst>
+              <a:ext uri="{FF2B5EF4-FFF2-40B4-BE49-F238E27FC236}">
+                <a16:creationId xmlns:a16="http://schemas.microsoft.com/office/drawing/2014/main" id="{F5CA5EFD-B561-B0DC-C995-6447DDA18C62}"/>
+              </a:ext>
+            </a:extLst>
+          </p:cNvPr>
+          <p:cNvPicPr>
+            <a:picLocks noChangeAspect="1"/>
+          </p:cNvPicPr>
+          <p:nvPr/>
+        </p:nvPicPr>
+        <p:blipFill>
+          <a:blip r:embed="rId4">
+            <a:extLst>
+              <a:ext uri="{28A0092B-C50C-407E-A947-70E740481C1C}">
+                <a14:useLocalDpi xmlns:a14="http://schemas.microsoft.com/office/drawing/2010/main" val="0"/>
+              </a:ext>
+            </a:extLst>
+          </a:blip>
+          <a:stretch>
+            <a:fillRect/>
+          </a:stretch>
+        </p:blipFill>
+        <p:spPr>
+          <a:xfrm>
+            <a:off x="1747844" y="6337055"/>
+            <a:ext cx="836680" cy="407074"/>
+          </a:xfrm>
+          <a:prstGeom prst="rect">
+            <a:avLst/>
+          </a:prstGeom>
+        </p:spPr>
+      </p:pic>
+      <p:pic>
+        <p:nvPicPr>
+          <p:cNvPr id="1026" name="Picture 2" descr="Ransomware Facts, Trends &amp;amp; Statistics for 2022">
+            <a:extLst>
+              <a:ext uri="{FF2B5EF4-FFF2-40B4-BE49-F238E27FC236}">
+                <a16:creationId xmlns:a16="http://schemas.microsoft.com/office/drawing/2014/main" id="{5D7AEA5D-AAAD-3D90-63BA-3832BBCA1BA2}"/>
+              </a:ext>
+            </a:extLst>
+          </p:cNvPr>
+          <p:cNvPicPr>
+            <a:picLocks noChangeAspect="1" noChangeArrowheads="1"/>
+          </p:cNvPicPr>
+          <p:nvPr/>
+        </p:nvPicPr>
+        <p:blipFill rotWithShape="1">
+          <a:blip r:embed="rId5">
+            <a:extLst>
+              <a:ext uri="{28A0092B-C50C-407E-A947-70E740481C1C}">
+                <a14:useLocalDpi xmlns:a14="http://schemas.microsoft.com/office/drawing/2010/main" val="0"/>
+              </a:ext>
+            </a:extLst>
+          </a:blip>
+          <a:srcRect b="16065"/>
+          <a:stretch/>
+        </p:blipFill>
+        <p:spPr bwMode="auto">
+          <a:xfrm>
+            <a:off x="2686861" y="1859873"/>
+            <a:ext cx="6818278" cy="4363370"/>
+          </a:xfrm>
+          <a:prstGeom prst="rect">
+            <a:avLst/>
+          </a:prstGeom>
+          <a:noFill/>
+          <a:extLst>
+            <a:ext uri="{909E8E84-426E-40DD-AFC4-6F175D3DCCD1}">
+              <a14:hiddenFill xmlns:a14="http://schemas.microsoft.com/office/drawing/2010/main">
+                <a:solidFill>
+                  <a:srgbClr val="FFFFFF"/>
+                </a:solidFill>
+              </a14:hiddenFill>
+            </a:ext>
+          </a:extLst>
         </p:spPr>
       </p:pic>
     </p:spTree>
@@ -6561,79 +7173,7 @@
           <a:p>
             <a:r>
               <a:rPr lang="en-GB" dirty="0"/>
-              <a:t>Goals for today</a:t>
-            </a:r>
-          </a:p>
-        </p:txBody>
-      </p:sp>
-      <p:sp>
-        <p:nvSpPr>
-          <p:cNvPr id="3" name="Subtítulo 2">
-            <a:extLst>
-              <a:ext uri="{FF2B5EF4-FFF2-40B4-BE49-F238E27FC236}">
-                <a16:creationId xmlns:a16="http://schemas.microsoft.com/office/drawing/2014/main" id="{717A8B4D-8CEE-D51D-5917-4538B5A34057}"/>
-              </a:ext>
-            </a:extLst>
-          </p:cNvPr>
-          <p:cNvSpPr>
-            <a:spLocks noGrp="1"/>
-          </p:cNvSpPr>
-          <p:nvPr>
-            <p:ph type="subTitle" idx="13"/>
-          </p:nvPr>
-        </p:nvSpPr>
-        <p:spPr/>
-        <p:txBody>
-          <a:bodyPr/>
-          <a:lstStyle/>
-          <a:p>
-            <a:pPr marL="457200" indent="-457200">
-              <a:lnSpc>
-                <a:spcPct val="150000"/>
-              </a:lnSpc>
-              <a:buFont typeface="+mj-lt"/>
-              <a:buAutoNum type="arabicPeriod"/>
-            </a:pPr>
-            <a:r>
-              <a:rPr lang="en-GB" dirty="0"/>
-              <a:t>Having fun…</a:t>
-            </a:r>
-          </a:p>
-          <a:p>
-            <a:pPr marL="457200" indent="-457200">
-              <a:lnSpc>
-                <a:spcPct val="150000"/>
-              </a:lnSpc>
-              <a:buFont typeface="+mj-lt"/>
-              <a:buAutoNum type="arabicPeriod"/>
-            </a:pPr>
-            <a:r>
-              <a:rPr lang="en-GB" dirty="0"/>
-              <a:t>Understand the behaviour of a malware</a:t>
-            </a:r>
-          </a:p>
-          <a:p>
-            <a:pPr marL="457200" indent="-457200">
-              <a:lnSpc>
-                <a:spcPct val="150000"/>
-              </a:lnSpc>
-              <a:buFont typeface="+mj-lt"/>
-              <a:buAutoNum type="arabicPeriod"/>
-            </a:pPr>
-            <a:r>
-              <a:rPr lang="en-GB" dirty="0"/>
-              <a:t>Create a very simple malware</a:t>
-            </a:r>
-          </a:p>
-          <a:p>
-            <a:pPr marL="971550" lvl="1" indent="-457200">
-              <a:lnSpc>
-                <a:spcPct val="100000"/>
-              </a:lnSpc>
-            </a:pPr>
-            <a:r>
-              <a:rPr lang="en-GB" dirty="0"/>
-              <a:t>that will be inoffensive</a:t>
+              <a:t>Did you know…</a:t>
             </a:r>
           </a:p>
         </p:txBody>
@@ -6644,42 +7184,6 @@
             <a:extLst>
               <a:ext uri="{FF2B5EF4-FFF2-40B4-BE49-F238E27FC236}">
                 <a16:creationId xmlns:a16="http://schemas.microsoft.com/office/drawing/2014/main" id="{0EAA96F2-D30E-DCF9-C35D-44D03D2F098C}"/>
-              </a:ext>
-            </a:extLst>
-          </p:cNvPr>
-          <p:cNvPicPr>
-            <a:picLocks noChangeAspect="1"/>
-          </p:cNvPicPr>
-          <p:nvPr/>
-        </p:nvPicPr>
-        <p:blipFill>
-          <a:blip r:embed="rId2">
-            <a:extLst>
-              <a:ext uri="{28A0092B-C50C-407E-A947-70E740481C1C}">
-                <a14:useLocalDpi xmlns:a14="http://schemas.microsoft.com/office/drawing/2010/main" val="0"/>
-              </a:ext>
-            </a:extLst>
-          </a:blip>
-          <a:stretch>
-            <a:fillRect/>
-          </a:stretch>
-        </p:blipFill>
-        <p:spPr>
-          <a:xfrm>
-            <a:off x="2602454" y="6371432"/>
-            <a:ext cx="438377" cy="338320"/>
-          </a:xfrm>
-          <a:prstGeom prst="rect">
-            <a:avLst/>
-          </a:prstGeom>
-        </p:spPr>
-      </p:pic>
-      <p:pic>
-        <p:nvPicPr>
-          <p:cNvPr id="5" name="Imagem 4">
-            <a:extLst>
-              <a:ext uri="{FF2B5EF4-FFF2-40B4-BE49-F238E27FC236}">
-                <a16:creationId xmlns:a16="http://schemas.microsoft.com/office/drawing/2014/main" id="{F5CA5EFD-B561-B0DC-C995-6447DDA18C62}"/>
               </a:ext>
             </a:extLst>
           </p:cNvPr>
@@ -6702,18 +7206,144 @@
         </p:blipFill>
         <p:spPr>
           <a:xfrm>
-            <a:off x="1747844" y="6337055"/>
-            <a:ext cx="836680" cy="407074"/>
+            <a:off x="2602454" y="6371432"/>
+            <a:ext cx="438377" cy="338320"/>
           </a:xfrm>
           <a:prstGeom prst="rect">
             <a:avLst/>
           </a:prstGeom>
+        </p:spPr>
+      </p:pic>
+      <p:pic>
+        <p:nvPicPr>
+          <p:cNvPr id="5" name="Imagem 4">
+            <a:extLst>
+              <a:ext uri="{FF2B5EF4-FFF2-40B4-BE49-F238E27FC236}">
+                <a16:creationId xmlns:a16="http://schemas.microsoft.com/office/drawing/2014/main" id="{F5CA5EFD-B561-B0DC-C995-6447DDA18C62}"/>
+              </a:ext>
+            </a:extLst>
+          </p:cNvPr>
+          <p:cNvPicPr>
+            <a:picLocks noChangeAspect="1"/>
+          </p:cNvPicPr>
+          <p:nvPr/>
+        </p:nvPicPr>
+        <p:blipFill>
+          <a:blip r:embed="rId4">
+            <a:extLst>
+              <a:ext uri="{28A0092B-C50C-407E-A947-70E740481C1C}">
+                <a14:useLocalDpi xmlns:a14="http://schemas.microsoft.com/office/drawing/2010/main" val="0"/>
+              </a:ext>
+            </a:extLst>
+          </a:blip>
+          <a:stretch>
+            <a:fillRect/>
+          </a:stretch>
+        </p:blipFill>
+        <p:spPr>
+          <a:xfrm>
+            <a:off x="1747844" y="6337055"/>
+            <a:ext cx="836680" cy="407074"/>
+          </a:xfrm>
+          <a:prstGeom prst="rect">
+            <a:avLst/>
+          </a:prstGeom>
+        </p:spPr>
+      </p:pic>
+      <p:pic>
+        <p:nvPicPr>
+          <p:cNvPr id="1026" name="Picture 2" descr="Ransomware Facts, Trends &amp;amp; Statistics for 2022">
+            <a:extLst>
+              <a:ext uri="{FF2B5EF4-FFF2-40B4-BE49-F238E27FC236}">
+                <a16:creationId xmlns:a16="http://schemas.microsoft.com/office/drawing/2014/main" id="{5D7AEA5D-AAAD-3D90-63BA-3832BBCA1BA2}"/>
+              </a:ext>
+            </a:extLst>
+          </p:cNvPr>
+          <p:cNvPicPr>
+            <a:picLocks noChangeAspect="1" noChangeArrowheads="1"/>
+          </p:cNvPicPr>
+          <p:nvPr/>
+        </p:nvPicPr>
+        <p:blipFill rotWithShape="1">
+          <a:blip r:embed="rId5">
+            <a:extLst>
+              <a:ext uri="{28A0092B-C50C-407E-A947-70E740481C1C}">
+                <a14:useLocalDpi xmlns:a14="http://schemas.microsoft.com/office/drawing/2010/main" val="0"/>
+              </a:ext>
+            </a:extLst>
+          </a:blip>
+          <a:srcRect b="16065"/>
+          <a:stretch/>
+        </p:blipFill>
+        <p:spPr bwMode="auto">
+          <a:xfrm>
+            <a:off x="2686861" y="1859873"/>
+            <a:ext cx="6818278" cy="4363370"/>
+          </a:xfrm>
+          <a:prstGeom prst="rect">
+            <a:avLst/>
+          </a:prstGeom>
+          <a:noFill/>
+          <a:extLst>
+            <a:ext uri="{909E8E84-426E-40DD-AFC4-6F175D3DCCD1}">
+              <a14:hiddenFill xmlns:a14="http://schemas.microsoft.com/office/drawing/2010/main">
+                <a:solidFill>
+                  <a:srgbClr val="FFFFFF"/>
+                </a:solidFill>
+              </a14:hiddenFill>
+            </a:ext>
+          </a:extLst>
+        </p:spPr>
+      </p:pic>
+      <p:pic>
+        <p:nvPicPr>
+          <p:cNvPr id="1028" name="Picture 4" descr="Ransomware Facts, Trends &amp;amp; Statistics for 2022">
+            <a:extLst>
+              <a:ext uri="{FF2B5EF4-FFF2-40B4-BE49-F238E27FC236}">
+                <a16:creationId xmlns:a16="http://schemas.microsoft.com/office/drawing/2014/main" id="{7DF31AD4-F502-9ED2-AE48-E3A25E4DB28F}"/>
+              </a:ext>
+            </a:extLst>
+          </p:cNvPr>
+          <p:cNvPicPr>
+            <a:picLocks noChangeAspect="1" noChangeArrowheads="1"/>
+          </p:cNvPicPr>
+          <p:nvPr/>
+        </p:nvPicPr>
+        <p:blipFill rotWithShape="1">
+          <a:blip r:embed="rId6">
+            <a:extLst>
+              <a:ext uri="{28A0092B-C50C-407E-A947-70E740481C1C}">
+                <a14:useLocalDpi xmlns:a14="http://schemas.microsoft.com/office/drawing/2010/main" val="0"/>
+              </a:ext>
+            </a:extLst>
+          </a:blip>
+          <a:srcRect b="19563"/>
+          <a:stretch/>
+        </p:blipFill>
+        <p:spPr bwMode="auto">
+          <a:xfrm>
+            <a:off x="2753734" y="1941587"/>
+            <a:ext cx="6684532" cy="4281656"/>
+          </a:xfrm>
+          <a:prstGeom prst="rect">
+            <a:avLst/>
+          </a:prstGeom>
+          <a:noFill/>
+          <a:extLst>
+            <a:ext uri="{909E8E84-426E-40DD-AFC4-6F175D3DCCD1}">
+              <a14:hiddenFill xmlns:a14="http://schemas.microsoft.com/office/drawing/2010/main">
+                <a:solidFill>
+                  <a:srgbClr val="FFFFFF"/>
+                </a:solidFill>
+              </a14:hiddenFill>
+            </a:ext>
+          </a:extLst>
         </p:spPr>
       </p:pic>
     </p:spTree>
     <p:extLst>
       <p:ext uri="{BB962C8B-B14F-4D97-AF65-F5344CB8AC3E}">
-        <p14:creationId xmlns:p14="http://schemas.microsoft.com/office/powerpoint/2010/main" val="502511410"/>
+        <p14:creationId xmlns:p14="http://schemas.microsoft.com/office/powerpoint/2010/main" val="3669055768"/>
       </p:ext>
     </p:extLst>
   </p:cSld>
@@ -6763,6 +7393,208 @@
           <a:p>
             <a:r>
               <a:rPr lang="en-GB" dirty="0"/>
+              <a:t>Goals for today</a:t>
+            </a:r>
+          </a:p>
+        </p:txBody>
+      </p:sp>
+      <p:sp>
+        <p:nvSpPr>
+          <p:cNvPr id="3" name="Subtítulo 2">
+            <a:extLst>
+              <a:ext uri="{FF2B5EF4-FFF2-40B4-BE49-F238E27FC236}">
+                <a16:creationId xmlns:a16="http://schemas.microsoft.com/office/drawing/2014/main" id="{717A8B4D-8CEE-D51D-5917-4538B5A34057}"/>
+              </a:ext>
+            </a:extLst>
+          </p:cNvPr>
+          <p:cNvSpPr>
+            <a:spLocks noGrp="1"/>
+          </p:cNvSpPr>
+          <p:nvPr>
+            <p:ph type="subTitle" idx="13"/>
+          </p:nvPr>
+        </p:nvSpPr>
+        <p:spPr/>
+        <p:txBody>
+          <a:bodyPr/>
+          <a:lstStyle/>
+          <a:p>
+            <a:pPr marL="457200" indent="-457200">
+              <a:lnSpc>
+                <a:spcPct val="150000"/>
+              </a:lnSpc>
+              <a:buFont typeface="+mj-lt"/>
+              <a:buAutoNum type="arabicPeriod"/>
+            </a:pPr>
+            <a:r>
+              <a:rPr lang="en-GB" dirty="0"/>
+              <a:t>Having fun…</a:t>
+            </a:r>
+          </a:p>
+          <a:p>
+            <a:pPr marL="457200" indent="-457200">
+              <a:lnSpc>
+                <a:spcPct val="150000"/>
+              </a:lnSpc>
+              <a:buFont typeface="+mj-lt"/>
+              <a:buAutoNum type="arabicPeriod"/>
+            </a:pPr>
+            <a:r>
+              <a:rPr lang="en-GB" dirty="0"/>
+              <a:t>Understand the behaviour of a malware</a:t>
+            </a:r>
+          </a:p>
+          <a:p>
+            <a:pPr marL="457200" indent="-457200">
+              <a:lnSpc>
+                <a:spcPct val="150000"/>
+              </a:lnSpc>
+              <a:buFont typeface="+mj-lt"/>
+              <a:buAutoNum type="arabicPeriod"/>
+            </a:pPr>
+            <a:r>
+              <a:rPr lang="en-GB" dirty="0"/>
+              <a:t>Create a very simple malware</a:t>
+            </a:r>
+          </a:p>
+          <a:p>
+            <a:pPr marL="971550" lvl="1" indent="-457200">
+              <a:lnSpc>
+                <a:spcPct val="100000"/>
+              </a:lnSpc>
+            </a:pPr>
+            <a:r>
+              <a:rPr lang="en-GB" dirty="0"/>
+              <a:t>that will be inoffensive</a:t>
+            </a:r>
+          </a:p>
+        </p:txBody>
+      </p:sp>
+      <p:pic>
+        <p:nvPicPr>
+          <p:cNvPr id="4" name="Imagem 3">
+            <a:extLst>
+              <a:ext uri="{FF2B5EF4-FFF2-40B4-BE49-F238E27FC236}">
+                <a16:creationId xmlns:a16="http://schemas.microsoft.com/office/drawing/2014/main" id="{0EAA96F2-D30E-DCF9-C35D-44D03D2F098C}"/>
+              </a:ext>
+            </a:extLst>
+          </p:cNvPr>
+          <p:cNvPicPr>
+            <a:picLocks noChangeAspect="1"/>
+          </p:cNvPicPr>
+          <p:nvPr/>
+        </p:nvPicPr>
+        <p:blipFill>
+          <a:blip r:embed="rId2">
+            <a:extLst>
+              <a:ext uri="{28A0092B-C50C-407E-A947-70E740481C1C}">
+                <a14:useLocalDpi xmlns:a14="http://schemas.microsoft.com/office/drawing/2010/main" val="0"/>
+              </a:ext>
+            </a:extLst>
+          </a:blip>
+          <a:stretch>
+            <a:fillRect/>
+          </a:stretch>
+        </p:blipFill>
+        <p:spPr>
+          <a:xfrm>
+            <a:off x="2602454" y="6371432"/>
+            <a:ext cx="438377" cy="338320"/>
+          </a:xfrm>
+          <a:prstGeom prst="rect">
+            <a:avLst/>
+          </a:prstGeom>
+        </p:spPr>
+      </p:pic>
+      <p:pic>
+        <p:nvPicPr>
+          <p:cNvPr id="5" name="Imagem 4">
+            <a:extLst>
+              <a:ext uri="{FF2B5EF4-FFF2-40B4-BE49-F238E27FC236}">
+                <a16:creationId xmlns:a16="http://schemas.microsoft.com/office/drawing/2014/main" id="{F5CA5EFD-B561-B0DC-C995-6447DDA18C62}"/>
+              </a:ext>
+            </a:extLst>
+          </p:cNvPr>
+          <p:cNvPicPr>
+            <a:picLocks noChangeAspect="1"/>
+          </p:cNvPicPr>
+          <p:nvPr/>
+        </p:nvPicPr>
+        <p:blipFill>
+          <a:blip r:embed="rId3">
+            <a:extLst>
+              <a:ext uri="{28A0092B-C50C-407E-A947-70E740481C1C}">
+                <a14:useLocalDpi xmlns:a14="http://schemas.microsoft.com/office/drawing/2010/main" val="0"/>
+              </a:ext>
+            </a:extLst>
+          </a:blip>
+          <a:stretch>
+            <a:fillRect/>
+          </a:stretch>
+        </p:blipFill>
+        <p:spPr>
+          <a:xfrm>
+            <a:off x="1747844" y="6337055"/>
+            <a:ext cx="836680" cy="407074"/>
+          </a:xfrm>
+          <a:prstGeom prst="rect">
+            <a:avLst/>
+          </a:prstGeom>
+        </p:spPr>
+      </p:pic>
+    </p:spTree>
+    <p:extLst>
+      <p:ext uri="{BB962C8B-B14F-4D97-AF65-F5344CB8AC3E}">
+        <p14:creationId xmlns:p14="http://schemas.microsoft.com/office/powerpoint/2010/main" val="502511410"/>
+      </p:ext>
+    </p:extLst>
+  </p:cSld>
+  <p:clrMapOvr>
+    <a:masterClrMapping/>
+  </p:clrMapOvr>
+</p:sld>
+</file>
+
+<file path=ppt/slides/slide5.xml><?xml version="1.0" encoding="utf-8"?>
+<p:sld xmlns:a="http://schemas.openxmlformats.org/drawingml/2006/main" xmlns:r="http://schemas.openxmlformats.org/officeDocument/2006/relationships" xmlns:p="http://schemas.openxmlformats.org/presentationml/2006/main">
+  <p:cSld>
+    <p:spTree>
+      <p:nvGrpSpPr>
+        <p:cNvPr id="1" name=""/>
+        <p:cNvGrpSpPr/>
+        <p:nvPr/>
+      </p:nvGrpSpPr>
+      <p:grpSpPr>
+        <a:xfrm>
+          <a:off x="0" y="0"/>
+          <a:ext cx="0" cy="0"/>
+          <a:chOff x="0" y="0"/>
+          <a:chExt cx="0" cy="0"/>
+        </a:xfrm>
+      </p:grpSpPr>
+      <p:sp>
+        <p:nvSpPr>
+          <p:cNvPr id="2" name="Título 1">
+            <a:extLst>
+              <a:ext uri="{FF2B5EF4-FFF2-40B4-BE49-F238E27FC236}">
+                <a16:creationId xmlns:a16="http://schemas.microsoft.com/office/drawing/2014/main" id="{290198D7-7381-7BD0-7B6C-3352C41A1BAD}"/>
+              </a:ext>
+            </a:extLst>
+          </p:cNvPr>
+          <p:cNvSpPr>
+            <a:spLocks noGrp="1"/>
+          </p:cNvSpPr>
+          <p:nvPr>
+            <p:ph type="ctrTitle"/>
+          </p:nvPr>
+        </p:nvSpPr>
+        <p:spPr/>
+        <p:txBody>
+          <a:bodyPr/>
+          <a:lstStyle/>
+          <a:p>
+            <a:r>
+              <a:rPr lang="en-GB" dirty="0"/>
               <a:t>A bit of context…</a:t>
             </a:r>
           </a:p>
@@ -6990,7 +7822,7 @@
 </p:sld>
 </file>
 
-<file path=ppt/slides/slide5.xml><?xml version="1.0" encoding="utf-8"?>
+<file path=ppt/slides/slide6.xml><?xml version="1.0" encoding="utf-8"?>
 <p:sld xmlns:a="http://schemas.openxmlformats.org/drawingml/2006/main" xmlns:r="http://schemas.openxmlformats.org/officeDocument/2006/relationships" xmlns:p="http://schemas.openxmlformats.org/presentationml/2006/main">
   <p:cSld>
     <p:spTree>
@@ -7337,263 +8169,6 @@
 </p:sld>
 </file>
 
-<file path=ppt/slides/slide6.xml><?xml version="1.0" encoding="utf-8"?>
-<p:sld xmlns:a="http://schemas.openxmlformats.org/drawingml/2006/main" xmlns:r="http://schemas.openxmlformats.org/officeDocument/2006/relationships" xmlns:p="http://schemas.openxmlformats.org/presentationml/2006/main">
-  <p:cSld>
-    <p:spTree>
-      <p:nvGrpSpPr>
-        <p:cNvPr id="1" name=""/>
-        <p:cNvGrpSpPr/>
-        <p:nvPr/>
-      </p:nvGrpSpPr>
-      <p:grpSpPr>
-        <a:xfrm>
-          <a:off x="0" y="0"/>
-          <a:ext cx="0" cy="0"/>
-          <a:chOff x="0" y="0"/>
-          <a:chExt cx="0" cy="0"/>
-        </a:xfrm>
-      </p:grpSpPr>
-      <p:sp>
-        <p:nvSpPr>
-          <p:cNvPr id="2" name="Título 1">
-            <a:extLst>
-              <a:ext uri="{FF2B5EF4-FFF2-40B4-BE49-F238E27FC236}">
-                <a16:creationId xmlns:a16="http://schemas.microsoft.com/office/drawing/2014/main" id="{290198D7-7381-7BD0-7B6C-3352C41A1BAD}"/>
-              </a:ext>
-            </a:extLst>
-          </p:cNvPr>
-          <p:cNvSpPr>
-            <a:spLocks noGrp="1"/>
-          </p:cNvSpPr>
-          <p:nvPr>
-            <p:ph type="ctrTitle"/>
-          </p:nvPr>
-        </p:nvSpPr>
-        <p:spPr/>
-        <p:txBody>
-          <a:bodyPr/>
-          <a:lstStyle/>
-          <a:p>
-            <a:r>
-              <a:rPr lang="en-GB" dirty="0"/>
-              <a:t>title</a:t>
-            </a:r>
-          </a:p>
-        </p:txBody>
-      </p:sp>
-      <p:sp>
-        <p:nvSpPr>
-          <p:cNvPr id="3" name="Subtítulo 2">
-            <a:extLst>
-              <a:ext uri="{FF2B5EF4-FFF2-40B4-BE49-F238E27FC236}">
-                <a16:creationId xmlns:a16="http://schemas.microsoft.com/office/drawing/2014/main" id="{717A8B4D-8CEE-D51D-5917-4538B5A34057}"/>
-              </a:ext>
-            </a:extLst>
-          </p:cNvPr>
-          <p:cNvSpPr>
-            <a:spLocks noGrp="1"/>
-          </p:cNvSpPr>
-          <p:nvPr>
-            <p:ph type="subTitle" idx="13"/>
-          </p:nvPr>
-        </p:nvSpPr>
-        <p:spPr/>
-        <p:txBody>
-          <a:bodyPr/>
-          <a:lstStyle/>
-          <a:p>
-            <a:pPr>
-              <a:lnSpc>
-                <a:spcPct val="100000"/>
-              </a:lnSpc>
-              <a:spcBef>
-                <a:spcPts val="1600"/>
-              </a:spcBef>
-            </a:pPr>
-            <a:r>
-              <a:rPr lang="en-GB" dirty="0"/>
-              <a:t>What we can do with a virus?</a:t>
-            </a:r>
-          </a:p>
-          <a:p>
-            <a:pPr>
-              <a:lnSpc>
-                <a:spcPct val="100000"/>
-              </a:lnSpc>
-              <a:spcBef>
-                <a:spcPts val="1600"/>
-              </a:spcBef>
-            </a:pPr>
-            <a:r>
-              <a:rPr lang="en-GB" dirty="0"/>
-              <a:t>Types of virus</a:t>
-            </a:r>
-          </a:p>
-          <a:p>
-            <a:pPr>
-              <a:lnSpc>
-                <a:spcPct val="100000"/>
-              </a:lnSpc>
-              <a:spcBef>
-                <a:spcPts val="1600"/>
-              </a:spcBef>
-            </a:pPr>
-            <a:r>
-              <a:rPr lang="en-GB" dirty="0"/>
-              <a:t>Lets make a ransomware</a:t>
-            </a:r>
-          </a:p>
-          <a:p>
-            <a:pPr>
-              <a:lnSpc>
-                <a:spcPct val="100000"/>
-              </a:lnSpc>
-              <a:spcBef>
-                <a:spcPts val="1600"/>
-              </a:spcBef>
-            </a:pPr>
-            <a:r>
-              <a:rPr lang="en-GB" dirty="0" err="1"/>
-              <a:t>Estrutura</a:t>
-            </a:r>
-            <a:r>
-              <a:rPr lang="en-GB" dirty="0"/>
-              <a:t> do virus</a:t>
-            </a:r>
-          </a:p>
-          <a:p>
-            <a:pPr>
-              <a:lnSpc>
-                <a:spcPct val="100000"/>
-              </a:lnSpc>
-              <a:spcBef>
-                <a:spcPts val="1600"/>
-              </a:spcBef>
-            </a:pPr>
-            <a:r>
-              <a:rPr lang="en-GB" dirty="0" err="1"/>
-              <a:t>Ofuscação</a:t>
-            </a:r>
-            <a:r>
-              <a:rPr lang="en-GB" dirty="0"/>
-              <a:t> do </a:t>
-            </a:r>
-            <a:r>
-              <a:rPr lang="en-GB" dirty="0" err="1"/>
-              <a:t>codigo</a:t>
-            </a:r>
-            <a:endParaRPr lang="en-GB" dirty="0"/>
-          </a:p>
-          <a:p>
-            <a:pPr>
-              <a:lnSpc>
-                <a:spcPct val="100000"/>
-              </a:lnSpc>
-              <a:spcBef>
-                <a:spcPts val="1600"/>
-              </a:spcBef>
-            </a:pPr>
-            <a:endParaRPr lang="en-GB" dirty="0"/>
-          </a:p>
-          <a:p>
-            <a:pPr>
-              <a:lnSpc>
-                <a:spcPct val="100000"/>
-              </a:lnSpc>
-              <a:spcBef>
-                <a:spcPts val="1600"/>
-              </a:spcBef>
-            </a:pPr>
-            <a:endParaRPr lang="en-GB" dirty="0"/>
-          </a:p>
-        </p:txBody>
-      </p:sp>
-      <p:pic>
-        <p:nvPicPr>
-          <p:cNvPr id="4" name="Imagem 3">
-            <a:extLst>
-              <a:ext uri="{FF2B5EF4-FFF2-40B4-BE49-F238E27FC236}">
-                <a16:creationId xmlns:a16="http://schemas.microsoft.com/office/drawing/2014/main" id="{0EAA96F2-D30E-DCF9-C35D-44D03D2F098C}"/>
-              </a:ext>
-            </a:extLst>
-          </p:cNvPr>
-          <p:cNvPicPr>
-            <a:picLocks noChangeAspect="1"/>
-          </p:cNvPicPr>
-          <p:nvPr/>
-        </p:nvPicPr>
-        <p:blipFill>
-          <a:blip r:embed="rId2">
-            <a:extLst>
-              <a:ext uri="{28A0092B-C50C-407E-A947-70E740481C1C}">
-                <a14:useLocalDpi xmlns:a14="http://schemas.microsoft.com/office/drawing/2010/main" val="0"/>
-              </a:ext>
-            </a:extLst>
-          </a:blip>
-          <a:stretch>
-            <a:fillRect/>
-          </a:stretch>
-        </p:blipFill>
-        <p:spPr>
-          <a:xfrm>
-            <a:off x="2602454" y="6371432"/>
-            <a:ext cx="438377" cy="338320"/>
-          </a:xfrm>
-          <a:prstGeom prst="rect">
-            <a:avLst/>
-          </a:prstGeom>
-        </p:spPr>
-      </p:pic>
-      <p:pic>
-        <p:nvPicPr>
-          <p:cNvPr id="5" name="Imagem 4">
-            <a:extLst>
-              <a:ext uri="{FF2B5EF4-FFF2-40B4-BE49-F238E27FC236}">
-                <a16:creationId xmlns:a16="http://schemas.microsoft.com/office/drawing/2014/main" id="{F5CA5EFD-B561-B0DC-C995-6447DDA18C62}"/>
-              </a:ext>
-            </a:extLst>
-          </p:cNvPr>
-          <p:cNvPicPr>
-            <a:picLocks noChangeAspect="1"/>
-          </p:cNvPicPr>
-          <p:nvPr/>
-        </p:nvPicPr>
-        <p:blipFill>
-          <a:blip r:embed="rId3">
-            <a:extLst>
-              <a:ext uri="{28A0092B-C50C-407E-A947-70E740481C1C}">
-                <a14:useLocalDpi xmlns:a14="http://schemas.microsoft.com/office/drawing/2010/main" val="0"/>
-              </a:ext>
-            </a:extLst>
-          </a:blip>
-          <a:stretch>
-            <a:fillRect/>
-          </a:stretch>
-        </p:blipFill>
-        <p:spPr>
-          <a:xfrm>
-            <a:off x="1747844" y="6337055"/>
-            <a:ext cx="836680" cy="407074"/>
-          </a:xfrm>
-          <a:prstGeom prst="rect">
-            <a:avLst/>
-          </a:prstGeom>
-        </p:spPr>
-      </p:pic>
-    </p:spTree>
-    <p:extLst>
-      <p:ext uri="{BB962C8B-B14F-4D97-AF65-F5344CB8AC3E}">
-        <p14:creationId xmlns:p14="http://schemas.microsoft.com/office/powerpoint/2010/main" val="2705951355"/>
-      </p:ext>
-    </p:extLst>
-  </p:cSld>
-  <p:clrMapOvr>
-    <a:masterClrMapping/>
-  </p:clrMapOvr>
-</p:sld>
-</file>
-
 <file path=ppt/slides/slide7.xml><?xml version="1.0" encoding="utf-8"?>
 <p:sld xmlns:a="http://schemas.openxmlformats.org/drawingml/2006/main" xmlns:r="http://schemas.openxmlformats.org/officeDocument/2006/relationships" xmlns:p="http://schemas.openxmlformats.org/presentationml/2006/main">
   <p:cSld>
@@ -7634,7 +8209,513 @@
           <a:p>
             <a:r>
               <a:rPr lang="en-GB" dirty="0"/>
-              <a:t>Title</a:t>
+              <a:t>What is a malware?</a:t>
+            </a:r>
+          </a:p>
+        </p:txBody>
+      </p:sp>
+      <p:sp>
+        <p:nvSpPr>
+          <p:cNvPr id="3" name="Subtítulo 2">
+            <a:extLst>
+              <a:ext uri="{FF2B5EF4-FFF2-40B4-BE49-F238E27FC236}">
+                <a16:creationId xmlns:a16="http://schemas.microsoft.com/office/drawing/2014/main" id="{717A8B4D-8CEE-D51D-5917-4538B5A34057}"/>
+              </a:ext>
+            </a:extLst>
+          </p:cNvPr>
+          <p:cNvSpPr>
+            <a:spLocks noGrp="1"/>
+          </p:cNvSpPr>
+          <p:nvPr>
+            <p:ph type="subTitle" idx="13"/>
+          </p:nvPr>
+        </p:nvSpPr>
+        <p:spPr/>
+        <p:txBody>
+          <a:bodyPr/>
+          <a:lstStyle/>
+          <a:p>
+            <a:pPr>
+              <a:lnSpc>
+                <a:spcPct val="100000"/>
+              </a:lnSpc>
+              <a:spcBef>
+                <a:spcPts val="1600"/>
+              </a:spcBef>
+            </a:pPr>
+            <a:r>
+              <a:rPr lang="en-GB" dirty="0"/>
+              <a:t>Quick answer</a:t>
+            </a:r>
+          </a:p>
+          <a:p>
+            <a:pPr lvl="1">
+              <a:lnSpc>
+                <a:spcPct val="100000"/>
+              </a:lnSpc>
+            </a:pPr>
+            <a:r>
+              <a:rPr lang="en-GB" dirty="0"/>
+              <a:t>Software, with bad purposes</a:t>
+            </a:r>
+          </a:p>
+          <a:p>
+            <a:pPr>
+              <a:lnSpc>
+                <a:spcPct val="100000"/>
+              </a:lnSpc>
+              <a:spcBef>
+                <a:spcPts val="1600"/>
+              </a:spcBef>
+            </a:pPr>
+            <a:r>
+              <a:rPr lang="en-GB" dirty="0"/>
+              <a:t>Different types of malware</a:t>
+            </a:r>
+          </a:p>
+          <a:p>
+            <a:pPr lvl="1">
+              <a:lnSpc>
+                <a:spcPct val="100000"/>
+              </a:lnSpc>
+            </a:pPr>
+            <a:r>
+              <a:rPr lang="en-GB" dirty="0"/>
+              <a:t>Viruses, ransomware, trojan, spyware, worms</a:t>
+            </a:r>
+          </a:p>
+          <a:p>
+            <a:pPr>
+              <a:lnSpc>
+                <a:spcPct val="100000"/>
+              </a:lnSpc>
+            </a:pPr>
+            <a:r>
+              <a:rPr lang="en-GB" dirty="0"/>
+              <a:t>Goal</a:t>
+            </a:r>
+          </a:p>
+          <a:p>
+            <a:pPr lvl="1">
+              <a:lnSpc>
+                <a:spcPct val="100000"/>
+              </a:lnSpc>
+            </a:pPr>
+            <a:r>
+              <a:rPr lang="en-GB" dirty="0"/>
+              <a:t>Money, cyber-vandalism, hacktivism, cyber-war</a:t>
+            </a:r>
+          </a:p>
+          <a:p>
+            <a:pPr>
+              <a:lnSpc>
+                <a:spcPct val="100000"/>
+              </a:lnSpc>
+              <a:spcBef>
+                <a:spcPts val="1600"/>
+              </a:spcBef>
+            </a:pPr>
+            <a:endParaRPr lang="en-GB" dirty="0"/>
+          </a:p>
+          <a:p>
+            <a:pPr lvl="1">
+              <a:lnSpc>
+                <a:spcPct val="100000"/>
+              </a:lnSpc>
+              <a:spcBef>
+                <a:spcPts val="1600"/>
+              </a:spcBef>
+            </a:pPr>
+            <a:endParaRPr lang="en-GB" dirty="0"/>
+          </a:p>
+          <a:p>
+            <a:pPr>
+              <a:lnSpc>
+                <a:spcPct val="100000"/>
+              </a:lnSpc>
+              <a:spcBef>
+                <a:spcPts val="1600"/>
+              </a:spcBef>
+            </a:pPr>
+            <a:endParaRPr lang="en-GB" dirty="0"/>
+          </a:p>
+        </p:txBody>
+      </p:sp>
+      <p:pic>
+        <p:nvPicPr>
+          <p:cNvPr id="4" name="Imagem 3">
+            <a:extLst>
+              <a:ext uri="{FF2B5EF4-FFF2-40B4-BE49-F238E27FC236}">
+                <a16:creationId xmlns:a16="http://schemas.microsoft.com/office/drawing/2014/main" id="{0EAA96F2-D30E-DCF9-C35D-44D03D2F098C}"/>
+              </a:ext>
+            </a:extLst>
+          </p:cNvPr>
+          <p:cNvPicPr>
+            <a:picLocks noChangeAspect="1"/>
+          </p:cNvPicPr>
+          <p:nvPr/>
+        </p:nvPicPr>
+        <p:blipFill>
+          <a:blip r:embed="rId2">
+            <a:extLst>
+              <a:ext uri="{28A0092B-C50C-407E-A947-70E740481C1C}">
+                <a14:useLocalDpi xmlns:a14="http://schemas.microsoft.com/office/drawing/2010/main" val="0"/>
+              </a:ext>
+            </a:extLst>
+          </a:blip>
+          <a:stretch>
+            <a:fillRect/>
+          </a:stretch>
+        </p:blipFill>
+        <p:spPr>
+          <a:xfrm>
+            <a:off x="2602454" y="6371432"/>
+            <a:ext cx="438377" cy="338320"/>
+          </a:xfrm>
+          <a:prstGeom prst="rect">
+            <a:avLst/>
+          </a:prstGeom>
+        </p:spPr>
+      </p:pic>
+      <p:pic>
+        <p:nvPicPr>
+          <p:cNvPr id="5" name="Imagem 4">
+            <a:extLst>
+              <a:ext uri="{FF2B5EF4-FFF2-40B4-BE49-F238E27FC236}">
+                <a16:creationId xmlns:a16="http://schemas.microsoft.com/office/drawing/2014/main" id="{F5CA5EFD-B561-B0DC-C995-6447DDA18C62}"/>
+              </a:ext>
+            </a:extLst>
+          </p:cNvPr>
+          <p:cNvPicPr>
+            <a:picLocks noChangeAspect="1"/>
+          </p:cNvPicPr>
+          <p:nvPr/>
+        </p:nvPicPr>
+        <p:blipFill>
+          <a:blip r:embed="rId3">
+            <a:extLst>
+              <a:ext uri="{28A0092B-C50C-407E-A947-70E740481C1C}">
+                <a14:useLocalDpi xmlns:a14="http://schemas.microsoft.com/office/drawing/2010/main" val="0"/>
+              </a:ext>
+            </a:extLst>
+          </a:blip>
+          <a:stretch>
+            <a:fillRect/>
+          </a:stretch>
+        </p:blipFill>
+        <p:spPr>
+          <a:xfrm>
+            <a:off x="1747844" y="6337055"/>
+            <a:ext cx="836680" cy="407074"/>
+          </a:xfrm>
+          <a:prstGeom prst="rect">
+            <a:avLst/>
+          </a:prstGeom>
+        </p:spPr>
+      </p:pic>
+    </p:spTree>
+    <p:extLst>
+      <p:ext uri="{BB962C8B-B14F-4D97-AF65-F5344CB8AC3E}">
+        <p14:creationId xmlns:p14="http://schemas.microsoft.com/office/powerpoint/2010/main" val="2159338900"/>
+      </p:ext>
+    </p:extLst>
+  </p:cSld>
+  <p:clrMapOvr>
+    <a:masterClrMapping/>
+  </p:clrMapOvr>
+</p:sld>
+</file>
+
+<file path=ppt/slides/slide8.xml><?xml version="1.0" encoding="utf-8"?>
+<p:sld xmlns:a="http://schemas.openxmlformats.org/drawingml/2006/main" xmlns:r="http://schemas.openxmlformats.org/officeDocument/2006/relationships" xmlns:p="http://schemas.openxmlformats.org/presentationml/2006/main">
+  <p:cSld>
+    <p:spTree>
+      <p:nvGrpSpPr>
+        <p:cNvPr id="1" name=""/>
+        <p:cNvGrpSpPr/>
+        <p:nvPr/>
+      </p:nvGrpSpPr>
+      <p:grpSpPr>
+        <a:xfrm>
+          <a:off x="0" y="0"/>
+          <a:ext cx="0" cy="0"/>
+          <a:chOff x="0" y="0"/>
+          <a:chExt cx="0" cy="0"/>
+        </a:xfrm>
+      </p:grpSpPr>
+      <p:sp>
+        <p:nvSpPr>
+          <p:cNvPr id="2" name="Título 1">
+            <a:extLst>
+              <a:ext uri="{FF2B5EF4-FFF2-40B4-BE49-F238E27FC236}">
+                <a16:creationId xmlns:a16="http://schemas.microsoft.com/office/drawing/2014/main" id="{290198D7-7381-7BD0-7B6C-3352C41A1BAD}"/>
+              </a:ext>
+            </a:extLst>
+          </p:cNvPr>
+          <p:cNvSpPr>
+            <a:spLocks noGrp="1"/>
+          </p:cNvSpPr>
+          <p:nvPr>
+            <p:ph type="ctrTitle"/>
+          </p:nvPr>
+        </p:nvSpPr>
+        <p:spPr/>
+        <p:txBody>
+          <a:bodyPr/>
+          <a:lstStyle/>
+          <a:p>
+            <a:r>
+              <a:rPr lang="en-GB" dirty="0"/>
+              <a:t>Good practices</a:t>
+            </a:r>
+          </a:p>
+        </p:txBody>
+      </p:sp>
+      <p:sp>
+        <p:nvSpPr>
+          <p:cNvPr id="3" name="Subtítulo 2">
+            <a:extLst>
+              <a:ext uri="{FF2B5EF4-FFF2-40B4-BE49-F238E27FC236}">
+                <a16:creationId xmlns:a16="http://schemas.microsoft.com/office/drawing/2014/main" id="{717A8B4D-8CEE-D51D-5917-4538B5A34057}"/>
+              </a:ext>
+            </a:extLst>
+          </p:cNvPr>
+          <p:cNvSpPr>
+            <a:spLocks noGrp="1"/>
+          </p:cNvSpPr>
+          <p:nvPr>
+            <p:ph type="subTitle" idx="13"/>
+          </p:nvPr>
+        </p:nvSpPr>
+        <p:spPr/>
+        <p:txBody>
+          <a:bodyPr/>
+          <a:lstStyle/>
+          <a:p>
+            <a:pPr>
+              <a:lnSpc>
+                <a:spcPct val="100000"/>
+              </a:lnSpc>
+              <a:spcBef>
+                <a:spcPts val="1600"/>
+              </a:spcBef>
+            </a:pPr>
+            <a:r>
+              <a:rPr lang="en-GB" dirty="0"/>
+              <a:t>Code obfuscation</a:t>
+            </a:r>
+          </a:p>
+          <a:p>
+            <a:pPr>
+              <a:lnSpc>
+                <a:spcPct val="100000"/>
+              </a:lnSpc>
+              <a:spcBef>
+                <a:spcPts val="1600"/>
+              </a:spcBef>
+            </a:pPr>
+            <a:r>
+              <a:rPr lang="en-GB" dirty="0"/>
+              <a:t>Do not reuse code</a:t>
+            </a:r>
+          </a:p>
+          <a:p>
+            <a:pPr lvl="1">
+              <a:lnSpc>
+                <a:spcPct val="100000"/>
+              </a:lnSpc>
+            </a:pPr>
+            <a:r>
+              <a:rPr lang="en-GB" dirty="0"/>
+              <a:t>Neither toolkits, that is for Lammers</a:t>
+            </a:r>
+          </a:p>
+          <a:p>
+            <a:pPr>
+              <a:lnSpc>
+                <a:spcPct val="100000"/>
+              </a:lnSpc>
+            </a:pPr>
+            <a:r>
+              <a:rPr lang="en-GB" dirty="0"/>
+              <a:t>Define an architecture</a:t>
+            </a:r>
+          </a:p>
+          <a:p>
+            <a:pPr lvl="1">
+              <a:lnSpc>
+                <a:spcPct val="100000"/>
+              </a:lnSpc>
+            </a:pPr>
+            <a:r>
+              <a:rPr lang="en-GB" dirty="0"/>
+              <a:t>It is software, so it should be planned like a software</a:t>
+            </a:r>
+          </a:p>
+          <a:p>
+            <a:pPr>
+              <a:lnSpc>
+                <a:spcPct val="100000"/>
+              </a:lnSpc>
+              <a:spcBef>
+                <a:spcPts val="1600"/>
+              </a:spcBef>
+            </a:pPr>
+            <a:r>
+              <a:rPr lang="en-GB" dirty="0"/>
+              <a:t>Use Virtual Machine</a:t>
+            </a:r>
+          </a:p>
+          <a:p>
+            <a:pPr lvl="1">
+              <a:lnSpc>
+                <a:spcPct val="100000"/>
+              </a:lnSpc>
+            </a:pPr>
+            <a:r>
+              <a:rPr lang="en-GB" dirty="0"/>
+              <a:t>Disconnected from the web</a:t>
+            </a:r>
+          </a:p>
+          <a:p>
+            <a:pPr lvl="1">
+              <a:lnSpc>
+                <a:spcPct val="100000"/>
+              </a:lnSpc>
+            </a:pPr>
+            <a:r>
+              <a:rPr lang="en-GB" dirty="0"/>
+              <a:t>But for this workshop, we can use your local computer</a:t>
+            </a:r>
+          </a:p>
+        </p:txBody>
+      </p:sp>
+      <p:pic>
+        <p:nvPicPr>
+          <p:cNvPr id="4" name="Imagem 3">
+            <a:extLst>
+              <a:ext uri="{FF2B5EF4-FFF2-40B4-BE49-F238E27FC236}">
+                <a16:creationId xmlns:a16="http://schemas.microsoft.com/office/drawing/2014/main" id="{0EAA96F2-D30E-DCF9-C35D-44D03D2F098C}"/>
+              </a:ext>
+            </a:extLst>
+          </p:cNvPr>
+          <p:cNvPicPr>
+            <a:picLocks noChangeAspect="1"/>
+          </p:cNvPicPr>
+          <p:nvPr/>
+        </p:nvPicPr>
+        <p:blipFill>
+          <a:blip r:embed="rId2">
+            <a:extLst>
+              <a:ext uri="{28A0092B-C50C-407E-A947-70E740481C1C}">
+                <a14:useLocalDpi xmlns:a14="http://schemas.microsoft.com/office/drawing/2010/main" val="0"/>
+              </a:ext>
+            </a:extLst>
+          </a:blip>
+          <a:stretch>
+            <a:fillRect/>
+          </a:stretch>
+        </p:blipFill>
+        <p:spPr>
+          <a:xfrm>
+            <a:off x="2602454" y="6371432"/>
+            <a:ext cx="438377" cy="338320"/>
+          </a:xfrm>
+          <a:prstGeom prst="rect">
+            <a:avLst/>
+          </a:prstGeom>
+        </p:spPr>
+      </p:pic>
+      <p:pic>
+        <p:nvPicPr>
+          <p:cNvPr id="5" name="Imagem 4">
+            <a:extLst>
+              <a:ext uri="{FF2B5EF4-FFF2-40B4-BE49-F238E27FC236}">
+                <a16:creationId xmlns:a16="http://schemas.microsoft.com/office/drawing/2014/main" id="{F5CA5EFD-B561-B0DC-C995-6447DDA18C62}"/>
+              </a:ext>
+            </a:extLst>
+          </p:cNvPr>
+          <p:cNvPicPr>
+            <a:picLocks noChangeAspect="1"/>
+          </p:cNvPicPr>
+          <p:nvPr/>
+        </p:nvPicPr>
+        <p:blipFill>
+          <a:blip r:embed="rId3">
+            <a:extLst>
+              <a:ext uri="{28A0092B-C50C-407E-A947-70E740481C1C}">
+                <a14:useLocalDpi xmlns:a14="http://schemas.microsoft.com/office/drawing/2010/main" val="0"/>
+              </a:ext>
+            </a:extLst>
+          </a:blip>
+          <a:stretch>
+            <a:fillRect/>
+          </a:stretch>
+        </p:blipFill>
+        <p:spPr>
+          <a:xfrm>
+            <a:off x="1747844" y="6337055"/>
+            <a:ext cx="836680" cy="407074"/>
+          </a:xfrm>
+          <a:prstGeom prst="rect">
+            <a:avLst/>
+          </a:prstGeom>
+        </p:spPr>
+      </p:pic>
+    </p:spTree>
+    <p:extLst>
+      <p:ext uri="{BB962C8B-B14F-4D97-AF65-F5344CB8AC3E}">
+        <p14:creationId xmlns:p14="http://schemas.microsoft.com/office/powerpoint/2010/main" val="288484117"/>
+      </p:ext>
+    </p:extLst>
+  </p:cSld>
+  <p:clrMapOvr>
+    <a:masterClrMapping/>
+  </p:clrMapOvr>
+</p:sld>
+</file>
+
+<file path=ppt/slides/slide9.xml><?xml version="1.0" encoding="utf-8"?>
+<p:sld xmlns:a="http://schemas.openxmlformats.org/drawingml/2006/main" xmlns:r="http://schemas.openxmlformats.org/officeDocument/2006/relationships" xmlns:p="http://schemas.openxmlformats.org/presentationml/2006/main">
+  <p:cSld>
+    <p:spTree>
+      <p:nvGrpSpPr>
+        <p:cNvPr id="1" name=""/>
+        <p:cNvGrpSpPr/>
+        <p:nvPr/>
+      </p:nvGrpSpPr>
+      <p:grpSpPr>
+        <a:xfrm>
+          <a:off x="0" y="0"/>
+          <a:ext cx="0" cy="0"/>
+          <a:chOff x="0" y="0"/>
+          <a:chExt cx="0" cy="0"/>
+        </a:xfrm>
+      </p:grpSpPr>
+      <p:sp>
+        <p:nvSpPr>
+          <p:cNvPr id="2" name="Título 1">
+            <a:extLst>
+              <a:ext uri="{FF2B5EF4-FFF2-40B4-BE49-F238E27FC236}">
+                <a16:creationId xmlns:a16="http://schemas.microsoft.com/office/drawing/2014/main" id="{290198D7-7381-7BD0-7B6C-3352C41A1BAD}"/>
+              </a:ext>
+            </a:extLst>
+          </p:cNvPr>
+          <p:cNvSpPr>
+            <a:spLocks noGrp="1"/>
+          </p:cNvSpPr>
+          <p:nvPr>
+            <p:ph type="ctrTitle"/>
+          </p:nvPr>
+        </p:nvSpPr>
+        <p:spPr/>
+        <p:txBody>
+          <a:bodyPr/>
+          <a:lstStyle/>
+          <a:p>
+            <a:r>
+              <a:rPr lang="en-GB" dirty="0"/>
+              <a:t>Let’s make a malware</a:t>
             </a:r>
             <a:br>
               <a:rPr lang="en-GB" dirty="0"/>
@@ -7647,7 +8728,7 @@
                   </a:schemeClr>
                 </a:solidFill>
               </a:rPr>
-              <a:t>Subtitle</a:t>
+              <a:t>Architecture</a:t>
             </a:r>
             <a:endParaRPr lang="en-GB" dirty="0"/>
           </a:p>

--- a/presentation/Presentation.pptx
+++ b/presentation/Presentation.pptx
@@ -5,20 +5,37 @@
     <p:sldMasterId id="2147483648" r:id="rId1"/>
   </p:sldMasterIdLst>
   <p:notesMasterIdLst>
-    <p:notesMasterId r:id="rId13"/>
+    <p:notesMasterId r:id="rId30"/>
   </p:notesMasterIdLst>
   <p:sldIdLst>
     <p:sldId id="259" r:id="rId2"/>
     <p:sldId id="261" r:id="rId3"/>
     <p:sldId id="270" r:id="rId4"/>
     <p:sldId id="263" r:id="rId5"/>
-    <p:sldId id="264" r:id="rId6"/>
-    <p:sldId id="265" r:id="rId7"/>
-    <p:sldId id="267" r:id="rId8"/>
-    <p:sldId id="268" r:id="rId9"/>
-    <p:sldId id="262" r:id="rId10"/>
-    <p:sldId id="269" r:id="rId11"/>
-    <p:sldId id="266" r:id="rId12"/>
+    <p:sldId id="267" r:id="rId6"/>
+    <p:sldId id="288" r:id="rId7"/>
+    <p:sldId id="289" r:id="rId8"/>
+    <p:sldId id="290" r:id="rId9"/>
+    <p:sldId id="291" r:id="rId10"/>
+    <p:sldId id="264" r:id="rId11"/>
+    <p:sldId id="265" r:id="rId12"/>
+    <p:sldId id="268" r:id="rId13"/>
+    <p:sldId id="280" r:id="rId14"/>
+    <p:sldId id="262" r:id="rId15"/>
+    <p:sldId id="271" r:id="rId16"/>
+    <p:sldId id="274" r:id="rId17"/>
+    <p:sldId id="275" r:id="rId18"/>
+    <p:sldId id="292" r:id="rId19"/>
+    <p:sldId id="279" r:id="rId20"/>
+    <p:sldId id="272" r:id="rId21"/>
+    <p:sldId id="282" r:id="rId22"/>
+    <p:sldId id="283" r:id="rId23"/>
+    <p:sldId id="284" r:id="rId24"/>
+    <p:sldId id="281" r:id="rId25"/>
+    <p:sldId id="276" r:id="rId26"/>
+    <p:sldId id="278" r:id="rId27"/>
+    <p:sldId id="287" r:id="rId28"/>
+    <p:sldId id="286" r:id="rId29"/>
   </p:sldIdLst>
   <p:sldSz cx="12192000" cy="6858000"/>
   <p:notesSz cx="6858000" cy="9144000"/>
@@ -207,7 +224,7 @@
           <a:p>
             <a:fld id="{17F23661-E68F-432A-A181-BA9A618B9166}" type="datetimeFigureOut">
               <a:rPr lang="pt-PT" smtClean="0"/>
-              <a:t>16/05/22</a:t>
+              <a:t>22/05/22</a:t>
             </a:fld>
             <a:endParaRPr lang="pt-PT"/>
           </a:p>
@@ -729,7 +746,7 @@
           <a:p>
             <a:fld id="{862D1C96-AE65-4153-A540-555B06E2BF5D}" type="slidenum">
               <a:rPr lang="pt-PT" smtClean="0"/>
-              <a:t>6</a:t>
+              <a:t>11</a:t>
             </a:fld>
             <a:endParaRPr lang="pt-PT"/>
           </a:p>
@@ -765,42 +782,6 @@
           <a:chExt cx="0" cy="0"/>
         </a:xfrm>
       </p:grpSpPr>
-      <p:pic>
-        <p:nvPicPr>
-          <p:cNvPr id="5" name="Imagem 4">
-            <a:extLst>
-              <a:ext uri="{FF2B5EF4-FFF2-40B4-BE49-F238E27FC236}">
-                <a16:creationId xmlns:a16="http://schemas.microsoft.com/office/drawing/2014/main" id="{354A9E35-B252-44FA-9D1A-F86990BBD423}"/>
-              </a:ext>
-            </a:extLst>
-          </p:cNvPr>
-          <p:cNvPicPr>
-            <a:picLocks noChangeAspect="1"/>
-          </p:cNvPicPr>
-          <p:nvPr userDrawn="1"/>
-        </p:nvPicPr>
-        <p:blipFill>
-          <a:blip r:embed="rId2">
-            <a:extLst>
-              <a:ext uri="{28A0092B-C50C-407E-A947-70E740481C1C}">
-                <a14:useLocalDpi xmlns:a14="http://schemas.microsoft.com/office/drawing/2010/main" val="0"/>
-              </a:ext>
-            </a:extLst>
-          </a:blip>
-          <a:stretch>
-            <a:fillRect/>
-          </a:stretch>
-        </p:blipFill>
-        <p:spPr>
-          <a:xfrm>
-            <a:off x="839788" y="717568"/>
-            <a:ext cx="3406777" cy="555506"/>
-          </a:xfrm>
-          <a:prstGeom prst="rect">
-            <a:avLst/>
-          </a:prstGeom>
-        </p:spPr>
-      </p:pic>
       <p:sp>
         <p:nvSpPr>
           <p:cNvPr id="10" name="Título 1">
@@ -1024,6 +1005,42 @@
           </a:p>
         </p:txBody>
       </p:sp>
+      <p:pic>
+        <p:nvPicPr>
+          <p:cNvPr id="7" name="Imagem 6">
+            <a:extLst>
+              <a:ext uri="{FF2B5EF4-FFF2-40B4-BE49-F238E27FC236}">
+                <a16:creationId xmlns:a16="http://schemas.microsoft.com/office/drawing/2014/main" id="{7AC97940-289E-3EC1-AFB4-6AD8DE801CB0}"/>
+              </a:ext>
+            </a:extLst>
+          </p:cNvPr>
+          <p:cNvPicPr>
+            <a:picLocks noChangeAspect="1"/>
+          </p:cNvPicPr>
+          <p:nvPr userDrawn="1"/>
+        </p:nvPicPr>
+        <p:blipFill>
+          <a:blip r:embed="rId2">
+            <a:extLst>
+              <a:ext uri="{28A0092B-C50C-407E-A947-70E740481C1C}">
+                <a14:useLocalDpi xmlns:a14="http://schemas.microsoft.com/office/drawing/2010/main" val="0"/>
+              </a:ext>
+            </a:extLst>
+          </a:blip>
+          <a:stretch>
+            <a:fillRect/>
+          </a:stretch>
+        </p:blipFill>
+        <p:spPr>
+          <a:xfrm>
+            <a:off x="589877" y="500973"/>
+            <a:ext cx="2114654" cy="1028853"/>
+          </a:xfrm>
+          <a:prstGeom prst="rect">
+            <a:avLst/>
+          </a:prstGeom>
+        </p:spPr>
+      </p:pic>
     </p:spTree>
     <p:extLst>
       <p:ext uri="{BB962C8B-B14F-4D97-AF65-F5344CB8AC3E}">
@@ -4083,71 +4100,12 @@
           <a:chExt cx="0" cy="0"/>
         </a:xfrm>
       </p:grpSpPr>
-      <p:sp>
-        <p:nvSpPr>
-          <p:cNvPr id="5" name="Marcador de Posição do Rodapé 4">
-            <a:extLst>
-              <a:ext uri="{FF2B5EF4-FFF2-40B4-BE49-F238E27FC236}">
-                <a16:creationId xmlns:a16="http://schemas.microsoft.com/office/drawing/2014/main" id="{1D811E58-CD7D-45CA-B838-D5B525B1910E}"/>
-              </a:ext>
-            </a:extLst>
-          </p:cNvPr>
-          <p:cNvSpPr>
-            <a:spLocks noGrp="1"/>
-          </p:cNvSpPr>
-          <p:nvPr>
-            <p:ph type="ftr" sz="quarter" idx="11"/>
-          </p:nvPr>
-        </p:nvSpPr>
-        <p:spPr/>
-        <p:txBody>
-          <a:bodyPr/>
-          <a:lstStyle/>
-          <a:p>
-            <a:endParaRPr lang="pt-PT"/>
-          </a:p>
-        </p:txBody>
-      </p:sp>
-      <p:sp>
-        <p:nvSpPr>
-          <p:cNvPr id="17" name="Marcador de Posição do Número do Diapositivo 5">
-            <a:extLst>
-              <a:ext uri="{FF2B5EF4-FFF2-40B4-BE49-F238E27FC236}">
-                <a16:creationId xmlns:a16="http://schemas.microsoft.com/office/drawing/2014/main" id="{E5F2A9E5-3A75-4C75-AA90-1F85970BE580}"/>
-              </a:ext>
-            </a:extLst>
-          </p:cNvPr>
-          <p:cNvSpPr>
-            <a:spLocks noGrp="1"/>
-          </p:cNvSpPr>
-          <p:nvPr>
-            <p:ph type="sldNum" sz="quarter" idx="12"/>
-          </p:nvPr>
-        </p:nvSpPr>
-        <p:spPr>
-          <a:xfrm>
-            <a:off x="8441924" y="6356350"/>
-            <a:ext cx="2743200" cy="365125"/>
-          </a:xfrm>
-        </p:spPr>
-        <p:txBody>
-          <a:bodyPr/>
-          <a:lstStyle/>
-          <a:p>
-            <a:fld id="{9BF42A9F-69DD-4BDA-8A49-F9A43F876396}" type="slidenum">
-              <a:rPr lang="pt-PT" smtClean="0"/>
-              <a:t>‹nº›</a:t>
-            </a:fld>
-            <a:endParaRPr lang="pt-PT"/>
-          </a:p>
-        </p:txBody>
-      </p:sp>
       <p:pic>
         <p:nvPicPr>
-          <p:cNvPr id="19" name="Imagem 18">
-            <a:extLst>
-              <a:ext uri="{FF2B5EF4-FFF2-40B4-BE49-F238E27FC236}">
-                <a16:creationId xmlns:a16="http://schemas.microsoft.com/office/drawing/2014/main" id="{A6F5237C-13C0-4D87-8A1B-2006E2A66506}"/>
+          <p:cNvPr id="10" name="Imagem 9">
+            <a:extLst>
+              <a:ext uri="{FF2B5EF4-FFF2-40B4-BE49-F238E27FC236}">
+                <a16:creationId xmlns:a16="http://schemas.microsoft.com/office/drawing/2014/main" id="{4613066A-62F6-BA6A-D835-A060B2B2BCA9}"/>
               </a:ext>
             </a:extLst>
           </p:cNvPr>
@@ -4170,14 +4128,73 @@
         </p:blipFill>
         <p:spPr>
           <a:xfrm>
-            <a:off x="1118586" y="6429911"/>
-            <a:ext cx="497150" cy="212795"/>
+            <a:off x="1006876" y="6330013"/>
+            <a:ext cx="860024" cy="418432"/>
           </a:xfrm>
           <a:prstGeom prst="rect">
             <a:avLst/>
           </a:prstGeom>
         </p:spPr>
       </p:pic>
+      <p:sp>
+        <p:nvSpPr>
+          <p:cNvPr id="5" name="Marcador de Posição do Rodapé 4">
+            <a:extLst>
+              <a:ext uri="{FF2B5EF4-FFF2-40B4-BE49-F238E27FC236}">
+                <a16:creationId xmlns:a16="http://schemas.microsoft.com/office/drawing/2014/main" id="{1D811E58-CD7D-45CA-B838-D5B525B1910E}"/>
+              </a:ext>
+            </a:extLst>
+          </p:cNvPr>
+          <p:cNvSpPr>
+            <a:spLocks noGrp="1"/>
+          </p:cNvSpPr>
+          <p:nvPr>
+            <p:ph type="ftr" sz="quarter" idx="11"/>
+          </p:nvPr>
+        </p:nvSpPr>
+        <p:spPr/>
+        <p:txBody>
+          <a:bodyPr/>
+          <a:lstStyle/>
+          <a:p>
+            <a:endParaRPr lang="pt-PT"/>
+          </a:p>
+        </p:txBody>
+      </p:sp>
+      <p:sp>
+        <p:nvSpPr>
+          <p:cNvPr id="17" name="Marcador de Posição do Número do Diapositivo 5">
+            <a:extLst>
+              <a:ext uri="{FF2B5EF4-FFF2-40B4-BE49-F238E27FC236}">
+                <a16:creationId xmlns:a16="http://schemas.microsoft.com/office/drawing/2014/main" id="{E5F2A9E5-3A75-4C75-AA90-1F85970BE580}"/>
+              </a:ext>
+            </a:extLst>
+          </p:cNvPr>
+          <p:cNvSpPr>
+            <a:spLocks noGrp="1"/>
+          </p:cNvSpPr>
+          <p:nvPr>
+            <p:ph type="sldNum" sz="quarter" idx="12"/>
+          </p:nvPr>
+        </p:nvSpPr>
+        <p:spPr>
+          <a:xfrm>
+            <a:off x="8441924" y="6356350"/>
+            <a:ext cx="2743200" cy="365125"/>
+          </a:xfrm>
+        </p:spPr>
+        <p:txBody>
+          <a:bodyPr/>
+          <a:lstStyle/>
+          <a:p>
+            <a:fld id="{9BF42A9F-69DD-4BDA-8A49-F9A43F876396}" type="slidenum">
+              <a:rPr lang="pt-PT" smtClean="0"/>
+              <a:t>‹nº›</a:t>
+            </a:fld>
+            <a:endParaRPr lang="pt-PT"/>
+          </a:p>
+        </p:txBody>
+      </p:sp>
       <p:sp>
         <p:nvSpPr>
           <p:cNvPr id="20" name="Retângulo 19">
@@ -4243,28 +4260,28 @@
             <a:spLocks noGrp="1"/>
           </p:cNvSpPr>
           <p:nvPr>
-            <p:ph type="ctrTitle"/>
+            <p:ph type="ctrTitle" hasCustomPrompt="1"/>
           </p:nvPr>
         </p:nvSpPr>
         <p:spPr>
           <a:xfrm>
             <a:off x="839789" y="634757"/>
-            <a:ext cx="10345335" cy="1251748"/>
-          </a:xfrm>
-        </p:spPr>
-        <p:txBody>
-          <a:bodyPr anchor="b">
-            <a:normAutofit/>
+            <a:ext cx="10345335" cy="593113"/>
+          </a:xfrm>
+        </p:spPr>
+        <p:txBody>
+          <a:bodyPr anchor="t">
+            <a:noAutofit/>
           </a:bodyPr>
           <a:lstStyle>
             <a:lvl1pPr algn="l">
-              <a:defRPr sz="3200" b="1"/>
+              <a:defRPr sz="4000" b="1"/>
             </a:lvl1pPr>
           </a:lstStyle>
           <a:p>
             <a:r>
-              <a:rPr lang="pt-PT"/>
-              <a:t>Clique para editar o estilo de título do Modelo Global</a:t>
+              <a:rPr lang="pt-PT" dirty="0" err="1"/>
+              <a:t>Title</a:t>
             </a:r>
             <a:endParaRPr lang="pt-PT" dirty="0"/>
           </a:p>
@@ -4288,8 +4305,8 @@
         </p:nvSpPr>
         <p:spPr>
           <a:xfrm>
-            <a:off x="839788" y="1991492"/>
-            <a:ext cx="10345335" cy="4195751"/>
+            <a:off x="839788" y="1989090"/>
+            <a:ext cx="10345335" cy="4198153"/>
           </a:xfrm>
         </p:spPr>
         <p:txBody>
@@ -4298,6 +4315,9 @@
           </a:bodyPr>
           <a:lstStyle>
             <a:lvl1pPr marL="285750" indent="-285750" algn="l">
+              <a:spcBef>
+                <a:spcPts val="1600"/>
+              </a:spcBef>
               <a:buFont typeface="Arial" panose="020B0604020202020204" pitchFamily="34" charset="0"/>
               <a:buChar char="•"/>
               <a:defRPr lang="pt-PT" sz="2200" kern="1200" dirty="0">
@@ -4385,6 +4405,54 @@
           </a:p>
         </p:txBody>
       </p:sp>
+      <p:sp>
+        <p:nvSpPr>
+          <p:cNvPr id="3" name="Marcador de Posição do Texto 2">
+            <a:extLst>
+              <a:ext uri="{FF2B5EF4-FFF2-40B4-BE49-F238E27FC236}">
+                <a16:creationId xmlns:a16="http://schemas.microsoft.com/office/drawing/2014/main" id="{44A95DB7-D525-DA59-4B15-B1BF0C8266F5}"/>
+              </a:ext>
+            </a:extLst>
+          </p:cNvPr>
+          <p:cNvSpPr>
+            <a:spLocks noGrp="1"/>
+          </p:cNvSpPr>
+          <p:nvPr>
+            <p:ph type="body" sz="quarter" idx="14" hasCustomPrompt="1"/>
+          </p:nvPr>
+        </p:nvSpPr>
+        <p:spPr>
+          <a:xfrm>
+            <a:off x="838200" y="1227870"/>
+            <a:ext cx="10347325" cy="680305"/>
+          </a:xfrm>
+        </p:spPr>
+        <p:txBody>
+          <a:bodyPr>
+            <a:normAutofit/>
+          </a:bodyPr>
+          <a:lstStyle>
+            <a:lvl1pPr marL="0" indent="0">
+              <a:buNone/>
+              <a:defRPr sz="2400" b="1">
+                <a:solidFill>
+                  <a:schemeClr val="accent4">
+                    <a:lumMod val="50000"/>
+                  </a:schemeClr>
+                </a:solidFill>
+              </a:defRPr>
+            </a:lvl1pPr>
+          </a:lstStyle>
+          <a:p>
+            <a:pPr lvl="0"/>
+            <a:r>
+              <a:rPr lang="pt-PT" dirty="0" err="1"/>
+              <a:t>Subtitle</a:t>
+            </a:r>
+            <a:endParaRPr lang="en-GB" dirty="0"/>
+          </a:p>
+        </p:txBody>
+      </p:sp>
     </p:spTree>
     <p:extLst>
       <p:ext uri="{BB962C8B-B14F-4D97-AF65-F5344CB8AC3E}">
@@ -5308,12 +5376,46 @@
           </a:p>
         </p:txBody>
       </p:sp>
+      <p:sp>
+        <p:nvSpPr>
+          <p:cNvPr id="23" name="Marcador de Posição do Número do Diapositivo 5">
+            <a:extLst>
+              <a:ext uri="{FF2B5EF4-FFF2-40B4-BE49-F238E27FC236}">
+                <a16:creationId xmlns:a16="http://schemas.microsoft.com/office/drawing/2014/main" id="{6BE43BA5-A917-4919-8E59-6818E8F0D6E2}"/>
+              </a:ext>
+            </a:extLst>
+          </p:cNvPr>
+          <p:cNvSpPr>
+            <a:spLocks noGrp="1"/>
+          </p:cNvSpPr>
+          <p:nvPr>
+            <p:ph type="sldNum" sz="quarter" idx="12"/>
+          </p:nvPr>
+        </p:nvSpPr>
+        <p:spPr>
+          <a:xfrm>
+            <a:off x="8441924" y="6356350"/>
+            <a:ext cx="2743200" cy="365125"/>
+          </a:xfrm>
+        </p:spPr>
+        <p:txBody>
+          <a:bodyPr/>
+          <a:lstStyle/>
+          <a:p>
+            <a:fld id="{9BF42A9F-69DD-4BDA-8A49-F9A43F876396}" type="slidenum">
+              <a:rPr lang="pt-PT" smtClean="0"/>
+              <a:t>‹nº›</a:t>
+            </a:fld>
+            <a:endParaRPr lang="pt-PT" dirty="0"/>
+          </a:p>
+        </p:txBody>
+      </p:sp>
       <p:pic>
         <p:nvPicPr>
-          <p:cNvPr id="21" name="Imagem 20">
-            <a:extLst>
-              <a:ext uri="{FF2B5EF4-FFF2-40B4-BE49-F238E27FC236}">
-                <a16:creationId xmlns:a16="http://schemas.microsoft.com/office/drawing/2014/main" id="{F1DDEA35-E5D1-4B6C-AB19-805275CCD15B}"/>
+          <p:cNvPr id="7" name="Imagem 6">
+            <a:extLst>
+              <a:ext uri="{FF2B5EF4-FFF2-40B4-BE49-F238E27FC236}">
+                <a16:creationId xmlns:a16="http://schemas.microsoft.com/office/drawing/2014/main" id="{EEE33AA5-EAE8-FF2C-511F-6533E572E236}"/>
               </a:ext>
             </a:extLst>
           </p:cNvPr>
@@ -5336,48 +5438,14 @@
         </p:blipFill>
         <p:spPr>
           <a:xfrm>
-            <a:off x="1118586" y="6429911"/>
-            <a:ext cx="497150" cy="212795"/>
+            <a:off x="1006876" y="6330013"/>
+            <a:ext cx="860024" cy="418432"/>
           </a:xfrm>
           <a:prstGeom prst="rect">
             <a:avLst/>
           </a:prstGeom>
         </p:spPr>
       </p:pic>
-      <p:sp>
-        <p:nvSpPr>
-          <p:cNvPr id="23" name="Marcador de Posição do Número do Diapositivo 5">
-            <a:extLst>
-              <a:ext uri="{FF2B5EF4-FFF2-40B4-BE49-F238E27FC236}">
-                <a16:creationId xmlns:a16="http://schemas.microsoft.com/office/drawing/2014/main" id="{6BE43BA5-A917-4919-8E59-6818E8F0D6E2}"/>
-              </a:ext>
-            </a:extLst>
-          </p:cNvPr>
-          <p:cNvSpPr>
-            <a:spLocks noGrp="1"/>
-          </p:cNvSpPr>
-          <p:nvPr>
-            <p:ph type="sldNum" sz="quarter" idx="12"/>
-          </p:nvPr>
-        </p:nvSpPr>
-        <p:spPr>
-          <a:xfrm>
-            <a:off x="8441924" y="6356350"/>
-            <a:ext cx="2743200" cy="365125"/>
-          </a:xfrm>
-        </p:spPr>
-        <p:txBody>
-          <a:bodyPr/>
-          <a:lstStyle/>
-          <a:p>
-            <a:fld id="{9BF42A9F-69DD-4BDA-8A49-F9A43F876396}" type="slidenum">
-              <a:rPr lang="pt-PT" smtClean="0"/>
-              <a:t>‹nº›</a:t>
-            </a:fld>
-            <a:endParaRPr lang="pt-PT" dirty="0"/>
-          </a:p>
-        </p:txBody>
-      </p:sp>
     </p:spTree>
     <p:extLst>
       <p:ext uri="{BB962C8B-B14F-4D97-AF65-F5344CB8AC3E}">
@@ -6468,12 +6536,7 @@
             <p:ph type="ctrTitle"/>
           </p:nvPr>
         </p:nvSpPr>
-        <p:spPr>
-          <a:xfrm>
-            <a:off x="839789" y="2321513"/>
-            <a:ext cx="9670024" cy="1251748"/>
-          </a:xfrm>
-        </p:spPr>
+        <p:spPr/>
         <p:txBody>
           <a:bodyPr/>
           <a:lstStyle/>
@@ -6507,34 +6570,100 @@
           <a:lstStyle/>
           <a:p>
             <a:r>
-              <a:rPr lang="pt-BR" dirty="0" err="1"/>
-              <a:t>CyberSec</a:t>
-            </a:r>
-            <a:r>
-              <a:rPr lang="pt-BR" dirty="0"/>
-              <a:t> Week 2022, </a:t>
-            </a:r>
-            <a:r>
-              <a:rPr lang="pt-BR" dirty="0" err="1"/>
-              <a:t>organized</a:t>
-            </a:r>
-            <a:r>
-              <a:rPr lang="pt-BR" dirty="0"/>
-              <a:t> </a:t>
-            </a:r>
-            <a:r>
-              <a:rPr lang="pt-BR" dirty="0" err="1"/>
-              <a:t>by</a:t>
-            </a:r>
-            <a:r>
-              <a:rPr lang="pt-BR" dirty="0"/>
-              <a:t> UAC</a:t>
-            </a:r>
-          </a:p>
-          <a:p>
-            <a:r>
               <a:rPr lang="pt-BR" b="1" dirty="0"/>
               <a:t>João Rafael Almeida &amp; Camila Fonseca</a:t>
+            </a:r>
+          </a:p>
+        </p:txBody>
+      </p:sp>
+      <p:sp>
+        <p:nvSpPr>
+          <p:cNvPr id="7" name="CaixaDeTexto 6">
+            <a:extLst>
+              <a:ext uri="{FF2B5EF4-FFF2-40B4-BE49-F238E27FC236}">
+                <a16:creationId xmlns:a16="http://schemas.microsoft.com/office/drawing/2014/main" id="{A960888A-4873-243B-FF58-977AB7B96634}"/>
+              </a:ext>
+            </a:extLst>
+          </p:cNvPr>
+          <p:cNvSpPr txBox="1"/>
+          <p:nvPr/>
+        </p:nvSpPr>
+        <p:spPr>
+          <a:xfrm>
+            <a:off x="3045502" y="5863865"/>
+            <a:ext cx="6100996" cy="369332"/>
+          </a:xfrm>
+          <a:prstGeom prst="rect">
+            <a:avLst/>
+          </a:prstGeom>
+          <a:noFill/>
+        </p:spPr>
+        <p:txBody>
+          <a:bodyPr wrap="square">
+            <a:spAutoFit/>
+          </a:bodyPr>
+          <a:lstStyle/>
+          <a:p>
+            <a:pPr algn="ctr"/>
+            <a:r>
+              <a:rPr lang="pt-BR" dirty="0" err="1">
+                <a:solidFill>
+                  <a:schemeClr val="accent4">
+                    <a:lumMod val="50000"/>
+                  </a:schemeClr>
+                </a:solidFill>
+              </a:rPr>
+              <a:t>CyberSec</a:t>
+            </a:r>
+            <a:r>
+              <a:rPr lang="pt-BR" dirty="0">
+                <a:solidFill>
+                  <a:schemeClr val="accent4">
+                    <a:lumMod val="50000"/>
+                  </a:schemeClr>
+                </a:solidFill>
+              </a:rPr>
+              <a:t> Week 2022, </a:t>
+            </a:r>
+            <a:r>
+              <a:rPr lang="pt-BR" dirty="0" err="1">
+                <a:solidFill>
+                  <a:schemeClr val="accent4">
+                    <a:lumMod val="50000"/>
+                  </a:schemeClr>
+                </a:solidFill>
+              </a:rPr>
+              <a:t>organized</a:t>
+            </a:r>
+            <a:r>
+              <a:rPr lang="pt-BR" dirty="0">
+                <a:solidFill>
+                  <a:schemeClr val="accent4">
+                    <a:lumMod val="50000"/>
+                  </a:schemeClr>
+                </a:solidFill>
+              </a:rPr>
+              <a:t> </a:t>
+            </a:r>
+            <a:r>
+              <a:rPr lang="pt-BR" dirty="0" err="1">
+                <a:solidFill>
+                  <a:schemeClr val="accent4">
+                    <a:lumMod val="50000"/>
+                  </a:schemeClr>
+                </a:solidFill>
+              </a:rPr>
+              <a:t>by</a:t>
+            </a:r>
+            <a:r>
+              <a:rPr lang="pt-BR" dirty="0">
+                <a:solidFill>
+                  <a:schemeClr val="accent4">
+                    <a:lumMod val="50000"/>
+                  </a:schemeClr>
+                </a:solidFill>
+              </a:rPr>
+              <a:t> UAC</a:t>
             </a:r>
           </a:p>
         </p:txBody>
@@ -6592,22 +6721,8 @@
           <a:p>
             <a:r>
               <a:rPr lang="en-GB" dirty="0"/>
-              <a:t>Let’s make a malware</a:t>
-            </a:r>
-            <a:br>
-              <a:rPr lang="en-GB" dirty="0"/>
-            </a:br>
-            <a:r>
-              <a:rPr lang="en-GB" sz="2800" dirty="0">
-                <a:solidFill>
-                  <a:schemeClr val="bg1">
-                    <a:lumMod val="50000"/>
-                  </a:schemeClr>
-                </a:solidFill>
-              </a:rPr>
-              <a:t>Code obfuscation</a:t>
-            </a:r>
-            <a:endParaRPr lang="en-GB" dirty="0"/>
+              <a:t>A bit of context…</a:t>
+            </a:r>
           </a:p>
         </p:txBody>
       </p:sp>
@@ -6632,94 +6747,97 @@
           <a:bodyPr/>
           <a:lstStyle/>
           <a:p>
-            <a:pPr>
-              <a:lnSpc>
-                <a:spcPct val="150000"/>
-              </a:lnSpc>
-            </a:pPr>
             <a:r>
               <a:rPr lang="en-GB" dirty="0"/>
-              <a:t>To do</a:t>
+              <a:t>You want to play a computer game</a:t>
+            </a:r>
+          </a:p>
+          <a:p>
+            <a:pPr lvl="1"/>
+            <a:r>
+              <a:rPr lang="en-GB" dirty="0"/>
+              <a:t>But it is a bit expensive</a:t>
+            </a:r>
+          </a:p>
+          <a:p>
+            <a:r>
+              <a:rPr lang="en-GB" dirty="0"/>
+              <a:t>You found a online crack</a:t>
+            </a:r>
+          </a:p>
+          <a:p>
+            <a:pPr lvl="1"/>
+            <a:r>
+              <a:rPr lang="en-GB" dirty="0"/>
+              <a:t>That allows you to play the game for free</a:t>
+            </a:r>
+          </a:p>
+          <a:p>
+            <a:r>
+              <a:rPr lang="en-GB" dirty="0"/>
+              <a:t>Who relates to this story?</a:t>
             </a:r>
           </a:p>
         </p:txBody>
       </p:sp>
       <p:pic>
         <p:nvPicPr>
-          <p:cNvPr id="4" name="Imagem 3">
-            <a:extLst>
-              <a:ext uri="{FF2B5EF4-FFF2-40B4-BE49-F238E27FC236}">
-                <a16:creationId xmlns:a16="http://schemas.microsoft.com/office/drawing/2014/main" id="{0EAA96F2-D30E-DCF9-C35D-44D03D2F098C}"/>
+          <p:cNvPr id="1026" name="Picture 2" descr="computer icon, game icon, gamer icon, gaming icon, happy icon, man icon,  playing icon">
+            <a:extLst>
+              <a:ext uri="{FF2B5EF4-FFF2-40B4-BE49-F238E27FC236}">
+                <a16:creationId xmlns:a16="http://schemas.microsoft.com/office/drawing/2014/main" id="{A518EE62-A359-20E7-977F-2228F597DAFC}"/>
               </a:ext>
             </a:extLst>
           </p:cNvPr>
           <p:cNvPicPr>
-            <a:picLocks noChangeAspect="1"/>
+            <a:picLocks noChangeAspect="1" noChangeArrowheads="1"/>
           </p:cNvPicPr>
           <p:nvPr/>
         </p:nvPicPr>
         <p:blipFill>
           <a:blip r:embed="rId2">
+            <a:duotone>
+              <a:schemeClr val="accent1">
+                <a:shade val="45000"/>
+                <a:satMod val="135000"/>
+              </a:schemeClr>
+              <a:prstClr val="white"/>
+            </a:duotone>
             <a:extLst>
               <a:ext uri="{28A0092B-C50C-407E-A947-70E740481C1C}">
                 <a14:useLocalDpi xmlns:a14="http://schemas.microsoft.com/office/drawing/2010/main" val="0"/>
               </a:ext>
             </a:extLst>
           </a:blip>
+          <a:srcRect/>
           <a:stretch>
             <a:fillRect/>
           </a:stretch>
         </p:blipFill>
-        <p:spPr>
-          <a:xfrm>
-            <a:off x="2602454" y="6371432"/>
-            <a:ext cx="438377" cy="338320"/>
+        <p:spPr bwMode="auto">
+          <a:xfrm>
+            <a:off x="7839907" y="3149600"/>
+            <a:ext cx="3037643" cy="3037643"/>
           </a:xfrm>
           <a:prstGeom prst="rect">
             <a:avLst/>
           </a:prstGeom>
-        </p:spPr>
-      </p:pic>
-      <p:pic>
-        <p:nvPicPr>
-          <p:cNvPr id="5" name="Imagem 4">
-            <a:extLst>
-              <a:ext uri="{FF2B5EF4-FFF2-40B4-BE49-F238E27FC236}">
-                <a16:creationId xmlns:a16="http://schemas.microsoft.com/office/drawing/2014/main" id="{F5CA5EFD-B561-B0DC-C995-6447DDA18C62}"/>
-              </a:ext>
-            </a:extLst>
-          </p:cNvPr>
-          <p:cNvPicPr>
-            <a:picLocks noChangeAspect="1"/>
-          </p:cNvPicPr>
-          <p:nvPr/>
-        </p:nvPicPr>
-        <p:blipFill>
-          <a:blip r:embed="rId3">
-            <a:extLst>
-              <a:ext uri="{28A0092B-C50C-407E-A947-70E740481C1C}">
-                <a14:useLocalDpi xmlns:a14="http://schemas.microsoft.com/office/drawing/2010/main" val="0"/>
-              </a:ext>
-            </a:extLst>
-          </a:blip>
-          <a:stretch>
-            <a:fillRect/>
-          </a:stretch>
-        </p:blipFill>
-        <p:spPr>
-          <a:xfrm>
-            <a:off x="1747844" y="6337055"/>
-            <a:ext cx="836680" cy="407074"/>
-          </a:xfrm>
-          <a:prstGeom prst="rect">
-            <a:avLst/>
-          </a:prstGeom>
+          <a:noFill/>
+          <a:extLst>
+            <a:ext uri="{909E8E84-426E-40DD-AFC4-6F175D3DCCD1}">
+              <a14:hiddenFill xmlns:a14="http://schemas.microsoft.com/office/drawing/2010/main">
+                <a:solidFill>
+                  <a:srgbClr val="FFFFFF"/>
+                </a:solidFill>
+              </a14:hiddenFill>
+            </a:ext>
+          </a:extLst>
         </p:spPr>
       </p:pic>
     </p:spTree>
     <p:extLst>
       <p:ext uri="{BB962C8B-B14F-4D97-AF65-F5344CB8AC3E}">
-        <p14:creationId xmlns:p14="http://schemas.microsoft.com/office/powerpoint/2010/main" val="1389711841"/>
+        <p14:creationId xmlns:p14="http://schemas.microsoft.com/office/powerpoint/2010/main" val="182611711"/>
       </p:ext>
     </p:extLst>
   </p:cSld>
@@ -6769,7 +6887,7 @@
           <a:p>
             <a:r>
               <a:rPr lang="en-GB" dirty="0"/>
-              <a:t>title</a:t>
+              <a:t>A bit of context…</a:t>
             </a:r>
           </a:p>
         </p:txBody>
@@ -6795,1137 +6913,27 @@
           <a:bodyPr/>
           <a:lstStyle/>
           <a:p>
-            <a:pPr>
-              <a:lnSpc>
-                <a:spcPct val="100000"/>
-              </a:lnSpc>
-              <a:spcBef>
-                <a:spcPts val="1600"/>
-              </a:spcBef>
-            </a:pPr>
-            <a:r>
-              <a:rPr lang="en-GB" dirty="0"/>
-              <a:t>Lets make a ransomware</a:t>
-            </a:r>
-          </a:p>
-          <a:p>
-            <a:pPr>
-              <a:lnSpc>
-                <a:spcPct val="100000"/>
-              </a:lnSpc>
-              <a:spcBef>
-                <a:spcPts val="1600"/>
-              </a:spcBef>
-            </a:pPr>
-            <a:r>
-              <a:rPr lang="en-GB" dirty="0" err="1"/>
-              <a:t>Estrutura</a:t>
-            </a:r>
-            <a:r>
-              <a:rPr lang="en-GB" dirty="0"/>
-              <a:t> do virus</a:t>
-            </a:r>
-          </a:p>
-          <a:p>
-            <a:pPr>
-              <a:lnSpc>
-                <a:spcPct val="100000"/>
-              </a:lnSpc>
-              <a:spcBef>
-                <a:spcPts val="1600"/>
-              </a:spcBef>
-            </a:pPr>
-            <a:r>
-              <a:rPr lang="en-GB" dirty="0" err="1"/>
-              <a:t>Ofuscação</a:t>
-            </a:r>
-            <a:r>
-              <a:rPr lang="en-GB" dirty="0"/>
-              <a:t> do </a:t>
-            </a:r>
-            <a:r>
-              <a:rPr lang="en-GB" dirty="0" err="1"/>
-              <a:t>codigo</a:t>
-            </a:r>
-            <a:endParaRPr lang="en-GB" dirty="0"/>
-          </a:p>
-          <a:p>
-            <a:pPr>
-              <a:lnSpc>
-                <a:spcPct val="100000"/>
-              </a:lnSpc>
-              <a:spcBef>
-                <a:spcPts val="1600"/>
-              </a:spcBef>
-            </a:pPr>
-            <a:endParaRPr lang="en-GB" dirty="0"/>
-          </a:p>
-          <a:p>
-            <a:pPr>
-              <a:lnSpc>
-                <a:spcPct val="100000"/>
-              </a:lnSpc>
-              <a:spcBef>
-                <a:spcPts val="1600"/>
-              </a:spcBef>
-            </a:pPr>
-            <a:endParaRPr lang="en-GB" dirty="0"/>
-          </a:p>
-        </p:txBody>
-      </p:sp>
-      <p:pic>
-        <p:nvPicPr>
-          <p:cNvPr id="4" name="Imagem 3">
-            <a:extLst>
-              <a:ext uri="{FF2B5EF4-FFF2-40B4-BE49-F238E27FC236}">
-                <a16:creationId xmlns:a16="http://schemas.microsoft.com/office/drawing/2014/main" id="{0EAA96F2-D30E-DCF9-C35D-44D03D2F098C}"/>
-              </a:ext>
-            </a:extLst>
-          </p:cNvPr>
-          <p:cNvPicPr>
-            <a:picLocks noChangeAspect="1"/>
-          </p:cNvPicPr>
-          <p:nvPr/>
-        </p:nvPicPr>
-        <p:blipFill>
-          <a:blip r:embed="rId2">
-            <a:extLst>
-              <a:ext uri="{28A0092B-C50C-407E-A947-70E740481C1C}">
-                <a14:useLocalDpi xmlns:a14="http://schemas.microsoft.com/office/drawing/2010/main" val="0"/>
-              </a:ext>
-            </a:extLst>
-          </a:blip>
-          <a:stretch>
-            <a:fillRect/>
-          </a:stretch>
-        </p:blipFill>
-        <p:spPr>
-          <a:xfrm>
-            <a:off x="2602454" y="6371432"/>
-            <a:ext cx="438377" cy="338320"/>
-          </a:xfrm>
-          <a:prstGeom prst="rect">
-            <a:avLst/>
-          </a:prstGeom>
-        </p:spPr>
-      </p:pic>
-      <p:pic>
-        <p:nvPicPr>
-          <p:cNvPr id="5" name="Imagem 4">
-            <a:extLst>
-              <a:ext uri="{FF2B5EF4-FFF2-40B4-BE49-F238E27FC236}">
-                <a16:creationId xmlns:a16="http://schemas.microsoft.com/office/drawing/2014/main" id="{F5CA5EFD-B561-B0DC-C995-6447DDA18C62}"/>
-              </a:ext>
-            </a:extLst>
-          </p:cNvPr>
-          <p:cNvPicPr>
-            <a:picLocks noChangeAspect="1"/>
-          </p:cNvPicPr>
-          <p:nvPr/>
-        </p:nvPicPr>
-        <p:blipFill>
-          <a:blip r:embed="rId3">
-            <a:extLst>
-              <a:ext uri="{28A0092B-C50C-407E-A947-70E740481C1C}">
-                <a14:useLocalDpi xmlns:a14="http://schemas.microsoft.com/office/drawing/2010/main" val="0"/>
-              </a:ext>
-            </a:extLst>
-          </a:blip>
-          <a:stretch>
-            <a:fillRect/>
-          </a:stretch>
-        </p:blipFill>
-        <p:spPr>
-          <a:xfrm>
-            <a:off x="1747844" y="6337055"/>
-            <a:ext cx="836680" cy="407074"/>
-          </a:xfrm>
-          <a:prstGeom prst="rect">
-            <a:avLst/>
-          </a:prstGeom>
-        </p:spPr>
-      </p:pic>
-    </p:spTree>
-    <p:extLst>
-      <p:ext uri="{BB962C8B-B14F-4D97-AF65-F5344CB8AC3E}">
-        <p14:creationId xmlns:p14="http://schemas.microsoft.com/office/powerpoint/2010/main" val="2705951355"/>
-      </p:ext>
-    </p:extLst>
-  </p:cSld>
-  <p:clrMapOvr>
-    <a:masterClrMapping/>
-  </p:clrMapOvr>
-</p:sld>
-</file>
-
-<file path=ppt/slides/slide2.xml><?xml version="1.0" encoding="utf-8"?>
-<p:sld xmlns:a="http://schemas.openxmlformats.org/drawingml/2006/main" xmlns:r="http://schemas.openxmlformats.org/officeDocument/2006/relationships" xmlns:p="http://schemas.openxmlformats.org/presentationml/2006/main">
-  <p:cSld>
-    <p:spTree>
-      <p:nvGrpSpPr>
-        <p:cNvPr id="1" name=""/>
-        <p:cNvGrpSpPr/>
-        <p:nvPr/>
-      </p:nvGrpSpPr>
-      <p:grpSpPr>
-        <a:xfrm>
-          <a:off x="0" y="0"/>
-          <a:ext cx="0" cy="0"/>
-          <a:chOff x="0" y="0"/>
-          <a:chExt cx="0" cy="0"/>
-        </a:xfrm>
-      </p:grpSpPr>
-      <p:sp>
-        <p:nvSpPr>
-          <p:cNvPr id="2" name="Título 1">
-            <a:extLst>
-              <a:ext uri="{FF2B5EF4-FFF2-40B4-BE49-F238E27FC236}">
-                <a16:creationId xmlns:a16="http://schemas.microsoft.com/office/drawing/2014/main" id="{290198D7-7381-7BD0-7B6C-3352C41A1BAD}"/>
-              </a:ext>
-            </a:extLst>
-          </p:cNvPr>
-          <p:cNvSpPr>
-            <a:spLocks noGrp="1"/>
-          </p:cNvSpPr>
-          <p:nvPr>
-            <p:ph type="ctrTitle"/>
-          </p:nvPr>
-        </p:nvSpPr>
-        <p:spPr/>
-        <p:txBody>
-          <a:bodyPr/>
-          <a:lstStyle/>
-          <a:p>
-            <a:r>
-              <a:rPr lang="en-GB" dirty="0"/>
-              <a:t>Did you know…</a:t>
-            </a:r>
-          </a:p>
-        </p:txBody>
-      </p:sp>
-      <p:pic>
-        <p:nvPicPr>
-          <p:cNvPr id="4" name="Imagem 3">
-            <a:extLst>
-              <a:ext uri="{FF2B5EF4-FFF2-40B4-BE49-F238E27FC236}">
-                <a16:creationId xmlns:a16="http://schemas.microsoft.com/office/drawing/2014/main" id="{0EAA96F2-D30E-DCF9-C35D-44D03D2F098C}"/>
-              </a:ext>
-            </a:extLst>
-          </p:cNvPr>
-          <p:cNvPicPr>
-            <a:picLocks noChangeAspect="1"/>
-          </p:cNvPicPr>
-          <p:nvPr/>
-        </p:nvPicPr>
-        <p:blipFill>
-          <a:blip r:embed="rId3">
-            <a:extLst>
-              <a:ext uri="{28A0092B-C50C-407E-A947-70E740481C1C}">
-                <a14:useLocalDpi xmlns:a14="http://schemas.microsoft.com/office/drawing/2010/main" val="0"/>
-              </a:ext>
-            </a:extLst>
-          </a:blip>
-          <a:stretch>
-            <a:fillRect/>
-          </a:stretch>
-        </p:blipFill>
-        <p:spPr>
-          <a:xfrm>
-            <a:off x="2602454" y="6371432"/>
-            <a:ext cx="438377" cy="338320"/>
-          </a:xfrm>
-          <a:prstGeom prst="rect">
-            <a:avLst/>
-          </a:prstGeom>
-        </p:spPr>
-      </p:pic>
-      <p:pic>
-        <p:nvPicPr>
-          <p:cNvPr id="5" name="Imagem 4">
-            <a:extLst>
-              <a:ext uri="{FF2B5EF4-FFF2-40B4-BE49-F238E27FC236}">
-                <a16:creationId xmlns:a16="http://schemas.microsoft.com/office/drawing/2014/main" id="{F5CA5EFD-B561-B0DC-C995-6447DDA18C62}"/>
-              </a:ext>
-            </a:extLst>
-          </p:cNvPr>
-          <p:cNvPicPr>
-            <a:picLocks noChangeAspect="1"/>
-          </p:cNvPicPr>
-          <p:nvPr/>
-        </p:nvPicPr>
-        <p:blipFill>
-          <a:blip r:embed="rId4">
-            <a:extLst>
-              <a:ext uri="{28A0092B-C50C-407E-A947-70E740481C1C}">
-                <a14:useLocalDpi xmlns:a14="http://schemas.microsoft.com/office/drawing/2010/main" val="0"/>
-              </a:ext>
-            </a:extLst>
-          </a:blip>
-          <a:stretch>
-            <a:fillRect/>
-          </a:stretch>
-        </p:blipFill>
-        <p:spPr>
-          <a:xfrm>
-            <a:off x="1747844" y="6337055"/>
-            <a:ext cx="836680" cy="407074"/>
-          </a:xfrm>
-          <a:prstGeom prst="rect">
-            <a:avLst/>
-          </a:prstGeom>
-        </p:spPr>
-      </p:pic>
-      <p:pic>
-        <p:nvPicPr>
-          <p:cNvPr id="1026" name="Picture 2" descr="Ransomware Facts, Trends &amp;amp; Statistics for 2022">
-            <a:extLst>
-              <a:ext uri="{FF2B5EF4-FFF2-40B4-BE49-F238E27FC236}">
-                <a16:creationId xmlns:a16="http://schemas.microsoft.com/office/drawing/2014/main" id="{5D7AEA5D-AAAD-3D90-63BA-3832BBCA1BA2}"/>
-              </a:ext>
-            </a:extLst>
-          </p:cNvPr>
-          <p:cNvPicPr>
-            <a:picLocks noChangeAspect="1" noChangeArrowheads="1"/>
-          </p:cNvPicPr>
-          <p:nvPr/>
-        </p:nvPicPr>
-        <p:blipFill rotWithShape="1">
-          <a:blip r:embed="rId5">
-            <a:extLst>
-              <a:ext uri="{28A0092B-C50C-407E-A947-70E740481C1C}">
-                <a14:useLocalDpi xmlns:a14="http://schemas.microsoft.com/office/drawing/2010/main" val="0"/>
-              </a:ext>
-            </a:extLst>
-          </a:blip>
-          <a:srcRect b="16065"/>
-          <a:stretch/>
-        </p:blipFill>
-        <p:spPr bwMode="auto">
-          <a:xfrm>
-            <a:off x="2686861" y="1859873"/>
-            <a:ext cx="6818278" cy="4363370"/>
-          </a:xfrm>
-          <a:prstGeom prst="rect">
-            <a:avLst/>
-          </a:prstGeom>
-          <a:noFill/>
-          <a:extLst>
-            <a:ext uri="{909E8E84-426E-40DD-AFC4-6F175D3DCCD1}">
-              <a14:hiddenFill xmlns:a14="http://schemas.microsoft.com/office/drawing/2010/main">
-                <a:solidFill>
-                  <a:srgbClr val="FFFFFF"/>
-                </a:solidFill>
-              </a14:hiddenFill>
-            </a:ext>
-          </a:extLst>
-        </p:spPr>
-      </p:pic>
-    </p:spTree>
-    <p:extLst>
-      <p:ext uri="{BB962C8B-B14F-4D97-AF65-F5344CB8AC3E}">
-        <p14:creationId xmlns:p14="http://schemas.microsoft.com/office/powerpoint/2010/main" val="3301548674"/>
-      </p:ext>
-    </p:extLst>
-  </p:cSld>
-  <p:clrMapOvr>
-    <a:masterClrMapping/>
-  </p:clrMapOvr>
-</p:sld>
-</file>
-
-<file path=ppt/slides/slide3.xml><?xml version="1.0" encoding="utf-8"?>
-<p:sld xmlns:a="http://schemas.openxmlformats.org/drawingml/2006/main" xmlns:r="http://schemas.openxmlformats.org/officeDocument/2006/relationships" xmlns:p="http://schemas.openxmlformats.org/presentationml/2006/main">
-  <p:cSld>
-    <p:spTree>
-      <p:nvGrpSpPr>
-        <p:cNvPr id="1" name=""/>
-        <p:cNvGrpSpPr/>
-        <p:nvPr/>
-      </p:nvGrpSpPr>
-      <p:grpSpPr>
-        <a:xfrm>
-          <a:off x="0" y="0"/>
-          <a:ext cx="0" cy="0"/>
-          <a:chOff x="0" y="0"/>
-          <a:chExt cx="0" cy="0"/>
-        </a:xfrm>
-      </p:grpSpPr>
-      <p:sp>
-        <p:nvSpPr>
-          <p:cNvPr id="2" name="Título 1">
-            <a:extLst>
-              <a:ext uri="{FF2B5EF4-FFF2-40B4-BE49-F238E27FC236}">
-                <a16:creationId xmlns:a16="http://schemas.microsoft.com/office/drawing/2014/main" id="{290198D7-7381-7BD0-7B6C-3352C41A1BAD}"/>
-              </a:ext>
-            </a:extLst>
-          </p:cNvPr>
-          <p:cNvSpPr>
-            <a:spLocks noGrp="1"/>
-          </p:cNvSpPr>
-          <p:nvPr>
-            <p:ph type="ctrTitle"/>
-          </p:nvPr>
-        </p:nvSpPr>
-        <p:spPr/>
-        <p:txBody>
-          <a:bodyPr/>
-          <a:lstStyle/>
-          <a:p>
-            <a:r>
-              <a:rPr lang="en-GB" dirty="0"/>
-              <a:t>Did you know…</a:t>
-            </a:r>
-          </a:p>
-        </p:txBody>
-      </p:sp>
-      <p:pic>
-        <p:nvPicPr>
-          <p:cNvPr id="4" name="Imagem 3">
-            <a:extLst>
-              <a:ext uri="{FF2B5EF4-FFF2-40B4-BE49-F238E27FC236}">
-                <a16:creationId xmlns:a16="http://schemas.microsoft.com/office/drawing/2014/main" id="{0EAA96F2-D30E-DCF9-C35D-44D03D2F098C}"/>
-              </a:ext>
-            </a:extLst>
-          </p:cNvPr>
-          <p:cNvPicPr>
-            <a:picLocks noChangeAspect="1"/>
-          </p:cNvPicPr>
-          <p:nvPr/>
-        </p:nvPicPr>
-        <p:blipFill>
-          <a:blip r:embed="rId3">
-            <a:extLst>
-              <a:ext uri="{28A0092B-C50C-407E-A947-70E740481C1C}">
-                <a14:useLocalDpi xmlns:a14="http://schemas.microsoft.com/office/drawing/2010/main" val="0"/>
-              </a:ext>
-            </a:extLst>
-          </a:blip>
-          <a:stretch>
-            <a:fillRect/>
-          </a:stretch>
-        </p:blipFill>
-        <p:spPr>
-          <a:xfrm>
-            <a:off x="2602454" y="6371432"/>
-            <a:ext cx="438377" cy="338320"/>
-          </a:xfrm>
-          <a:prstGeom prst="rect">
-            <a:avLst/>
-          </a:prstGeom>
-        </p:spPr>
-      </p:pic>
-      <p:pic>
-        <p:nvPicPr>
-          <p:cNvPr id="5" name="Imagem 4">
-            <a:extLst>
-              <a:ext uri="{FF2B5EF4-FFF2-40B4-BE49-F238E27FC236}">
-                <a16:creationId xmlns:a16="http://schemas.microsoft.com/office/drawing/2014/main" id="{F5CA5EFD-B561-B0DC-C995-6447DDA18C62}"/>
-              </a:ext>
-            </a:extLst>
-          </p:cNvPr>
-          <p:cNvPicPr>
-            <a:picLocks noChangeAspect="1"/>
-          </p:cNvPicPr>
-          <p:nvPr/>
-        </p:nvPicPr>
-        <p:blipFill>
-          <a:blip r:embed="rId4">
-            <a:extLst>
-              <a:ext uri="{28A0092B-C50C-407E-A947-70E740481C1C}">
-                <a14:useLocalDpi xmlns:a14="http://schemas.microsoft.com/office/drawing/2010/main" val="0"/>
-              </a:ext>
-            </a:extLst>
-          </a:blip>
-          <a:stretch>
-            <a:fillRect/>
-          </a:stretch>
-        </p:blipFill>
-        <p:spPr>
-          <a:xfrm>
-            <a:off x="1747844" y="6337055"/>
-            <a:ext cx="836680" cy="407074"/>
-          </a:xfrm>
-          <a:prstGeom prst="rect">
-            <a:avLst/>
-          </a:prstGeom>
-        </p:spPr>
-      </p:pic>
-      <p:pic>
-        <p:nvPicPr>
-          <p:cNvPr id="1026" name="Picture 2" descr="Ransomware Facts, Trends &amp;amp; Statistics for 2022">
-            <a:extLst>
-              <a:ext uri="{FF2B5EF4-FFF2-40B4-BE49-F238E27FC236}">
-                <a16:creationId xmlns:a16="http://schemas.microsoft.com/office/drawing/2014/main" id="{5D7AEA5D-AAAD-3D90-63BA-3832BBCA1BA2}"/>
-              </a:ext>
-            </a:extLst>
-          </p:cNvPr>
-          <p:cNvPicPr>
-            <a:picLocks noChangeAspect="1" noChangeArrowheads="1"/>
-          </p:cNvPicPr>
-          <p:nvPr/>
-        </p:nvPicPr>
-        <p:blipFill rotWithShape="1">
-          <a:blip r:embed="rId5">
-            <a:extLst>
-              <a:ext uri="{28A0092B-C50C-407E-A947-70E740481C1C}">
-                <a14:useLocalDpi xmlns:a14="http://schemas.microsoft.com/office/drawing/2010/main" val="0"/>
-              </a:ext>
-            </a:extLst>
-          </a:blip>
-          <a:srcRect b="16065"/>
-          <a:stretch/>
-        </p:blipFill>
-        <p:spPr bwMode="auto">
-          <a:xfrm>
-            <a:off x="2686861" y="1859873"/>
-            <a:ext cx="6818278" cy="4363370"/>
-          </a:xfrm>
-          <a:prstGeom prst="rect">
-            <a:avLst/>
-          </a:prstGeom>
-          <a:noFill/>
-          <a:extLst>
-            <a:ext uri="{909E8E84-426E-40DD-AFC4-6F175D3DCCD1}">
-              <a14:hiddenFill xmlns:a14="http://schemas.microsoft.com/office/drawing/2010/main">
-                <a:solidFill>
-                  <a:srgbClr val="FFFFFF"/>
-                </a:solidFill>
-              </a14:hiddenFill>
-            </a:ext>
-          </a:extLst>
-        </p:spPr>
-      </p:pic>
-      <p:pic>
-        <p:nvPicPr>
-          <p:cNvPr id="1028" name="Picture 4" descr="Ransomware Facts, Trends &amp;amp; Statistics for 2022">
-            <a:extLst>
-              <a:ext uri="{FF2B5EF4-FFF2-40B4-BE49-F238E27FC236}">
-                <a16:creationId xmlns:a16="http://schemas.microsoft.com/office/drawing/2014/main" id="{7DF31AD4-F502-9ED2-AE48-E3A25E4DB28F}"/>
-              </a:ext>
-            </a:extLst>
-          </p:cNvPr>
-          <p:cNvPicPr>
-            <a:picLocks noChangeAspect="1" noChangeArrowheads="1"/>
-          </p:cNvPicPr>
-          <p:nvPr/>
-        </p:nvPicPr>
-        <p:blipFill rotWithShape="1">
-          <a:blip r:embed="rId6">
-            <a:extLst>
-              <a:ext uri="{28A0092B-C50C-407E-A947-70E740481C1C}">
-                <a14:useLocalDpi xmlns:a14="http://schemas.microsoft.com/office/drawing/2010/main" val="0"/>
-              </a:ext>
-            </a:extLst>
-          </a:blip>
-          <a:srcRect b="19563"/>
-          <a:stretch/>
-        </p:blipFill>
-        <p:spPr bwMode="auto">
-          <a:xfrm>
-            <a:off x="2753734" y="1941587"/>
-            <a:ext cx="6684532" cy="4281656"/>
-          </a:xfrm>
-          <a:prstGeom prst="rect">
-            <a:avLst/>
-          </a:prstGeom>
-          <a:noFill/>
-          <a:extLst>
-            <a:ext uri="{909E8E84-426E-40DD-AFC4-6F175D3DCCD1}">
-              <a14:hiddenFill xmlns:a14="http://schemas.microsoft.com/office/drawing/2010/main">
-                <a:solidFill>
-                  <a:srgbClr val="FFFFFF"/>
-                </a:solidFill>
-              </a14:hiddenFill>
-            </a:ext>
-          </a:extLst>
-        </p:spPr>
-      </p:pic>
-    </p:spTree>
-    <p:extLst>
-      <p:ext uri="{BB962C8B-B14F-4D97-AF65-F5344CB8AC3E}">
-        <p14:creationId xmlns:p14="http://schemas.microsoft.com/office/powerpoint/2010/main" val="3669055768"/>
-      </p:ext>
-    </p:extLst>
-  </p:cSld>
-  <p:clrMapOvr>
-    <a:masterClrMapping/>
-  </p:clrMapOvr>
-</p:sld>
-</file>
-
-<file path=ppt/slides/slide4.xml><?xml version="1.0" encoding="utf-8"?>
-<p:sld xmlns:a="http://schemas.openxmlformats.org/drawingml/2006/main" xmlns:r="http://schemas.openxmlformats.org/officeDocument/2006/relationships" xmlns:p="http://schemas.openxmlformats.org/presentationml/2006/main">
-  <p:cSld>
-    <p:spTree>
-      <p:nvGrpSpPr>
-        <p:cNvPr id="1" name=""/>
-        <p:cNvGrpSpPr/>
-        <p:nvPr/>
-      </p:nvGrpSpPr>
-      <p:grpSpPr>
-        <a:xfrm>
-          <a:off x="0" y="0"/>
-          <a:ext cx="0" cy="0"/>
-          <a:chOff x="0" y="0"/>
-          <a:chExt cx="0" cy="0"/>
-        </a:xfrm>
-      </p:grpSpPr>
-      <p:sp>
-        <p:nvSpPr>
-          <p:cNvPr id="2" name="Título 1">
-            <a:extLst>
-              <a:ext uri="{FF2B5EF4-FFF2-40B4-BE49-F238E27FC236}">
-                <a16:creationId xmlns:a16="http://schemas.microsoft.com/office/drawing/2014/main" id="{290198D7-7381-7BD0-7B6C-3352C41A1BAD}"/>
-              </a:ext>
-            </a:extLst>
-          </p:cNvPr>
-          <p:cNvSpPr>
-            <a:spLocks noGrp="1"/>
-          </p:cNvSpPr>
-          <p:nvPr>
-            <p:ph type="ctrTitle"/>
-          </p:nvPr>
-        </p:nvSpPr>
-        <p:spPr/>
-        <p:txBody>
-          <a:bodyPr/>
-          <a:lstStyle/>
-          <a:p>
-            <a:r>
-              <a:rPr lang="en-GB" dirty="0"/>
-              <a:t>Goals for today</a:t>
-            </a:r>
-          </a:p>
-        </p:txBody>
-      </p:sp>
-      <p:sp>
-        <p:nvSpPr>
-          <p:cNvPr id="3" name="Subtítulo 2">
-            <a:extLst>
-              <a:ext uri="{FF2B5EF4-FFF2-40B4-BE49-F238E27FC236}">
-                <a16:creationId xmlns:a16="http://schemas.microsoft.com/office/drawing/2014/main" id="{717A8B4D-8CEE-D51D-5917-4538B5A34057}"/>
-              </a:ext>
-            </a:extLst>
-          </p:cNvPr>
-          <p:cNvSpPr>
-            <a:spLocks noGrp="1"/>
-          </p:cNvSpPr>
-          <p:nvPr>
-            <p:ph type="subTitle" idx="13"/>
-          </p:nvPr>
-        </p:nvSpPr>
-        <p:spPr/>
-        <p:txBody>
-          <a:bodyPr/>
-          <a:lstStyle/>
-          <a:p>
-            <a:pPr marL="457200" indent="-457200">
-              <a:lnSpc>
-                <a:spcPct val="150000"/>
-              </a:lnSpc>
-              <a:buFont typeface="+mj-lt"/>
-              <a:buAutoNum type="arabicPeriod"/>
-            </a:pPr>
-            <a:r>
-              <a:rPr lang="en-GB" dirty="0"/>
-              <a:t>Having fun…</a:t>
-            </a:r>
-          </a:p>
-          <a:p>
-            <a:pPr marL="457200" indent="-457200">
-              <a:lnSpc>
-                <a:spcPct val="150000"/>
-              </a:lnSpc>
-              <a:buFont typeface="+mj-lt"/>
-              <a:buAutoNum type="arabicPeriod"/>
-            </a:pPr>
-            <a:r>
-              <a:rPr lang="en-GB" dirty="0"/>
-              <a:t>Understand the behaviour of a malware</a:t>
-            </a:r>
-          </a:p>
-          <a:p>
-            <a:pPr marL="457200" indent="-457200">
-              <a:lnSpc>
-                <a:spcPct val="150000"/>
-              </a:lnSpc>
-              <a:buFont typeface="+mj-lt"/>
-              <a:buAutoNum type="arabicPeriod"/>
-            </a:pPr>
-            <a:r>
-              <a:rPr lang="en-GB" dirty="0"/>
-              <a:t>Create a very simple malware</a:t>
-            </a:r>
-          </a:p>
-          <a:p>
-            <a:pPr marL="971550" lvl="1" indent="-457200">
-              <a:lnSpc>
-                <a:spcPct val="100000"/>
-              </a:lnSpc>
-            </a:pPr>
-            <a:r>
-              <a:rPr lang="en-GB" dirty="0"/>
-              <a:t>that will be inoffensive</a:t>
-            </a:r>
-          </a:p>
-        </p:txBody>
-      </p:sp>
-      <p:pic>
-        <p:nvPicPr>
-          <p:cNvPr id="4" name="Imagem 3">
-            <a:extLst>
-              <a:ext uri="{FF2B5EF4-FFF2-40B4-BE49-F238E27FC236}">
-                <a16:creationId xmlns:a16="http://schemas.microsoft.com/office/drawing/2014/main" id="{0EAA96F2-D30E-DCF9-C35D-44D03D2F098C}"/>
-              </a:ext>
-            </a:extLst>
-          </p:cNvPr>
-          <p:cNvPicPr>
-            <a:picLocks noChangeAspect="1"/>
-          </p:cNvPicPr>
-          <p:nvPr/>
-        </p:nvPicPr>
-        <p:blipFill>
-          <a:blip r:embed="rId2">
-            <a:extLst>
-              <a:ext uri="{28A0092B-C50C-407E-A947-70E740481C1C}">
-                <a14:useLocalDpi xmlns:a14="http://schemas.microsoft.com/office/drawing/2010/main" val="0"/>
-              </a:ext>
-            </a:extLst>
-          </a:blip>
-          <a:stretch>
-            <a:fillRect/>
-          </a:stretch>
-        </p:blipFill>
-        <p:spPr>
-          <a:xfrm>
-            <a:off x="2602454" y="6371432"/>
-            <a:ext cx="438377" cy="338320"/>
-          </a:xfrm>
-          <a:prstGeom prst="rect">
-            <a:avLst/>
-          </a:prstGeom>
-        </p:spPr>
-      </p:pic>
-      <p:pic>
-        <p:nvPicPr>
-          <p:cNvPr id="5" name="Imagem 4">
-            <a:extLst>
-              <a:ext uri="{FF2B5EF4-FFF2-40B4-BE49-F238E27FC236}">
-                <a16:creationId xmlns:a16="http://schemas.microsoft.com/office/drawing/2014/main" id="{F5CA5EFD-B561-B0DC-C995-6447DDA18C62}"/>
-              </a:ext>
-            </a:extLst>
-          </p:cNvPr>
-          <p:cNvPicPr>
-            <a:picLocks noChangeAspect="1"/>
-          </p:cNvPicPr>
-          <p:nvPr/>
-        </p:nvPicPr>
-        <p:blipFill>
-          <a:blip r:embed="rId3">
-            <a:extLst>
-              <a:ext uri="{28A0092B-C50C-407E-A947-70E740481C1C}">
-                <a14:useLocalDpi xmlns:a14="http://schemas.microsoft.com/office/drawing/2010/main" val="0"/>
-              </a:ext>
-            </a:extLst>
-          </a:blip>
-          <a:stretch>
-            <a:fillRect/>
-          </a:stretch>
-        </p:blipFill>
-        <p:spPr>
-          <a:xfrm>
-            <a:off x="1747844" y="6337055"/>
-            <a:ext cx="836680" cy="407074"/>
-          </a:xfrm>
-          <a:prstGeom prst="rect">
-            <a:avLst/>
-          </a:prstGeom>
-        </p:spPr>
-      </p:pic>
-    </p:spTree>
-    <p:extLst>
-      <p:ext uri="{BB962C8B-B14F-4D97-AF65-F5344CB8AC3E}">
-        <p14:creationId xmlns:p14="http://schemas.microsoft.com/office/powerpoint/2010/main" val="502511410"/>
-      </p:ext>
-    </p:extLst>
-  </p:cSld>
-  <p:clrMapOvr>
-    <a:masterClrMapping/>
-  </p:clrMapOvr>
-</p:sld>
-</file>
-
-<file path=ppt/slides/slide5.xml><?xml version="1.0" encoding="utf-8"?>
-<p:sld xmlns:a="http://schemas.openxmlformats.org/drawingml/2006/main" xmlns:r="http://schemas.openxmlformats.org/officeDocument/2006/relationships" xmlns:p="http://schemas.openxmlformats.org/presentationml/2006/main">
-  <p:cSld>
-    <p:spTree>
-      <p:nvGrpSpPr>
-        <p:cNvPr id="1" name=""/>
-        <p:cNvGrpSpPr/>
-        <p:nvPr/>
-      </p:nvGrpSpPr>
-      <p:grpSpPr>
-        <a:xfrm>
-          <a:off x="0" y="0"/>
-          <a:ext cx="0" cy="0"/>
-          <a:chOff x="0" y="0"/>
-          <a:chExt cx="0" cy="0"/>
-        </a:xfrm>
-      </p:grpSpPr>
-      <p:sp>
-        <p:nvSpPr>
-          <p:cNvPr id="2" name="Título 1">
-            <a:extLst>
-              <a:ext uri="{FF2B5EF4-FFF2-40B4-BE49-F238E27FC236}">
-                <a16:creationId xmlns:a16="http://schemas.microsoft.com/office/drawing/2014/main" id="{290198D7-7381-7BD0-7B6C-3352C41A1BAD}"/>
-              </a:ext>
-            </a:extLst>
-          </p:cNvPr>
-          <p:cNvSpPr>
-            <a:spLocks noGrp="1"/>
-          </p:cNvSpPr>
-          <p:nvPr>
-            <p:ph type="ctrTitle"/>
-          </p:nvPr>
-        </p:nvSpPr>
-        <p:spPr/>
-        <p:txBody>
-          <a:bodyPr/>
-          <a:lstStyle/>
-          <a:p>
-            <a:r>
-              <a:rPr lang="en-GB" dirty="0"/>
-              <a:t>A bit of context…</a:t>
-            </a:r>
-          </a:p>
-        </p:txBody>
-      </p:sp>
-      <p:sp>
-        <p:nvSpPr>
-          <p:cNvPr id="3" name="Subtítulo 2">
-            <a:extLst>
-              <a:ext uri="{FF2B5EF4-FFF2-40B4-BE49-F238E27FC236}">
-                <a16:creationId xmlns:a16="http://schemas.microsoft.com/office/drawing/2014/main" id="{717A8B4D-8CEE-D51D-5917-4538B5A34057}"/>
-              </a:ext>
-            </a:extLst>
-          </p:cNvPr>
-          <p:cNvSpPr>
-            <a:spLocks noGrp="1"/>
-          </p:cNvSpPr>
-          <p:nvPr>
-            <p:ph type="subTitle" idx="13"/>
-          </p:nvPr>
-        </p:nvSpPr>
-        <p:spPr/>
-        <p:txBody>
-          <a:bodyPr/>
-          <a:lstStyle/>
-          <a:p>
-            <a:pPr>
-              <a:lnSpc>
-                <a:spcPct val="100000"/>
-              </a:lnSpc>
-            </a:pPr>
-            <a:r>
-              <a:rPr lang="en-GB" dirty="0"/>
-              <a:t>You want to play a computer game</a:t>
-            </a:r>
-          </a:p>
-          <a:p>
-            <a:pPr lvl="1">
-              <a:lnSpc>
-                <a:spcPct val="100000"/>
-              </a:lnSpc>
-            </a:pPr>
-            <a:r>
-              <a:rPr lang="en-GB" dirty="0"/>
-              <a:t>But it is a bit expensive</a:t>
-            </a:r>
-          </a:p>
-          <a:p>
-            <a:pPr>
-              <a:lnSpc>
-                <a:spcPct val="100000"/>
-              </a:lnSpc>
-              <a:spcBef>
-                <a:spcPts val="1600"/>
-              </a:spcBef>
-            </a:pPr>
-            <a:r>
-              <a:rPr lang="en-GB" dirty="0"/>
-              <a:t>You found a online crack</a:t>
-            </a:r>
-          </a:p>
-          <a:p>
-            <a:pPr lvl="1">
-              <a:lnSpc>
-                <a:spcPct val="100000"/>
-              </a:lnSpc>
-            </a:pPr>
-            <a:r>
-              <a:rPr lang="en-GB" dirty="0"/>
-              <a:t>That allows you to play the game for free</a:t>
-            </a:r>
-          </a:p>
-          <a:p>
-            <a:pPr>
-              <a:lnSpc>
-                <a:spcPct val="100000"/>
-              </a:lnSpc>
-              <a:spcBef>
-                <a:spcPts val="1600"/>
-              </a:spcBef>
-            </a:pPr>
-            <a:r>
-              <a:rPr lang="en-GB" dirty="0"/>
-              <a:t>Who relates to this story?</a:t>
-            </a:r>
-          </a:p>
-        </p:txBody>
-      </p:sp>
-      <p:pic>
-        <p:nvPicPr>
-          <p:cNvPr id="4" name="Imagem 3">
-            <a:extLst>
-              <a:ext uri="{FF2B5EF4-FFF2-40B4-BE49-F238E27FC236}">
-                <a16:creationId xmlns:a16="http://schemas.microsoft.com/office/drawing/2014/main" id="{0EAA96F2-D30E-DCF9-C35D-44D03D2F098C}"/>
-              </a:ext>
-            </a:extLst>
-          </p:cNvPr>
-          <p:cNvPicPr>
-            <a:picLocks noChangeAspect="1"/>
-          </p:cNvPicPr>
-          <p:nvPr/>
-        </p:nvPicPr>
-        <p:blipFill>
-          <a:blip r:embed="rId2">
-            <a:extLst>
-              <a:ext uri="{28A0092B-C50C-407E-A947-70E740481C1C}">
-                <a14:useLocalDpi xmlns:a14="http://schemas.microsoft.com/office/drawing/2010/main" val="0"/>
-              </a:ext>
-            </a:extLst>
-          </a:blip>
-          <a:stretch>
-            <a:fillRect/>
-          </a:stretch>
-        </p:blipFill>
-        <p:spPr>
-          <a:xfrm>
-            <a:off x="2602454" y="6371432"/>
-            <a:ext cx="438377" cy="338320"/>
-          </a:xfrm>
-          <a:prstGeom prst="rect">
-            <a:avLst/>
-          </a:prstGeom>
-        </p:spPr>
-      </p:pic>
-      <p:pic>
-        <p:nvPicPr>
-          <p:cNvPr id="5" name="Imagem 4">
-            <a:extLst>
-              <a:ext uri="{FF2B5EF4-FFF2-40B4-BE49-F238E27FC236}">
-                <a16:creationId xmlns:a16="http://schemas.microsoft.com/office/drawing/2014/main" id="{F5CA5EFD-B561-B0DC-C995-6447DDA18C62}"/>
-              </a:ext>
-            </a:extLst>
-          </p:cNvPr>
-          <p:cNvPicPr>
-            <a:picLocks noChangeAspect="1"/>
-          </p:cNvPicPr>
-          <p:nvPr/>
-        </p:nvPicPr>
-        <p:blipFill>
-          <a:blip r:embed="rId3">
-            <a:extLst>
-              <a:ext uri="{28A0092B-C50C-407E-A947-70E740481C1C}">
-                <a14:useLocalDpi xmlns:a14="http://schemas.microsoft.com/office/drawing/2010/main" val="0"/>
-              </a:ext>
-            </a:extLst>
-          </a:blip>
-          <a:stretch>
-            <a:fillRect/>
-          </a:stretch>
-        </p:blipFill>
-        <p:spPr>
-          <a:xfrm>
-            <a:off x="1747844" y="6337055"/>
-            <a:ext cx="836680" cy="407074"/>
-          </a:xfrm>
-          <a:prstGeom prst="rect">
-            <a:avLst/>
-          </a:prstGeom>
-        </p:spPr>
-      </p:pic>
-      <p:pic>
-        <p:nvPicPr>
-          <p:cNvPr id="1026" name="Picture 2" descr="computer icon, game icon, gamer icon, gaming icon, happy icon, man icon,  playing icon">
-            <a:extLst>
-              <a:ext uri="{FF2B5EF4-FFF2-40B4-BE49-F238E27FC236}">
-                <a16:creationId xmlns:a16="http://schemas.microsoft.com/office/drawing/2014/main" id="{A518EE62-A359-20E7-977F-2228F597DAFC}"/>
-              </a:ext>
-            </a:extLst>
-          </p:cNvPr>
-          <p:cNvPicPr>
-            <a:picLocks noChangeAspect="1" noChangeArrowheads="1"/>
-          </p:cNvPicPr>
-          <p:nvPr/>
-        </p:nvPicPr>
-        <p:blipFill>
-          <a:blip r:embed="rId4">
-            <a:duotone>
-              <a:schemeClr val="accent1">
-                <a:shade val="45000"/>
-                <a:satMod val="135000"/>
-              </a:schemeClr>
-              <a:prstClr val="white"/>
-            </a:duotone>
-            <a:extLst>
-              <a:ext uri="{28A0092B-C50C-407E-A947-70E740481C1C}">
-                <a14:useLocalDpi xmlns:a14="http://schemas.microsoft.com/office/drawing/2010/main" val="0"/>
-              </a:ext>
-            </a:extLst>
-          </a:blip>
-          <a:srcRect/>
-          <a:stretch>
-            <a:fillRect/>
-          </a:stretch>
-        </p:blipFill>
-        <p:spPr bwMode="auto">
-          <a:xfrm>
-            <a:off x="7839907" y="3149600"/>
-            <a:ext cx="3037643" cy="3037643"/>
-          </a:xfrm>
-          <a:prstGeom prst="rect">
-            <a:avLst/>
-          </a:prstGeom>
-          <a:noFill/>
-          <a:extLst>
-            <a:ext uri="{909E8E84-426E-40DD-AFC4-6F175D3DCCD1}">
-              <a14:hiddenFill xmlns:a14="http://schemas.microsoft.com/office/drawing/2010/main">
-                <a:solidFill>
-                  <a:srgbClr val="FFFFFF"/>
-                </a:solidFill>
-              </a14:hiddenFill>
-            </a:ext>
-          </a:extLst>
-        </p:spPr>
-      </p:pic>
-    </p:spTree>
-    <p:extLst>
-      <p:ext uri="{BB962C8B-B14F-4D97-AF65-F5344CB8AC3E}">
-        <p14:creationId xmlns:p14="http://schemas.microsoft.com/office/powerpoint/2010/main" val="182611711"/>
-      </p:ext>
-    </p:extLst>
-  </p:cSld>
-  <p:clrMapOvr>
-    <a:masterClrMapping/>
-  </p:clrMapOvr>
-</p:sld>
-</file>
-
-<file path=ppt/slides/slide6.xml><?xml version="1.0" encoding="utf-8"?>
-<p:sld xmlns:a="http://schemas.openxmlformats.org/drawingml/2006/main" xmlns:r="http://schemas.openxmlformats.org/officeDocument/2006/relationships" xmlns:p="http://schemas.openxmlformats.org/presentationml/2006/main">
-  <p:cSld>
-    <p:spTree>
-      <p:nvGrpSpPr>
-        <p:cNvPr id="1" name=""/>
-        <p:cNvGrpSpPr/>
-        <p:nvPr/>
-      </p:nvGrpSpPr>
-      <p:grpSpPr>
-        <a:xfrm>
-          <a:off x="0" y="0"/>
-          <a:ext cx="0" cy="0"/>
-          <a:chOff x="0" y="0"/>
-          <a:chExt cx="0" cy="0"/>
-        </a:xfrm>
-      </p:grpSpPr>
-      <p:sp>
-        <p:nvSpPr>
-          <p:cNvPr id="2" name="Título 1">
-            <a:extLst>
-              <a:ext uri="{FF2B5EF4-FFF2-40B4-BE49-F238E27FC236}">
-                <a16:creationId xmlns:a16="http://schemas.microsoft.com/office/drawing/2014/main" id="{290198D7-7381-7BD0-7B6C-3352C41A1BAD}"/>
-              </a:ext>
-            </a:extLst>
-          </p:cNvPr>
-          <p:cNvSpPr>
-            <a:spLocks noGrp="1"/>
-          </p:cNvSpPr>
-          <p:nvPr>
-            <p:ph type="ctrTitle"/>
-          </p:nvPr>
-        </p:nvSpPr>
-        <p:spPr/>
-        <p:txBody>
-          <a:bodyPr/>
-          <a:lstStyle/>
-          <a:p>
-            <a:r>
-              <a:rPr lang="en-GB" dirty="0"/>
-              <a:t>A bit of context…</a:t>
-            </a:r>
-          </a:p>
-        </p:txBody>
-      </p:sp>
-      <p:sp>
-        <p:nvSpPr>
-          <p:cNvPr id="3" name="Subtítulo 2">
-            <a:extLst>
-              <a:ext uri="{FF2B5EF4-FFF2-40B4-BE49-F238E27FC236}">
-                <a16:creationId xmlns:a16="http://schemas.microsoft.com/office/drawing/2014/main" id="{717A8B4D-8CEE-D51D-5917-4538B5A34057}"/>
-              </a:ext>
-            </a:extLst>
-          </p:cNvPr>
-          <p:cNvSpPr>
-            <a:spLocks noGrp="1"/>
-          </p:cNvSpPr>
-          <p:nvPr>
-            <p:ph type="subTitle" idx="13"/>
-          </p:nvPr>
-        </p:nvSpPr>
-        <p:spPr/>
-        <p:txBody>
-          <a:bodyPr/>
-          <a:lstStyle/>
-          <a:p>
-            <a:pPr>
-              <a:lnSpc>
-                <a:spcPct val="100000"/>
-              </a:lnSpc>
-            </a:pPr>
             <a:r>
               <a:rPr lang="en-GB" dirty="0"/>
               <a:t>Procedure</a:t>
             </a:r>
           </a:p>
           <a:p>
-            <a:pPr lvl="1">
-              <a:lnSpc>
-                <a:spcPct val="100000"/>
-              </a:lnSpc>
-            </a:pPr>
+            <a:pPr lvl="1"/>
             <a:r>
               <a:rPr lang="en-GB" dirty="0"/>
               <a:t>Replace the original .exe file by the crack you got somewhere</a:t>
             </a:r>
           </a:p>
           <a:p>
-            <a:pPr lvl="1">
-              <a:lnSpc>
-                <a:spcPct val="100000"/>
-              </a:lnSpc>
-            </a:pPr>
+            <a:pPr lvl="1"/>
             <a:r>
               <a:rPr lang="en-GB" dirty="0"/>
               <a:t>Windows does not like it</a:t>
             </a:r>
           </a:p>
           <a:p>
-            <a:pPr lvl="2">
-              <a:lnSpc>
-                <a:spcPct val="100000"/>
-              </a:lnSpc>
-            </a:pPr>
+            <a:pPr lvl="2"/>
             <a:r>
               <a:rPr lang="en-GB" dirty="0"/>
               <a:t>But you are ok with it</a:t>
@@ -7933,78 +6941,6 @@
           </a:p>
         </p:txBody>
       </p:sp>
-      <p:pic>
-        <p:nvPicPr>
-          <p:cNvPr id="4" name="Imagem 3">
-            <a:extLst>
-              <a:ext uri="{FF2B5EF4-FFF2-40B4-BE49-F238E27FC236}">
-                <a16:creationId xmlns:a16="http://schemas.microsoft.com/office/drawing/2014/main" id="{0EAA96F2-D30E-DCF9-C35D-44D03D2F098C}"/>
-              </a:ext>
-            </a:extLst>
-          </p:cNvPr>
-          <p:cNvPicPr>
-            <a:picLocks noChangeAspect="1"/>
-          </p:cNvPicPr>
-          <p:nvPr/>
-        </p:nvPicPr>
-        <p:blipFill>
-          <a:blip r:embed="rId3">
-            <a:extLst>
-              <a:ext uri="{28A0092B-C50C-407E-A947-70E740481C1C}">
-                <a14:useLocalDpi xmlns:a14="http://schemas.microsoft.com/office/drawing/2010/main" val="0"/>
-              </a:ext>
-            </a:extLst>
-          </a:blip>
-          <a:stretch>
-            <a:fillRect/>
-          </a:stretch>
-        </p:blipFill>
-        <p:spPr>
-          <a:xfrm>
-            <a:off x="2602454" y="6371432"/>
-            <a:ext cx="438377" cy="338320"/>
-          </a:xfrm>
-          <a:prstGeom prst="rect">
-            <a:avLst/>
-          </a:prstGeom>
-        </p:spPr>
-      </p:pic>
-      <p:pic>
-        <p:nvPicPr>
-          <p:cNvPr id="5" name="Imagem 4">
-            <a:extLst>
-              <a:ext uri="{FF2B5EF4-FFF2-40B4-BE49-F238E27FC236}">
-                <a16:creationId xmlns:a16="http://schemas.microsoft.com/office/drawing/2014/main" id="{F5CA5EFD-B561-B0DC-C995-6447DDA18C62}"/>
-              </a:ext>
-            </a:extLst>
-          </p:cNvPr>
-          <p:cNvPicPr>
-            <a:picLocks noChangeAspect="1"/>
-          </p:cNvPicPr>
-          <p:nvPr/>
-        </p:nvPicPr>
-        <p:blipFill>
-          <a:blip r:embed="rId4">
-            <a:extLst>
-              <a:ext uri="{28A0092B-C50C-407E-A947-70E740481C1C}">
-                <a14:useLocalDpi xmlns:a14="http://schemas.microsoft.com/office/drawing/2010/main" val="0"/>
-              </a:ext>
-            </a:extLst>
-          </a:blip>
-          <a:stretch>
-            <a:fillRect/>
-          </a:stretch>
-        </p:blipFill>
-        <p:spPr>
-          <a:xfrm>
-            <a:off x="1747844" y="6337055"/>
-            <a:ext cx="836680" cy="407074"/>
-          </a:xfrm>
-          <a:prstGeom prst="rect">
-            <a:avLst/>
-          </a:prstGeom>
-        </p:spPr>
-      </p:pic>
       <p:grpSp>
         <p:nvGrpSpPr>
           <p:cNvPr id="7" name="Agrupar 6">
@@ -8019,10 +6955,10 @@
         </p:nvGrpSpPr>
         <p:grpSpPr>
           <a:xfrm>
-            <a:off x="6959396" y="3566838"/>
-            <a:ext cx="3490912" cy="2620405"/>
-            <a:chOff x="856998" y="3566838"/>
-            <a:chExt cx="3490912" cy="2620405"/>
+            <a:off x="6959396" y="3332168"/>
+            <a:ext cx="3803541" cy="2855075"/>
+            <a:chOff x="856998" y="3332168"/>
+            <a:chExt cx="3803541" cy="2855075"/>
           </a:xfrm>
         </p:grpSpPr>
         <p:pic>
@@ -8040,7 +6976,7 @@
             <p:nvPr/>
           </p:nvPicPr>
           <p:blipFill rotWithShape="1">
-            <a:blip r:embed="rId5">
+            <a:blip r:embed="rId3">
               <a:extLst>
                 <a:ext uri="{28A0092B-C50C-407E-A947-70E740481C1C}">
                   <a14:useLocalDpi xmlns:a14="http://schemas.microsoft.com/office/drawing/2010/main" val="0"/>
@@ -8052,8 +6988,8 @@
           </p:blipFill>
           <p:spPr bwMode="auto">
             <a:xfrm>
-              <a:off x="856998" y="3566838"/>
-              <a:ext cx="3490912" cy="2620405"/>
+              <a:off x="856998" y="3332168"/>
+              <a:ext cx="3803541" cy="2855075"/>
             </a:xfrm>
             <a:prstGeom prst="rect">
               <a:avLst/>
@@ -8084,7 +7020,7 @@
           </p:nvSpPr>
           <p:spPr>
             <a:xfrm>
-              <a:off x="917977" y="4600041"/>
+              <a:off x="946199" y="4526664"/>
               <a:ext cx="2832100" cy="276999"/>
             </a:xfrm>
             <a:prstGeom prst="rect">
@@ -8136,7 +7072,7 @@
           <p:nvPr/>
         </p:nvPicPr>
         <p:blipFill rotWithShape="1">
-          <a:blip r:embed="rId6">
+          <a:blip r:embed="rId4">
             <a:extLst>
               <a:ext uri="{28A0092B-C50C-407E-A947-70E740481C1C}">
                 <a14:useLocalDpi xmlns:a14="http://schemas.microsoft.com/office/drawing/2010/main" val="0"/>
@@ -8148,8 +7084,8 @@
         </p:blipFill>
         <p:spPr>
           <a:xfrm>
-            <a:off x="1898747" y="3566837"/>
-            <a:ext cx="3333858" cy="2620405"/>
+            <a:off x="1603948" y="3335127"/>
+            <a:ext cx="3628657" cy="2852116"/>
           </a:xfrm>
           <a:prstGeom prst="rect">
             <a:avLst/>
@@ -8160,6 +7096,5812 @@
     <p:extLst>
       <p:ext uri="{BB962C8B-B14F-4D97-AF65-F5344CB8AC3E}">
         <p14:creationId xmlns:p14="http://schemas.microsoft.com/office/powerpoint/2010/main" val="3522534538"/>
+      </p:ext>
+    </p:extLst>
+  </p:cSld>
+  <p:clrMapOvr>
+    <a:masterClrMapping/>
+  </p:clrMapOvr>
+  <p:timing>
+    <p:tnLst>
+      <p:par>
+        <p:cTn id="1" dur="indefinite" restart="never" nodeType="tmRoot">
+          <p:childTnLst>
+            <p:seq concurrent="1" nextAc="seek">
+              <p:cTn id="2" dur="indefinite" nodeType="mainSeq">
+                <p:childTnLst>
+                  <p:par>
+                    <p:cTn id="3" fill="hold">
+                      <p:stCondLst>
+                        <p:cond delay="indefinite"/>
+                      </p:stCondLst>
+                      <p:childTnLst>
+                        <p:par>
+                          <p:cTn id="4" fill="hold">
+                            <p:stCondLst>
+                              <p:cond delay="0"/>
+                            </p:stCondLst>
+                            <p:childTnLst>
+                              <p:par>
+                                <p:cTn id="5" presetID="1" presetClass="entr" presetSubtype="0" fill="hold" nodeType="clickEffect">
+                                  <p:stCondLst>
+                                    <p:cond delay="0"/>
+                                  </p:stCondLst>
+                                  <p:childTnLst>
+                                    <p:set>
+                                      <p:cBhvr>
+                                        <p:cTn id="6" dur="1" fill="hold">
+                                          <p:stCondLst>
+                                            <p:cond delay="0"/>
+                                          </p:stCondLst>
+                                        </p:cTn>
+                                        <p:tgtEl>
+                                          <p:spTgt spid="7"/>
+                                        </p:tgtEl>
+                                        <p:attrNameLst>
+                                          <p:attrName>style.visibility</p:attrName>
+                                        </p:attrNameLst>
+                                      </p:cBhvr>
+                                      <p:to>
+                                        <p:strVal val="visible"/>
+                                      </p:to>
+                                    </p:set>
+                                  </p:childTnLst>
+                                </p:cTn>
+                              </p:par>
+                              <p:par>
+                                <p:cTn id="7" presetID="1" presetClass="entr" presetSubtype="0" fill="hold" nodeType="withEffect">
+                                  <p:stCondLst>
+                                    <p:cond delay="0"/>
+                                  </p:stCondLst>
+                                  <p:childTnLst>
+                                    <p:set>
+                                      <p:cBhvr>
+                                        <p:cTn id="8" dur="1" fill="hold">
+                                          <p:stCondLst>
+                                            <p:cond delay="0"/>
+                                          </p:stCondLst>
+                                        </p:cTn>
+                                        <p:tgtEl>
+                                          <p:spTgt spid="9"/>
+                                        </p:tgtEl>
+                                        <p:attrNameLst>
+                                          <p:attrName>style.visibility</p:attrName>
+                                        </p:attrNameLst>
+                                      </p:cBhvr>
+                                      <p:to>
+                                        <p:strVal val="visible"/>
+                                      </p:to>
+                                    </p:set>
+                                  </p:childTnLst>
+                                </p:cTn>
+                              </p:par>
+                            </p:childTnLst>
+                          </p:cTn>
+                        </p:par>
+                      </p:childTnLst>
+                    </p:cTn>
+                  </p:par>
+                </p:childTnLst>
+              </p:cTn>
+              <p:prevCondLst>
+                <p:cond evt="onPrev" delay="0">
+                  <p:tgtEl>
+                    <p:sldTgt/>
+                  </p:tgtEl>
+                </p:cond>
+              </p:prevCondLst>
+              <p:nextCondLst>
+                <p:cond evt="onNext" delay="0">
+                  <p:tgtEl>
+                    <p:sldTgt/>
+                  </p:tgtEl>
+                </p:cond>
+              </p:nextCondLst>
+            </p:seq>
+          </p:childTnLst>
+        </p:cTn>
+      </p:par>
+    </p:tnLst>
+  </p:timing>
+</p:sld>
+</file>
+
+<file path=ppt/slides/slide12.xml><?xml version="1.0" encoding="utf-8"?>
+<p:sld xmlns:a="http://schemas.openxmlformats.org/drawingml/2006/main" xmlns:r="http://schemas.openxmlformats.org/officeDocument/2006/relationships" xmlns:p="http://schemas.openxmlformats.org/presentationml/2006/main">
+  <p:cSld>
+    <p:spTree>
+      <p:nvGrpSpPr>
+        <p:cNvPr id="1" name=""/>
+        <p:cNvGrpSpPr/>
+        <p:nvPr/>
+      </p:nvGrpSpPr>
+      <p:grpSpPr>
+        <a:xfrm>
+          <a:off x="0" y="0"/>
+          <a:ext cx="0" cy="0"/>
+          <a:chOff x="0" y="0"/>
+          <a:chExt cx="0" cy="0"/>
+        </a:xfrm>
+      </p:grpSpPr>
+      <p:sp>
+        <p:nvSpPr>
+          <p:cNvPr id="2" name="Título 1">
+            <a:extLst>
+              <a:ext uri="{FF2B5EF4-FFF2-40B4-BE49-F238E27FC236}">
+                <a16:creationId xmlns:a16="http://schemas.microsoft.com/office/drawing/2014/main" id="{290198D7-7381-7BD0-7B6C-3352C41A1BAD}"/>
+              </a:ext>
+            </a:extLst>
+          </p:cNvPr>
+          <p:cNvSpPr>
+            <a:spLocks noGrp="1"/>
+          </p:cNvSpPr>
+          <p:nvPr>
+            <p:ph type="ctrTitle"/>
+          </p:nvPr>
+        </p:nvSpPr>
+        <p:spPr/>
+        <p:txBody>
+          <a:bodyPr/>
+          <a:lstStyle/>
+          <a:p>
+            <a:r>
+              <a:rPr lang="en-GB" dirty="0"/>
+              <a:t>Good practices</a:t>
+            </a:r>
+          </a:p>
+        </p:txBody>
+      </p:sp>
+      <p:sp>
+        <p:nvSpPr>
+          <p:cNvPr id="3" name="Subtítulo 2">
+            <a:extLst>
+              <a:ext uri="{FF2B5EF4-FFF2-40B4-BE49-F238E27FC236}">
+                <a16:creationId xmlns:a16="http://schemas.microsoft.com/office/drawing/2014/main" id="{717A8B4D-8CEE-D51D-5917-4538B5A34057}"/>
+              </a:ext>
+            </a:extLst>
+          </p:cNvPr>
+          <p:cNvSpPr>
+            <a:spLocks noGrp="1"/>
+          </p:cNvSpPr>
+          <p:nvPr>
+            <p:ph type="subTitle" idx="13"/>
+          </p:nvPr>
+        </p:nvSpPr>
+        <p:spPr/>
+        <p:txBody>
+          <a:bodyPr/>
+          <a:lstStyle/>
+          <a:p>
+            <a:r>
+              <a:rPr lang="en-GB" dirty="0"/>
+              <a:t>Code obfuscation</a:t>
+            </a:r>
+          </a:p>
+          <a:p>
+            <a:r>
+              <a:rPr lang="en-GB" dirty="0"/>
+              <a:t>Do not reuse code</a:t>
+            </a:r>
+          </a:p>
+          <a:p>
+            <a:pPr lvl="1"/>
+            <a:r>
+              <a:rPr lang="en-GB" dirty="0"/>
+              <a:t>Neither toolkits, that is for Lammers</a:t>
+            </a:r>
+          </a:p>
+          <a:p>
+            <a:r>
+              <a:rPr lang="en-GB" dirty="0"/>
+              <a:t>Define an architecture</a:t>
+            </a:r>
+          </a:p>
+          <a:p>
+            <a:pPr lvl="1"/>
+            <a:r>
+              <a:rPr lang="en-GB" dirty="0"/>
+              <a:t>It is software, so it should be planned like a software</a:t>
+            </a:r>
+          </a:p>
+          <a:p>
+            <a:r>
+              <a:rPr lang="en-GB" dirty="0"/>
+              <a:t>Use Virtual Machine</a:t>
+            </a:r>
+          </a:p>
+          <a:p>
+            <a:pPr lvl="1"/>
+            <a:r>
+              <a:rPr lang="en-GB" dirty="0"/>
+              <a:t>Disconnected from the web</a:t>
+            </a:r>
+          </a:p>
+          <a:p>
+            <a:pPr lvl="1"/>
+            <a:r>
+              <a:rPr lang="en-GB" dirty="0"/>
+              <a:t>But for this workshop, we can use your local computer</a:t>
+            </a:r>
+          </a:p>
+          <a:p>
+            <a:pPr lvl="2"/>
+            <a:r>
+              <a:rPr lang="en-GB" dirty="0"/>
+              <a:t>Only to develop a POC (proof-of-concept)</a:t>
+            </a:r>
+          </a:p>
+        </p:txBody>
+      </p:sp>
+    </p:spTree>
+    <p:extLst>
+      <p:ext uri="{BB962C8B-B14F-4D97-AF65-F5344CB8AC3E}">
+        <p14:creationId xmlns:p14="http://schemas.microsoft.com/office/powerpoint/2010/main" val="288484117"/>
+      </p:ext>
+    </p:extLst>
+  </p:cSld>
+  <p:clrMapOvr>
+    <a:masterClrMapping/>
+  </p:clrMapOvr>
+</p:sld>
+</file>
+
+<file path=ppt/slides/slide13.xml><?xml version="1.0" encoding="utf-8"?>
+<p:sld xmlns:a="http://schemas.openxmlformats.org/drawingml/2006/main" xmlns:r="http://schemas.openxmlformats.org/officeDocument/2006/relationships" xmlns:p="http://schemas.openxmlformats.org/presentationml/2006/main">
+  <p:cSld>
+    <p:spTree>
+      <p:nvGrpSpPr>
+        <p:cNvPr id="1" name=""/>
+        <p:cNvGrpSpPr/>
+        <p:nvPr/>
+      </p:nvGrpSpPr>
+      <p:grpSpPr>
+        <a:xfrm>
+          <a:off x="0" y="0"/>
+          <a:ext cx="0" cy="0"/>
+          <a:chOff x="0" y="0"/>
+          <a:chExt cx="0" cy="0"/>
+        </a:xfrm>
+      </p:grpSpPr>
+      <p:sp>
+        <p:nvSpPr>
+          <p:cNvPr id="5" name="Título 4">
+            <a:extLst>
+              <a:ext uri="{FF2B5EF4-FFF2-40B4-BE49-F238E27FC236}">
+                <a16:creationId xmlns:a16="http://schemas.microsoft.com/office/drawing/2014/main" id="{D75AEDC6-D0A7-10D2-4B99-AFA8CD5AF9D6}"/>
+              </a:ext>
+            </a:extLst>
+          </p:cNvPr>
+          <p:cNvSpPr>
+            <a:spLocks noGrp="1"/>
+          </p:cNvSpPr>
+          <p:nvPr>
+            <p:ph type="ctrTitle"/>
+          </p:nvPr>
+        </p:nvSpPr>
+        <p:spPr/>
+        <p:txBody>
+          <a:bodyPr/>
+          <a:lstStyle/>
+          <a:p>
+            <a:r>
+              <a:rPr lang="en-GB" dirty="0"/>
+              <a:t>Let’s make a malware</a:t>
+            </a:r>
+          </a:p>
+        </p:txBody>
+      </p:sp>
+      <p:sp>
+        <p:nvSpPr>
+          <p:cNvPr id="6" name="Subtítulo 5">
+            <a:extLst>
+              <a:ext uri="{FF2B5EF4-FFF2-40B4-BE49-F238E27FC236}">
+                <a16:creationId xmlns:a16="http://schemas.microsoft.com/office/drawing/2014/main" id="{E1C640B9-1539-05DB-5B87-2FEA431960A1}"/>
+              </a:ext>
+            </a:extLst>
+          </p:cNvPr>
+          <p:cNvSpPr>
+            <a:spLocks noGrp="1"/>
+          </p:cNvSpPr>
+          <p:nvPr>
+            <p:ph type="subTitle" idx="1"/>
+          </p:nvPr>
+        </p:nvSpPr>
+        <p:spPr/>
+        <p:txBody>
+          <a:bodyPr/>
+          <a:lstStyle/>
+          <a:p>
+            <a:endParaRPr lang="en-GB"/>
+          </a:p>
+        </p:txBody>
+      </p:sp>
+    </p:spTree>
+    <p:extLst>
+      <p:ext uri="{BB962C8B-B14F-4D97-AF65-F5344CB8AC3E}">
+        <p14:creationId xmlns:p14="http://schemas.microsoft.com/office/powerpoint/2010/main" val="1810156345"/>
+      </p:ext>
+    </p:extLst>
+  </p:cSld>
+  <p:clrMapOvr>
+    <a:masterClrMapping/>
+  </p:clrMapOvr>
+</p:sld>
+</file>
+
+<file path=ppt/slides/slide14.xml><?xml version="1.0" encoding="utf-8"?>
+<p:sld xmlns:a="http://schemas.openxmlformats.org/drawingml/2006/main" xmlns:r="http://schemas.openxmlformats.org/officeDocument/2006/relationships" xmlns:p="http://schemas.openxmlformats.org/presentationml/2006/main">
+  <p:cSld>
+    <p:spTree>
+      <p:nvGrpSpPr>
+        <p:cNvPr id="1" name=""/>
+        <p:cNvGrpSpPr/>
+        <p:nvPr/>
+      </p:nvGrpSpPr>
+      <p:grpSpPr>
+        <a:xfrm>
+          <a:off x="0" y="0"/>
+          <a:ext cx="0" cy="0"/>
+          <a:chOff x="0" y="0"/>
+          <a:chExt cx="0" cy="0"/>
+        </a:xfrm>
+      </p:grpSpPr>
+      <p:pic>
+        <p:nvPicPr>
+          <p:cNvPr id="1026" name="Picture 2" descr="Take shareable snapshots of a folder tree with Snap2HTML | BetaNews">
+            <a:extLst>
+              <a:ext uri="{FF2B5EF4-FFF2-40B4-BE49-F238E27FC236}">
+                <a16:creationId xmlns:a16="http://schemas.microsoft.com/office/drawing/2014/main" id="{FA25E25A-5521-A82C-F55D-33BCF663B7B7}"/>
+              </a:ext>
+            </a:extLst>
+          </p:cNvPr>
+          <p:cNvPicPr>
+            <a:picLocks noChangeAspect="1" noChangeArrowheads="1"/>
+          </p:cNvPicPr>
+          <p:nvPr/>
+        </p:nvPicPr>
+        <p:blipFill>
+          <a:blip r:embed="rId2">
+            <a:extLst>
+              <a:ext uri="{28A0092B-C50C-407E-A947-70E740481C1C}">
+                <a14:useLocalDpi xmlns:a14="http://schemas.microsoft.com/office/drawing/2010/main" val="0"/>
+              </a:ext>
+            </a:extLst>
+          </a:blip>
+          <a:srcRect/>
+          <a:stretch>
+            <a:fillRect/>
+          </a:stretch>
+        </p:blipFill>
+        <p:spPr bwMode="auto">
+          <a:xfrm>
+            <a:off x="649582" y="2059856"/>
+            <a:ext cx="3260136" cy="2445102"/>
+          </a:xfrm>
+          <a:prstGeom prst="rect">
+            <a:avLst/>
+          </a:prstGeom>
+          <a:noFill/>
+          <a:extLst>
+            <a:ext uri="{909E8E84-426E-40DD-AFC4-6F175D3DCCD1}">
+              <a14:hiddenFill xmlns:a14="http://schemas.microsoft.com/office/drawing/2010/main">
+                <a:solidFill>
+                  <a:srgbClr val="FFFFFF"/>
+                </a:solidFill>
+              </a14:hiddenFill>
+            </a:ext>
+          </a:extLst>
+        </p:spPr>
+      </p:pic>
+      <p:sp>
+        <p:nvSpPr>
+          <p:cNvPr id="2" name="Título 1">
+            <a:extLst>
+              <a:ext uri="{FF2B5EF4-FFF2-40B4-BE49-F238E27FC236}">
+                <a16:creationId xmlns:a16="http://schemas.microsoft.com/office/drawing/2014/main" id="{290198D7-7381-7BD0-7B6C-3352C41A1BAD}"/>
+              </a:ext>
+            </a:extLst>
+          </p:cNvPr>
+          <p:cNvSpPr>
+            <a:spLocks noGrp="1"/>
+          </p:cNvSpPr>
+          <p:nvPr>
+            <p:ph type="ctrTitle"/>
+          </p:nvPr>
+        </p:nvSpPr>
+        <p:spPr/>
+        <p:txBody>
+          <a:bodyPr/>
+          <a:lstStyle/>
+          <a:p>
+            <a:r>
+              <a:rPr lang="en-GB" dirty="0"/>
+              <a:t>Let’s make a malware</a:t>
+            </a:r>
+          </a:p>
+        </p:txBody>
+      </p:sp>
+      <p:sp>
+        <p:nvSpPr>
+          <p:cNvPr id="8" name="Marcador de Posição do Texto 7">
+            <a:extLst>
+              <a:ext uri="{FF2B5EF4-FFF2-40B4-BE49-F238E27FC236}">
+                <a16:creationId xmlns:a16="http://schemas.microsoft.com/office/drawing/2014/main" id="{72263B5A-61AA-0518-5E89-7A99458BFEBF}"/>
+              </a:ext>
+            </a:extLst>
+          </p:cNvPr>
+          <p:cNvSpPr>
+            <a:spLocks noGrp="1"/>
+          </p:cNvSpPr>
+          <p:nvPr>
+            <p:ph type="body" sz="quarter" idx="14"/>
+          </p:nvPr>
+        </p:nvSpPr>
+        <p:spPr/>
+        <p:txBody>
+          <a:bodyPr/>
+          <a:lstStyle/>
+          <a:p>
+            <a:r>
+              <a:rPr lang="en-GB" dirty="0"/>
+              <a:t>Architecture</a:t>
+            </a:r>
+          </a:p>
+        </p:txBody>
+      </p:sp>
+      <p:sp>
+        <p:nvSpPr>
+          <p:cNvPr id="13" name="Retângulo Arredondado 12">
+            <a:extLst>
+              <a:ext uri="{FF2B5EF4-FFF2-40B4-BE49-F238E27FC236}">
+                <a16:creationId xmlns:a16="http://schemas.microsoft.com/office/drawing/2014/main" id="{51446128-0D2D-57E8-8B44-6AFC6D9ACED1}"/>
+              </a:ext>
+            </a:extLst>
+          </p:cNvPr>
+          <p:cNvSpPr/>
+          <p:nvPr/>
+        </p:nvSpPr>
+        <p:spPr>
+          <a:xfrm>
+            <a:off x="5794744" y="2790216"/>
+            <a:ext cx="2200275" cy="971550"/>
+          </a:xfrm>
+          <a:prstGeom prst="roundRect">
+            <a:avLst/>
+          </a:prstGeom>
+          <a:noFill/>
+          <a:ln w="28575">
+            <a:solidFill>
+              <a:srgbClr val="FF8145"/>
+            </a:solidFill>
+          </a:ln>
+        </p:spPr>
+        <p:style>
+          <a:lnRef idx="2">
+            <a:schemeClr val="accent1">
+              <a:shade val="50000"/>
+            </a:schemeClr>
+          </a:lnRef>
+          <a:fillRef idx="1">
+            <a:schemeClr val="accent1"/>
+          </a:fillRef>
+          <a:effectRef idx="0">
+            <a:schemeClr val="accent1"/>
+          </a:effectRef>
+          <a:fontRef idx="minor">
+            <a:schemeClr val="lt1"/>
+          </a:fontRef>
+        </p:style>
+        <p:txBody>
+          <a:bodyPr rtlCol="0" anchor="ctr"/>
+          <a:lstStyle/>
+          <a:p>
+            <a:pPr algn="ctr"/>
+            <a:r>
+              <a:rPr lang="en-GB" dirty="0">
+                <a:solidFill>
+                  <a:schemeClr val="accent4">
+                    <a:lumMod val="50000"/>
+                  </a:schemeClr>
+                </a:solidFill>
+              </a:rPr>
+              <a:t>File Manager</a:t>
+            </a:r>
+          </a:p>
+        </p:txBody>
+      </p:sp>
+      <p:sp>
+        <p:nvSpPr>
+          <p:cNvPr id="14" name="Retângulo Arredondado 13">
+            <a:extLst>
+              <a:ext uri="{FF2B5EF4-FFF2-40B4-BE49-F238E27FC236}">
+                <a16:creationId xmlns:a16="http://schemas.microsoft.com/office/drawing/2014/main" id="{9A3ADA8E-7B65-0953-4C67-F18598BCD7DC}"/>
+              </a:ext>
+            </a:extLst>
+          </p:cNvPr>
+          <p:cNvSpPr/>
+          <p:nvPr/>
+        </p:nvSpPr>
+        <p:spPr>
+          <a:xfrm>
+            <a:off x="5794744" y="4634694"/>
+            <a:ext cx="2200275" cy="971550"/>
+          </a:xfrm>
+          <a:prstGeom prst="roundRect">
+            <a:avLst/>
+          </a:prstGeom>
+          <a:noFill/>
+          <a:ln w="28575">
+            <a:solidFill>
+              <a:srgbClr val="FF8145"/>
+            </a:solidFill>
+          </a:ln>
+        </p:spPr>
+        <p:style>
+          <a:lnRef idx="2">
+            <a:schemeClr val="accent1">
+              <a:shade val="50000"/>
+            </a:schemeClr>
+          </a:lnRef>
+          <a:fillRef idx="1">
+            <a:schemeClr val="accent1"/>
+          </a:fillRef>
+          <a:effectRef idx="0">
+            <a:schemeClr val="accent1"/>
+          </a:effectRef>
+          <a:fontRef idx="minor">
+            <a:schemeClr val="lt1"/>
+          </a:fontRef>
+        </p:style>
+        <p:txBody>
+          <a:bodyPr rtlCol="0" anchor="ctr"/>
+          <a:lstStyle/>
+          <a:p>
+            <a:pPr algn="ctr"/>
+            <a:r>
+              <a:rPr lang="en-GB" dirty="0">
+                <a:solidFill>
+                  <a:schemeClr val="accent4">
+                    <a:lumMod val="50000"/>
+                  </a:schemeClr>
+                </a:solidFill>
+              </a:rPr>
+              <a:t>Crypto</a:t>
+            </a:r>
+          </a:p>
+        </p:txBody>
+      </p:sp>
+      <p:sp>
+        <p:nvSpPr>
+          <p:cNvPr id="15" name="Retângulo Arredondado 14">
+            <a:extLst>
+              <a:ext uri="{FF2B5EF4-FFF2-40B4-BE49-F238E27FC236}">
+                <a16:creationId xmlns:a16="http://schemas.microsoft.com/office/drawing/2014/main" id="{06FFEBB7-1E3E-53A4-C70F-56B86D3B71C3}"/>
+              </a:ext>
+            </a:extLst>
+          </p:cNvPr>
+          <p:cNvSpPr/>
+          <p:nvPr/>
+        </p:nvSpPr>
+        <p:spPr>
+          <a:xfrm>
+            <a:off x="8658882" y="2790216"/>
+            <a:ext cx="2200275" cy="971550"/>
+          </a:xfrm>
+          <a:prstGeom prst="roundRect">
+            <a:avLst/>
+          </a:prstGeom>
+          <a:noFill/>
+          <a:ln w="28575">
+            <a:solidFill>
+              <a:srgbClr val="FF8145"/>
+            </a:solidFill>
+          </a:ln>
+        </p:spPr>
+        <p:style>
+          <a:lnRef idx="2">
+            <a:schemeClr val="accent1">
+              <a:shade val="50000"/>
+            </a:schemeClr>
+          </a:lnRef>
+          <a:fillRef idx="1">
+            <a:schemeClr val="accent1"/>
+          </a:fillRef>
+          <a:effectRef idx="0">
+            <a:schemeClr val="accent1"/>
+          </a:effectRef>
+          <a:fontRef idx="minor">
+            <a:schemeClr val="lt1"/>
+          </a:fontRef>
+        </p:style>
+        <p:txBody>
+          <a:bodyPr rtlCol="0" anchor="ctr"/>
+          <a:lstStyle/>
+          <a:p>
+            <a:pPr algn="ctr"/>
+            <a:r>
+              <a:rPr lang="en-GB" dirty="0">
+                <a:solidFill>
+                  <a:schemeClr val="accent4">
+                    <a:lumMod val="50000"/>
+                  </a:schemeClr>
+                </a:solidFill>
+              </a:rPr>
+              <a:t>Rescue Generator</a:t>
+            </a:r>
+          </a:p>
+        </p:txBody>
+      </p:sp>
+      <p:sp>
+        <p:nvSpPr>
+          <p:cNvPr id="16" name="Seta para a Esquerda e para a Direita 15">
+            <a:extLst>
+              <a:ext uri="{FF2B5EF4-FFF2-40B4-BE49-F238E27FC236}">
+                <a16:creationId xmlns:a16="http://schemas.microsoft.com/office/drawing/2014/main" id="{D923BF12-F6FE-2315-D571-842E1DE2A31B}"/>
+              </a:ext>
+            </a:extLst>
+          </p:cNvPr>
+          <p:cNvSpPr/>
+          <p:nvPr/>
+        </p:nvSpPr>
+        <p:spPr>
+          <a:xfrm>
+            <a:off x="3814022" y="3043238"/>
+            <a:ext cx="1764000" cy="468000"/>
+          </a:xfrm>
+          <a:prstGeom prst="leftRightArrow">
+            <a:avLst/>
+          </a:prstGeom>
+          <a:solidFill>
+            <a:schemeClr val="tx2">
+              <a:lumMod val="20000"/>
+              <a:lumOff val="80000"/>
+            </a:schemeClr>
+          </a:solidFill>
+          <a:ln w="28575">
+            <a:solidFill>
+              <a:srgbClr val="FF8145"/>
+            </a:solidFill>
+          </a:ln>
+        </p:spPr>
+        <p:style>
+          <a:lnRef idx="2">
+            <a:schemeClr val="accent1">
+              <a:shade val="50000"/>
+            </a:schemeClr>
+          </a:lnRef>
+          <a:fillRef idx="1">
+            <a:schemeClr val="accent1"/>
+          </a:fillRef>
+          <a:effectRef idx="0">
+            <a:schemeClr val="accent1"/>
+          </a:effectRef>
+          <a:fontRef idx="minor">
+            <a:schemeClr val="lt1"/>
+          </a:fontRef>
+        </p:style>
+        <p:txBody>
+          <a:bodyPr rtlCol="0" anchor="ctr"/>
+          <a:lstStyle/>
+          <a:p>
+            <a:pPr algn="ctr"/>
+            <a:r>
+              <a:rPr lang="en-GB" dirty="0">
+                <a:solidFill>
+                  <a:srgbClr val="293490"/>
+                </a:solidFill>
+              </a:rPr>
+              <a:t>Read/write</a:t>
+            </a:r>
+          </a:p>
+        </p:txBody>
+      </p:sp>
+      <p:cxnSp>
+        <p:nvCxnSpPr>
+          <p:cNvPr id="19" name="Conexão Reta Unidirecional 18">
+            <a:extLst>
+              <a:ext uri="{FF2B5EF4-FFF2-40B4-BE49-F238E27FC236}">
+                <a16:creationId xmlns:a16="http://schemas.microsoft.com/office/drawing/2014/main" id="{FDD7EEF5-1CED-A2C3-E6C9-5E0C3A29F970}"/>
+              </a:ext>
+            </a:extLst>
+          </p:cNvPr>
+          <p:cNvCxnSpPr>
+            <a:stCxn id="13" idx="2"/>
+            <a:endCxn id="14" idx="0"/>
+          </p:cNvCxnSpPr>
+          <p:nvPr/>
+        </p:nvCxnSpPr>
+        <p:spPr>
+          <a:xfrm>
+            <a:off x="6894882" y="3761766"/>
+            <a:ext cx="0" cy="872928"/>
+          </a:xfrm>
+          <a:prstGeom prst="straightConnector1">
+            <a:avLst/>
+          </a:prstGeom>
+          <a:ln w="28575">
+            <a:tailEnd type="triangle"/>
+          </a:ln>
+        </p:spPr>
+        <p:style>
+          <a:lnRef idx="1">
+            <a:schemeClr val="accent1"/>
+          </a:lnRef>
+          <a:fillRef idx="0">
+            <a:schemeClr val="accent1"/>
+          </a:fillRef>
+          <a:effectRef idx="0">
+            <a:schemeClr val="accent1"/>
+          </a:effectRef>
+          <a:fontRef idx="minor">
+            <a:schemeClr val="tx1"/>
+          </a:fontRef>
+        </p:style>
+      </p:cxnSp>
+      <p:cxnSp>
+        <p:nvCxnSpPr>
+          <p:cNvPr id="21" name="Conexão Reta Unidirecional 20">
+            <a:extLst>
+              <a:ext uri="{FF2B5EF4-FFF2-40B4-BE49-F238E27FC236}">
+                <a16:creationId xmlns:a16="http://schemas.microsoft.com/office/drawing/2014/main" id="{D830AADD-26AE-26A6-F346-9B8920632D7F}"/>
+              </a:ext>
+            </a:extLst>
+          </p:cNvPr>
+          <p:cNvCxnSpPr>
+            <a:cxnSpLocks/>
+            <a:stCxn id="13" idx="3"/>
+            <a:endCxn id="15" idx="1"/>
+          </p:cNvCxnSpPr>
+          <p:nvPr/>
+        </p:nvCxnSpPr>
+        <p:spPr>
+          <a:xfrm>
+            <a:off x="7995019" y="3275991"/>
+            <a:ext cx="663863" cy="0"/>
+          </a:xfrm>
+          <a:prstGeom prst="straightConnector1">
+            <a:avLst/>
+          </a:prstGeom>
+          <a:ln w="28575">
+            <a:tailEnd type="triangle"/>
+          </a:ln>
+        </p:spPr>
+        <p:style>
+          <a:lnRef idx="1">
+            <a:schemeClr val="accent1"/>
+          </a:lnRef>
+          <a:fillRef idx="0">
+            <a:schemeClr val="accent1"/>
+          </a:fillRef>
+          <a:effectRef idx="0">
+            <a:schemeClr val="accent1"/>
+          </a:effectRef>
+          <a:fontRef idx="minor">
+            <a:schemeClr val="tx1"/>
+          </a:fontRef>
+        </p:style>
+      </p:cxnSp>
+      <p:sp>
+        <p:nvSpPr>
+          <p:cNvPr id="25" name="Retângulo Arredondado 24">
+            <a:extLst>
+              <a:ext uri="{FF2B5EF4-FFF2-40B4-BE49-F238E27FC236}">
+                <a16:creationId xmlns:a16="http://schemas.microsoft.com/office/drawing/2014/main" id="{780D6197-D1E4-672C-E09F-5541EBBEF40B}"/>
+              </a:ext>
+            </a:extLst>
+          </p:cNvPr>
+          <p:cNvSpPr/>
+          <p:nvPr/>
+        </p:nvSpPr>
+        <p:spPr>
+          <a:xfrm>
+            <a:off x="5681330" y="2658140"/>
+            <a:ext cx="5302103" cy="3072809"/>
+          </a:xfrm>
+          <a:prstGeom prst="roundRect">
+            <a:avLst>
+              <a:gd name="adj" fmla="val 4276"/>
+            </a:avLst>
+          </a:prstGeom>
+          <a:noFill/>
+          <a:ln w="28575">
+            <a:solidFill>
+              <a:srgbClr val="FF8145"/>
+            </a:solidFill>
+          </a:ln>
+        </p:spPr>
+        <p:style>
+          <a:lnRef idx="2">
+            <a:schemeClr val="accent1">
+              <a:shade val="50000"/>
+            </a:schemeClr>
+          </a:lnRef>
+          <a:fillRef idx="1">
+            <a:schemeClr val="accent1"/>
+          </a:fillRef>
+          <a:effectRef idx="0">
+            <a:schemeClr val="accent1"/>
+          </a:effectRef>
+          <a:fontRef idx="minor">
+            <a:schemeClr val="lt1"/>
+          </a:fontRef>
+        </p:style>
+        <p:txBody>
+          <a:bodyPr rtlCol="0" anchor="b"/>
+          <a:lstStyle/>
+          <a:p>
+            <a:pPr algn="r"/>
+            <a:r>
+              <a:rPr lang="en-GB" dirty="0">
+                <a:solidFill>
+                  <a:schemeClr val="accent4">
+                    <a:lumMod val="50000"/>
+                  </a:schemeClr>
+                </a:solidFill>
+              </a:rPr>
+              <a:t>Crack</a:t>
+            </a:r>
+          </a:p>
+        </p:txBody>
+      </p:sp>
+    </p:spTree>
+    <p:extLst>
+      <p:ext uri="{BB962C8B-B14F-4D97-AF65-F5344CB8AC3E}">
+        <p14:creationId xmlns:p14="http://schemas.microsoft.com/office/powerpoint/2010/main" val="2496797616"/>
+      </p:ext>
+    </p:extLst>
+  </p:cSld>
+  <p:clrMapOvr>
+    <a:masterClrMapping/>
+  </p:clrMapOvr>
+  <p:timing>
+    <p:tnLst>
+      <p:par>
+        <p:cTn id="1" dur="indefinite" restart="never" nodeType="tmRoot">
+          <p:childTnLst>
+            <p:seq concurrent="1" nextAc="seek">
+              <p:cTn id="2" dur="indefinite" nodeType="mainSeq">
+                <p:childTnLst>
+                  <p:par>
+                    <p:cTn id="3" fill="hold">
+                      <p:stCondLst>
+                        <p:cond delay="indefinite"/>
+                      </p:stCondLst>
+                      <p:childTnLst>
+                        <p:par>
+                          <p:cTn id="4" fill="hold">
+                            <p:stCondLst>
+                              <p:cond delay="0"/>
+                            </p:stCondLst>
+                            <p:childTnLst>
+                              <p:par>
+                                <p:cTn id="5" presetID="1" presetClass="entr" presetSubtype="0" fill="hold" nodeType="clickEffect">
+                                  <p:stCondLst>
+                                    <p:cond delay="0"/>
+                                  </p:stCondLst>
+                                  <p:childTnLst>
+                                    <p:set>
+                                      <p:cBhvr>
+                                        <p:cTn id="6" dur="1" fill="hold">
+                                          <p:stCondLst>
+                                            <p:cond delay="0"/>
+                                          </p:stCondLst>
+                                        </p:cTn>
+                                        <p:tgtEl>
+                                          <p:spTgt spid="19"/>
+                                        </p:tgtEl>
+                                        <p:attrNameLst>
+                                          <p:attrName>style.visibility</p:attrName>
+                                        </p:attrNameLst>
+                                      </p:cBhvr>
+                                      <p:to>
+                                        <p:strVal val="visible"/>
+                                      </p:to>
+                                    </p:set>
+                                  </p:childTnLst>
+                                </p:cTn>
+                              </p:par>
+                              <p:par>
+                                <p:cTn id="7" presetID="1" presetClass="entr" presetSubtype="0" fill="hold" grpId="0" nodeType="withEffect">
+                                  <p:stCondLst>
+                                    <p:cond delay="0"/>
+                                  </p:stCondLst>
+                                  <p:childTnLst>
+                                    <p:set>
+                                      <p:cBhvr>
+                                        <p:cTn id="8" dur="1" fill="hold">
+                                          <p:stCondLst>
+                                            <p:cond delay="0"/>
+                                          </p:stCondLst>
+                                        </p:cTn>
+                                        <p:tgtEl>
+                                          <p:spTgt spid="14"/>
+                                        </p:tgtEl>
+                                        <p:attrNameLst>
+                                          <p:attrName>style.visibility</p:attrName>
+                                        </p:attrNameLst>
+                                      </p:cBhvr>
+                                      <p:to>
+                                        <p:strVal val="visible"/>
+                                      </p:to>
+                                    </p:set>
+                                  </p:childTnLst>
+                                </p:cTn>
+                              </p:par>
+                            </p:childTnLst>
+                          </p:cTn>
+                        </p:par>
+                      </p:childTnLst>
+                    </p:cTn>
+                  </p:par>
+                  <p:par>
+                    <p:cTn id="9" fill="hold">
+                      <p:stCondLst>
+                        <p:cond delay="indefinite"/>
+                      </p:stCondLst>
+                      <p:childTnLst>
+                        <p:par>
+                          <p:cTn id="10" fill="hold">
+                            <p:stCondLst>
+                              <p:cond delay="0"/>
+                            </p:stCondLst>
+                            <p:childTnLst>
+                              <p:par>
+                                <p:cTn id="11" presetID="1" presetClass="entr" presetSubtype="0" fill="hold" nodeType="clickEffect">
+                                  <p:stCondLst>
+                                    <p:cond delay="0"/>
+                                  </p:stCondLst>
+                                  <p:childTnLst>
+                                    <p:set>
+                                      <p:cBhvr>
+                                        <p:cTn id="12" dur="1" fill="hold">
+                                          <p:stCondLst>
+                                            <p:cond delay="0"/>
+                                          </p:stCondLst>
+                                        </p:cTn>
+                                        <p:tgtEl>
+                                          <p:spTgt spid="21"/>
+                                        </p:tgtEl>
+                                        <p:attrNameLst>
+                                          <p:attrName>style.visibility</p:attrName>
+                                        </p:attrNameLst>
+                                      </p:cBhvr>
+                                      <p:to>
+                                        <p:strVal val="visible"/>
+                                      </p:to>
+                                    </p:set>
+                                  </p:childTnLst>
+                                </p:cTn>
+                              </p:par>
+                              <p:par>
+                                <p:cTn id="13" presetID="1" presetClass="entr" presetSubtype="0" fill="hold" grpId="0" nodeType="withEffect">
+                                  <p:stCondLst>
+                                    <p:cond delay="0"/>
+                                  </p:stCondLst>
+                                  <p:childTnLst>
+                                    <p:set>
+                                      <p:cBhvr>
+                                        <p:cTn id="14" dur="1" fill="hold">
+                                          <p:stCondLst>
+                                            <p:cond delay="0"/>
+                                          </p:stCondLst>
+                                        </p:cTn>
+                                        <p:tgtEl>
+                                          <p:spTgt spid="15"/>
+                                        </p:tgtEl>
+                                        <p:attrNameLst>
+                                          <p:attrName>style.visibility</p:attrName>
+                                        </p:attrNameLst>
+                                      </p:cBhvr>
+                                      <p:to>
+                                        <p:strVal val="visible"/>
+                                      </p:to>
+                                    </p:set>
+                                  </p:childTnLst>
+                                </p:cTn>
+                              </p:par>
+                            </p:childTnLst>
+                          </p:cTn>
+                        </p:par>
+                      </p:childTnLst>
+                    </p:cTn>
+                  </p:par>
+                  <p:par>
+                    <p:cTn id="15" fill="hold">
+                      <p:stCondLst>
+                        <p:cond delay="indefinite"/>
+                      </p:stCondLst>
+                      <p:childTnLst>
+                        <p:par>
+                          <p:cTn id="16" fill="hold">
+                            <p:stCondLst>
+                              <p:cond delay="0"/>
+                            </p:stCondLst>
+                            <p:childTnLst>
+                              <p:par>
+                                <p:cTn id="17" presetID="1" presetClass="entr" presetSubtype="0" fill="hold" grpId="0" nodeType="clickEffect">
+                                  <p:stCondLst>
+                                    <p:cond delay="0"/>
+                                  </p:stCondLst>
+                                  <p:childTnLst>
+                                    <p:set>
+                                      <p:cBhvr>
+                                        <p:cTn id="18" dur="1" fill="hold">
+                                          <p:stCondLst>
+                                            <p:cond delay="0"/>
+                                          </p:stCondLst>
+                                        </p:cTn>
+                                        <p:tgtEl>
+                                          <p:spTgt spid="25"/>
+                                        </p:tgtEl>
+                                        <p:attrNameLst>
+                                          <p:attrName>style.visibility</p:attrName>
+                                        </p:attrNameLst>
+                                      </p:cBhvr>
+                                      <p:to>
+                                        <p:strVal val="visible"/>
+                                      </p:to>
+                                    </p:set>
+                                  </p:childTnLst>
+                                </p:cTn>
+                              </p:par>
+                            </p:childTnLst>
+                          </p:cTn>
+                        </p:par>
+                      </p:childTnLst>
+                    </p:cTn>
+                  </p:par>
+                </p:childTnLst>
+              </p:cTn>
+              <p:prevCondLst>
+                <p:cond evt="onPrev" delay="0">
+                  <p:tgtEl>
+                    <p:sldTgt/>
+                  </p:tgtEl>
+                </p:cond>
+              </p:prevCondLst>
+              <p:nextCondLst>
+                <p:cond evt="onNext" delay="0">
+                  <p:tgtEl>
+                    <p:sldTgt/>
+                  </p:tgtEl>
+                </p:cond>
+              </p:nextCondLst>
+            </p:seq>
+          </p:childTnLst>
+        </p:cTn>
+      </p:par>
+    </p:tnLst>
+    <p:bldLst>
+      <p:bldP spid="14" grpId="0" animBg="1"/>
+      <p:bldP spid="15" grpId="0" animBg="1"/>
+      <p:bldP spid="25" grpId="0" animBg="1"/>
+    </p:bldLst>
+  </p:timing>
+</p:sld>
+</file>
+
+<file path=ppt/slides/slide15.xml><?xml version="1.0" encoding="utf-8"?>
+<p:sld xmlns:a="http://schemas.openxmlformats.org/drawingml/2006/main" xmlns:r="http://schemas.openxmlformats.org/officeDocument/2006/relationships" xmlns:p="http://schemas.openxmlformats.org/presentationml/2006/main">
+  <p:cSld>
+    <p:spTree>
+      <p:nvGrpSpPr>
+        <p:cNvPr id="1" name=""/>
+        <p:cNvGrpSpPr/>
+        <p:nvPr/>
+      </p:nvGrpSpPr>
+      <p:grpSpPr>
+        <a:xfrm>
+          <a:off x="0" y="0"/>
+          <a:ext cx="0" cy="0"/>
+          <a:chOff x="0" y="0"/>
+          <a:chExt cx="0" cy="0"/>
+        </a:xfrm>
+      </p:grpSpPr>
+      <p:sp>
+        <p:nvSpPr>
+          <p:cNvPr id="2" name="Título 1">
+            <a:extLst>
+              <a:ext uri="{FF2B5EF4-FFF2-40B4-BE49-F238E27FC236}">
+                <a16:creationId xmlns:a16="http://schemas.microsoft.com/office/drawing/2014/main" id="{290198D7-7381-7BD0-7B6C-3352C41A1BAD}"/>
+              </a:ext>
+            </a:extLst>
+          </p:cNvPr>
+          <p:cNvSpPr>
+            <a:spLocks noGrp="1"/>
+          </p:cNvSpPr>
+          <p:nvPr>
+            <p:ph type="ctrTitle"/>
+          </p:nvPr>
+        </p:nvSpPr>
+        <p:spPr/>
+        <p:txBody>
+          <a:bodyPr/>
+          <a:lstStyle/>
+          <a:p>
+            <a:r>
+              <a:rPr lang="en-GB" dirty="0"/>
+              <a:t>Let’s make a malware</a:t>
+            </a:r>
+          </a:p>
+        </p:txBody>
+      </p:sp>
+      <p:sp>
+        <p:nvSpPr>
+          <p:cNvPr id="3" name="Subtítulo 2">
+            <a:extLst>
+              <a:ext uri="{FF2B5EF4-FFF2-40B4-BE49-F238E27FC236}">
+                <a16:creationId xmlns:a16="http://schemas.microsoft.com/office/drawing/2014/main" id="{717A8B4D-8CEE-D51D-5917-4538B5A34057}"/>
+              </a:ext>
+            </a:extLst>
+          </p:cNvPr>
+          <p:cNvSpPr>
+            <a:spLocks noGrp="1"/>
+          </p:cNvSpPr>
+          <p:nvPr>
+            <p:ph type="subTitle" idx="13"/>
+          </p:nvPr>
+        </p:nvSpPr>
+        <p:spPr>
+          <a:xfrm>
+            <a:off x="839788" y="1989090"/>
+            <a:ext cx="5183189" cy="4198153"/>
+          </a:xfrm>
+        </p:spPr>
+        <p:txBody>
+          <a:bodyPr/>
+          <a:lstStyle/>
+          <a:p>
+            <a:r>
+              <a:rPr lang="en-GB" dirty="0"/>
+              <a:t>Entry point</a:t>
+            </a:r>
+          </a:p>
+          <a:p>
+            <a:r>
+              <a:rPr lang="en-GB" dirty="0"/>
+              <a:t>Find files</a:t>
+            </a:r>
+          </a:p>
+          <a:p>
+            <a:r>
+              <a:rPr lang="en-GB" dirty="0"/>
+              <a:t>Call encryption methods</a:t>
+            </a:r>
+          </a:p>
+          <a:p>
+            <a:r>
+              <a:rPr lang="en-GB" dirty="0"/>
+              <a:t>Delete files</a:t>
+            </a:r>
+          </a:p>
+          <a:p>
+            <a:r>
+              <a:rPr lang="en-GB" dirty="0"/>
+              <a:t>Write rescue note</a:t>
+            </a:r>
+          </a:p>
+        </p:txBody>
+      </p:sp>
+      <p:sp>
+        <p:nvSpPr>
+          <p:cNvPr id="8" name="Marcador de Posição do Texto 7">
+            <a:extLst>
+              <a:ext uri="{FF2B5EF4-FFF2-40B4-BE49-F238E27FC236}">
+                <a16:creationId xmlns:a16="http://schemas.microsoft.com/office/drawing/2014/main" id="{72263B5A-61AA-0518-5E89-7A99458BFEBF}"/>
+              </a:ext>
+            </a:extLst>
+          </p:cNvPr>
+          <p:cNvSpPr>
+            <a:spLocks noGrp="1"/>
+          </p:cNvSpPr>
+          <p:nvPr>
+            <p:ph type="body" sz="quarter" idx="14"/>
+          </p:nvPr>
+        </p:nvSpPr>
+        <p:spPr/>
+        <p:txBody>
+          <a:bodyPr/>
+          <a:lstStyle/>
+          <a:p>
+            <a:r>
+              <a:rPr lang="en-GB" dirty="0"/>
+              <a:t>Cracker</a:t>
+            </a:r>
+          </a:p>
+        </p:txBody>
+      </p:sp>
+      <p:pic>
+        <p:nvPicPr>
+          <p:cNvPr id="10" name="Imagem 9">
+            <a:extLst>
+              <a:ext uri="{FF2B5EF4-FFF2-40B4-BE49-F238E27FC236}">
+                <a16:creationId xmlns:a16="http://schemas.microsoft.com/office/drawing/2014/main" id="{437AE1D7-3F7F-2DBF-212E-6F635DF248BF}"/>
+              </a:ext>
+            </a:extLst>
+          </p:cNvPr>
+          <p:cNvPicPr>
+            <a:picLocks noChangeAspect="1"/>
+          </p:cNvPicPr>
+          <p:nvPr/>
+        </p:nvPicPr>
+        <p:blipFill>
+          <a:blip r:embed="rId2">
+            <a:extLst>
+              <a:ext uri="{28A0092B-C50C-407E-A947-70E740481C1C}">
+                <a14:useLocalDpi xmlns:a14="http://schemas.microsoft.com/office/drawing/2010/main" val="0"/>
+              </a:ext>
+            </a:extLst>
+          </a:blip>
+          <a:stretch>
+            <a:fillRect/>
+          </a:stretch>
+        </p:blipFill>
+        <p:spPr>
+          <a:xfrm>
+            <a:off x="6169024" y="1989090"/>
+            <a:ext cx="5183188" cy="3514527"/>
+          </a:xfrm>
+          <a:prstGeom prst="rect">
+            <a:avLst/>
+          </a:prstGeom>
+        </p:spPr>
+      </p:pic>
+    </p:spTree>
+    <p:extLst>
+      <p:ext uri="{BB962C8B-B14F-4D97-AF65-F5344CB8AC3E}">
+        <p14:creationId xmlns:p14="http://schemas.microsoft.com/office/powerpoint/2010/main" val="649095023"/>
+      </p:ext>
+    </p:extLst>
+  </p:cSld>
+  <p:clrMapOvr>
+    <a:masterClrMapping/>
+  </p:clrMapOvr>
+  <p:timing>
+    <p:tnLst>
+      <p:par>
+        <p:cTn id="1" dur="indefinite" restart="never" nodeType="tmRoot">
+          <p:childTnLst>
+            <p:seq concurrent="1" nextAc="seek">
+              <p:cTn id="2" dur="indefinite" nodeType="mainSeq">
+                <p:childTnLst>
+                  <p:par>
+                    <p:cTn id="3" fill="hold">
+                      <p:stCondLst>
+                        <p:cond delay="indefinite"/>
+                      </p:stCondLst>
+                      <p:childTnLst>
+                        <p:par>
+                          <p:cTn id="4" fill="hold">
+                            <p:stCondLst>
+                              <p:cond delay="0"/>
+                            </p:stCondLst>
+                            <p:childTnLst>
+                              <p:par>
+                                <p:cTn id="5" presetID="1" presetClass="entr" presetSubtype="0" fill="hold" nodeType="clickEffect">
+                                  <p:stCondLst>
+                                    <p:cond delay="0"/>
+                                  </p:stCondLst>
+                                  <p:childTnLst>
+                                    <p:set>
+                                      <p:cBhvr>
+                                        <p:cTn id="6" dur="1" fill="hold">
+                                          <p:stCondLst>
+                                            <p:cond delay="0"/>
+                                          </p:stCondLst>
+                                        </p:cTn>
+                                        <p:tgtEl>
+                                          <p:spTgt spid="10"/>
+                                        </p:tgtEl>
+                                        <p:attrNameLst>
+                                          <p:attrName>style.visibility</p:attrName>
+                                        </p:attrNameLst>
+                                      </p:cBhvr>
+                                      <p:to>
+                                        <p:strVal val="visible"/>
+                                      </p:to>
+                                    </p:set>
+                                  </p:childTnLst>
+                                </p:cTn>
+                              </p:par>
+                            </p:childTnLst>
+                          </p:cTn>
+                        </p:par>
+                      </p:childTnLst>
+                    </p:cTn>
+                  </p:par>
+                </p:childTnLst>
+              </p:cTn>
+              <p:prevCondLst>
+                <p:cond evt="onPrev" delay="0">
+                  <p:tgtEl>
+                    <p:sldTgt/>
+                  </p:tgtEl>
+                </p:cond>
+              </p:prevCondLst>
+              <p:nextCondLst>
+                <p:cond evt="onNext" delay="0">
+                  <p:tgtEl>
+                    <p:sldTgt/>
+                  </p:tgtEl>
+                </p:cond>
+              </p:nextCondLst>
+            </p:seq>
+          </p:childTnLst>
+        </p:cTn>
+      </p:par>
+    </p:tnLst>
+  </p:timing>
+</p:sld>
+</file>
+
+<file path=ppt/slides/slide16.xml><?xml version="1.0" encoding="utf-8"?>
+<p:sld xmlns:a="http://schemas.openxmlformats.org/drawingml/2006/main" xmlns:r="http://schemas.openxmlformats.org/officeDocument/2006/relationships" xmlns:p="http://schemas.openxmlformats.org/presentationml/2006/main">
+  <p:cSld>
+    <p:spTree>
+      <p:nvGrpSpPr>
+        <p:cNvPr id="1" name=""/>
+        <p:cNvGrpSpPr/>
+        <p:nvPr/>
+      </p:nvGrpSpPr>
+      <p:grpSpPr>
+        <a:xfrm>
+          <a:off x="0" y="0"/>
+          <a:ext cx="0" cy="0"/>
+          <a:chOff x="0" y="0"/>
+          <a:chExt cx="0" cy="0"/>
+        </a:xfrm>
+      </p:grpSpPr>
+      <p:sp>
+        <p:nvSpPr>
+          <p:cNvPr id="2" name="Título 1">
+            <a:extLst>
+              <a:ext uri="{FF2B5EF4-FFF2-40B4-BE49-F238E27FC236}">
+                <a16:creationId xmlns:a16="http://schemas.microsoft.com/office/drawing/2014/main" id="{290198D7-7381-7BD0-7B6C-3352C41A1BAD}"/>
+              </a:ext>
+            </a:extLst>
+          </p:cNvPr>
+          <p:cNvSpPr>
+            <a:spLocks noGrp="1"/>
+          </p:cNvSpPr>
+          <p:nvPr>
+            <p:ph type="ctrTitle"/>
+          </p:nvPr>
+        </p:nvSpPr>
+        <p:spPr/>
+        <p:txBody>
+          <a:bodyPr/>
+          <a:lstStyle/>
+          <a:p>
+            <a:r>
+              <a:rPr lang="en-GB" dirty="0"/>
+              <a:t>Let’s make a malware</a:t>
+            </a:r>
+          </a:p>
+        </p:txBody>
+      </p:sp>
+      <p:sp>
+        <p:nvSpPr>
+          <p:cNvPr id="3" name="Subtítulo 2">
+            <a:extLst>
+              <a:ext uri="{FF2B5EF4-FFF2-40B4-BE49-F238E27FC236}">
+                <a16:creationId xmlns:a16="http://schemas.microsoft.com/office/drawing/2014/main" id="{717A8B4D-8CEE-D51D-5917-4538B5A34057}"/>
+              </a:ext>
+            </a:extLst>
+          </p:cNvPr>
+          <p:cNvSpPr>
+            <a:spLocks noGrp="1"/>
+          </p:cNvSpPr>
+          <p:nvPr>
+            <p:ph type="subTitle" idx="13"/>
+          </p:nvPr>
+        </p:nvSpPr>
+        <p:spPr>
+          <a:xfrm>
+            <a:off x="839788" y="1989090"/>
+            <a:ext cx="5183189" cy="4198153"/>
+          </a:xfrm>
+        </p:spPr>
+        <p:txBody>
+          <a:bodyPr/>
+          <a:lstStyle/>
+          <a:p>
+            <a:r>
+              <a:rPr lang="en-GB" dirty="0"/>
+              <a:t>Gets system root</a:t>
+            </a:r>
+          </a:p>
+          <a:p>
+            <a:pPr lvl="1"/>
+            <a:r>
+              <a:rPr lang="en-GB" dirty="0"/>
+              <a:t>Linux (/) or Windows (all drives)</a:t>
+            </a:r>
+          </a:p>
+          <a:p>
+            <a:r>
+              <a:rPr lang="en-GB" dirty="0"/>
+              <a:t>Removes files</a:t>
+            </a:r>
+          </a:p>
+          <a:p>
+            <a:pPr lvl="1"/>
+            <a:r>
+              <a:rPr lang="en-GB" dirty="0"/>
+              <a:t>Method comment in our example</a:t>
+            </a:r>
+          </a:p>
+        </p:txBody>
+      </p:sp>
+      <p:sp>
+        <p:nvSpPr>
+          <p:cNvPr id="8" name="Marcador de Posição do Texto 7">
+            <a:extLst>
+              <a:ext uri="{FF2B5EF4-FFF2-40B4-BE49-F238E27FC236}">
+                <a16:creationId xmlns:a16="http://schemas.microsoft.com/office/drawing/2014/main" id="{72263B5A-61AA-0518-5E89-7A99458BFEBF}"/>
+              </a:ext>
+            </a:extLst>
+          </p:cNvPr>
+          <p:cNvSpPr>
+            <a:spLocks noGrp="1"/>
+          </p:cNvSpPr>
+          <p:nvPr>
+            <p:ph type="body" sz="quarter" idx="14"/>
+          </p:nvPr>
+        </p:nvSpPr>
+        <p:spPr/>
+        <p:txBody>
+          <a:bodyPr/>
+          <a:lstStyle/>
+          <a:p>
+            <a:r>
+              <a:rPr lang="en-GB" dirty="0"/>
+              <a:t>File Manager module</a:t>
+            </a:r>
+          </a:p>
+        </p:txBody>
+      </p:sp>
+      <p:pic>
+        <p:nvPicPr>
+          <p:cNvPr id="11" name="Imagem 10" descr="Uma imagem com texto&#10;&#10;Descrição gerada automaticamente">
+            <a:extLst>
+              <a:ext uri="{FF2B5EF4-FFF2-40B4-BE49-F238E27FC236}">
+                <a16:creationId xmlns:a16="http://schemas.microsoft.com/office/drawing/2014/main" id="{E4C2F613-8A2A-325D-6950-7419CED95EB8}"/>
+              </a:ext>
+            </a:extLst>
+          </p:cNvPr>
+          <p:cNvPicPr>
+            <a:picLocks noChangeAspect="1"/>
+          </p:cNvPicPr>
+          <p:nvPr/>
+        </p:nvPicPr>
+        <p:blipFill>
+          <a:blip r:embed="rId2">
+            <a:extLst>
+              <a:ext uri="{28A0092B-C50C-407E-A947-70E740481C1C}">
+                <a14:useLocalDpi xmlns:a14="http://schemas.microsoft.com/office/drawing/2010/main" val="0"/>
+              </a:ext>
+            </a:extLst>
+          </a:blip>
+          <a:stretch>
+            <a:fillRect/>
+          </a:stretch>
+        </p:blipFill>
+        <p:spPr>
+          <a:xfrm>
+            <a:off x="2731256" y="3531129"/>
+            <a:ext cx="6583442" cy="2656114"/>
+          </a:xfrm>
+          <a:prstGeom prst="rect">
+            <a:avLst/>
+          </a:prstGeom>
+        </p:spPr>
+      </p:pic>
+    </p:spTree>
+    <p:extLst>
+      <p:ext uri="{BB962C8B-B14F-4D97-AF65-F5344CB8AC3E}">
+        <p14:creationId xmlns:p14="http://schemas.microsoft.com/office/powerpoint/2010/main" val="4281826913"/>
+      </p:ext>
+    </p:extLst>
+  </p:cSld>
+  <p:clrMapOvr>
+    <a:masterClrMapping/>
+  </p:clrMapOvr>
+  <p:timing>
+    <p:tnLst>
+      <p:par>
+        <p:cTn id="1" dur="indefinite" restart="never" nodeType="tmRoot">
+          <p:childTnLst>
+            <p:seq concurrent="1" nextAc="seek">
+              <p:cTn id="2" dur="indefinite" nodeType="mainSeq">
+                <p:childTnLst>
+                  <p:par>
+                    <p:cTn id="3" fill="hold">
+                      <p:stCondLst>
+                        <p:cond delay="indefinite"/>
+                      </p:stCondLst>
+                      <p:childTnLst>
+                        <p:par>
+                          <p:cTn id="4" fill="hold">
+                            <p:stCondLst>
+                              <p:cond delay="0"/>
+                            </p:stCondLst>
+                            <p:childTnLst>
+                              <p:par>
+                                <p:cTn id="5" presetID="1" presetClass="entr" presetSubtype="0" fill="hold" nodeType="clickEffect">
+                                  <p:stCondLst>
+                                    <p:cond delay="0"/>
+                                  </p:stCondLst>
+                                  <p:childTnLst>
+                                    <p:set>
+                                      <p:cBhvr>
+                                        <p:cTn id="6" dur="1" fill="hold">
+                                          <p:stCondLst>
+                                            <p:cond delay="0"/>
+                                          </p:stCondLst>
+                                        </p:cTn>
+                                        <p:tgtEl>
+                                          <p:spTgt spid="11"/>
+                                        </p:tgtEl>
+                                        <p:attrNameLst>
+                                          <p:attrName>style.visibility</p:attrName>
+                                        </p:attrNameLst>
+                                      </p:cBhvr>
+                                      <p:to>
+                                        <p:strVal val="visible"/>
+                                      </p:to>
+                                    </p:set>
+                                  </p:childTnLst>
+                                </p:cTn>
+                              </p:par>
+                            </p:childTnLst>
+                          </p:cTn>
+                        </p:par>
+                      </p:childTnLst>
+                    </p:cTn>
+                  </p:par>
+                </p:childTnLst>
+              </p:cTn>
+              <p:prevCondLst>
+                <p:cond evt="onPrev" delay="0">
+                  <p:tgtEl>
+                    <p:sldTgt/>
+                  </p:tgtEl>
+                </p:cond>
+              </p:prevCondLst>
+              <p:nextCondLst>
+                <p:cond evt="onNext" delay="0">
+                  <p:tgtEl>
+                    <p:sldTgt/>
+                  </p:tgtEl>
+                </p:cond>
+              </p:nextCondLst>
+            </p:seq>
+          </p:childTnLst>
+        </p:cTn>
+      </p:par>
+    </p:tnLst>
+  </p:timing>
+</p:sld>
+</file>
+
+<file path=ppt/slides/slide17.xml><?xml version="1.0" encoding="utf-8"?>
+<p:sld xmlns:a="http://schemas.openxmlformats.org/drawingml/2006/main" xmlns:r="http://schemas.openxmlformats.org/officeDocument/2006/relationships" xmlns:p="http://schemas.openxmlformats.org/presentationml/2006/main">
+  <p:cSld>
+    <p:spTree>
+      <p:nvGrpSpPr>
+        <p:cNvPr id="1" name=""/>
+        <p:cNvGrpSpPr/>
+        <p:nvPr/>
+      </p:nvGrpSpPr>
+      <p:grpSpPr>
+        <a:xfrm>
+          <a:off x="0" y="0"/>
+          <a:ext cx="0" cy="0"/>
+          <a:chOff x="0" y="0"/>
+          <a:chExt cx="0" cy="0"/>
+        </a:xfrm>
+      </p:grpSpPr>
+      <p:sp>
+        <p:nvSpPr>
+          <p:cNvPr id="2" name="Título 1">
+            <a:extLst>
+              <a:ext uri="{FF2B5EF4-FFF2-40B4-BE49-F238E27FC236}">
+                <a16:creationId xmlns:a16="http://schemas.microsoft.com/office/drawing/2014/main" id="{290198D7-7381-7BD0-7B6C-3352C41A1BAD}"/>
+              </a:ext>
+            </a:extLst>
+          </p:cNvPr>
+          <p:cNvSpPr>
+            <a:spLocks noGrp="1"/>
+          </p:cNvSpPr>
+          <p:nvPr>
+            <p:ph type="ctrTitle"/>
+          </p:nvPr>
+        </p:nvSpPr>
+        <p:spPr/>
+        <p:txBody>
+          <a:bodyPr/>
+          <a:lstStyle/>
+          <a:p>
+            <a:r>
+              <a:rPr lang="en-GB" dirty="0"/>
+              <a:t>Let’s make a malware</a:t>
+            </a:r>
+          </a:p>
+        </p:txBody>
+      </p:sp>
+      <p:sp>
+        <p:nvSpPr>
+          <p:cNvPr id="3" name="Subtítulo 2">
+            <a:extLst>
+              <a:ext uri="{FF2B5EF4-FFF2-40B4-BE49-F238E27FC236}">
+                <a16:creationId xmlns:a16="http://schemas.microsoft.com/office/drawing/2014/main" id="{717A8B4D-8CEE-D51D-5917-4538B5A34057}"/>
+              </a:ext>
+            </a:extLst>
+          </p:cNvPr>
+          <p:cNvSpPr>
+            <a:spLocks noGrp="1"/>
+          </p:cNvSpPr>
+          <p:nvPr>
+            <p:ph type="subTitle" idx="13"/>
+          </p:nvPr>
+        </p:nvSpPr>
+        <p:spPr/>
+        <p:txBody>
+          <a:bodyPr/>
+          <a:lstStyle/>
+          <a:p>
+            <a:r>
+              <a:rPr lang="en-GB" dirty="0"/>
+              <a:t>Writes a TXT file in each directory </a:t>
+            </a:r>
+          </a:p>
+          <a:p>
+            <a:pPr lvl="1"/>
+            <a:r>
+              <a:rPr lang="en-GB" dirty="0"/>
+              <a:t>with a rescue message</a:t>
+            </a:r>
+          </a:p>
+          <a:p>
+            <a:r>
+              <a:rPr lang="en-GB" dirty="0"/>
+              <a:t>Simulates the encryption</a:t>
+            </a:r>
+          </a:p>
+          <a:p>
+            <a:pPr lvl="1"/>
+            <a:r>
+              <a:rPr lang="en-GB" dirty="0"/>
+              <a:t>prints a message in the console</a:t>
+            </a:r>
+          </a:p>
+          <a:p>
+            <a:r>
+              <a:rPr lang="en-GB" dirty="0"/>
+              <a:t>In real scenario</a:t>
+            </a:r>
+          </a:p>
+          <a:p>
+            <a:pPr lvl="1"/>
+            <a:r>
+              <a:rPr lang="en-GB" dirty="0"/>
+              <a:t>AES combined with RSA</a:t>
+            </a:r>
+          </a:p>
+        </p:txBody>
+      </p:sp>
+      <p:sp>
+        <p:nvSpPr>
+          <p:cNvPr id="8" name="Marcador de Posição do Texto 7">
+            <a:extLst>
+              <a:ext uri="{FF2B5EF4-FFF2-40B4-BE49-F238E27FC236}">
+                <a16:creationId xmlns:a16="http://schemas.microsoft.com/office/drawing/2014/main" id="{72263B5A-61AA-0518-5E89-7A99458BFEBF}"/>
+              </a:ext>
+            </a:extLst>
+          </p:cNvPr>
+          <p:cNvSpPr>
+            <a:spLocks noGrp="1"/>
+          </p:cNvSpPr>
+          <p:nvPr>
+            <p:ph type="body" sz="quarter" idx="14"/>
+          </p:nvPr>
+        </p:nvSpPr>
+        <p:spPr/>
+        <p:txBody>
+          <a:bodyPr/>
+          <a:lstStyle/>
+          <a:p>
+            <a:r>
+              <a:rPr lang="en-GB" dirty="0"/>
+              <a:t>Rescue Generator and Crypto modules</a:t>
+            </a:r>
+          </a:p>
+        </p:txBody>
+      </p:sp>
+      <p:pic>
+        <p:nvPicPr>
+          <p:cNvPr id="5" name="Imagem 4">
+            <a:extLst>
+              <a:ext uri="{FF2B5EF4-FFF2-40B4-BE49-F238E27FC236}">
+                <a16:creationId xmlns:a16="http://schemas.microsoft.com/office/drawing/2014/main" id="{0BA664CA-2F00-CF27-8814-E01844C77C90}"/>
+              </a:ext>
+            </a:extLst>
+          </p:cNvPr>
+          <p:cNvPicPr>
+            <a:picLocks noChangeAspect="1"/>
+          </p:cNvPicPr>
+          <p:nvPr/>
+        </p:nvPicPr>
+        <p:blipFill>
+          <a:blip r:embed="rId2">
+            <a:extLst>
+              <a:ext uri="{28A0092B-C50C-407E-A947-70E740481C1C}">
+                <a14:useLocalDpi xmlns:a14="http://schemas.microsoft.com/office/drawing/2010/main" val="0"/>
+              </a:ext>
+            </a:extLst>
+          </a:blip>
+          <a:stretch>
+            <a:fillRect/>
+          </a:stretch>
+        </p:blipFill>
+        <p:spPr>
+          <a:xfrm>
+            <a:off x="838200" y="4873103"/>
+            <a:ext cx="4509248" cy="757027"/>
+          </a:xfrm>
+          <a:prstGeom prst="rect">
+            <a:avLst/>
+          </a:prstGeom>
+        </p:spPr>
+      </p:pic>
+      <p:pic>
+        <p:nvPicPr>
+          <p:cNvPr id="7" name="Imagem 6" descr="Uma imagem com texto&#10;&#10;Descrição gerada automaticamente">
+            <a:extLst>
+              <a:ext uri="{FF2B5EF4-FFF2-40B4-BE49-F238E27FC236}">
+                <a16:creationId xmlns:a16="http://schemas.microsoft.com/office/drawing/2014/main" id="{431563E1-21E4-BB96-48A7-8FD0D59345D2}"/>
+              </a:ext>
+            </a:extLst>
+          </p:cNvPr>
+          <p:cNvPicPr>
+            <a:picLocks noChangeAspect="1"/>
+          </p:cNvPicPr>
+          <p:nvPr/>
+        </p:nvPicPr>
+        <p:blipFill>
+          <a:blip r:embed="rId3">
+            <a:extLst>
+              <a:ext uri="{28A0092B-C50C-407E-A947-70E740481C1C}">
+                <a14:useLocalDpi xmlns:a14="http://schemas.microsoft.com/office/drawing/2010/main" val="0"/>
+              </a:ext>
+            </a:extLst>
+          </a:blip>
+          <a:stretch>
+            <a:fillRect/>
+          </a:stretch>
+        </p:blipFill>
+        <p:spPr>
+          <a:xfrm>
+            <a:off x="5364174" y="3224124"/>
+            <a:ext cx="5972900" cy="2963119"/>
+          </a:xfrm>
+          <a:prstGeom prst="rect">
+            <a:avLst/>
+          </a:prstGeom>
+        </p:spPr>
+      </p:pic>
+    </p:spTree>
+    <p:extLst>
+      <p:ext uri="{BB962C8B-B14F-4D97-AF65-F5344CB8AC3E}">
+        <p14:creationId xmlns:p14="http://schemas.microsoft.com/office/powerpoint/2010/main" val="426030002"/>
+      </p:ext>
+    </p:extLst>
+  </p:cSld>
+  <p:clrMapOvr>
+    <a:masterClrMapping/>
+  </p:clrMapOvr>
+  <p:timing>
+    <p:tnLst>
+      <p:par>
+        <p:cTn id="1" dur="indefinite" restart="never" nodeType="tmRoot">
+          <p:childTnLst>
+            <p:seq concurrent="1" nextAc="seek">
+              <p:cTn id="2" dur="indefinite" nodeType="mainSeq">
+                <p:childTnLst>
+                  <p:par>
+                    <p:cTn id="3" fill="hold">
+                      <p:stCondLst>
+                        <p:cond delay="indefinite"/>
+                      </p:stCondLst>
+                      <p:childTnLst>
+                        <p:par>
+                          <p:cTn id="4" fill="hold">
+                            <p:stCondLst>
+                              <p:cond delay="0"/>
+                            </p:stCondLst>
+                            <p:childTnLst>
+                              <p:par>
+                                <p:cTn id="5" presetID="1" presetClass="entr" presetSubtype="0" fill="hold" nodeType="clickEffect">
+                                  <p:stCondLst>
+                                    <p:cond delay="0"/>
+                                  </p:stCondLst>
+                                  <p:childTnLst>
+                                    <p:set>
+                                      <p:cBhvr>
+                                        <p:cTn id="6" dur="1" fill="hold">
+                                          <p:stCondLst>
+                                            <p:cond delay="0"/>
+                                          </p:stCondLst>
+                                        </p:cTn>
+                                        <p:tgtEl>
+                                          <p:spTgt spid="5"/>
+                                        </p:tgtEl>
+                                        <p:attrNameLst>
+                                          <p:attrName>style.visibility</p:attrName>
+                                        </p:attrNameLst>
+                                      </p:cBhvr>
+                                      <p:to>
+                                        <p:strVal val="visible"/>
+                                      </p:to>
+                                    </p:set>
+                                  </p:childTnLst>
+                                </p:cTn>
+                              </p:par>
+                              <p:par>
+                                <p:cTn id="7" presetID="1" presetClass="entr" presetSubtype="0" fill="hold" nodeType="withEffect">
+                                  <p:stCondLst>
+                                    <p:cond delay="0"/>
+                                  </p:stCondLst>
+                                  <p:childTnLst>
+                                    <p:set>
+                                      <p:cBhvr>
+                                        <p:cTn id="8" dur="1" fill="hold">
+                                          <p:stCondLst>
+                                            <p:cond delay="0"/>
+                                          </p:stCondLst>
+                                        </p:cTn>
+                                        <p:tgtEl>
+                                          <p:spTgt spid="7"/>
+                                        </p:tgtEl>
+                                        <p:attrNameLst>
+                                          <p:attrName>style.visibility</p:attrName>
+                                        </p:attrNameLst>
+                                      </p:cBhvr>
+                                      <p:to>
+                                        <p:strVal val="visible"/>
+                                      </p:to>
+                                    </p:set>
+                                  </p:childTnLst>
+                                </p:cTn>
+                              </p:par>
+                            </p:childTnLst>
+                          </p:cTn>
+                        </p:par>
+                      </p:childTnLst>
+                    </p:cTn>
+                  </p:par>
+                </p:childTnLst>
+              </p:cTn>
+              <p:prevCondLst>
+                <p:cond evt="onPrev" delay="0">
+                  <p:tgtEl>
+                    <p:sldTgt/>
+                  </p:tgtEl>
+                </p:cond>
+              </p:prevCondLst>
+              <p:nextCondLst>
+                <p:cond evt="onNext" delay="0">
+                  <p:tgtEl>
+                    <p:sldTgt/>
+                  </p:tgtEl>
+                </p:cond>
+              </p:nextCondLst>
+            </p:seq>
+          </p:childTnLst>
+        </p:cTn>
+      </p:par>
+    </p:tnLst>
+  </p:timing>
+</p:sld>
+</file>
+
+<file path=ppt/slides/slide18.xml><?xml version="1.0" encoding="utf-8"?>
+<p:sld xmlns:a="http://schemas.openxmlformats.org/drawingml/2006/main" xmlns:r="http://schemas.openxmlformats.org/officeDocument/2006/relationships" xmlns:p="http://schemas.openxmlformats.org/presentationml/2006/main">
+  <p:cSld>
+    <p:spTree>
+      <p:nvGrpSpPr>
+        <p:cNvPr id="1" name=""/>
+        <p:cNvGrpSpPr/>
+        <p:nvPr/>
+      </p:nvGrpSpPr>
+      <p:grpSpPr>
+        <a:xfrm>
+          <a:off x="0" y="0"/>
+          <a:ext cx="0" cy="0"/>
+          <a:chOff x="0" y="0"/>
+          <a:chExt cx="0" cy="0"/>
+        </a:xfrm>
+      </p:grpSpPr>
+      <p:sp>
+        <p:nvSpPr>
+          <p:cNvPr id="2" name="Título 1">
+            <a:extLst>
+              <a:ext uri="{FF2B5EF4-FFF2-40B4-BE49-F238E27FC236}">
+                <a16:creationId xmlns:a16="http://schemas.microsoft.com/office/drawing/2014/main" id="{290198D7-7381-7BD0-7B6C-3352C41A1BAD}"/>
+              </a:ext>
+            </a:extLst>
+          </p:cNvPr>
+          <p:cNvSpPr>
+            <a:spLocks noGrp="1"/>
+          </p:cNvSpPr>
+          <p:nvPr>
+            <p:ph type="ctrTitle"/>
+          </p:nvPr>
+        </p:nvSpPr>
+        <p:spPr/>
+        <p:txBody>
+          <a:bodyPr/>
+          <a:lstStyle/>
+          <a:p>
+            <a:r>
+              <a:rPr lang="en-GB" dirty="0"/>
+              <a:t>Let’s make a malware</a:t>
+            </a:r>
+          </a:p>
+        </p:txBody>
+      </p:sp>
+      <p:sp>
+        <p:nvSpPr>
+          <p:cNvPr id="3" name="Subtítulo 2">
+            <a:extLst>
+              <a:ext uri="{FF2B5EF4-FFF2-40B4-BE49-F238E27FC236}">
+                <a16:creationId xmlns:a16="http://schemas.microsoft.com/office/drawing/2014/main" id="{717A8B4D-8CEE-D51D-5917-4538B5A34057}"/>
+              </a:ext>
+            </a:extLst>
+          </p:cNvPr>
+          <p:cNvSpPr>
+            <a:spLocks noGrp="1"/>
+          </p:cNvSpPr>
+          <p:nvPr>
+            <p:ph type="subTitle" idx="13"/>
+          </p:nvPr>
+        </p:nvSpPr>
+        <p:spPr/>
+        <p:txBody>
+          <a:bodyPr/>
+          <a:lstStyle/>
+          <a:p>
+            <a:r>
+              <a:rPr lang="en-GB" dirty="0"/>
+              <a:t>Dangerous code</a:t>
+            </a:r>
+          </a:p>
+          <a:p>
+            <a:pPr lvl="1"/>
+            <a:r>
+              <a:rPr lang="en-GB" dirty="0"/>
+              <a:t>only use inside VM or to encrypt files in a controlled directory</a:t>
+            </a:r>
+          </a:p>
+          <a:p>
+            <a:r>
+              <a:rPr lang="en-GB" dirty="0"/>
+              <a:t>Fernet</a:t>
+            </a:r>
+          </a:p>
+          <a:p>
+            <a:pPr lvl="1"/>
+            <a:r>
+              <a:rPr lang="en-GB" dirty="0"/>
+              <a:t>symmetric encryption method</a:t>
+            </a:r>
+          </a:p>
+          <a:p>
+            <a:pPr lvl="1"/>
+            <a:r>
+              <a:rPr lang="pt-PT" dirty="0"/>
+              <a:t>uses 128-bit AES in CBC </a:t>
+            </a:r>
+            <a:r>
+              <a:rPr lang="pt-PT" dirty="0" err="1"/>
+              <a:t>mode</a:t>
+            </a:r>
+            <a:r>
+              <a:rPr lang="pt-PT" dirty="0"/>
+              <a:t> </a:t>
+            </a:r>
+            <a:r>
+              <a:rPr lang="pt-PT" dirty="0" err="1"/>
+              <a:t>and</a:t>
+            </a:r>
+            <a:r>
+              <a:rPr lang="pt-PT" dirty="0"/>
+              <a:t> PKCS7 </a:t>
+            </a:r>
+            <a:r>
+              <a:rPr lang="pt-PT" dirty="0" err="1"/>
+              <a:t>padding</a:t>
+            </a:r>
+            <a:endParaRPr lang="pt-PT" dirty="0"/>
+          </a:p>
+          <a:p>
+            <a:pPr lvl="2"/>
+            <a:r>
+              <a:rPr lang="pt-PT" dirty="0" err="1"/>
+              <a:t>it</a:t>
+            </a:r>
+            <a:r>
+              <a:rPr lang="pt-PT" dirty="0"/>
+              <a:t> </a:t>
+            </a:r>
+            <a:r>
+              <a:rPr lang="pt-PT" dirty="0" err="1"/>
+              <a:t>is</a:t>
+            </a:r>
+            <a:r>
+              <a:rPr lang="pt-PT" dirty="0"/>
+              <a:t> ok!</a:t>
+            </a:r>
+          </a:p>
+          <a:p>
+            <a:endParaRPr lang="en-GB" dirty="0"/>
+          </a:p>
+        </p:txBody>
+      </p:sp>
+      <p:sp>
+        <p:nvSpPr>
+          <p:cNvPr id="8" name="Marcador de Posição do Texto 7">
+            <a:extLst>
+              <a:ext uri="{FF2B5EF4-FFF2-40B4-BE49-F238E27FC236}">
+                <a16:creationId xmlns:a16="http://schemas.microsoft.com/office/drawing/2014/main" id="{72263B5A-61AA-0518-5E89-7A99458BFEBF}"/>
+              </a:ext>
+            </a:extLst>
+          </p:cNvPr>
+          <p:cNvSpPr>
+            <a:spLocks noGrp="1"/>
+          </p:cNvSpPr>
+          <p:nvPr>
+            <p:ph type="body" sz="quarter" idx="14"/>
+          </p:nvPr>
+        </p:nvSpPr>
+        <p:spPr/>
+        <p:txBody>
+          <a:bodyPr/>
+          <a:lstStyle/>
+          <a:p>
+            <a:r>
+              <a:rPr lang="en-GB" dirty="0"/>
+              <a:t>Crypto module with encryption</a:t>
+            </a:r>
+          </a:p>
+        </p:txBody>
+      </p:sp>
+      <p:pic>
+        <p:nvPicPr>
+          <p:cNvPr id="6" name="Imagem 5" descr="Uma imagem com texto&#10;&#10;Descrição gerada automaticamente">
+            <a:extLst>
+              <a:ext uri="{FF2B5EF4-FFF2-40B4-BE49-F238E27FC236}">
+                <a16:creationId xmlns:a16="http://schemas.microsoft.com/office/drawing/2014/main" id="{2752315B-926B-B00D-BBB5-62B58015A221}"/>
+              </a:ext>
+            </a:extLst>
+          </p:cNvPr>
+          <p:cNvPicPr>
+            <a:picLocks noChangeAspect="1"/>
+          </p:cNvPicPr>
+          <p:nvPr/>
+        </p:nvPicPr>
+        <p:blipFill>
+          <a:blip r:embed="rId2">
+            <a:extLst>
+              <a:ext uri="{28A0092B-C50C-407E-A947-70E740481C1C}">
+                <a14:useLocalDpi xmlns:a14="http://schemas.microsoft.com/office/drawing/2010/main" val="0"/>
+              </a:ext>
+            </a:extLst>
+          </a:blip>
+          <a:stretch>
+            <a:fillRect/>
+          </a:stretch>
+        </p:blipFill>
+        <p:spPr>
+          <a:xfrm>
+            <a:off x="3346986" y="4253418"/>
+            <a:ext cx="5498028" cy="1800411"/>
+          </a:xfrm>
+          <a:prstGeom prst="rect">
+            <a:avLst/>
+          </a:prstGeom>
+        </p:spPr>
+      </p:pic>
+      <p:sp>
+        <p:nvSpPr>
+          <p:cNvPr id="9" name="Retângulo 8">
+            <a:extLst>
+              <a:ext uri="{FF2B5EF4-FFF2-40B4-BE49-F238E27FC236}">
+                <a16:creationId xmlns:a16="http://schemas.microsoft.com/office/drawing/2014/main" id="{EA4E5EA9-186E-8B5E-CB68-9469E041BFFC}"/>
+              </a:ext>
+            </a:extLst>
+          </p:cNvPr>
+          <p:cNvSpPr/>
+          <p:nvPr/>
+        </p:nvSpPr>
+        <p:spPr>
+          <a:xfrm>
+            <a:off x="3346986" y="4627084"/>
+            <a:ext cx="652137" cy="341523"/>
+          </a:xfrm>
+          <a:prstGeom prst="rect">
+            <a:avLst/>
+          </a:prstGeom>
+          <a:noFill/>
+          <a:ln w="28575">
+            <a:solidFill>
+              <a:schemeClr val="accent1">
+                <a:lumMod val="75000"/>
+              </a:schemeClr>
+            </a:solidFill>
+          </a:ln>
+        </p:spPr>
+        <p:style>
+          <a:lnRef idx="2">
+            <a:schemeClr val="accent1">
+              <a:shade val="50000"/>
+            </a:schemeClr>
+          </a:lnRef>
+          <a:fillRef idx="1">
+            <a:schemeClr val="accent1"/>
+          </a:fillRef>
+          <a:effectRef idx="0">
+            <a:schemeClr val="accent1"/>
+          </a:effectRef>
+          <a:fontRef idx="minor">
+            <a:schemeClr val="lt1"/>
+          </a:fontRef>
+        </p:style>
+        <p:txBody>
+          <a:bodyPr rtlCol="0" anchor="ctr"/>
+          <a:lstStyle/>
+          <a:p>
+            <a:pPr algn="ctr"/>
+            <a:endParaRPr lang="en-GB"/>
+          </a:p>
+        </p:txBody>
+      </p:sp>
+      <p:sp>
+        <p:nvSpPr>
+          <p:cNvPr id="10" name="CaixaDeTexto 9">
+            <a:extLst>
+              <a:ext uri="{FF2B5EF4-FFF2-40B4-BE49-F238E27FC236}">
+                <a16:creationId xmlns:a16="http://schemas.microsoft.com/office/drawing/2014/main" id="{6048B507-EC74-6C01-626D-DAA7EA055B55}"/>
+              </a:ext>
+            </a:extLst>
+          </p:cNvPr>
+          <p:cNvSpPr txBox="1"/>
+          <p:nvPr/>
+        </p:nvSpPr>
+        <p:spPr>
+          <a:xfrm>
+            <a:off x="838200" y="4691958"/>
+            <a:ext cx="2104060" cy="923330"/>
+          </a:xfrm>
+          <a:prstGeom prst="rect">
+            <a:avLst/>
+          </a:prstGeom>
+          <a:noFill/>
+        </p:spPr>
+        <p:txBody>
+          <a:bodyPr wrap="square" rtlCol="0">
+            <a:spAutoFit/>
+          </a:bodyPr>
+          <a:lstStyle/>
+          <a:p>
+            <a:pPr algn="ctr"/>
+            <a:r>
+              <a:rPr lang="en-GB" dirty="0"/>
+              <a:t>Protect this key with asymmetric algorithm like RSA</a:t>
+            </a:r>
+          </a:p>
+        </p:txBody>
+      </p:sp>
+    </p:spTree>
+    <p:extLst>
+      <p:ext uri="{BB962C8B-B14F-4D97-AF65-F5344CB8AC3E}">
+        <p14:creationId xmlns:p14="http://schemas.microsoft.com/office/powerpoint/2010/main" val="2813362157"/>
+      </p:ext>
+    </p:extLst>
+  </p:cSld>
+  <p:clrMapOvr>
+    <a:masterClrMapping/>
+  </p:clrMapOvr>
+  <p:timing>
+    <p:tnLst>
+      <p:par>
+        <p:cTn id="1" dur="indefinite" restart="never" nodeType="tmRoot">
+          <p:childTnLst>
+            <p:seq concurrent="1" nextAc="seek">
+              <p:cTn id="2" dur="indefinite" nodeType="mainSeq">
+                <p:childTnLst>
+                  <p:par>
+                    <p:cTn id="3" fill="hold">
+                      <p:stCondLst>
+                        <p:cond delay="indefinite"/>
+                      </p:stCondLst>
+                      <p:childTnLst>
+                        <p:par>
+                          <p:cTn id="4" fill="hold">
+                            <p:stCondLst>
+                              <p:cond delay="0"/>
+                            </p:stCondLst>
+                            <p:childTnLst>
+                              <p:par>
+                                <p:cTn id="5" presetID="1" presetClass="entr" presetSubtype="0" fill="hold" grpId="0" nodeType="clickEffect">
+                                  <p:stCondLst>
+                                    <p:cond delay="0"/>
+                                  </p:stCondLst>
+                                  <p:childTnLst>
+                                    <p:set>
+                                      <p:cBhvr>
+                                        <p:cTn id="6" dur="1" fill="hold">
+                                          <p:stCondLst>
+                                            <p:cond delay="0"/>
+                                          </p:stCondLst>
+                                        </p:cTn>
+                                        <p:tgtEl>
+                                          <p:spTgt spid="9"/>
+                                        </p:tgtEl>
+                                        <p:attrNameLst>
+                                          <p:attrName>style.visibility</p:attrName>
+                                        </p:attrNameLst>
+                                      </p:cBhvr>
+                                      <p:to>
+                                        <p:strVal val="visible"/>
+                                      </p:to>
+                                    </p:set>
+                                  </p:childTnLst>
+                                </p:cTn>
+                              </p:par>
+                              <p:par>
+                                <p:cTn id="7" presetID="1" presetClass="entr" presetSubtype="0" fill="hold" grpId="0" nodeType="withEffect">
+                                  <p:stCondLst>
+                                    <p:cond delay="0"/>
+                                  </p:stCondLst>
+                                  <p:childTnLst>
+                                    <p:set>
+                                      <p:cBhvr>
+                                        <p:cTn id="8" dur="1" fill="hold">
+                                          <p:stCondLst>
+                                            <p:cond delay="0"/>
+                                          </p:stCondLst>
+                                        </p:cTn>
+                                        <p:tgtEl>
+                                          <p:spTgt spid="10"/>
+                                        </p:tgtEl>
+                                        <p:attrNameLst>
+                                          <p:attrName>style.visibility</p:attrName>
+                                        </p:attrNameLst>
+                                      </p:cBhvr>
+                                      <p:to>
+                                        <p:strVal val="visible"/>
+                                      </p:to>
+                                    </p:set>
+                                  </p:childTnLst>
+                                </p:cTn>
+                              </p:par>
+                            </p:childTnLst>
+                          </p:cTn>
+                        </p:par>
+                      </p:childTnLst>
+                    </p:cTn>
+                  </p:par>
+                </p:childTnLst>
+              </p:cTn>
+              <p:prevCondLst>
+                <p:cond evt="onPrev" delay="0">
+                  <p:tgtEl>
+                    <p:sldTgt/>
+                  </p:tgtEl>
+                </p:cond>
+              </p:prevCondLst>
+              <p:nextCondLst>
+                <p:cond evt="onNext" delay="0">
+                  <p:tgtEl>
+                    <p:sldTgt/>
+                  </p:tgtEl>
+                </p:cond>
+              </p:nextCondLst>
+            </p:seq>
+          </p:childTnLst>
+        </p:cTn>
+      </p:par>
+    </p:tnLst>
+    <p:bldLst>
+      <p:bldP spid="9" grpId="0" animBg="1"/>
+      <p:bldP spid="10" grpId="0"/>
+    </p:bldLst>
+  </p:timing>
+</p:sld>
+</file>
+
+<file path=ppt/slides/slide19.xml><?xml version="1.0" encoding="utf-8"?>
+<p:sld xmlns:a="http://schemas.openxmlformats.org/drawingml/2006/main" xmlns:r="http://schemas.openxmlformats.org/officeDocument/2006/relationships" xmlns:p="http://schemas.openxmlformats.org/presentationml/2006/main">
+  <p:cSld>
+    <p:spTree>
+      <p:nvGrpSpPr>
+        <p:cNvPr id="1" name=""/>
+        <p:cNvGrpSpPr/>
+        <p:nvPr/>
+      </p:nvGrpSpPr>
+      <p:grpSpPr>
+        <a:xfrm>
+          <a:off x="0" y="0"/>
+          <a:ext cx="0" cy="0"/>
+          <a:chOff x="0" y="0"/>
+          <a:chExt cx="0" cy="0"/>
+        </a:xfrm>
+      </p:grpSpPr>
+      <p:sp>
+        <p:nvSpPr>
+          <p:cNvPr id="5" name="Título 4">
+            <a:extLst>
+              <a:ext uri="{FF2B5EF4-FFF2-40B4-BE49-F238E27FC236}">
+                <a16:creationId xmlns:a16="http://schemas.microsoft.com/office/drawing/2014/main" id="{D75AEDC6-D0A7-10D2-4B99-AFA8CD5AF9D6}"/>
+              </a:ext>
+            </a:extLst>
+          </p:cNvPr>
+          <p:cNvSpPr>
+            <a:spLocks noGrp="1"/>
+          </p:cNvSpPr>
+          <p:nvPr>
+            <p:ph type="ctrTitle"/>
+          </p:nvPr>
+        </p:nvSpPr>
+        <p:spPr/>
+        <p:txBody>
+          <a:bodyPr/>
+          <a:lstStyle/>
+          <a:p>
+            <a:r>
+              <a:rPr lang="en-GB" dirty="0"/>
+              <a:t>Obfuscation</a:t>
+            </a:r>
+          </a:p>
+        </p:txBody>
+      </p:sp>
+      <p:sp>
+        <p:nvSpPr>
+          <p:cNvPr id="6" name="Subtítulo 5">
+            <a:extLst>
+              <a:ext uri="{FF2B5EF4-FFF2-40B4-BE49-F238E27FC236}">
+                <a16:creationId xmlns:a16="http://schemas.microsoft.com/office/drawing/2014/main" id="{E1C640B9-1539-05DB-5B87-2FEA431960A1}"/>
+              </a:ext>
+            </a:extLst>
+          </p:cNvPr>
+          <p:cNvSpPr>
+            <a:spLocks noGrp="1"/>
+          </p:cNvSpPr>
+          <p:nvPr>
+            <p:ph type="subTitle" idx="1"/>
+          </p:nvPr>
+        </p:nvSpPr>
+        <p:spPr/>
+        <p:txBody>
+          <a:bodyPr/>
+          <a:lstStyle/>
+          <a:p>
+            <a:endParaRPr lang="en-GB"/>
+          </a:p>
+        </p:txBody>
+      </p:sp>
+    </p:spTree>
+    <p:extLst>
+      <p:ext uri="{BB962C8B-B14F-4D97-AF65-F5344CB8AC3E}">
+        <p14:creationId xmlns:p14="http://schemas.microsoft.com/office/powerpoint/2010/main" val="1853310776"/>
+      </p:ext>
+    </p:extLst>
+  </p:cSld>
+  <p:clrMapOvr>
+    <a:masterClrMapping/>
+  </p:clrMapOvr>
+</p:sld>
+</file>
+
+<file path=ppt/slides/slide2.xml><?xml version="1.0" encoding="utf-8"?>
+<p:sld xmlns:a="http://schemas.openxmlformats.org/drawingml/2006/main" xmlns:r="http://schemas.openxmlformats.org/officeDocument/2006/relationships" xmlns:p="http://schemas.openxmlformats.org/presentationml/2006/main">
+  <p:cSld>
+    <p:spTree>
+      <p:nvGrpSpPr>
+        <p:cNvPr id="1" name=""/>
+        <p:cNvGrpSpPr/>
+        <p:nvPr/>
+      </p:nvGrpSpPr>
+      <p:grpSpPr>
+        <a:xfrm>
+          <a:off x="0" y="0"/>
+          <a:ext cx="0" cy="0"/>
+          <a:chOff x="0" y="0"/>
+          <a:chExt cx="0" cy="0"/>
+        </a:xfrm>
+      </p:grpSpPr>
+      <p:sp>
+        <p:nvSpPr>
+          <p:cNvPr id="2" name="Título 1">
+            <a:extLst>
+              <a:ext uri="{FF2B5EF4-FFF2-40B4-BE49-F238E27FC236}">
+                <a16:creationId xmlns:a16="http://schemas.microsoft.com/office/drawing/2014/main" id="{290198D7-7381-7BD0-7B6C-3352C41A1BAD}"/>
+              </a:ext>
+            </a:extLst>
+          </p:cNvPr>
+          <p:cNvSpPr>
+            <a:spLocks noGrp="1"/>
+          </p:cNvSpPr>
+          <p:nvPr>
+            <p:ph type="ctrTitle"/>
+          </p:nvPr>
+        </p:nvSpPr>
+        <p:spPr/>
+        <p:txBody>
+          <a:bodyPr/>
+          <a:lstStyle/>
+          <a:p>
+            <a:r>
+              <a:rPr lang="en-GB" dirty="0"/>
+              <a:t>Did you know…</a:t>
+            </a:r>
+          </a:p>
+        </p:txBody>
+      </p:sp>
+      <p:pic>
+        <p:nvPicPr>
+          <p:cNvPr id="1026" name="Picture 2" descr="Ransomware Facts, Trends &amp;amp; Statistics for 2022">
+            <a:extLst>
+              <a:ext uri="{FF2B5EF4-FFF2-40B4-BE49-F238E27FC236}">
+                <a16:creationId xmlns:a16="http://schemas.microsoft.com/office/drawing/2014/main" id="{5D7AEA5D-AAAD-3D90-63BA-3832BBCA1BA2}"/>
+              </a:ext>
+            </a:extLst>
+          </p:cNvPr>
+          <p:cNvPicPr>
+            <a:picLocks noChangeAspect="1" noChangeArrowheads="1"/>
+          </p:cNvPicPr>
+          <p:nvPr/>
+        </p:nvPicPr>
+        <p:blipFill rotWithShape="1">
+          <a:blip r:embed="rId3">
+            <a:extLst>
+              <a:ext uri="{28A0092B-C50C-407E-A947-70E740481C1C}">
+                <a14:useLocalDpi xmlns:a14="http://schemas.microsoft.com/office/drawing/2010/main" val="0"/>
+              </a:ext>
+            </a:extLst>
+          </a:blip>
+          <a:srcRect b="16065"/>
+          <a:stretch/>
+        </p:blipFill>
+        <p:spPr bwMode="auto">
+          <a:xfrm>
+            <a:off x="2133808" y="1317503"/>
+            <a:ext cx="7757295" cy="4964296"/>
+          </a:xfrm>
+          <a:prstGeom prst="rect">
+            <a:avLst/>
+          </a:prstGeom>
+          <a:noFill/>
+          <a:extLst>
+            <a:ext uri="{909E8E84-426E-40DD-AFC4-6F175D3DCCD1}">
+              <a14:hiddenFill xmlns:a14="http://schemas.microsoft.com/office/drawing/2010/main">
+                <a:solidFill>
+                  <a:srgbClr val="FFFFFF"/>
+                </a:solidFill>
+              </a14:hiddenFill>
+            </a:ext>
+          </a:extLst>
+        </p:spPr>
+      </p:pic>
+    </p:spTree>
+    <p:extLst>
+      <p:ext uri="{BB962C8B-B14F-4D97-AF65-F5344CB8AC3E}">
+        <p14:creationId xmlns:p14="http://schemas.microsoft.com/office/powerpoint/2010/main" val="3301548674"/>
+      </p:ext>
+    </p:extLst>
+  </p:cSld>
+  <p:clrMapOvr>
+    <a:masterClrMapping/>
+  </p:clrMapOvr>
+</p:sld>
+</file>
+
+<file path=ppt/slides/slide20.xml><?xml version="1.0" encoding="utf-8"?>
+<p:sld xmlns:a="http://schemas.openxmlformats.org/drawingml/2006/main" xmlns:r="http://schemas.openxmlformats.org/officeDocument/2006/relationships" xmlns:p="http://schemas.openxmlformats.org/presentationml/2006/main">
+  <p:cSld>
+    <p:spTree>
+      <p:nvGrpSpPr>
+        <p:cNvPr id="1" name=""/>
+        <p:cNvGrpSpPr/>
+        <p:nvPr/>
+      </p:nvGrpSpPr>
+      <p:grpSpPr>
+        <a:xfrm>
+          <a:off x="0" y="0"/>
+          <a:ext cx="0" cy="0"/>
+          <a:chOff x="0" y="0"/>
+          <a:chExt cx="0" cy="0"/>
+        </a:xfrm>
+      </p:grpSpPr>
+      <p:sp>
+        <p:nvSpPr>
+          <p:cNvPr id="2" name="Título 1">
+            <a:extLst>
+              <a:ext uri="{FF2B5EF4-FFF2-40B4-BE49-F238E27FC236}">
+                <a16:creationId xmlns:a16="http://schemas.microsoft.com/office/drawing/2014/main" id="{290198D7-7381-7BD0-7B6C-3352C41A1BAD}"/>
+              </a:ext>
+            </a:extLst>
+          </p:cNvPr>
+          <p:cNvSpPr>
+            <a:spLocks noGrp="1"/>
+          </p:cNvSpPr>
+          <p:nvPr>
+            <p:ph type="ctrTitle"/>
+          </p:nvPr>
+        </p:nvSpPr>
+        <p:spPr/>
+        <p:txBody>
+          <a:bodyPr/>
+          <a:lstStyle/>
+          <a:p>
+            <a:r>
+              <a:rPr lang="en-GB" dirty="0"/>
+              <a:t>Obfuscation</a:t>
+            </a:r>
+          </a:p>
+        </p:txBody>
+      </p:sp>
+      <p:sp>
+        <p:nvSpPr>
+          <p:cNvPr id="3" name="Subtítulo 2">
+            <a:extLst>
+              <a:ext uri="{FF2B5EF4-FFF2-40B4-BE49-F238E27FC236}">
+                <a16:creationId xmlns:a16="http://schemas.microsoft.com/office/drawing/2014/main" id="{717A8B4D-8CEE-D51D-5917-4538B5A34057}"/>
+              </a:ext>
+            </a:extLst>
+          </p:cNvPr>
+          <p:cNvSpPr>
+            <a:spLocks noGrp="1"/>
+          </p:cNvSpPr>
+          <p:nvPr>
+            <p:ph type="subTitle" idx="13"/>
+          </p:nvPr>
+        </p:nvSpPr>
+        <p:spPr/>
+        <p:txBody>
+          <a:bodyPr/>
+          <a:lstStyle/>
+          <a:p>
+            <a:r>
+              <a:rPr lang="en-GB" dirty="0"/>
+              <a:t>Code read to a bytes-like object</a:t>
+            </a:r>
+          </a:p>
+          <a:p>
+            <a:r>
+              <a:rPr lang="en-GB" dirty="0"/>
+              <a:t>Converted to base64</a:t>
+            </a:r>
+          </a:p>
+          <a:p>
+            <a:r>
+              <a:rPr lang="en-GB" dirty="0"/>
+              <a:t>Revert process to execute</a:t>
+            </a:r>
+          </a:p>
+          <a:p>
+            <a:pPr lvl="1"/>
+            <a:r>
+              <a:rPr lang="en-GB" dirty="0"/>
+              <a:t>using eval()</a:t>
+            </a:r>
+          </a:p>
+        </p:txBody>
+      </p:sp>
+      <p:sp>
+        <p:nvSpPr>
+          <p:cNvPr id="8" name="Marcador de Posição do Texto 7">
+            <a:extLst>
+              <a:ext uri="{FF2B5EF4-FFF2-40B4-BE49-F238E27FC236}">
+                <a16:creationId xmlns:a16="http://schemas.microsoft.com/office/drawing/2014/main" id="{72263B5A-61AA-0518-5E89-7A99458BFEBF}"/>
+              </a:ext>
+            </a:extLst>
+          </p:cNvPr>
+          <p:cNvSpPr>
+            <a:spLocks noGrp="1"/>
+          </p:cNvSpPr>
+          <p:nvPr>
+            <p:ph type="body" sz="quarter" idx="14"/>
+          </p:nvPr>
+        </p:nvSpPr>
+        <p:spPr/>
+        <p:txBody>
+          <a:bodyPr/>
+          <a:lstStyle/>
+          <a:p>
+            <a:r>
+              <a:rPr lang="en-GB" dirty="0"/>
+              <a:t>Basic base64 technique</a:t>
+            </a:r>
+          </a:p>
+        </p:txBody>
+      </p:sp>
+      <p:pic>
+        <p:nvPicPr>
+          <p:cNvPr id="5" name="Imagem 4" descr="Uma imagem com texto&#10;&#10;Descrição gerada automaticamente">
+            <a:extLst>
+              <a:ext uri="{FF2B5EF4-FFF2-40B4-BE49-F238E27FC236}">
+                <a16:creationId xmlns:a16="http://schemas.microsoft.com/office/drawing/2014/main" id="{4F48BB3E-DBE0-3ED4-F147-2A03B03DA238}"/>
+              </a:ext>
+            </a:extLst>
+          </p:cNvPr>
+          <p:cNvPicPr>
+            <a:picLocks noChangeAspect="1"/>
+          </p:cNvPicPr>
+          <p:nvPr/>
+        </p:nvPicPr>
+        <p:blipFill>
+          <a:blip r:embed="rId2">
+            <a:extLst>
+              <a:ext uri="{28A0092B-C50C-407E-A947-70E740481C1C}">
+                <a14:useLocalDpi xmlns:a14="http://schemas.microsoft.com/office/drawing/2010/main" val="0"/>
+              </a:ext>
+            </a:extLst>
+          </a:blip>
+          <a:stretch>
+            <a:fillRect/>
+          </a:stretch>
+        </p:blipFill>
+        <p:spPr>
+          <a:xfrm>
+            <a:off x="4088585" y="3493858"/>
+            <a:ext cx="6976515" cy="1432265"/>
+          </a:xfrm>
+          <a:prstGeom prst="rect">
+            <a:avLst/>
+          </a:prstGeom>
+        </p:spPr>
+      </p:pic>
+      <p:pic>
+        <p:nvPicPr>
+          <p:cNvPr id="10" name="Imagem 9" descr="Uma imagem com texto&#10;&#10;Descrição gerada automaticamente">
+            <a:extLst>
+              <a:ext uri="{FF2B5EF4-FFF2-40B4-BE49-F238E27FC236}">
+                <a16:creationId xmlns:a16="http://schemas.microsoft.com/office/drawing/2014/main" id="{532E93F4-94B0-1482-DF7A-8841FFADDC23}"/>
+              </a:ext>
+            </a:extLst>
+          </p:cNvPr>
+          <p:cNvPicPr>
+            <a:picLocks noChangeAspect="1"/>
+          </p:cNvPicPr>
+          <p:nvPr/>
+        </p:nvPicPr>
+        <p:blipFill>
+          <a:blip r:embed="rId3">
+            <a:extLst>
+              <a:ext uri="{28A0092B-C50C-407E-A947-70E740481C1C}">
+                <a14:useLocalDpi xmlns:a14="http://schemas.microsoft.com/office/drawing/2010/main" val="0"/>
+              </a:ext>
+            </a:extLst>
+          </a:blip>
+          <a:stretch>
+            <a:fillRect/>
+          </a:stretch>
+        </p:blipFill>
+        <p:spPr>
+          <a:xfrm>
+            <a:off x="4163914" y="5086068"/>
+            <a:ext cx="3572072" cy="960557"/>
+          </a:xfrm>
+          <a:prstGeom prst="rect">
+            <a:avLst/>
+          </a:prstGeom>
+        </p:spPr>
+      </p:pic>
+    </p:spTree>
+    <p:extLst>
+      <p:ext uri="{BB962C8B-B14F-4D97-AF65-F5344CB8AC3E}">
+        <p14:creationId xmlns:p14="http://schemas.microsoft.com/office/powerpoint/2010/main" val="4174446650"/>
+      </p:ext>
+    </p:extLst>
+  </p:cSld>
+  <p:clrMapOvr>
+    <a:masterClrMapping/>
+  </p:clrMapOvr>
+  <p:timing>
+    <p:tnLst>
+      <p:par>
+        <p:cTn id="1" dur="indefinite" restart="never" nodeType="tmRoot">
+          <p:childTnLst>
+            <p:seq concurrent="1" nextAc="seek">
+              <p:cTn id="2" dur="indefinite" nodeType="mainSeq">
+                <p:childTnLst>
+                  <p:par>
+                    <p:cTn id="3" fill="hold">
+                      <p:stCondLst>
+                        <p:cond delay="indefinite"/>
+                      </p:stCondLst>
+                      <p:childTnLst>
+                        <p:par>
+                          <p:cTn id="4" fill="hold">
+                            <p:stCondLst>
+                              <p:cond delay="0"/>
+                            </p:stCondLst>
+                            <p:childTnLst>
+                              <p:par>
+                                <p:cTn id="5" presetID="1" presetClass="entr" presetSubtype="0" fill="hold" nodeType="clickEffect">
+                                  <p:stCondLst>
+                                    <p:cond delay="0"/>
+                                  </p:stCondLst>
+                                  <p:childTnLst>
+                                    <p:set>
+                                      <p:cBhvr>
+                                        <p:cTn id="6" dur="1" fill="hold">
+                                          <p:stCondLst>
+                                            <p:cond delay="0"/>
+                                          </p:stCondLst>
+                                        </p:cTn>
+                                        <p:tgtEl>
+                                          <p:spTgt spid="5"/>
+                                        </p:tgtEl>
+                                        <p:attrNameLst>
+                                          <p:attrName>style.visibility</p:attrName>
+                                        </p:attrNameLst>
+                                      </p:cBhvr>
+                                      <p:to>
+                                        <p:strVal val="visible"/>
+                                      </p:to>
+                                    </p:set>
+                                  </p:childTnLst>
+                                </p:cTn>
+                              </p:par>
+                            </p:childTnLst>
+                          </p:cTn>
+                        </p:par>
+                      </p:childTnLst>
+                    </p:cTn>
+                  </p:par>
+                  <p:par>
+                    <p:cTn id="7" fill="hold">
+                      <p:stCondLst>
+                        <p:cond delay="indefinite"/>
+                      </p:stCondLst>
+                      <p:childTnLst>
+                        <p:par>
+                          <p:cTn id="8" fill="hold">
+                            <p:stCondLst>
+                              <p:cond delay="0"/>
+                            </p:stCondLst>
+                            <p:childTnLst>
+                              <p:par>
+                                <p:cTn id="9" presetID="1" presetClass="entr" presetSubtype="0" fill="hold" nodeType="clickEffect">
+                                  <p:stCondLst>
+                                    <p:cond delay="0"/>
+                                  </p:stCondLst>
+                                  <p:childTnLst>
+                                    <p:set>
+                                      <p:cBhvr>
+                                        <p:cTn id="10" dur="1" fill="hold">
+                                          <p:stCondLst>
+                                            <p:cond delay="0"/>
+                                          </p:stCondLst>
+                                        </p:cTn>
+                                        <p:tgtEl>
+                                          <p:spTgt spid="10"/>
+                                        </p:tgtEl>
+                                        <p:attrNameLst>
+                                          <p:attrName>style.visibility</p:attrName>
+                                        </p:attrNameLst>
+                                      </p:cBhvr>
+                                      <p:to>
+                                        <p:strVal val="visible"/>
+                                      </p:to>
+                                    </p:set>
+                                  </p:childTnLst>
+                                </p:cTn>
+                              </p:par>
+                            </p:childTnLst>
+                          </p:cTn>
+                        </p:par>
+                      </p:childTnLst>
+                    </p:cTn>
+                  </p:par>
+                </p:childTnLst>
+              </p:cTn>
+              <p:prevCondLst>
+                <p:cond evt="onPrev" delay="0">
+                  <p:tgtEl>
+                    <p:sldTgt/>
+                  </p:tgtEl>
+                </p:cond>
+              </p:prevCondLst>
+              <p:nextCondLst>
+                <p:cond evt="onNext" delay="0">
+                  <p:tgtEl>
+                    <p:sldTgt/>
+                  </p:tgtEl>
+                </p:cond>
+              </p:nextCondLst>
+            </p:seq>
+          </p:childTnLst>
+        </p:cTn>
+      </p:par>
+    </p:tnLst>
+  </p:timing>
+</p:sld>
+</file>
+
+<file path=ppt/slides/slide21.xml><?xml version="1.0" encoding="utf-8"?>
+<p:sld xmlns:a="http://schemas.openxmlformats.org/drawingml/2006/main" xmlns:r="http://schemas.openxmlformats.org/officeDocument/2006/relationships" xmlns:p="http://schemas.openxmlformats.org/presentationml/2006/main">
+  <p:cSld>
+    <p:spTree>
+      <p:nvGrpSpPr>
+        <p:cNvPr id="1" name=""/>
+        <p:cNvGrpSpPr/>
+        <p:nvPr/>
+      </p:nvGrpSpPr>
+      <p:grpSpPr>
+        <a:xfrm>
+          <a:off x="0" y="0"/>
+          <a:ext cx="0" cy="0"/>
+          <a:chOff x="0" y="0"/>
+          <a:chExt cx="0" cy="0"/>
+        </a:xfrm>
+      </p:grpSpPr>
+      <p:sp>
+        <p:nvSpPr>
+          <p:cNvPr id="2" name="Título 1">
+            <a:extLst>
+              <a:ext uri="{FF2B5EF4-FFF2-40B4-BE49-F238E27FC236}">
+                <a16:creationId xmlns:a16="http://schemas.microsoft.com/office/drawing/2014/main" id="{290198D7-7381-7BD0-7B6C-3352C41A1BAD}"/>
+              </a:ext>
+            </a:extLst>
+          </p:cNvPr>
+          <p:cNvSpPr>
+            <a:spLocks noGrp="1"/>
+          </p:cNvSpPr>
+          <p:nvPr>
+            <p:ph type="ctrTitle"/>
+          </p:nvPr>
+        </p:nvSpPr>
+        <p:spPr/>
+        <p:txBody>
+          <a:bodyPr/>
+          <a:lstStyle/>
+          <a:p>
+            <a:r>
+              <a:rPr lang="en-GB" dirty="0"/>
+              <a:t>Obfuscation</a:t>
+            </a:r>
+          </a:p>
+        </p:txBody>
+      </p:sp>
+      <p:sp>
+        <p:nvSpPr>
+          <p:cNvPr id="3" name="Subtítulo 2">
+            <a:extLst>
+              <a:ext uri="{FF2B5EF4-FFF2-40B4-BE49-F238E27FC236}">
+                <a16:creationId xmlns:a16="http://schemas.microsoft.com/office/drawing/2014/main" id="{717A8B4D-8CEE-D51D-5917-4538B5A34057}"/>
+              </a:ext>
+            </a:extLst>
+          </p:cNvPr>
+          <p:cNvSpPr>
+            <a:spLocks noGrp="1"/>
+          </p:cNvSpPr>
+          <p:nvPr>
+            <p:ph type="subTitle" idx="13"/>
+          </p:nvPr>
+        </p:nvSpPr>
+        <p:spPr/>
+        <p:txBody>
+          <a:bodyPr/>
+          <a:lstStyle/>
+          <a:p>
+            <a:r>
+              <a:rPr lang="en-GB" dirty="0" err="1"/>
+              <a:t>pyminifier</a:t>
+            </a:r>
+            <a:r>
+              <a:rPr lang="en-GB" dirty="0"/>
+              <a:t> good starting point</a:t>
+            </a:r>
+          </a:p>
+          <a:p>
+            <a:pPr lvl="1"/>
+            <a:r>
+              <a:rPr lang="en-GB" dirty="0"/>
+              <a:t>pip install </a:t>
+            </a:r>
+            <a:r>
+              <a:rPr lang="en-GB" dirty="0" err="1"/>
+              <a:t>pymimifier</a:t>
+            </a:r>
+            <a:endParaRPr lang="en-GB" dirty="0"/>
+          </a:p>
+          <a:p>
+            <a:pPr lvl="1"/>
+            <a:r>
+              <a:rPr lang="en-GB" dirty="0"/>
+              <a:t>but it has some issues</a:t>
+            </a:r>
+          </a:p>
+          <a:p>
+            <a:r>
+              <a:rPr lang="en-GB" dirty="0"/>
+              <a:t>Example</a:t>
+            </a:r>
+          </a:p>
+          <a:p>
+            <a:pPr lvl="1"/>
+            <a:r>
+              <a:rPr lang="en-GB" dirty="0" err="1"/>
+              <a:t>pyminifier</a:t>
+            </a:r>
+            <a:r>
+              <a:rPr lang="en-GB" dirty="0"/>
+              <a:t> --obfuscate --</a:t>
+            </a:r>
+            <a:r>
+              <a:rPr lang="en-GB" dirty="0" err="1"/>
+              <a:t>nonlatin</a:t>
+            </a:r>
+            <a:r>
+              <a:rPr lang="en-GB" dirty="0"/>
+              <a:t> </a:t>
+            </a:r>
+            <a:r>
+              <a:rPr lang="en-GB" dirty="0" err="1"/>
+              <a:t>renameVariablesExample.py</a:t>
+            </a:r>
+            <a:endParaRPr lang="en-GB" dirty="0"/>
+          </a:p>
+        </p:txBody>
+      </p:sp>
+      <p:sp>
+        <p:nvSpPr>
+          <p:cNvPr id="8" name="Marcador de Posição do Texto 7">
+            <a:extLst>
+              <a:ext uri="{FF2B5EF4-FFF2-40B4-BE49-F238E27FC236}">
+                <a16:creationId xmlns:a16="http://schemas.microsoft.com/office/drawing/2014/main" id="{72263B5A-61AA-0518-5E89-7A99458BFEBF}"/>
+              </a:ext>
+            </a:extLst>
+          </p:cNvPr>
+          <p:cNvSpPr>
+            <a:spLocks noGrp="1"/>
+          </p:cNvSpPr>
+          <p:nvPr>
+            <p:ph type="body" sz="quarter" idx="14"/>
+          </p:nvPr>
+        </p:nvSpPr>
+        <p:spPr/>
+        <p:txBody>
+          <a:bodyPr/>
+          <a:lstStyle/>
+          <a:p>
+            <a:r>
+              <a:rPr lang="en-GB" dirty="0"/>
+              <a:t>Rename variables and methods – </a:t>
+            </a:r>
+            <a:r>
+              <a:rPr lang="en-GB" dirty="0" err="1"/>
+              <a:t>Pymimifier</a:t>
+            </a:r>
+            <a:endParaRPr lang="en-GB" dirty="0"/>
+          </a:p>
+        </p:txBody>
+      </p:sp>
+      <p:pic>
+        <p:nvPicPr>
+          <p:cNvPr id="6" name="Imagem 5">
+            <a:extLst>
+              <a:ext uri="{FF2B5EF4-FFF2-40B4-BE49-F238E27FC236}">
+                <a16:creationId xmlns:a16="http://schemas.microsoft.com/office/drawing/2014/main" id="{FE3A200B-ED7F-E156-15CF-CE938CB92F62}"/>
+              </a:ext>
+            </a:extLst>
+          </p:cNvPr>
+          <p:cNvPicPr>
+            <a:picLocks noChangeAspect="1"/>
+          </p:cNvPicPr>
+          <p:nvPr/>
+        </p:nvPicPr>
+        <p:blipFill>
+          <a:blip r:embed="rId2">
+            <a:extLst>
+              <a:ext uri="{28A0092B-C50C-407E-A947-70E740481C1C}">
+                <a14:useLocalDpi xmlns:a14="http://schemas.microsoft.com/office/drawing/2010/main" val="0"/>
+              </a:ext>
+            </a:extLst>
+          </a:blip>
+          <a:stretch>
+            <a:fillRect/>
+          </a:stretch>
+        </p:blipFill>
+        <p:spPr>
+          <a:xfrm>
+            <a:off x="1329679" y="4277371"/>
+            <a:ext cx="2149896" cy="1256862"/>
+          </a:xfrm>
+          <a:prstGeom prst="rect">
+            <a:avLst/>
+          </a:prstGeom>
+        </p:spPr>
+      </p:pic>
+      <p:pic>
+        <p:nvPicPr>
+          <p:cNvPr id="9" name="Imagem 8" descr="Uma imagem com texto&#10;&#10;Descrição gerada automaticamente">
+            <a:extLst>
+              <a:ext uri="{FF2B5EF4-FFF2-40B4-BE49-F238E27FC236}">
+                <a16:creationId xmlns:a16="http://schemas.microsoft.com/office/drawing/2014/main" id="{81F092B6-C8B8-04FC-3921-0E5EAB82B557}"/>
+              </a:ext>
+            </a:extLst>
+          </p:cNvPr>
+          <p:cNvPicPr>
+            <a:picLocks noChangeAspect="1"/>
+          </p:cNvPicPr>
+          <p:nvPr/>
+        </p:nvPicPr>
+        <p:blipFill>
+          <a:blip r:embed="rId3">
+            <a:extLst>
+              <a:ext uri="{28A0092B-C50C-407E-A947-70E740481C1C}">
+                <a14:useLocalDpi xmlns:a14="http://schemas.microsoft.com/office/drawing/2010/main" val="0"/>
+              </a:ext>
+            </a:extLst>
+          </a:blip>
+          <a:stretch>
+            <a:fillRect/>
+          </a:stretch>
+        </p:blipFill>
+        <p:spPr>
+          <a:xfrm>
+            <a:off x="5168506" y="4181473"/>
+            <a:ext cx="1854987" cy="1448657"/>
+          </a:xfrm>
+          <a:prstGeom prst="rect">
+            <a:avLst/>
+          </a:prstGeom>
+        </p:spPr>
+      </p:pic>
+      <p:pic>
+        <p:nvPicPr>
+          <p:cNvPr id="12" name="Imagem 11" descr="Uma imagem com texto&#10;&#10;Descrição gerada automaticamente">
+            <a:extLst>
+              <a:ext uri="{FF2B5EF4-FFF2-40B4-BE49-F238E27FC236}">
+                <a16:creationId xmlns:a16="http://schemas.microsoft.com/office/drawing/2014/main" id="{92613695-888C-6140-7C3B-6464EFD6FA78}"/>
+              </a:ext>
+            </a:extLst>
+          </p:cNvPr>
+          <p:cNvPicPr>
+            <a:picLocks noChangeAspect="1"/>
+          </p:cNvPicPr>
+          <p:nvPr/>
+        </p:nvPicPr>
+        <p:blipFill>
+          <a:blip r:embed="rId4">
+            <a:extLst>
+              <a:ext uri="{28A0092B-C50C-407E-A947-70E740481C1C}">
+                <a14:useLocalDpi xmlns:a14="http://schemas.microsoft.com/office/drawing/2010/main" val="0"/>
+              </a:ext>
+            </a:extLst>
+          </a:blip>
+          <a:stretch>
+            <a:fillRect/>
+          </a:stretch>
+        </p:blipFill>
+        <p:spPr>
+          <a:xfrm>
+            <a:off x="8712424" y="4181473"/>
+            <a:ext cx="1751893" cy="1450492"/>
+          </a:xfrm>
+          <a:prstGeom prst="rect">
+            <a:avLst/>
+          </a:prstGeom>
+        </p:spPr>
+      </p:pic>
+      <p:cxnSp>
+        <p:nvCxnSpPr>
+          <p:cNvPr id="14" name="Conexão Reta Unidirecional 13">
+            <a:extLst>
+              <a:ext uri="{FF2B5EF4-FFF2-40B4-BE49-F238E27FC236}">
+                <a16:creationId xmlns:a16="http://schemas.microsoft.com/office/drawing/2014/main" id="{D968BD29-39AF-F702-60DE-EEE030E24A56}"/>
+              </a:ext>
+            </a:extLst>
+          </p:cNvPr>
+          <p:cNvCxnSpPr/>
+          <p:nvPr/>
+        </p:nvCxnSpPr>
+        <p:spPr>
+          <a:xfrm>
+            <a:off x="3965097" y="4798577"/>
+            <a:ext cx="728284" cy="0"/>
+          </a:xfrm>
+          <a:prstGeom prst="straightConnector1">
+            <a:avLst/>
+          </a:prstGeom>
+          <a:ln w="28575">
+            <a:tailEnd type="triangle"/>
+          </a:ln>
+        </p:spPr>
+        <p:style>
+          <a:lnRef idx="1">
+            <a:schemeClr val="accent1"/>
+          </a:lnRef>
+          <a:fillRef idx="0">
+            <a:schemeClr val="accent1"/>
+          </a:fillRef>
+          <a:effectRef idx="0">
+            <a:schemeClr val="accent1"/>
+          </a:effectRef>
+          <a:fontRef idx="minor">
+            <a:schemeClr val="tx1"/>
+          </a:fontRef>
+        </p:style>
+      </p:cxnSp>
+      <p:cxnSp>
+        <p:nvCxnSpPr>
+          <p:cNvPr id="15" name="Conexão Reta Unidirecional 14">
+            <a:extLst>
+              <a:ext uri="{FF2B5EF4-FFF2-40B4-BE49-F238E27FC236}">
+                <a16:creationId xmlns:a16="http://schemas.microsoft.com/office/drawing/2014/main" id="{CDD093B6-4F87-DACB-AC1F-F5A45B6EFE73}"/>
+              </a:ext>
+            </a:extLst>
+          </p:cNvPr>
+          <p:cNvCxnSpPr/>
+          <p:nvPr/>
+        </p:nvCxnSpPr>
+        <p:spPr>
+          <a:xfrm>
+            <a:off x="7394771" y="4798577"/>
+            <a:ext cx="728284" cy="0"/>
+          </a:xfrm>
+          <a:prstGeom prst="straightConnector1">
+            <a:avLst/>
+          </a:prstGeom>
+          <a:ln w="28575">
+            <a:tailEnd type="triangle"/>
+          </a:ln>
+        </p:spPr>
+        <p:style>
+          <a:lnRef idx="1">
+            <a:schemeClr val="accent1"/>
+          </a:lnRef>
+          <a:fillRef idx="0">
+            <a:schemeClr val="accent1"/>
+          </a:fillRef>
+          <a:effectRef idx="0">
+            <a:schemeClr val="accent1"/>
+          </a:effectRef>
+          <a:fontRef idx="minor">
+            <a:schemeClr val="tx1"/>
+          </a:fontRef>
+        </p:style>
+      </p:cxnSp>
+      <p:sp>
+        <p:nvSpPr>
+          <p:cNvPr id="16" name="CaixaDeTexto 15">
+            <a:extLst>
+              <a:ext uri="{FF2B5EF4-FFF2-40B4-BE49-F238E27FC236}">
+                <a16:creationId xmlns:a16="http://schemas.microsoft.com/office/drawing/2014/main" id="{DA8CBB03-904F-9165-7E51-3A9C545ECE77}"/>
+              </a:ext>
+            </a:extLst>
+          </p:cNvPr>
+          <p:cNvSpPr txBox="1"/>
+          <p:nvPr/>
+        </p:nvSpPr>
+        <p:spPr>
+          <a:xfrm>
+            <a:off x="1213805" y="5534233"/>
+            <a:ext cx="2071561" cy="369332"/>
+          </a:xfrm>
+          <a:prstGeom prst="rect">
+            <a:avLst/>
+          </a:prstGeom>
+          <a:noFill/>
+        </p:spPr>
+        <p:txBody>
+          <a:bodyPr wrap="square" rtlCol="0">
+            <a:spAutoFit/>
+          </a:bodyPr>
+          <a:lstStyle/>
+          <a:p>
+            <a:pPr algn="ctr"/>
+            <a:r>
+              <a:rPr lang="en-GB" dirty="0"/>
+              <a:t>Original code</a:t>
+            </a:r>
+          </a:p>
+        </p:txBody>
+      </p:sp>
+      <p:sp>
+        <p:nvSpPr>
+          <p:cNvPr id="18" name="CaixaDeTexto 17">
+            <a:extLst>
+              <a:ext uri="{FF2B5EF4-FFF2-40B4-BE49-F238E27FC236}">
+                <a16:creationId xmlns:a16="http://schemas.microsoft.com/office/drawing/2014/main" id="{0A15F059-85E7-2984-574D-8F57DF72AC0C}"/>
+              </a:ext>
+            </a:extLst>
+          </p:cNvPr>
+          <p:cNvSpPr txBox="1"/>
+          <p:nvPr/>
+        </p:nvSpPr>
+        <p:spPr>
+          <a:xfrm>
+            <a:off x="4832490" y="5526379"/>
+            <a:ext cx="2071561" cy="369332"/>
+          </a:xfrm>
+          <a:prstGeom prst="rect">
+            <a:avLst/>
+          </a:prstGeom>
+          <a:noFill/>
+        </p:spPr>
+        <p:txBody>
+          <a:bodyPr wrap="square" rtlCol="0">
+            <a:spAutoFit/>
+          </a:bodyPr>
+          <a:lstStyle/>
+          <a:p>
+            <a:pPr algn="ctr"/>
+            <a:r>
+              <a:rPr lang="en-GB" dirty="0"/>
+              <a:t>Obfuscated</a:t>
+            </a:r>
+          </a:p>
+        </p:txBody>
+      </p:sp>
+      <p:sp>
+        <p:nvSpPr>
+          <p:cNvPr id="19" name="CaixaDeTexto 18">
+            <a:extLst>
+              <a:ext uri="{FF2B5EF4-FFF2-40B4-BE49-F238E27FC236}">
+                <a16:creationId xmlns:a16="http://schemas.microsoft.com/office/drawing/2014/main" id="{7892F140-E058-A3DC-D8C3-C22869775B2C}"/>
+              </a:ext>
+            </a:extLst>
+          </p:cNvPr>
+          <p:cNvSpPr txBox="1"/>
+          <p:nvPr/>
+        </p:nvSpPr>
+        <p:spPr>
+          <a:xfrm>
+            <a:off x="8069954" y="5534233"/>
+            <a:ext cx="2792367" cy="369332"/>
+          </a:xfrm>
+          <a:prstGeom prst="rect">
+            <a:avLst/>
+          </a:prstGeom>
+          <a:noFill/>
+        </p:spPr>
+        <p:txBody>
+          <a:bodyPr wrap="square" rtlCol="0">
+            <a:spAutoFit/>
+          </a:bodyPr>
+          <a:lstStyle/>
+          <a:p>
+            <a:pPr algn="ctr"/>
+            <a:r>
+              <a:rPr lang="en-GB" dirty="0"/>
+              <a:t>Obfuscated and fixed</a:t>
+            </a:r>
+          </a:p>
+        </p:txBody>
+      </p:sp>
+    </p:spTree>
+    <p:extLst>
+      <p:ext uri="{BB962C8B-B14F-4D97-AF65-F5344CB8AC3E}">
+        <p14:creationId xmlns:p14="http://schemas.microsoft.com/office/powerpoint/2010/main" val="3206730380"/>
+      </p:ext>
+    </p:extLst>
+  </p:cSld>
+  <p:clrMapOvr>
+    <a:masterClrMapping/>
+  </p:clrMapOvr>
+  <p:timing>
+    <p:tnLst>
+      <p:par>
+        <p:cTn id="1" dur="indefinite" restart="never" nodeType="tmRoot">
+          <p:childTnLst>
+            <p:seq concurrent="1" nextAc="seek">
+              <p:cTn id="2" dur="indefinite" nodeType="mainSeq">
+                <p:childTnLst>
+                  <p:par>
+                    <p:cTn id="3" fill="hold">
+                      <p:stCondLst>
+                        <p:cond delay="indefinite"/>
+                      </p:stCondLst>
+                      <p:childTnLst>
+                        <p:par>
+                          <p:cTn id="4" fill="hold">
+                            <p:stCondLst>
+                              <p:cond delay="0"/>
+                            </p:stCondLst>
+                            <p:childTnLst>
+                              <p:par>
+                                <p:cTn id="5" presetID="1" presetClass="entr" presetSubtype="0" fill="hold" nodeType="clickEffect">
+                                  <p:stCondLst>
+                                    <p:cond delay="0"/>
+                                  </p:stCondLst>
+                                  <p:childTnLst>
+                                    <p:set>
+                                      <p:cBhvr>
+                                        <p:cTn id="6" dur="1" fill="hold">
+                                          <p:stCondLst>
+                                            <p:cond delay="0"/>
+                                          </p:stCondLst>
+                                        </p:cTn>
+                                        <p:tgtEl>
+                                          <p:spTgt spid="14"/>
+                                        </p:tgtEl>
+                                        <p:attrNameLst>
+                                          <p:attrName>style.visibility</p:attrName>
+                                        </p:attrNameLst>
+                                      </p:cBhvr>
+                                      <p:to>
+                                        <p:strVal val="visible"/>
+                                      </p:to>
+                                    </p:set>
+                                  </p:childTnLst>
+                                </p:cTn>
+                              </p:par>
+                              <p:par>
+                                <p:cTn id="7" presetID="1" presetClass="entr" presetSubtype="0" fill="hold" nodeType="withEffect">
+                                  <p:stCondLst>
+                                    <p:cond delay="0"/>
+                                  </p:stCondLst>
+                                  <p:childTnLst>
+                                    <p:set>
+                                      <p:cBhvr>
+                                        <p:cTn id="8" dur="1" fill="hold">
+                                          <p:stCondLst>
+                                            <p:cond delay="0"/>
+                                          </p:stCondLst>
+                                        </p:cTn>
+                                        <p:tgtEl>
+                                          <p:spTgt spid="9"/>
+                                        </p:tgtEl>
+                                        <p:attrNameLst>
+                                          <p:attrName>style.visibility</p:attrName>
+                                        </p:attrNameLst>
+                                      </p:cBhvr>
+                                      <p:to>
+                                        <p:strVal val="visible"/>
+                                      </p:to>
+                                    </p:set>
+                                  </p:childTnLst>
+                                </p:cTn>
+                              </p:par>
+                              <p:par>
+                                <p:cTn id="9" presetID="1" presetClass="entr" presetSubtype="0" fill="hold" grpId="0" nodeType="withEffect">
+                                  <p:stCondLst>
+                                    <p:cond delay="0"/>
+                                  </p:stCondLst>
+                                  <p:childTnLst>
+                                    <p:set>
+                                      <p:cBhvr>
+                                        <p:cTn id="10" dur="1" fill="hold">
+                                          <p:stCondLst>
+                                            <p:cond delay="0"/>
+                                          </p:stCondLst>
+                                        </p:cTn>
+                                        <p:tgtEl>
+                                          <p:spTgt spid="18"/>
+                                        </p:tgtEl>
+                                        <p:attrNameLst>
+                                          <p:attrName>style.visibility</p:attrName>
+                                        </p:attrNameLst>
+                                      </p:cBhvr>
+                                      <p:to>
+                                        <p:strVal val="visible"/>
+                                      </p:to>
+                                    </p:set>
+                                  </p:childTnLst>
+                                </p:cTn>
+                              </p:par>
+                            </p:childTnLst>
+                          </p:cTn>
+                        </p:par>
+                      </p:childTnLst>
+                    </p:cTn>
+                  </p:par>
+                  <p:par>
+                    <p:cTn id="11" fill="hold">
+                      <p:stCondLst>
+                        <p:cond delay="indefinite"/>
+                      </p:stCondLst>
+                      <p:childTnLst>
+                        <p:par>
+                          <p:cTn id="12" fill="hold">
+                            <p:stCondLst>
+                              <p:cond delay="0"/>
+                            </p:stCondLst>
+                            <p:childTnLst>
+                              <p:par>
+                                <p:cTn id="13" presetID="1" presetClass="entr" presetSubtype="0" fill="hold" nodeType="clickEffect">
+                                  <p:stCondLst>
+                                    <p:cond delay="0"/>
+                                  </p:stCondLst>
+                                  <p:childTnLst>
+                                    <p:set>
+                                      <p:cBhvr>
+                                        <p:cTn id="14" dur="1" fill="hold">
+                                          <p:stCondLst>
+                                            <p:cond delay="0"/>
+                                          </p:stCondLst>
+                                        </p:cTn>
+                                        <p:tgtEl>
+                                          <p:spTgt spid="15"/>
+                                        </p:tgtEl>
+                                        <p:attrNameLst>
+                                          <p:attrName>style.visibility</p:attrName>
+                                        </p:attrNameLst>
+                                      </p:cBhvr>
+                                      <p:to>
+                                        <p:strVal val="visible"/>
+                                      </p:to>
+                                    </p:set>
+                                  </p:childTnLst>
+                                </p:cTn>
+                              </p:par>
+                              <p:par>
+                                <p:cTn id="15" presetID="1" presetClass="entr" presetSubtype="0" fill="hold" nodeType="withEffect">
+                                  <p:stCondLst>
+                                    <p:cond delay="0"/>
+                                  </p:stCondLst>
+                                  <p:childTnLst>
+                                    <p:set>
+                                      <p:cBhvr>
+                                        <p:cTn id="16" dur="1" fill="hold">
+                                          <p:stCondLst>
+                                            <p:cond delay="0"/>
+                                          </p:stCondLst>
+                                        </p:cTn>
+                                        <p:tgtEl>
+                                          <p:spTgt spid="12"/>
+                                        </p:tgtEl>
+                                        <p:attrNameLst>
+                                          <p:attrName>style.visibility</p:attrName>
+                                        </p:attrNameLst>
+                                      </p:cBhvr>
+                                      <p:to>
+                                        <p:strVal val="visible"/>
+                                      </p:to>
+                                    </p:set>
+                                  </p:childTnLst>
+                                </p:cTn>
+                              </p:par>
+                              <p:par>
+                                <p:cTn id="17" presetID="1" presetClass="entr" presetSubtype="0" fill="hold" grpId="0" nodeType="withEffect">
+                                  <p:stCondLst>
+                                    <p:cond delay="0"/>
+                                  </p:stCondLst>
+                                  <p:childTnLst>
+                                    <p:set>
+                                      <p:cBhvr>
+                                        <p:cTn id="18" dur="1" fill="hold">
+                                          <p:stCondLst>
+                                            <p:cond delay="0"/>
+                                          </p:stCondLst>
+                                        </p:cTn>
+                                        <p:tgtEl>
+                                          <p:spTgt spid="19"/>
+                                        </p:tgtEl>
+                                        <p:attrNameLst>
+                                          <p:attrName>style.visibility</p:attrName>
+                                        </p:attrNameLst>
+                                      </p:cBhvr>
+                                      <p:to>
+                                        <p:strVal val="visible"/>
+                                      </p:to>
+                                    </p:set>
+                                  </p:childTnLst>
+                                </p:cTn>
+                              </p:par>
+                            </p:childTnLst>
+                          </p:cTn>
+                        </p:par>
+                      </p:childTnLst>
+                    </p:cTn>
+                  </p:par>
+                </p:childTnLst>
+              </p:cTn>
+              <p:prevCondLst>
+                <p:cond evt="onPrev" delay="0">
+                  <p:tgtEl>
+                    <p:sldTgt/>
+                  </p:tgtEl>
+                </p:cond>
+              </p:prevCondLst>
+              <p:nextCondLst>
+                <p:cond evt="onNext" delay="0">
+                  <p:tgtEl>
+                    <p:sldTgt/>
+                  </p:tgtEl>
+                </p:cond>
+              </p:nextCondLst>
+            </p:seq>
+          </p:childTnLst>
+        </p:cTn>
+      </p:par>
+    </p:tnLst>
+    <p:bldLst>
+      <p:bldP spid="18" grpId="0"/>
+      <p:bldP spid="19" grpId="0"/>
+    </p:bldLst>
+  </p:timing>
+</p:sld>
+</file>
+
+<file path=ppt/slides/slide22.xml><?xml version="1.0" encoding="utf-8"?>
+<p:sld xmlns:a="http://schemas.openxmlformats.org/drawingml/2006/main" xmlns:r="http://schemas.openxmlformats.org/officeDocument/2006/relationships" xmlns:p="http://schemas.openxmlformats.org/presentationml/2006/main">
+  <p:cSld>
+    <p:spTree>
+      <p:nvGrpSpPr>
+        <p:cNvPr id="1" name=""/>
+        <p:cNvGrpSpPr/>
+        <p:nvPr/>
+      </p:nvGrpSpPr>
+      <p:grpSpPr>
+        <a:xfrm>
+          <a:off x="0" y="0"/>
+          <a:ext cx="0" cy="0"/>
+          <a:chOff x="0" y="0"/>
+          <a:chExt cx="0" cy="0"/>
+        </a:xfrm>
+      </p:grpSpPr>
+      <p:sp>
+        <p:nvSpPr>
+          <p:cNvPr id="2" name="Título 1">
+            <a:extLst>
+              <a:ext uri="{FF2B5EF4-FFF2-40B4-BE49-F238E27FC236}">
+                <a16:creationId xmlns:a16="http://schemas.microsoft.com/office/drawing/2014/main" id="{290198D7-7381-7BD0-7B6C-3352C41A1BAD}"/>
+              </a:ext>
+            </a:extLst>
+          </p:cNvPr>
+          <p:cNvSpPr>
+            <a:spLocks noGrp="1"/>
+          </p:cNvSpPr>
+          <p:nvPr>
+            <p:ph type="ctrTitle"/>
+          </p:nvPr>
+        </p:nvSpPr>
+        <p:spPr/>
+        <p:txBody>
+          <a:bodyPr/>
+          <a:lstStyle/>
+          <a:p>
+            <a:r>
+              <a:rPr lang="en-GB" dirty="0"/>
+              <a:t>Obfuscation</a:t>
+            </a:r>
+          </a:p>
+        </p:txBody>
+      </p:sp>
+      <p:sp>
+        <p:nvSpPr>
+          <p:cNvPr id="3" name="Subtítulo 2">
+            <a:extLst>
+              <a:ext uri="{FF2B5EF4-FFF2-40B4-BE49-F238E27FC236}">
+                <a16:creationId xmlns:a16="http://schemas.microsoft.com/office/drawing/2014/main" id="{717A8B4D-8CEE-D51D-5917-4538B5A34057}"/>
+              </a:ext>
+            </a:extLst>
+          </p:cNvPr>
+          <p:cNvSpPr>
+            <a:spLocks noGrp="1"/>
+          </p:cNvSpPr>
+          <p:nvPr>
+            <p:ph type="subTitle" idx="13"/>
+          </p:nvPr>
+        </p:nvSpPr>
+        <p:spPr/>
+        <p:txBody>
+          <a:bodyPr/>
+          <a:lstStyle/>
+          <a:p>
+            <a:r>
+              <a:rPr lang="en-GB" dirty="0" err="1"/>
+              <a:t>pyminify</a:t>
+            </a:r>
+            <a:r>
+              <a:rPr lang="en-GB" dirty="0"/>
+              <a:t> is an alternative</a:t>
+            </a:r>
+          </a:p>
+          <a:p>
+            <a:pPr lvl="1"/>
+            <a:r>
+              <a:rPr lang="en-GB" dirty="0"/>
+              <a:t>pip install python-</a:t>
+            </a:r>
+            <a:r>
+              <a:rPr lang="en-GB" dirty="0" err="1"/>
+              <a:t>minifier</a:t>
+            </a:r>
+            <a:endParaRPr lang="en-GB" dirty="0"/>
+          </a:p>
+          <a:p>
+            <a:pPr lvl="1"/>
+            <a:r>
+              <a:rPr lang="en-GB" dirty="0"/>
+              <a:t>but it has some issues</a:t>
+            </a:r>
+          </a:p>
+          <a:p>
+            <a:r>
+              <a:rPr lang="en-GB" dirty="0"/>
+              <a:t>Example</a:t>
+            </a:r>
+          </a:p>
+          <a:p>
+            <a:pPr lvl="1"/>
+            <a:r>
+              <a:rPr lang="en-GB" dirty="0" err="1"/>
+              <a:t>pyminify</a:t>
+            </a:r>
+            <a:r>
+              <a:rPr lang="en-GB" dirty="0"/>
+              <a:t> </a:t>
+            </a:r>
+            <a:r>
+              <a:rPr lang="en-GB" dirty="0" err="1"/>
+              <a:t>renameVariablesExample.py</a:t>
+            </a:r>
+            <a:endParaRPr lang="en-GB" dirty="0"/>
+          </a:p>
+        </p:txBody>
+      </p:sp>
+      <p:sp>
+        <p:nvSpPr>
+          <p:cNvPr id="8" name="Marcador de Posição do Texto 7">
+            <a:extLst>
+              <a:ext uri="{FF2B5EF4-FFF2-40B4-BE49-F238E27FC236}">
+                <a16:creationId xmlns:a16="http://schemas.microsoft.com/office/drawing/2014/main" id="{72263B5A-61AA-0518-5E89-7A99458BFEBF}"/>
+              </a:ext>
+            </a:extLst>
+          </p:cNvPr>
+          <p:cNvSpPr>
+            <a:spLocks noGrp="1"/>
+          </p:cNvSpPr>
+          <p:nvPr>
+            <p:ph type="body" sz="quarter" idx="14"/>
+          </p:nvPr>
+        </p:nvSpPr>
+        <p:spPr/>
+        <p:txBody>
+          <a:bodyPr/>
+          <a:lstStyle/>
+          <a:p>
+            <a:r>
+              <a:rPr lang="en-GB" dirty="0"/>
+              <a:t>Rename variables and methods – </a:t>
+            </a:r>
+            <a:r>
+              <a:rPr lang="en-GB" dirty="0" err="1"/>
+              <a:t>Pymimify</a:t>
+            </a:r>
+            <a:r>
+              <a:rPr lang="en-GB" dirty="0"/>
+              <a:t> (alternative)</a:t>
+            </a:r>
+          </a:p>
+        </p:txBody>
+      </p:sp>
+      <p:pic>
+        <p:nvPicPr>
+          <p:cNvPr id="6" name="Imagem 5">
+            <a:extLst>
+              <a:ext uri="{FF2B5EF4-FFF2-40B4-BE49-F238E27FC236}">
+                <a16:creationId xmlns:a16="http://schemas.microsoft.com/office/drawing/2014/main" id="{FE3A200B-ED7F-E156-15CF-CE938CB92F62}"/>
+              </a:ext>
+            </a:extLst>
+          </p:cNvPr>
+          <p:cNvPicPr>
+            <a:picLocks noChangeAspect="1"/>
+          </p:cNvPicPr>
+          <p:nvPr/>
+        </p:nvPicPr>
+        <p:blipFill>
+          <a:blip r:embed="rId2">
+            <a:extLst>
+              <a:ext uri="{28A0092B-C50C-407E-A947-70E740481C1C}">
+                <a14:useLocalDpi xmlns:a14="http://schemas.microsoft.com/office/drawing/2010/main" val="0"/>
+              </a:ext>
+            </a:extLst>
+          </a:blip>
+          <a:stretch>
+            <a:fillRect/>
+          </a:stretch>
+        </p:blipFill>
+        <p:spPr>
+          <a:xfrm>
+            <a:off x="2681629" y="4269517"/>
+            <a:ext cx="2149896" cy="1256862"/>
+          </a:xfrm>
+          <a:prstGeom prst="rect">
+            <a:avLst/>
+          </a:prstGeom>
+        </p:spPr>
+      </p:pic>
+      <p:cxnSp>
+        <p:nvCxnSpPr>
+          <p:cNvPr id="14" name="Conexão Reta Unidirecional 13">
+            <a:extLst>
+              <a:ext uri="{FF2B5EF4-FFF2-40B4-BE49-F238E27FC236}">
+                <a16:creationId xmlns:a16="http://schemas.microsoft.com/office/drawing/2014/main" id="{D968BD29-39AF-F702-60DE-EEE030E24A56}"/>
+              </a:ext>
+            </a:extLst>
+          </p:cNvPr>
+          <p:cNvCxnSpPr/>
+          <p:nvPr/>
+        </p:nvCxnSpPr>
+        <p:spPr>
+          <a:xfrm>
+            <a:off x="5773863" y="4685288"/>
+            <a:ext cx="728284" cy="0"/>
+          </a:xfrm>
+          <a:prstGeom prst="straightConnector1">
+            <a:avLst/>
+          </a:prstGeom>
+          <a:ln w="28575">
+            <a:tailEnd type="triangle"/>
+          </a:ln>
+        </p:spPr>
+        <p:style>
+          <a:lnRef idx="1">
+            <a:schemeClr val="accent1"/>
+          </a:lnRef>
+          <a:fillRef idx="0">
+            <a:schemeClr val="accent1"/>
+          </a:fillRef>
+          <a:effectRef idx="0">
+            <a:schemeClr val="accent1"/>
+          </a:effectRef>
+          <a:fontRef idx="minor">
+            <a:schemeClr val="tx1"/>
+          </a:fontRef>
+        </p:style>
+      </p:cxnSp>
+      <p:sp>
+        <p:nvSpPr>
+          <p:cNvPr id="16" name="CaixaDeTexto 15">
+            <a:extLst>
+              <a:ext uri="{FF2B5EF4-FFF2-40B4-BE49-F238E27FC236}">
+                <a16:creationId xmlns:a16="http://schemas.microsoft.com/office/drawing/2014/main" id="{DA8CBB03-904F-9165-7E51-3A9C545ECE77}"/>
+              </a:ext>
+            </a:extLst>
+          </p:cNvPr>
+          <p:cNvSpPr txBox="1"/>
+          <p:nvPr/>
+        </p:nvSpPr>
+        <p:spPr>
+          <a:xfrm>
+            <a:off x="2720796" y="5526379"/>
+            <a:ext cx="2071561" cy="369332"/>
+          </a:xfrm>
+          <a:prstGeom prst="rect">
+            <a:avLst/>
+          </a:prstGeom>
+          <a:noFill/>
+        </p:spPr>
+        <p:txBody>
+          <a:bodyPr wrap="square" rtlCol="0">
+            <a:spAutoFit/>
+          </a:bodyPr>
+          <a:lstStyle/>
+          <a:p>
+            <a:pPr algn="ctr"/>
+            <a:r>
+              <a:rPr lang="en-GB" dirty="0"/>
+              <a:t>Original code</a:t>
+            </a:r>
+          </a:p>
+        </p:txBody>
+      </p:sp>
+      <p:sp>
+        <p:nvSpPr>
+          <p:cNvPr id="18" name="CaixaDeTexto 17">
+            <a:extLst>
+              <a:ext uri="{FF2B5EF4-FFF2-40B4-BE49-F238E27FC236}">
+                <a16:creationId xmlns:a16="http://schemas.microsoft.com/office/drawing/2014/main" id="{0A15F059-85E7-2984-574D-8F57DF72AC0C}"/>
+              </a:ext>
+            </a:extLst>
+          </p:cNvPr>
+          <p:cNvSpPr txBox="1"/>
+          <p:nvPr/>
+        </p:nvSpPr>
+        <p:spPr>
+          <a:xfrm>
+            <a:off x="7612932" y="5526379"/>
+            <a:ext cx="3011911" cy="369332"/>
+          </a:xfrm>
+          <a:prstGeom prst="rect">
+            <a:avLst/>
+          </a:prstGeom>
+          <a:noFill/>
+        </p:spPr>
+        <p:txBody>
+          <a:bodyPr wrap="square" rtlCol="0">
+            <a:spAutoFit/>
+          </a:bodyPr>
+          <a:lstStyle/>
+          <a:p>
+            <a:pPr algn="ctr"/>
+            <a:r>
+              <a:rPr lang="en-GB" dirty="0"/>
+              <a:t>Minified</a:t>
+            </a:r>
+          </a:p>
+        </p:txBody>
+      </p:sp>
+      <p:pic>
+        <p:nvPicPr>
+          <p:cNvPr id="5" name="Imagem 4">
+            <a:extLst>
+              <a:ext uri="{FF2B5EF4-FFF2-40B4-BE49-F238E27FC236}">
+                <a16:creationId xmlns:a16="http://schemas.microsoft.com/office/drawing/2014/main" id="{3DABCBC0-60F8-638C-377D-4160516091DD}"/>
+              </a:ext>
+            </a:extLst>
+          </p:cNvPr>
+          <p:cNvPicPr>
+            <a:picLocks noChangeAspect="1"/>
+          </p:cNvPicPr>
+          <p:nvPr/>
+        </p:nvPicPr>
+        <p:blipFill>
+          <a:blip r:embed="rId3">
+            <a:extLst>
+              <a:ext uri="{28A0092B-C50C-407E-A947-70E740481C1C}">
+                <a14:useLocalDpi xmlns:a14="http://schemas.microsoft.com/office/drawing/2010/main" val="0"/>
+              </a:ext>
+            </a:extLst>
+          </a:blip>
+          <a:stretch>
+            <a:fillRect/>
+          </a:stretch>
+        </p:blipFill>
+        <p:spPr>
+          <a:xfrm>
+            <a:off x="7612932" y="4269517"/>
+            <a:ext cx="3011911" cy="642992"/>
+          </a:xfrm>
+          <a:prstGeom prst="rect">
+            <a:avLst/>
+          </a:prstGeom>
+        </p:spPr>
+      </p:pic>
+    </p:spTree>
+    <p:extLst>
+      <p:ext uri="{BB962C8B-B14F-4D97-AF65-F5344CB8AC3E}">
+        <p14:creationId xmlns:p14="http://schemas.microsoft.com/office/powerpoint/2010/main" val="2528179042"/>
+      </p:ext>
+    </p:extLst>
+  </p:cSld>
+  <p:clrMapOvr>
+    <a:masterClrMapping/>
+  </p:clrMapOvr>
+  <p:timing>
+    <p:tnLst>
+      <p:par>
+        <p:cTn id="1" dur="indefinite" restart="never" nodeType="tmRoot">
+          <p:childTnLst>
+            <p:seq concurrent="1" nextAc="seek">
+              <p:cTn id="2" dur="indefinite" nodeType="mainSeq">
+                <p:childTnLst>
+                  <p:par>
+                    <p:cTn id="3" fill="hold">
+                      <p:stCondLst>
+                        <p:cond delay="indefinite"/>
+                      </p:stCondLst>
+                      <p:childTnLst>
+                        <p:par>
+                          <p:cTn id="4" fill="hold">
+                            <p:stCondLst>
+                              <p:cond delay="0"/>
+                            </p:stCondLst>
+                            <p:childTnLst>
+                              <p:par>
+                                <p:cTn id="5" presetID="1" presetClass="entr" presetSubtype="0" fill="hold" nodeType="clickEffect">
+                                  <p:stCondLst>
+                                    <p:cond delay="0"/>
+                                  </p:stCondLst>
+                                  <p:childTnLst>
+                                    <p:set>
+                                      <p:cBhvr>
+                                        <p:cTn id="6" dur="1" fill="hold">
+                                          <p:stCondLst>
+                                            <p:cond delay="0"/>
+                                          </p:stCondLst>
+                                        </p:cTn>
+                                        <p:tgtEl>
+                                          <p:spTgt spid="14"/>
+                                        </p:tgtEl>
+                                        <p:attrNameLst>
+                                          <p:attrName>style.visibility</p:attrName>
+                                        </p:attrNameLst>
+                                      </p:cBhvr>
+                                      <p:to>
+                                        <p:strVal val="visible"/>
+                                      </p:to>
+                                    </p:set>
+                                  </p:childTnLst>
+                                </p:cTn>
+                              </p:par>
+                              <p:par>
+                                <p:cTn id="7" presetID="1" presetClass="entr" presetSubtype="0" fill="hold" grpId="0" nodeType="withEffect">
+                                  <p:stCondLst>
+                                    <p:cond delay="0"/>
+                                  </p:stCondLst>
+                                  <p:childTnLst>
+                                    <p:set>
+                                      <p:cBhvr>
+                                        <p:cTn id="8" dur="1" fill="hold">
+                                          <p:stCondLst>
+                                            <p:cond delay="0"/>
+                                          </p:stCondLst>
+                                        </p:cTn>
+                                        <p:tgtEl>
+                                          <p:spTgt spid="18"/>
+                                        </p:tgtEl>
+                                        <p:attrNameLst>
+                                          <p:attrName>style.visibility</p:attrName>
+                                        </p:attrNameLst>
+                                      </p:cBhvr>
+                                      <p:to>
+                                        <p:strVal val="visible"/>
+                                      </p:to>
+                                    </p:set>
+                                  </p:childTnLst>
+                                </p:cTn>
+                              </p:par>
+                            </p:childTnLst>
+                          </p:cTn>
+                        </p:par>
+                      </p:childTnLst>
+                    </p:cTn>
+                  </p:par>
+                </p:childTnLst>
+              </p:cTn>
+              <p:prevCondLst>
+                <p:cond evt="onPrev" delay="0">
+                  <p:tgtEl>
+                    <p:sldTgt/>
+                  </p:tgtEl>
+                </p:cond>
+              </p:prevCondLst>
+              <p:nextCondLst>
+                <p:cond evt="onNext" delay="0">
+                  <p:tgtEl>
+                    <p:sldTgt/>
+                  </p:tgtEl>
+                </p:cond>
+              </p:nextCondLst>
+            </p:seq>
+          </p:childTnLst>
+        </p:cTn>
+      </p:par>
+    </p:tnLst>
+    <p:bldLst>
+      <p:bldP spid="18" grpId="0"/>
+    </p:bldLst>
+  </p:timing>
+</p:sld>
+</file>
+
+<file path=ppt/slides/slide23.xml><?xml version="1.0" encoding="utf-8"?>
+<p:sld xmlns:a="http://schemas.openxmlformats.org/drawingml/2006/main" xmlns:r="http://schemas.openxmlformats.org/officeDocument/2006/relationships" xmlns:p="http://schemas.openxmlformats.org/presentationml/2006/main">
+  <p:cSld>
+    <p:spTree>
+      <p:nvGrpSpPr>
+        <p:cNvPr id="1" name=""/>
+        <p:cNvGrpSpPr/>
+        <p:nvPr/>
+      </p:nvGrpSpPr>
+      <p:grpSpPr>
+        <a:xfrm>
+          <a:off x="0" y="0"/>
+          <a:ext cx="0" cy="0"/>
+          <a:chOff x="0" y="0"/>
+          <a:chExt cx="0" cy="0"/>
+        </a:xfrm>
+      </p:grpSpPr>
+      <p:sp>
+        <p:nvSpPr>
+          <p:cNvPr id="2" name="Título 1">
+            <a:extLst>
+              <a:ext uri="{FF2B5EF4-FFF2-40B4-BE49-F238E27FC236}">
+                <a16:creationId xmlns:a16="http://schemas.microsoft.com/office/drawing/2014/main" id="{290198D7-7381-7BD0-7B6C-3352C41A1BAD}"/>
+              </a:ext>
+            </a:extLst>
+          </p:cNvPr>
+          <p:cNvSpPr>
+            <a:spLocks noGrp="1"/>
+          </p:cNvSpPr>
+          <p:nvPr>
+            <p:ph type="ctrTitle"/>
+          </p:nvPr>
+        </p:nvSpPr>
+        <p:spPr/>
+        <p:txBody>
+          <a:bodyPr/>
+          <a:lstStyle/>
+          <a:p>
+            <a:r>
+              <a:rPr lang="en-GB" dirty="0"/>
+              <a:t>Obfuscation</a:t>
+            </a:r>
+          </a:p>
+        </p:txBody>
+      </p:sp>
+      <p:sp>
+        <p:nvSpPr>
+          <p:cNvPr id="3" name="Subtítulo 2">
+            <a:extLst>
+              <a:ext uri="{FF2B5EF4-FFF2-40B4-BE49-F238E27FC236}">
+                <a16:creationId xmlns:a16="http://schemas.microsoft.com/office/drawing/2014/main" id="{717A8B4D-8CEE-D51D-5917-4538B5A34057}"/>
+              </a:ext>
+            </a:extLst>
+          </p:cNvPr>
+          <p:cNvSpPr>
+            <a:spLocks noGrp="1"/>
+          </p:cNvSpPr>
+          <p:nvPr>
+            <p:ph type="subTitle" idx="13"/>
+          </p:nvPr>
+        </p:nvSpPr>
+        <p:spPr/>
+        <p:txBody>
+          <a:bodyPr/>
+          <a:lstStyle/>
+          <a:p>
+            <a:r>
+              <a:rPr lang="en-GB" dirty="0"/>
+              <a:t>Centralise the code into a single file</a:t>
+            </a:r>
+          </a:p>
+          <a:p>
+            <a:pPr lvl="1"/>
+            <a:r>
+              <a:rPr lang="en-GB" dirty="0"/>
+              <a:t>manually</a:t>
+            </a:r>
+          </a:p>
+          <a:p>
+            <a:r>
+              <a:rPr lang="en-GB" dirty="0" err="1"/>
+              <a:t>pyminify</a:t>
+            </a:r>
+            <a:endParaRPr lang="en-GB" dirty="0"/>
+          </a:p>
+          <a:p>
+            <a:pPr lvl="1"/>
+            <a:r>
+              <a:rPr lang="en-GB" dirty="0"/>
+              <a:t>to minimize the code</a:t>
+            </a:r>
+          </a:p>
+          <a:p>
+            <a:r>
+              <a:rPr lang="en-GB" dirty="0"/>
+              <a:t>Base64</a:t>
+            </a:r>
+          </a:p>
+          <a:p>
+            <a:pPr lvl="1"/>
+            <a:r>
+              <a:rPr lang="en-GB" dirty="0"/>
+              <a:t>several rounds with creative techniques</a:t>
+            </a:r>
+          </a:p>
+          <a:p>
+            <a:pPr lvl="2"/>
+            <a:r>
+              <a:rPr lang="en-GB" dirty="0" err="1"/>
+              <a:t>obfuscatorStageOne.py</a:t>
+            </a:r>
+            <a:r>
+              <a:rPr lang="en-GB" dirty="0"/>
+              <a:t> and </a:t>
+            </a:r>
+            <a:r>
+              <a:rPr lang="en-GB" dirty="0" err="1"/>
+              <a:t>obfuscatorStageTwo.py</a:t>
+            </a:r>
+            <a:r>
+              <a:rPr lang="en-GB" dirty="0"/>
+              <a:t> </a:t>
+            </a:r>
+          </a:p>
+          <a:p>
+            <a:r>
+              <a:rPr lang="en-GB" dirty="0"/>
+              <a:t>Dummy code</a:t>
+            </a:r>
+          </a:p>
+          <a:p>
+            <a:pPr lvl="1"/>
+            <a:r>
+              <a:rPr lang="en-GB" dirty="0"/>
+              <a:t>just to create </a:t>
+            </a:r>
+            <a:r>
+              <a:rPr lang="en-GB" i="1" dirty="0"/>
+              <a:t>chaos</a:t>
+            </a:r>
+            <a:r>
+              <a:rPr lang="en-GB" dirty="0"/>
+              <a:t> in during analysis</a:t>
+            </a:r>
+          </a:p>
+          <a:p>
+            <a:pPr lvl="2"/>
+            <a:r>
+              <a:rPr lang="en-GB" dirty="0" err="1"/>
+              <a:t>obfuscatorStageThree.py</a:t>
+            </a:r>
+            <a:endParaRPr lang="en-GB" dirty="0"/>
+          </a:p>
+          <a:p>
+            <a:pPr lvl="1"/>
+            <a:endParaRPr lang="en-GB" dirty="0"/>
+          </a:p>
+        </p:txBody>
+      </p:sp>
+      <p:sp>
+        <p:nvSpPr>
+          <p:cNvPr id="8" name="Marcador de Posição do Texto 7">
+            <a:extLst>
+              <a:ext uri="{FF2B5EF4-FFF2-40B4-BE49-F238E27FC236}">
+                <a16:creationId xmlns:a16="http://schemas.microsoft.com/office/drawing/2014/main" id="{72263B5A-61AA-0518-5E89-7A99458BFEBF}"/>
+              </a:ext>
+            </a:extLst>
+          </p:cNvPr>
+          <p:cNvSpPr>
+            <a:spLocks noGrp="1"/>
+          </p:cNvSpPr>
+          <p:nvPr>
+            <p:ph type="body" sz="quarter" idx="14"/>
+          </p:nvPr>
+        </p:nvSpPr>
+        <p:spPr/>
+        <p:txBody>
+          <a:bodyPr/>
+          <a:lstStyle/>
+          <a:p>
+            <a:r>
+              <a:rPr lang="en-GB" dirty="0"/>
+              <a:t>Possible strategy</a:t>
+            </a:r>
+          </a:p>
+        </p:txBody>
+      </p:sp>
+    </p:spTree>
+    <p:extLst>
+      <p:ext uri="{BB962C8B-B14F-4D97-AF65-F5344CB8AC3E}">
+        <p14:creationId xmlns:p14="http://schemas.microsoft.com/office/powerpoint/2010/main" val="2827915376"/>
+      </p:ext>
+    </p:extLst>
+  </p:cSld>
+  <p:clrMapOvr>
+    <a:masterClrMapping/>
+  </p:clrMapOvr>
+</p:sld>
+</file>
+
+<file path=ppt/slides/slide24.xml><?xml version="1.0" encoding="utf-8"?>
+<p:sld xmlns:a="http://schemas.openxmlformats.org/drawingml/2006/main" xmlns:r="http://schemas.openxmlformats.org/officeDocument/2006/relationships" xmlns:p="http://schemas.openxmlformats.org/presentationml/2006/main">
+  <p:cSld>
+    <p:spTree>
+      <p:nvGrpSpPr>
+        <p:cNvPr id="1" name=""/>
+        <p:cNvGrpSpPr/>
+        <p:nvPr/>
+      </p:nvGrpSpPr>
+      <p:grpSpPr>
+        <a:xfrm>
+          <a:off x="0" y="0"/>
+          <a:ext cx="0" cy="0"/>
+          <a:chOff x="0" y="0"/>
+          <a:chExt cx="0" cy="0"/>
+        </a:xfrm>
+      </p:grpSpPr>
+      <p:sp>
+        <p:nvSpPr>
+          <p:cNvPr id="5" name="Título 4">
+            <a:extLst>
+              <a:ext uri="{FF2B5EF4-FFF2-40B4-BE49-F238E27FC236}">
+                <a16:creationId xmlns:a16="http://schemas.microsoft.com/office/drawing/2014/main" id="{D75AEDC6-D0A7-10D2-4B99-AFA8CD5AF9D6}"/>
+              </a:ext>
+            </a:extLst>
+          </p:cNvPr>
+          <p:cNvSpPr>
+            <a:spLocks noGrp="1"/>
+          </p:cNvSpPr>
+          <p:nvPr>
+            <p:ph type="ctrTitle"/>
+          </p:nvPr>
+        </p:nvSpPr>
+        <p:spPr/>
+        <p:txBody>
+          <a:bodyPr/>
+          <a:lstStyle/>
+          <a:p>
+            <a:r>
+              <a:rPr lang="en-GB" dirty="0"/>
+              <a:t>Malware analysis</a:t>
+            </a:r>
+          </a:p>
+        </p:txBody>
+      </p:sp>
+      <p:sp>
+        <p:nvSpPr>
+          <p:cNvPr id="6" name="Subtítulo 5">
+            <a:extLst>
+              <a:ext uri="{FF2B5EF4-FFF2-40B4-BE49-F238E27FC236}">
+                <a16:creationId xmlns:a16="http://schemas.microsoft.com/office/drawing/2014/main" id="{E1C640B9-1539-05DB-5B87-2FEA431960A1}"/>
+              </a:ext>
+            </a:extLst>
+          </p:cNvPr>
+          <p:cNvSpPr>
+            <a:spLocks noGrp="1"/>
+          </p:cNvSpPr>
+          <p:nvPr>
+            <p:ph type="subTitle" idx="1"/>
+          </p:nvPr>
+        </p:nvSpPr>
+        <p:spPr/>
+        <p:txBody>
+          <a:bodyPr/>
+          <a:lstStyle/>
+          <a:p>
+            <a:endParaRPr lang="en-GB"/>
+          </a:p>
+        </p:txBody>
+      </p:sp>
+    </p:spTree>
+    <p:extLst>
+      <p:ext uri="{BB962C8B-B14F-4D97-AF65-F5344CB8AC3E}">
+        <p14:creationId xmlns:p14="http://schemas.microsoft.com/office/powerpoint/2010/main" val="3309066633"/>
+      </p:ext>
+    </p:extLst>
+  </p:cSld>
+  <p:clrMapOvr>
+    <a:masterClrMapping/>
+  </p:clrMapOvr>
+</p:sld>
+</file>
+
+<file path=ppt/slides/slide25.xml><?xml version="1.0" encoding="utf-8"?>
+<p:sld xmlns:a="http://schemas.openxmlformats.org/drawingml/2006/main" xmlns:r="http://schemas.openxmlformats.org/officeDocument/2006/relationships" xmlns:p="http://schemas.openxmlformats.org/presentationml/2006/main">
+  <p:cSld>
+    <p:spTree>
+      <p:nvGrpSpPr>
+        <p:cNvPr id="1" name=""/>
+        <p:cNvGrpSpPr/>
+        <p:nvPr/>
+      </p:nvGrpSpPr>
+      <p:grpSpPr>
+        <a:xfrm>
+          <a:off x="0" y="0"/>
+          <a:ext cx="0" cy="0"/>
+          <a:chOff x="0" y="0"/>
+          <a:chExt cx="0" cy="0"/>
+        </a:xfrm>
+      </p:grpSpPr>
+      <p:sp>
+        <p:nvSpPr>
+          <p:cNvPr id="2" name="Título 1">
+            <a:extLst>
+              <a:ext uri="{FF2B5EF4-FFF2-40B4-BE49-F238E27FC236}">
+                <a16:creationId xmlns:a16="http://schemas.microsoft.com/office/drawing/2014/main" id="{290198D7-7381-7BD0-7B6C-3352C41A1BAD}"/>
+              </a:ext>
+            </a:extLst>
+          </p:cNvPr>
+          <p:cNvSpPr>
+            <a:spLocks noGrp="1"/>
+          </p:cNvSpPr>
+          <p:nvPr>
+            <p:ph type="ctrTitle"/>
+          </p:nvPr>
+        </p:nvSpPr>
+        <p:spPr/>
+        <p:txBody>
+          <a:bodyPr/>
+          <a:lstStyle/>
+          <a:p>
+            <a:r>
+              <a:rPr lang="en-GB" dirty="0"/>
+              <a:t>Malware analysis</a:t>
+            </a:r>
+          </a:p>
+        </p:txBody>
+      </p:sp>
+      <p:sp>
+        <p:nvSpPr>
+          <p:cNvPr id="3" name="Subtítulo 2">
+            <a:extLst>
+              <a:ext uri="{FF2B5EF4-FFF2-40B4-BE49-F238E27FC236}">
+                <a16:creationId xmlns:a16="http://schemas.microsoft.com/office/drawing/2014/main" id="{717A8B4D-8CEE-D51D-5917-4538B5A34057}"/>
+              </a:ext>
+            </a:extLst>
+          </p:cNvPr>
+          <p:cNvSpPr>
+            <a:spLocks noGrp="1"/>
+          </p:cNvSpPr>
+          <p:nvPr>
+            <p:ph type="subTitle" idx="13"/>
+          </p:nvPr>
+        </p:nvSpPr>
+        <p:spPr/>
+        <p:txBody>
+          <a:bodyPr/>
+          <a:lstStyle/>
+          <a:p>
+            <a:r>
+              <a:rPr lang="en-GB" dirty="0"/>
+              <a:t>Code obfuscation</a:t>
+            </a:r>
+          </a:p>
+          <a:p>
+            <a:r>
+              <a:rPr lang="en-GB" dirty="0"/>
+              <a:t>Do not reuse code</a:t>
+            </a:r>
+          </a:p>
+          <a:p>
+            <a:pPr lvl="1"/>
+            <a:r>
+              <a:rPr lang="en-GB" dirty="0"/>
+              <a:t>Neither toolkits, that is for Lammers</a:t>
+            </a:r>
+          </a:p>
+          <a:p>
+            <a:r>
+              <a:rPr lang="en-GB" dirty="0"/>
+              <a:t>Define an architecture</a:t>
+            </a:r>
+          </a:p>
+          <a:p>
+            <a:pPr lvl="1"/>
+            <a:r>
+              <a:rPr lang="en-GB" dirty="0"/>
+              <a:t>It is software, so it should be planned like a software</a:t>
+            </a:r>
+          </a:p>
+          <a:p>
+            <a:r>
+              <a:rPr lang="en-GB" dirty="0"/>
+              <a:t>Use Virtual Machine</a:t>
+            </a:r>
+          </a:p>
+          <a:p>
+            <a:pPr lvl="1"/>
+            <a:r>
+              <a:rPr lang="en-GB" dirty="0"/>
+              <a:t>Disconnected from the web</a:t>
+            </a:r>
+          </a:p>
+          <a:p>
+            <a:pPr lvl="1"/>
+            <a:r>
+              <a:rPr lang="en-GB" dirty="0"/>
+              <a:t>But for this workshop, we can use your local computer</a:t>
+            </a:r>
+          </a:p>
+          <a:p>
+            <a:pPr lvl="2"/>
+            <a:r>
+              <a:rPr lang="en-GB" dirty="0"/>
+              <a:t>Only to develop the POC (proof-of-concept)</a:t>
+            </a:r>
+          </a:p>
+        </p:txBody>
+      </p:sp>
+      <p:sp>
+        <p:nvSpPr>
+          <p:cNvPr id="8" name="Marcador de Posição do Texto 7">
+            <a:extLst>
+              <a:ext uri="{FF2B5EF4-FFF2-40B4-BE49-F238E27FC236}">
+                <a16:creationId xmlns:a16="http://schemas.microsoft.com/office/drawing/2014/main" id="{72263B5A-61AA-0518-5E89-7A99458BFEBF}"/>
+              </a:ext>
+            </a:extLst>
+          </p:cNvPr>
+          <p:cNvSpPr>
+            <a:spLocks noGrp="1"/>
+          </p:cNvSpPr>
+          <p:nvPr>
+            <p:ph type="body" sz="quarter" idx="14"/>
+          </p:nvPr>
+        </p:nvSpPr>
+        <p:spPr/>
+        <p:txBody>
+          <a:bodyPr/>
+          <a:lstStyle/>
+          <a:p>
+            <a:r>
+              <a:rPr lang="en-GB" dirty="0"/>
+              <a:t>Good practices</a:t>
+            </a:r>
+          </a:p>
+        </p:txBody>
+      </p:sp>
+    </p:spTree>
+    <p:extLst>
+      <p:ext uri="{BB962C8B-B14F-4D97-AF65-F5344CB8AC3E}">
+        <p14:creationId xmlns:p14="http://schemas.microsoft.com/office/powerpoint/2010/main" val="3475394575"/>
+      </p:ext>
+    </p:extLst>
+  </p:cSld>
+  <p:clrMapOvr>
+    <a:masterClrMapping/>
+  </p:clrMapOvr>
+</p:sld>
+</file>
+
+<file path=ppt/slides/slide26.xml><?xml version="1.0" encoding="utf-8"?>
+<p:sld xmlns:a="http://schemas.openxmlformats.org/drawingml/2006/main" xmlns:r="http://schemas.openxmlformats.org/officeDocument/2006/relationships" xmlns:p="http://schemas.openxmlformats.org/presentationml/2006/main">
+  <p:cSld>
+    <p:spTree>
+      <p:nvGrpSpPr>
+        <p:cNvPr id="1" name=""/>
+        <p:cNvGrpSpPr/>
+        <p:nvPr/>
+      </p:nvGrpSpPr>
+      <p:grpSpPr>
+        <a:xfrm>
+          <a:off x="0" y="0"/>
+          <a:ext cx="0" cy="0"/>
+          <a:chOff x="0" y="0"/>
+          <a:chExt cx="0" cy="0"/>
+        </a:xfrm>
+      </p:grpSpPr>
+      <p:sp>
+        <p:nvSpPr>
+          <p:cNvPr id="2" name="Título 1">
+            <a:extLst>
+              <a:ext uri="{FF2B5EF4-FFF2-40B4-BE49-F238E27FC236}">
+                <a16:creationId xmlns:a16="http://schemas.microsoft.com/office/drawing/2014/main" id="{290198D7-7381-7BD0-7B6C-3352C41A1BAD}"/>
+              </a:ext>
+            </a:extLst>
+          </p:cNvPr>
+          <p:cNvSpPr>
+            <a:spLocks noGrp="1"/>
+          </p:cNvSpPr>
+          <p:nvPr>
+            <p:ph type="ctrTitle"/>
+          </p:nvPr>
+        </p:nvSpPr>
+        <p:spPr/>
+        <p:txBody>
+          <a:bodyPr/>
+          <a:lstStyle/>
+          <a:p>
+            <a:r>
+              <a:rPr lang="en-GB" dirty="0"/>
+              <a:t>Malware analysis</a:t>
+            </a:r>
+          </a:p>
+        </p:txBody>
+      </p:sp>
+      <p:sp>
+        <p:nvSpPr>
+          <p:cNvPr id="3" name="Subtítulo 2">
+            <a:extLst>
+              <a:ext uri="{FF2B5EF4-FFF2-40B4-BE49-F238E27FC236}">
+                <a16:creationId xmlns:a16="http://schemas.microsoft.com/office/drawing/2014/main" id="{717A8B4D-8CEE-D51D-5917-4538B5A34057}"/>
+              </a:ext>
+            </a:extLst>
+          </p:cNvPr>
+          <p:cNvSpPr>
+            <a:spLocks noGrp="1"/>
+          </p:cNvSpPr>
+          <p:nvPr>
+            <p:ph type="subTitle" idx="13"/>
+          </p:nvPr>
+        </p:nvSpPr>
+        <p:spPr/>
+        <p:txBody>
+          <a:bodyPr/>
+          <a:lstStyle/>
+          <a:p>
+            <a:r>
+              <a:rPr lang="en-GB" dirty="0">
+                <a:solidFill>
+                  <a:schemeClr val="tx1">
+                    <a:lumMod val="20000"/>
+                    <a:lumOff val="80000"/>
+                  </a:schemeClr>
+                </a:solidFill>
+              </a:rPr>
+              <a:t>Code obfuscation</a:t>
+            </a:r>
+          </a:p>
+          <a:p>
+            <a:r>
+              <a:rPr lang="en-GB" dirty="0">
+                <a:solidFill>
+                  <a:schemeClr val="tx1">
+                    <a:lumMod val="20000"/>
+                    <a:lumOff val="80000"/>
+                  </a:schemeClr>
+                </a:solidFill>
+              </a:rPr>
+              <a:t>Do not reuse code</a:t>
+            </a:r>
+          </a:p>
+          <a:p>
+            <a:pPr lvl="1"/>
+            <a:r>
+              <a:rPr lang="en-GB" dirty="0">
+                <a:solidFill>
+                  <a:schemeClr val="bg1">
+                    <a:lumMod val="85000"/>
+                  </a:schemeClr>
+                </a:solidFill>
+              </a:rPr>
+              <a:t>Neither toolkits, that is for Lammers</a:t>
+            </a:r>
+          </a:p>
+          <a:p>
+            <a:r>
+              <a:rPr lang="en-GB" dirty="0">
+                <a:solidFill>
+                  <a:schemeClr val="tx1">
+                    <a:lumMod val="20000"/>
+                    <a:lumOff val="80000"/>
+                  </a:schemeClr>
+                </a:solidFill>
+              </a:rPr>
+              <a:t>Define an architecture</a:t>
+            </a:r>
+          </a:p>
+          <a:p>
+            <a:pPr lvl="1"/>
+            <a:r>
+              <a:rPr lang="en-GB" dirty="0">
+                <a:solidFill>
+                  <a:schemeClr val="bg1">
+                    <a:lumMod val="85000"/>
+                  </a:schemeClr>
+                </a:solidFill>
+              </a:rPr>
+              <a:t>It is software, so it should be planned like a software</a:t>
+            </a:r>
+          </a:p>
+          <a:p>
+            <a:r>
+              <a:rPr lang="en-GB" b="1" dirty="0"/>
+              <a:t>Use Virtual Machine</a:t>
+            </a:r>
+          </a:p>
+          <a:p>
+            <a:pPr lvl="1"/>
+            <a:r>
+              <a:rPr lang="en-GB" b="1" dirty="0"/>
+              <a:t>Disconnected from the web</a:t>
+            </a:r>
+          </a:p>
+          <a:p>
+            <a:pPr lvl="1"/>
+            <a:r>
+              <a:rPr lang="en-GB" dirty="0">
+                <a:solidFill>
+                  <a:schemeClr val="bg1">
+                    <a:lumMod val="85000"/>
+                  </a:schemeClr>
+                </a:solidFill>
+              </a:rPr>
+              <a:t>But for this workshop, we can use your local computer</a:t>
+            </a:r>
+          </a:p>
+          <a:p>
+            <a:pPr lvl="2"/>
+            <a:r>
+              <a:rPr lang="en-GB" dirty="0">
+                <a:solidFill>
+                  <a:schemeClr val="tx1">
+                    <a:lumMod val="20000"/>
+                    <a:lumOff val="80000"/>
+                  </a:schemeClr>
+                </a:solidFill>
+              </a:rPr>
+              <a:t>Only to develop the POC (proof-of-concept)</a:t>
+            </a:r>
+          </a:p>
+        </p:txBody>
+      </p:sp>
+      <p:sp>
+        <p:nvSpPr>
+          <p:cNvPr id="8" name="Marcador de Posição do Texto 7">
+            <a:extLst>
+              <a:ext uri="{FF2B5EF4-FFF2-40B4-BE49-F238E27FC236}">
+                <a16:creationId xmlns:a16="http://schemas.microsoft.com/office/drawing/2014/main" id="{72263B5A-61AA-0518-5E89-7A99458BFEBF}"/>
+              </a:ext>
+            </a:extLst>
+          </p:cNvPr>
+          <p:cNvSpPr>
+            <a:spLocks noGrp="1"/>
+          </p:cNvSpPr>
+          <p:nvPr>
+            <p:ph type="body" sz="quarter" idx="14"/>
+          </p:nvPr>
+        </p:nvSpPr>
+        <p:spPr/>
+        <p:txBody>
+          <a:bodyPr/>
+          <a:lstStyle/>
+          <a:p>
+            <a:r>
+              <a:rPr lang="en-GB" dirty="0"/>
+              <a:t>Good practices</a:t>
+            </a:r>
+          </a:p>
+        </p:txBody>
+      </p:sp>
+    </p:spTree>
+    <p:extLst>
+      <p:ext uri="{BB962C8B-B14F-4D97-AF65-F5344CB8AC3E}">
+        <p14:creationId xmlns:p14="http://schemas.microsoft.com/office/powerpoint/2010/main" val="3587499115"/>
+      </p:ext>
+    </p:extLst>
+  </p:cSld>
+  <p:clrMapOvr>
+    <a:masterClrMapping/>
+  </p:clrMapOvr>
+</p:sld>
+</file>
+
+<file path=ppt/slides/slide27.xml><?xml version="1.0" encoding="utf-8"?>
+<p:sld xmlns:a="http://schemas.openxmlformats.org/drawingml/2006/main" xmlns:r="http://schemas.openxmlformats.org/officeDocument/2006/relationships" xmlns:p="http://schemas.openxmlformats.org/presentationml/2006/main">
+  <p:cSld>
+    <p:spTree>
+      <p:nvGrpSpPr>
+        <p:cNvPr id="1" name=""/>
+        <p:cNvGrpSpPr/>
+        <p:nvPr/>
+      </p:nvGrpSpPr>
+      <p:grpSpPr>
+        <a:xfrm>
+          <a:off x="0" y="0"/>
+          <a:ext cx="0" cy="0"/>
+          <a:chOff x="0" y="0"/>
+          <a:chExt cx="0" cy="0"/>
+        </a:xfrm>
+      </p:grpSpPr>
+      <p:sp>
+        <p:nvSpPr>
+          <p:cNvPr id="2" name="Título 1">
+            <a:extLst>
+              <a:ext uri="{FF2B5EF4-FFF2-40B4-BE49-F238E27FC236}">
+                <a16:creationId xmlns:a16="http://schemas.microsoft.com/office/drawing/2014/main" id="{290198D7-7381-7BD0-7B6C-3352C41A1BAD}"/>
+              </a:ext>
+            </a:extLst>
+          </p:cNvPr>
+          <p:cNvSpPr>
+            <a:spLocks noGrp="1"/>
+          </p:cNvSpPr>
+          <p:nvPr>
+            <p:ph type="ctrTitle"/>
+          </p:nvPr>
+        </p:nvSpPr>
+        <p:spPr/>
+        <p:txBody>
+          <a:bodyPr/>
+          <a:lstStyle/>
+          <a:p>
+            <a:r>
+              <a:rPr lang="en-GB" dirty="0"/>
+              <a:t>Malware analysis</a:t>
+            </a:r>
+          </a:p>
+        </p:txBody>
+      </p:sp>
+      <p:sp>
+        <p:nvSpPr>
+          <p:cNvPr id="3" name="Subtítulo 2">
+            <a:extLst>
+              <a:ext uri="{FF2B5EF4-FFF2-40B4-BE49-F238E27FC236}">
+                <a16:creationId xmlns:a16="http://schemas.microsoft.com/office/drawing/2014/main" id="{717A8B4D-8CEE-D51D-5917-4538B5A34057}"/>
+              </a:ext>
+            </a:extLst>
+          </p:cNvPr>
+          <p:cNvSpPr>
+            <a:spLocks noGrp="1"/>
+          </p:cNvSpPr>
+          <p:nvPr>
+            <p:ph type="subTitle" idx="13"/>
+          </p:nvPr>
+        </p:nvSpPr>
+        <p:spPr/>
+        <p:txBody>
+          <a:bodyPr/>
+          <a:lstStyle/>
+          <a:p>
+            <a:r>
+              <a:rPr lang="en-GB" dirty="0"/>
+              <a:t>Beautify code</a:t>
+            </a:r>
+          </a:p>
+          <a:p>
+            <a:pPr lvl="1"/>
+            <a:r>
+              <a:rPr lang="en-GB" dirty="0"/>
+              <a:t>Online tools would help</a:t>
+            </a:r>
+          </a:p>
+          <a:p>
+            <a:pPr lvl="1"/>
+            <a:r>
+              <a:rPr lang="en-GB" dirty="0"/>
+              <a:t>VS Code extensions</a:t>
+            </a:r>
+          </a:p>
+          <a:p>
+            <a:r>
+              <a:rPr lang="en-GB" dirty="0"/>
+              <a:t>Convert eval() functions</a:t>
+            </a:r>
+          </a:p>
+          <a:p>
+            <a:pPr lvl="1"/>
+            <a:r>
+              <a:rPr lang="en-GB" dirty="0"/>
+              <a:t>to print()/</a:t>
+            </a:r>
+            <a:r>
+              <a:rPr lang="en-GB" dirty="0" err="1"/>
+              <a:t>console.logs</a:t>
+            </a:r>
+            <a:r>
+              <a:rPr lang="en-GB" dirty="0"/>
+              <a:t>()</a:t>
+            </a:r>
+          </a:p>
+          <a:p>
+            <a:r>
+              <a:rPr lang="en-GB" dirty="0"/>
+              <a:t>Save files in each stage</a:t>
+            </a:r>
+          </a:p>
+          <a:p>
+            <a:r>
+              <a:rPr lang="en-GB" dirty="0"/>
+              <a:t>That’s it!</a:t>
+            </a:r>
+          </a:p>
+          <a:p>
+            <a:pPr lvl="1"/>
+            <a:endParaRPr lang="en-GB" dirty="0"/>
+          </a:p>
+        </p:txBody>
+      </p:sp>
+      <p:sp>
+        <p:nvSpPr>
+          <p:cNvPr id="8" name="Marcador de Posição do Texto 7">
+            <a:extLst>
+              <a:ext uri="{FF2B5EF4-FFF2-40B4-BE49-F238E27FC236}">
+                <a16:creationId xmlns:a16="http://schemas.microsoft.com/office/drawing/2014/main" id="{72263B5A-61AA-0518-5E89-7A99458BFEBF}"/>
+              </a:ext>
+            </a:extLst>
+          </p:cNvPr>
+          <p:cNvSpPr>
+            <a:spLocks noGrp="1"/>
+          </p:cNvSpPr>
+          <p:nvPr>
+            <p:ph type="body" sz="quarter" idx="14"/>
+          </p:nvPr>
+        </p:nvSpPr>
+        <p:spPr/>
+        <p:txBody>
+          <a:bodyPr/>
+          <a:lstStyle/>
+          <a:p>
+            <a:r>
+              <a:rPr lang="en-GB" dirty="0"/>
+              <a:t>Strategies</a:t>
+            </a:r>
+          </a:p>
+        </p:txBody>
+      </p:sp>
+    </p:spTree>
+    <p:extLst>
+      <p:ext uri="{BB962C8B-B14F-4D97-AF65-F5344CB8AC3E}">
+        <p14:creationId xmlns:p14="http://schemas.microsoft.com/office/powerpoint/2010/main" val="1504645875"/>
+      </p:ext>
+    </p:extLst>
+  </p:cSld>
+  <p:clrMapOvr>
+    <a:masterClrMapping/>
+  </p:clrMapOvr>
+</p:sld>
+</file>
+
+<file path=ppt/slides/slide28.xml><?xml version="1.0" encoding="utf-8"?>
+<p:sld xmlns:a="http://schemas.openxmlformats.org/drawingml/2006/main" xmlns:r="http://schemas.openxmlformats.org/officeDocument/2006/relationships" xmlns:p="http://schemas.openxmlformats.org/presentationml/2006/main">
+  <p:cSld>
+    <p:spTree>
+      <p:nvGrpSpPr>
+        <p:cNvPr id="1" name=""/>
+        <p:cNvGrpSpPr/>
+        <p:nvPr/>
+      </p:nvGrpSpPr>
+      <p:grpSpPr>
+        <a:xfrm>
+          <a:off x="0" y="0"/>
+          <a:ext cx="0" cy="0"/>
+          <a:chOff x="0" y="0"/>
+          <a:chExt cx="0" cy="0"/>
+        </a:xfrm>
+      </p:grpSpPr>
+      <p:sp>
+        <p:nvSpPr>
+          <p:cNvPr id="2" name="Título 1">
+            <a:extLst>
+              <a:ext uri="{FF2B5EF4-FFF2-40B4-BE49-F238E27FC236}">
+                <a16:creationId xmlns:a16="http://schemas.microsoft.com/office/drawing/2014/main" id="{5367848F-46E5-4A1A-AE9A-0EFDDDBAC73F}"/>
+              </a:ext>
+            </a:extLst>
+          </p:cNvPr>
+          <p:cNvSpPr>
+            <a:spLocks noGrp="1"/>
+          </p:cNvSpPr>
+          <p:nvPr>
+            <p:ph type="ctrTitle"/>
+          </p:nvPr>
+        </p:nvSpPr>
+        <p:spPr/>
+        <p:txBody>
+          <a:bodyPr/>
+          <a:lstStyle/>
+          <a:p>
+            <a:r>
+              <a:rPr lang="en-GB" dirty="0"/>
+              <a:t>Making virus just for fun!</a:t>
+            </a:r>
+          </a:p>
+        </p:txBody>
+      </p:sp>
+      <p:sp>
+        <p:nvSpPr>
+          <p:cNvPr id="3" name="Subtítulo 2">
+            <a:extLst>
+              <a:ext uri="{FF2B5EF4-FFF2-40B4-BE49-F238E27FC236}">
+                <a16:creationId xmlns:a16="http://schemas.microsoft.com/office/drawing/2014/main" id="{7933E2F7-844A-4485-A3D3-BF79A1F5F66C}"/>
+              </a:ext>
+            </a:extLst>
+          </p:cNvPr>
+          <p:cNvSpPr>
+            <a:spLocks noGrp="1"/>
+          </p:cNvSpPr>
+          <p:nvPr>
+            <p:ph type="subTitle" idx="1"/>
+          </p:nvPr>
+        </p:nvSpPr>
+        <p:spPr/>
+        <p:txBody>
+          <a:bodyPr/>
+          <a:lstStyle/>
+          <a:p>
+            <a:r>
+              <a:rPr lang="pt-BR" b="1" dirty="0"/>
+              <a:t>João Rafael Almeida &amp; Camila Fonseca</a:t>
+            </a:r>
+          </a:p>
+        </p:txBody>
+      </p:sp>
+      <p:sp>
+        <p:nvSpPr>
+          <p:cNvPr id="7" name="CaixaDeTexto 6">
+            <a:extLst>
+              <a:ext uri="{FF2B5EF4-FFF2-40B4-BE49-F238E27FC236}">
+                <a16:creationId xmlns:a16="http://schemas.microsoft.com/office/drawing/2014/main" id="{A960888A-4873-243B-FF58-977AB7B96634}"/>
+              </a:ext>
+            </a:extLst>
+          </p:cNvPr>
+          <p:cNvSpPr txBox="1"/>
+          <p:nvPr/>
+        </p:nvSpPr>
+        <p:spPr>
+          <a:xfrm>
+            <a:off x="3045502" y="5863865"/>
+            <a:ext cx="6100996" cy="369332"/>
+          </a:xfrm>
+          <a:prstGeom prst="rect">
+            <a:avLst/>
+          </a:prstGeom>
+          <a:noFill/>
+        </p:spPr>
+        <p:txBody>
+          <a:bodyPr wrap="square">
+            <a:spAutoFit/>
+          </a:bodyPr>
+          <a:lstStyle/>
+          <a:p>
+            <a:pPr algn="ctr"/>
+            <a:r>
+              <a:rPr lang="pt-BR" dirty="0" err="1">
+                <a:solidFill>
+                  <a:schemeClr val="accent4">
+                    <a:lumMod val="50000"/>
+                  </a:schemeClr>
+                </a:solidFill>
+              </a:rPr>
+              <a:t>CyberSec</a:t>
+            </a:r>
+            <a:r>
+              <a:rPr lang="pt-BR" dirty="0">
+                <a:solidFill>
+                  <a:schemeClr val="accent4">
+                    <a:lumMod val="50000"/>
+                  </a:schemeClr>
+                </a:solidFill>
+              </a:rPr>
+              <a:t> Week 2022, </a:t>
+            </a:r>
+            <a:r>
+              <a:rPr lang="pt-BR" dirty="0" err="1">
+                <a:solidFill>
+                  <a:schemeClr val="accent4">
+                    <a:lumMod val="50000"/>
+                  </a:schemeClr>
+                </a:solidFill>
+              </a:rPr>
+              <a:t>organized</a:t>
+            </a:r>
+            <a:r>
+              <a:rPr lang="pt-BR" dirty="0">
+                <a:solidFill>
+                  <a:schemeClr val="accent4">
+                    <a:lumMod val="50000"/>
+                  </a:schemeClr>
+                </a:solidFill>
+              </a:rPr>
+              <a:t> </a:t>
+            </a:r>
+            <a:r>
+              <a:rPr lang="pt-BR" dirty="0" err="1">
+                <a:solidFill>
+                  <a:schemeClr val="accent4">
+                    <a:lumMod val="50000"/>
+                  </a:schemeClr>
+                </a:solidFill>
+              </a:rPr>
+              <a:t>by</a:t>
+            </a:r>
+            <a:r>
+              <a:rPr lang="pt-BR" dirty="0">
+                <a:solidFill>
+                  <a:schemeClr val="accent4">
+                    <a:lumMod val="50000"/>
+                  </a:schemeClr>
+                </a:solidFill>
+              </a:rPr>
+              <a:t> UAC</a:t>
+            </a:r>
+          </a:p>
+        </p:txBody>
+      </p:sp>
+    </p:spTree>
+    <p:extLst>
+      <p:ext uri="{BB962C8B-B14F-4D97-AF65-F5344CB8AC3E}">
+        <p14:creationId xmlns:p14="http://schemas.microsoft.com/office/powerpoint/2010/main" val="1358262978"/>
+      </p:ext>
+    </p:extLst>
+  </p:cSld>
+  <p:clrMapOvr>
+    <a:masterClrMapping/>
+  </p:clrMapOvr>
+</p:sld>
+</file>
+
+<file path=ppt/slides/slide3.xml><?xml version="1.0" encoding="utf-8"?>
+<p:sld xmlns:a="http://schemas.openxmlformats.org/drawingml/2006/main" xmlns:r="http://schemas.openxmlformats.org/officeDocument/2006/relationships" xmlns:p="http://schemas.openxmlformats.org/presentationml/2006/main">
+  <p:cSld>
+    <p:spTree>
+      <p:nvGrpSpPr>
+        <p:cNvPr id="1" name=""/>
+        <p:cNvGrpSpPr/>
+        <p:nvPr/>
+      </p:nvGrpSpPr>
+      <p:grpSpPr>
+        <a:xfrm>
+          <a:off x="0" y="0"/>
+          <a:ext cx="0" cy="0"/>
+          <a:chOff x="0" y="0"/>
+          <a:chExt cx="0" cy="0"/>
+        </a:xfrm>
+      </p:grpSpPr>
+      <p:sp>
+        <p:nvSpPr>
+          <p:cNvPr id="2" name="Título 1">
+            <a:extLst>
+              <a:ext uri="{FF2B5EF4-FFF2-40B4-BE49-F238E27FC236}">
+                <a16:creationId xmlns:a16="http://schemas.microsoft.com/office/drawing/2014/main" id="{290198D7-7381-7BD0-7B6C-3352C41A1BAD}"/>
+              </a:ext>
+            </a:extLst>
+          </p:cNvPr>
+          <p:cNvSpPr>
+            <a:spLocks noGrp="1"/>
+          </p:cNvSpPr>
+          <p:nvPr>
+            <p:ph type="ctrTitle"/>
+          </p:nvPr>
+        </p:nvSpPr>
+        <p:spPr/>
+        <p:txBody>
+          <a:bodyPr/>
+          <a:lstStyle/>
+          <a:p>
+            <a:r>
+              <a:rPr lang="en-GB" dirty="0"/>
+              <a:t>Did you know…</a:t>
+            </a:r>
+          </a:p>
+        </p:txBody>
+      </p:sp>
+      <p:pic>
+        <p:nvPicPr>
+          <p:cNvPr id="1026" name="Picture 2" descr="Ransomware Facts, Trends &amp;amp; Statistics for 2022">
+            <a:extLst>
+              <a:ext uri="{FF2B5EF4-FFF2-40B4-BE49-F238E27FC236}">
+                <a16:creationId xmlns:a16="http://schemas.microsoft.com/office/drawing/2014/main" id="{5D7AEA5D-AAAD-3D90-63BA-3832BBCA1BA2}"/>
+              </a:ext>
+            </a:extLst>
+          </p:cNvPr>
+          <p:cNvPicPr>
+            <a:picLocks noChangeAspect="1" noChangeArrowheads="1"/>
+          </p:cNvPicPr>
+          <p:nvPr/>
+        </p:nvPicPr>
+        <p:blipFill rotWithShape="1">
+          <a:blip r:embed="rId3">
+            <a:extLst>
+              <a:ext uri="{28A0092B-C50C-407E-A947-70E740481C1C}">
+                <a14:useLocalDpi xmlns:a14="http://schemas.microsoft.com/office/drawing/2010/main" val="0"/>
+              </a:ext>
+            </a:extLst>
+          </a:blip>
+          <a:srcRect b="16065"/>
+          <a:stretch/>
+        </p:blipFill>
+        <p:spPr bwMode="auto">
+          <a:xfrm>
+            <a:off x="2686861" y="1859873"/>
+            <a:ext cx="6818278" cy="4363370"/>
+          </a:xfrm>
+          <a:prstGeom prst="rect">
+            <a:avLst/>
+          </a:prstGeom>
+          <a:noFill/>
+          <a:extLst>
+            <a:ext uri="{909E8E84-426E-40DD-AFC4-6F175D3DCCD1}">
+              <a14:hiddenFill xmlns:a14="http://schemas.microsoft.com/office/drawing/2010/main">
+                <a:solidFill>
+                  <a:srgbClr val="FFFFFF"/>
+                </a:solidFill>
+              </a14:hiddenFill>
+            </a:ext>
+          </a:extLst>
+        </p:spPr>
+      </p:pic>
+      <p:pic>
+        <p:nvPicPr>
+          <p:cNvPr id="1028" name="Picture 4" descr="Ransomware Facts, Trends &amp;amp; Statistics for 2022">
+            <a:extLst>
+              <a:ext uri="{FF2B5EF4-FFF2-40B4-BE49-F238E27FC236}">
+                <a16:creationId xmlns:a16="http://schemas.microsoft.com/office/drawing/2014/main" id="{7DF31AD4-F502-9ED2-AE48-E3A25E4DB28F}"/>
+              </a:ext>
+            </a:extLst>
+          </p:cNvPr>
+          <p:cNvPicPr>
+            <a:picLocks noChangeAspect="1" noChangeArrowheads="1"/>
+          </p:cNvPicPr>
+          <p:nvPr/>
+        </p:nvPicPr>
+        <p:blipFill rotWithShape="1">
+          <a:blip r:embed="rId4">
+            <a:extLst>
+              <a:ext uri="{28A0092B-C50C-407E-A947-70E740481C1C}">
+                <a14:useLocalDpi xmlns:a14="http://schemas.microsoft.com/office/drawing/2010/main" val="0"/>
+              </a:ext>
+            </a:extLst>
+          </a:blip>
+          <a:srcRect b="19563"/>
+          <a:stretch/>
+        </p:blipFill>
+        <p:spPr bwMode="auto">
+          <a:xfrm>
+            <a:off x="2312282" y="1376059"/>
+            <a:ext cx="7567435" cy="4847184"/>
+          </a:xfrm>
+          <a:prstGeom prst="rect">
+            <a:avLst/>
+          </a:prstGeom>
+          <a:noFill/>
+          <a:extLst>
+            <a:ext uri="{909E8E84-426E-40DD-AFC4-6F175D3DCCD1}">
+              <a14:hiddenFill xmlns:a14="http://schemas.microsoft.com/office/drawing/2010/main">
+                <a:solidFill>
+                  <a:srgbClr val="FFFFFF"/>
+                </a:solidFill>
+              </a14:hiddenFill>
+            </a:ext>
+          </a:extLst>
+        </p:spPr>
+      </p:pic>
+    </p:spTree>
+    <p:extLst>
+      <p:ext uri="{BB962C8B-B14F-4D97-AF65-F5344CB8AC3E}">
+        <p14:creationId xmlns:p14="http://schemas.microsoft.com/office/powerpoint/2010/main" val="3669055768"/>
+      </p:ext>
+    </p:extLst>
+  </p:cSld>
+  <p:clrMapOvr>
+    <a:masterClrMapping/>
+  </p:clrMapOvr>
+</p:sld>
+</file>
+
+<file path=ppt/slides/slide4.xml><?xml version="1.0" encoding="utf-8"?>
+<p:sld xmlns:a="http://schemas.openxmlformats.org/drawingml/2006/main" xmlns:r="http://schemas.openxmlformats.org/officeDocument/2006/relationships" xmlns:p="http://schemas.openxmlformats.org/presentationml/2006/main">
+  <p:cSld>
+    <p:spTree>
+      <p:nvGrpSpPr>
+        <p:cNvPr id="1" name=""/>
+        <p:cNvGrpSpPr/>
+        <p:nvPr/>
+      </p:nvGrpSpPr>
+      <p:grpSpPr>
+        <a:xfrm>
+          <a:off x="0" y="0"/>
+          <a:ext cx="0" cy="0"/>
+          <a:chOff x="0" y="0"/>
+          <a:chExt cx="0" cy="0"/>
+        </a:xfrm>
+      </p:grpSpPr>
+      <p:sp>
+        <p:nvSpPr>
+          <p:cNvPr id="2" name="Título 1">
+            <a:extLst>
+              <a:ext uri="{FF2B5EF4-FFF2-40B4-BE49-F238E27FC236}">
+                <a16:creationId xmlns:a16="http://schemas.microsoft.com/office/drawing/2014/main" id="{290198D7-7381-7BD0-7B6C-3352C41A1BAD}"/>
+              </a:ext>
+            </a:extLst>
+          </p:cNvPr>
+          <p:cNvSpPr>
+            <a:spLocks noGrp="1"/>
+          </p:cNvSpPr>
+          <p:nvPr>
+            <p:ph type="ctrTitle"/>
+          </p:nvPr>
+        </p:nvSpPr>
+        <p:spPr/>
+        <p:txBody>
+          <a:bodyPr/>
+          <a:lstStyle/>
+          <a:p>
+            <a:r>
+              <a:rPr lang="en-GB" dirty="0"/>
+              <a:t>Goals for today</a:t>
+            </a:r>
+          </a:p>
+        </p:txBody>
+      </p:sp>
+      <p:sp>
+        <p:nvSpPr>
+          <p:cNvPr id="3" name="Subtítulo 2">
+            <a:extLst>
+              <a:ext uri="{FF2B5EF4-FFF2-40B4-BE49-F238E27FC236}">
+                <a16:creationId xmlns:a16="http://schemas.microsoft.com/office/drawing/2014/main" id="{717A8B4D-8CEE-D51D-5917-4538B5A34057}"/>
+              </a:ext>
+            </a:extLst>
+          </p:cNvPr>
+          <p:cNvSpPr>
+            <a:spLocks noGrp="1"/>
+          </p:cNvSpPr>
+          <p:nvPr>
+            <p:ph type="subTitle" idx="13"/>
+          </p:nvPr>
+        </p:nvSpPr>
+        <p:spPr/>
+        <p:txBody>
+          <a:bodyPr/>
+          <a:lstStyle/>
+          <a:p>
+            <a:r>
+              <a:rPr lang="en-GB" dirty="0"/>
+              <a:t>Most important: to have fun…</a:t>
+            </a:r>
+          </a:p>
+          <a:p>
+            <a:pPr lvl="1"/>
+            <a:r>
+              <a:rPr lang="en-GB" dirty="0"/>
+              <a:t>the famous cliché</a:t>
+            </a:r>
+          </a:p>
+          <a:p>
+            <a:r>
+              <a:rPr lang="en-GB" dirty="0"/>
+              <a:t>Understand the behaviour of a malware</a:t>
+            </a:r>
+          </a:p>
+          <a:p>
+            <a:r>
+              <a:rPr lang="en-GB" dirty="0"/>
+              <a:t>Create a very simple malware</a:t>
+            </a:r>
+          </a:p>
+          <a:p>
+            <a:pPr lvl="1"/>
+            <a:r>
+              <a:rPr lang="en-GB" dirty="0"/>
+              <a:t>that will be inoffensive (or not)</a:t>
+            </a:r>
+          </a:p>
+          <a:p>
+            <a:r>
+              <a:rPr lang="en-GB" dirty="0"/>
+              <a:t>Understand malware analysis</a:t>
+            </a:r>
+          </a:p>
+          <a:p>
+            <a:pPr lvl="1"/>
+            <a:endParaRPr lang="en-GB" dirty="0"/>
+          </a:p>
+        </p:txBody>
+      </p:sp>
+      <p:pic>
+        <p:nvPicPr>
+          <p:cNvPr id="1028" name="Picture 4" descr="Free Target And Goal Icon, Symbol. PNG, SVG Download.">
+            <a:extLst>
+              <a:ext uri="{FF2B5EF4-FFF2-40B4-BE49-F238E27FC236}">
+                <a16:creationId xmlns:a16="http://schemas.microsoft.com/office/drawing/2014/main" id="{D8F1E84C-DD45-106D-221B-ECB52F23E9C6}"/>
+              </a:ext>
+            </a:extLst>
+          </p:cNvPr>
+          <p:cNvPicPr>
+            <a:picLocks noChangeAspect="1" noChangeArrowheads="1"/>
+          </p:cNvPicPr>
+          <p:nvPr/>
+        </p:nvPicPr>
+        <p:blipFill>
+          <a:blip r:embed="rId2">
+            <a:extLst>
+              <a:ext uri="{28A0092B-C50C-407E-A947-70E740481C1C}">
+                <a14:useLocalDpi xmlns:a14="http://schemas.microsoft.com/office/drawing/2010/main" val="0"/>
+              </a:ext>
+            </a:extLst>
+          </a:blip>
+          <a:srcRect/>
+          <a:stretch>
+            <a:fillRect/>
+          </a:stretch>
+        </p:blipFill>
+        <p:spPr bwMode="auto">
+          <a:xfrm>
+            <a:off x="7632926" y="2503957"/>
+            <a:ext cx="3719286" cy="3719286"/>
+          </a:xfrm>
+          <a:prstGeom prst="rect">
+            <a:avLst/>
+          </a:prstGeom>
+          <a:noFill/>
+          <a:extLst>
+            <a:ext uri="{909E8E84-426E-40DD-AFC4-6F175D3DCCD1}">
+              <a14:hiddenFill xmlns:a14="http://schemas.microsoft.com/office/drawing/2010/main">
+                <a:solidFill>
+                  <a:srgbClr val="FFFFFF"/>
+                </a:solidFill>
+              </a14:hiddenFill>
+            </a:ext>
+          </a:extLst>
+        </p:spPr>
+      </p:pic>
+    </p:spTree>
+    <p:extLst>
+      <p:ext uri="{BB962C8B-B14F-4D97-AF65-F5344CB8AC3E}">
+        <p14:creationId xmlns:p14="http://schemas.microsoft.com/office/powerpoint/2010/main" val="502511410"/>
+      </p:ext>
+    </p:extLst>
+  </p:cSld>
+  <p:clrMapOvr>
+    <a:masterClrMapping/>
+  </p:clrMapOvr>
+</p:sld>
+</file>
+
+<file path=ppt/slides/slide5.xml><?xml version="1.0" encoding="utf-8"?>
+<p:sld xmlns:a="http://schemas.openxmlformats.org/drawingml/2006/main" xmlns:r="http://schemas.openxmlformats.org/officeDocument/2006/relationships" xmlns:p="http://schemas.openxmlformats.org/presentationml/2006/main">
+  <p:cSld>
+    <p:spTree>
+      <p:nvGrpSpPr>
+        <p:cNvPr id="1" name=""/>
+        <p:cNvGrpSpPr/>
+        <p:nvPr/>
+      </p:nvGrpSpPr>
+      <p:grpSpPr>
+        <a:xfrm>
+          <a:off x="0" y="0"/>
+          <a:ext cx="0" cy="0"/>
+          <a:chOff x="0" y="0"/>
+          <a:chExt cx="0" cy="0"/>
+        </a:xfrm>
+      </p:grpSpPr>
+      <p:sp>
+        <p:nvSpPr>
+          <p:cNvPr id="2" name="Título 1">
+            <a:extLst>
+              <a:ext uri="{FF2B5EF4-FFF2-40B4-BE49-F238E27FC236}">
+                <a16:creationId xmlns:a16="http://schemas.microsoft.com/office/drawing/2014/main" id="{290198D7-7381-7BD0-7B6C-3352C41A1BAD}"/>
+              </a:ext>
+            </a:extLst>
+          </p:cNvPr>
+          <p:cNvSpPr>
+            <a:spLocks noGrp="1"/>
+          </p:cNvSpPr>
+          <p:nvPr>
+            <p:ph type="ctrTitle"/>
+          </p:nvPr>
+        </p:nvSpPr>
+        <p:spPr/>
+        <p:txBody>
+          <a:bodyPr/>
+          <a:lstStyle/>
+          <a:p>
+            <a:r>
+              <a:rPr lang="en-GB" dirty="0"/>
+              <a:t>What is a malware?</a:t>
+            </a:r>
+          </a:p>
+        </p:txBody>
+      </p:sp>
+      <p:sp>
+        <p:nvSpPr>
+          <p:cNvPr id="3" name="Subtítulo 2">
+            <a:extLst>
+              <a:ext uri="{FF2B5EF4-FFF2-40B4-BE49-F238E27FC236}">
+                <a16:creationId xmlns:a16="http://schemas.microsoft.com/office/drawing/2014/main" id="{717A8B4D-8CEE-D51D-5917-4538B5A34057}"/>
+              </a:ext>
+            </a:extLst>
+          </p:cNvPr>
+          <p:cNvSpPr>
+            <a:spLocks noGrp="1"/>
+          </p:cNvSpPr>
+          <p:nvPr>
+            <p:ph type="subTitle" idx="13"/>
+          </p:nvPr>
+        </p:nvSpPr>
+        <p:spPr/>
+        <p:txBody>
+          <a:bodyPr/>
+          <a:lstStyle/>
+          <a:p>
+            <a:r>
+              <a:rPr lang="en-GB" dirty="0"/>
+              <a:t>Quick answer</a:t>
+            </a:r>
+          </a:p>
+          <a:p>
+            <a:pPr lvl="1"/>
+            <a:r>
+              <a:rPr lang="en-GB" dirty="0"/>
+              <a:t>Software, with bad purposes</a:t>
+            </a:r>
+          </a:p>
+          <a:p>
+            <a:r>
+              <a:rPr lang="en-GB" dirty="0"/>
+              <a:t>Different types of malware</a:t>
+            </a:r>
+          </a:p>
+          <a:p>
+            <a:pPr lvl="1"/>
+            <a:r>
+              <a:rPr lang="en-GB" dirty="0"/>
+              <a:t>Viruses, ransomware, trojan, spyware, worms</a:t>
+            </a:r>
+          </a:p>
+          <a:p>
+            <a:r>
+              <a:rPr lang="en-GB" dirty="0"/>
+              <a:t>Goal</a:t>
+            </a:r>
+          </a:p>
+          <a:p>
+            <a:pPr lvl="1"/>
+            <a:r>
+              <a:rPr lang="en-GB" dirty="0"/>
+              <a:t>Money, cyber-vandalism, hacktivism, cyber-war</a:t>
+            </a:r>
+          </a:p>
+          <a:p>
+            <a:endParaRPr lang="en-GB" dirty="0"/>
+          </a:p>
+          <a:p>
+            <a:pPr lvl="1"/>
+            <a:endParaRPr lang="en-GB" dirty="0"/>
+          </a:p>
+          <a:p>
+            <a:endParaRPr lang="en-GB" dirty="0"/>
+          </a:p>
+        </p:txBody>
+      </p:sp>
+    </p:spTree>
+    <p:extLst>
+      <p:ext uri="{BB962C8B-B14F-4D97-AF65-F5344CB8AC3E}">
+        <p14:creationId xmlns:p14="http://schemas.microsoft.com/office/powerpoint/2010/main" val="2159338900"/>
+      </p:ext>
+    </p:extLst>
+  </p:cSld>
+  <p:clrMapOvr>
+    <a:masterClrMapping/>
+  </p:clrMapOvr>
+</p:sld>
+</file>
+
+<file path=ppt/slides/slide6.xml><?xml version="1.0" encoding="utf-8"?>
+<p:sld xmlns:a="http://schemas.openxmlformats.org/drawingml/2006/main" xmlns:r="http://schemas.openxmlformats.org/officeDocument/2006/relationships" xmlns:p="http://schemas.openxmlformats.org/presentationml/2006/main">
+  <p:cSld>
+    <p:spTree>
+      <p:nvGrpSpPr>
+        <p:cNvPr id="1" name=""/>
+        <p:cNvGrpSpPr/>
+        <p:nvPr/>
+      </p:nvGrpSpPr>
+      <p:grpSpPr>
+        <a:xfrm>
+          <a:off x="0" y="0"/>
+          <a:ext cx="0" cy="0"/>
+          <a:chOff x="0" y="0"/>
+          <a:chExt cx="0" cy="0"/>
+        </a:xfrm>
+      </p:grpSpPr>
+      <p:sp>
+        <p:nvSpPr>
+          <p:cNvPr id="2" name="Título 1">
+            <a:extLst>
+              <a:ext uri="{FF2B5EF4-FFF2-40B4-BE49-F238E27FC236}">
+                <a16:creationId xmlns:a16="http://schemas.microsoft.com/office/drawing/2014/main" id="{290198D7-7381-7BD0-7B6C-3352C41A1BAD}"/>
+              </a:ext>
+            </a:extLst>
+          </p:cNvPr>
+          <p:cNvSpPr>
+            <a:spLocks noGrp="1"/>
+          </p:cNvSpPr>
+          <p:nvPr>
+            <p:ph type="ctrTitle"/>
+          </p:nvPr>
+        </p:nvSpPr>
+        <p:spPr/>
+        <p:txBody>
+          <a:bodyPr/>
+          <a:lstStyle/>
+          <a:p>
+            <a:r>
+              <a:rPr lang="en-GB" dirty="0"/>
+              <a:t>So, what is a ransomware?</a:t>
+            </a:r>
+          </a:p>
+        </p:txBody>
+      </p:sp>
+      <p:pic>
+        <p:nvPicPr>
+          <p:cNvPr id="2051" name="Picture 3">
+            <a:extLst>
+              <a:ext uri="{FF2B5EF4-FFF2-40B4-BE49-F238E27FC236}">
+                <a16:creationId xmlns:a16="http://schemas.microsoft.com/office/drawing/2014/main" id="{F233BF0C-6EA1-41BA-A80F-70808476523C}"/>
+              </a:ext>
+            </a:extLst>
+          </p:cNvPr>
+          <p:cNvPicPr>
+            <a:picLocks noChangeAspect="1" noChangeArrowheads="1"/>
+          </p:cNvPicPr>
+          <p:nvPr/>
+        </p:nvPicPr>
+        <p:blipFill>
+          <a:blip r:embed="rId2">
+            <a:extLst>
+              <a:ext uri="{28A0092B-C50C-407E-A947-70E740481C1C}">
+                <a14:useLocalDpi xmlns:a14="http://schemas.microsoft.com/office/drawing/2010/main" val="0"/>
+              </a:ext>
+            </a:extLst>
+          </a:blip>
+          <a:srcRect/>
+          <a:stretch>
+            <a:fillRect/>
+          </a:stretch>
+        </p:blipFill>
+        <p:spPr bwMode="auto">
+          <a:xfrm>
+            <a:off x="1784808" y="1816099"/>
+            <a:ext cx="1498600" cy="1612901"/>
+          </a:xfrm>
+          <a:prstGeom prst="rect">
+            <a:avLst/>
+          </a:prstGeom>
+          <a:noFill/>
+          <a:extLst>
+            <a:ext uri="{909E8E84-426E-40DD-AFC4-6F175D3DCCD1}">
+              <a14:hiddenFill xmlns:a14="http://schemas.microsoft.com/office/drawing/2010/main">
+                <a:solidFill>
+                  <a:srgbClr val="FFFFFF"/>
+                </a:solidFill>
+              </a14:hiddenFill>
+            </a:ext>
+          </a:extLst>
+        </p:spPr>
+      </p:pic>
+      <p:pic>
+        <p:nvPicPr>
+          <p:cNvPr id="2055" name="Picture 7">
+            <a:extLst>
+              <a:ext uri="{FF2B5EF4-FFF2-40B4-BE49-F238E27FC236}">
+                <a16:creationId xmlns:a16="http://schemas.microsoft.com/office/drawing/2014/main" id="{DC00EF7D-426E-0701-064A-6237FD3B676C}"/>
+              </a:ext>
+            </a:extLst>
+          </p:cNvPr>
+          <p:cNvPicPr>
+            <a:picLocks noChangeAspect="1" noChangeArrowheads="1"/>
+          </p:cNvPicPr>
+          <p:nvPr/>
+        </p:nvPicPr>
+        <p:blipFill>
+          <a:blip r:embed="rId3">
+            <a:extLst>
+              <a:ext uri="{28A0092B-C50C-407E-A947-70E740481C1C}">
+                <a14:useLocalDpi xmlns:a14="http://schemas.microsoft.com/office/drawing/2010/main" val="0"/>
+              </a:ext>
+            </a:extLst>
+          </a:blip>
+          <a:srcRect/>
+          <a:stretch>
+            <a:fillRect/>
+          </a:stretch>
+        </p:blipFill>
+        <p:spPr bwMode="auto">
+          <a:xfrm>
+            <a:off x="5237756" y="1854200"/>
+            <a:ext cx="1549400" cy="1536701"/>
+          </a:xfrm>
+          <a:prstGeom prst="rect">
+            <a:avLst/>
+          </a:prstGeom>
+          <a:noFill/>
+          <a:extLst>
+            <a:ext uri="{909E8E84-426E-40DD-AFC4-6F175D3DCCD1}">
+              <a14:hiddenFill xmlns:a14="http://schemas.microsoft.com/office/drawing/2010/main">
+                <a:solidFill>
+                  <a:srgbClr val="FFFFFF"/>
+                </a:solidFill>
+              </a14:hiddenFill>
+            </a:ext>
+          </a:extLst>
+        </p:spPr>
+      </p:pic>
+      <p:grpSp>
+        <p:nvGrpSpPr>
+          <p:cNvPr id="6" name="Agrupar 5">
+            <a:extLst>
+              <a:ext uri="{FF2B5EF4-FFF2-40B4-BE49-F238E27FC236}">
+                <a16:creationId xmlns:a16="http://schemas.microsoft.com/office/drawing/2014/main" id="{A18C7429-3CD4-E8C8-A83A-30E97AAAF619}"/>
+              </a:ext>
+            </a:extLst>
+          </p:cNvPr>
+          <p:cNvGrpSpPr/>
+          <p:nvPr/>
+        </p:nvGrpSpPr>
+        <p:grpSpPr>
+          <a:xfrm>
+            <a:off x="8741504" y="1980701"/>
+            <a:ext cx="1657384" cy="1283695"/>
+            <a:chOff x="5941977" y="2918415"/>
+            <a:chExt cx="1657384" cy="1283695"/>
+          </a:xfrm>
+        </p:grpSpPr>
+        <p:pic>
+          <p:nvPicPr>
+            <p:cNvPr id="2059" name="Picture 11">
+              <a:extLst>
+                <a:ext uri="{FF2B5EF4-FFF2-40B4-BE49-F238E27FC236}">
+                  <a16:creationId xmlns:a16="http://schemas.microsoft.com/office/drawing/2014/main" id="{D3A1C36F-5BA3-6B7C-06ED-00C1C9B2CB5B}"/>
+                </a:ext>
+              </a:extLst>
+            </p:cNvPr>
+            <p:cNvPicPr>
+              <a:picLocks noChangeAspect="1" noChangeArrowheads="1"/>
+            </p:cNvPicPr>
+            <p:nvPr/>
+          </p:nvPicPr>
+          <p:blipFill>
+            <a:blip r:embed="rId4">
+              <a:extLst>
+                <a:ext uri="{28A0092B-C50C-407E-A947-70E740481C1C}">
+                  <a14:useLocalDpi xmlns:a14="http://schemas.microsoft.com/office/drawing/2010/main" val="0"/>
+                </a:ext>
+              </a:extLst>
+            </a:blip>
+            <a:srcRect/>
+            <a:stretch>
+              <a:fillRect/>
+            </a:stretch>
+          </p:blipFill>
+          <p:spPr bwMode="auto">
+            <a:xfrm>
+              <a:off x="6329361" y="2918415"/>
+              <a:ext cx="1270000" cy="1193800"/>
+            </a:xfrm>
+            <a:prstGeom prst="rect">
+              <a:avLst/>
+            </a:prstGeom>
+            <a:noFill/>
+            <a:extLst>
+              <a:ext uri="{909E8E84-426E-40DD-AFC4-6F175D3DCCD1}">
+                <a14:hiddenFill xmlns:a14="http://schemas.microsoft.com/office/drawing/2010/main">
+                  <a:solidFill>
+                    <a:srgbClr val="FFFFFF"/>
+                  </a:solidFill>
+                </a14:hiddenFill>
+              </a:ext>
+            </a:extLst>
+          </p:spPr>
+        </p:pic>
+        <p:pic>
+          <p:nvPicPr>
+            <p:cNvPr id="2057" name="Picture 9">
+              <a:extLst>
+                <a:ext uri="{FF2B5EF4-FFF2-40B4-BE49-F238E27FC236}">
+                  <a16:creationId xmlns:a16="http://schemas.microsoft.com/office/drawing/2014/main" id="{3825F040-F3D4-34CF-B8C2-F1D8F7CC8A06}"/>
+                </a:ext>
+              </a:extLst>
+            </p:cNvPr>
+            <p:cNvPicPr>
+              <a:picLocks noChangeAspect="1" noChangeArrowheads="1"/>
+            </p:cNvPicPr>
+            <p:nvPr/>
+          </p:nvPicPr>
+          <p:blipFill>
+            <a:blip r:embed="rId5">
+              <a:extLst>
+                <a:ext uri="{28A0092B-C50C-407E-A947-70E740481C1C}">
+                  <a14:useLocalDpi xmlns:a14="http://schemas.microsoft.com/office/drawing/2010/main" val="0"/>
+                </a:ext>
+              </a:extLst>
+            </a:blip>
+            <a:srcRect/>
+            <a:stretch>
+              <a:fillRect/>
+            </a:stretch>
+          </p:blipFill>
+          <p:spPr bwMode="auto">
+            <a:xfrm>
+              <a:off x="5941977" y="3109910"/>
+              <a:ext cx="1155700" cy="1092200"/>
+            </a:xfrm>
+            <a:prstGeom prst="rect">
+              <a:avLst/>
+            </a:prstGeom>
+            <a:noFill/>
+            <a:extLst>
+              <a:ext uri="{909E8E84-426E-40DD-AFC4-6F175D3DCCD1}">
+                <a14:hiddenFill xmlns:a14="http://schemas.microsoft.com/office/drawing/2010/main">
+                  <a:solidFill>
+                    <a:srgbClr val="FFFFFF"/>
+                  </a:solidFill>
+                </a14:hiddenFill>
+              </a:ext>
+            </a:extLst>
+          </p:spPr>
+        </p:pic>
+      </p:grpSp>
+      <p:pic>
+        <p:nvPicPr>
+          <p:cNvPr id="2061" name="Picture 13">
+            <a:extLst>
+              <a:ext uri="{FF2B5EF4-FFF2-40B4-BE49-F238E27FC236}">
+                <a16:creationId xmlns:a16="http://schemas.microsoft.com/office/drawing/2014/main" id="{963F5039-C3CF-1BD1-7A0A-3A22AE6A49DA}"/>
+              </a:ext>
+            </a:extLst>
+          </p:cNvPr>
+          <p:cNvPicPr>
+            <a:picLocks noChangeAspect="1" noChangeArrowheads="1"/>
+          </p:cNvPicPr>
+          <p:nvPr/>
+        </p:nvPicPr>
+        <p:blipFill>
+          <a:blip r:embed="rId6">
+            <a:extLst>
+              <a:ext uri="{28A0092B-C50C-407E-A947-70E740481C1C}">
+                <a14:useLocalDpi xmlns:a14="http://schemas.microsoft.com/office/drawing/2010/main" val="0"/>
+              </a:ext>
+            </a:extLst>
+          </a:blip>
+          <a:srcRect/>
+          <a:stretch>
+            <a:fillRect/>
+          </a:stretch>
+        </p:blipFill>
+        <p:spPr bwMode="auto">
+          <a:xfrm>
+            <a:off x="2232367" y="2530320"/>
+            <a:ext cx="1181100" cy="1168400"/>
+          </a:xfrm>
+          <a:prstGeom prst="rect">
+            <a:avLst/>
+          </a:prstGeom>
+          <a:noFill/>
+          <a:extLst>
+            <a:ext uri="{909E8E84-426E-40DD-AFC4-6F175D3DCCD1}">
+              <a14:hiddenFill xmlns:a14="http://schemas.microsoft.com/office/drawing/2010/main">
+                <a:solidFill>
+                  <a:srgbClr val="FFFFFF"/>
+                </a:solidFill>
+              </a14:hiddenFill>
+            </a:ext>
+          </a:extLst>
+        </p:spPr>
+      </p:pic>
+      <p:sp>
+        <p:nvSpPr>
+          <p:cNvPr id="8" name="Seta para a Direita 7">
+            <a:extLst>
+              <a:ext uri="{FF2B5EF4-FFF2-40B4-BE49-F238E27FC236}">
+                <a16:creationId xmlns:a16="http://schemas.microsoft.com/office/drawing/2014/main" id="{065FF50C-73AA-A1FF-9290-40CA948E0DEC}"/>
+              </a:ext>
+            </a:extLst>
+          </p:cNvPr>
+          <p:cNvSpPr/>
+          <p:nvPr/>
+        </p:nvSpPr>
+        <p:spPr>
+          <a:xfrm>
+            <a:off x="3927127" y="2466877"/>
+            <a:ext cx="705080" cy="311343"/>
+          </a:xfrm>
+          <a:prstGeom prst="rightArrow">
+            <a:avLst/>
+          </a:prstGeom>
+          <a:solidFill>
+            <a:schemeClr val="accent1">
+              <a:lumMod val="60000"/>
+              <a:lumOff val="40000"/>
+            </a:schemeClr>
+          </a:solidFill>
+          <a:ln w="38100">
+            <a:solidFill>
+              <a:schemeClr val="accent1">
+                <a:lumMod val="75000"/>
+              </a:schemeClr>
+            </a:solidFill>
+          </a:ln>
+        </p:spPr>
+        <p:style>
+          <a:lnRef idx="2">
+            <a:schemeClr val="accent1">
+              <a:shade val="50000"/>
+            </a:schemeClr>
+          </a:lnRef>
+          <a:fillRef idx="1">
+            <a:schemeClr val="accent1"/>
+          </a:fillRef>
+          <a:effectRef idx="0">
+            <a:schemeClr val="accent1"/>
+          </a:effectRef>
+          <a:fontRef idx="minor">
+            <a:schemeClr val="lt1"/>
+          </a:fontRef>
+        </p:style>
+        <p:txBody>
+          <a:bodyPr rtlCol="0" anchor="ctr"/>
+          <a:lstStyle/>
+          <a:p>
+            <a:pPr algn="ctr"/>
+            <a:endParaRPr lang="en-GB"/>
+          </a:p>
+        </p:txBody>
+      </p:sp>
+    </p:spTree>
+    <p:extLst>
+      <p:ext uri="{BB962C8B-B14F-4D97-AF65-F5344CB8AC3E}">
+        <p14:creationId xmlns:p14="http://schemas.microsoft.com/office/powerpoint/2010/main" val="2650915415"/>
       </p:ext>
     </p:extLst>
   </p:cSld>
@@ -8209,149 +12951,22 @@
           <a:p>
             <a:r>
               <a:rPr lang="en-GB" dirty="0"/>
-              <a:t>What is a malware?</a:t>
-            </a:r>
-          </a:p>
-        </p:txBody>
-      </p:sp>
-      <p:sp>
-        <p:nvSpPr>
-          <p:cNvPr id="3" name="Subtítulo 2">
-            <a:extLst>
-              <a:ext uri="{FF2B5EF4-FFF2-40B4-BE49-F238E27FC236}">
-                <a16:creationId xmlns:a16="http://schemas.microsoft.com/office/drawing/2014/main" id="{717A8B4D-8CEE-D51D-5917-4538B5A34057}"/>
-              </a:ext>
-            </a:extLst>
-          </p:cNvPr>
-          <p:cNvSpPr>
-            <a:spLocks noGrp="1"/>
-          </p:cNvSpPr>
-          <p:nvPr>
-            <p:ph type="subTitle" idx="13"/>
-          </p:nvPr>
-        </p:nvSpPr>
-        <p:spPr/>
-        <p:txBody>
-          <a:bodyPr/>
-          <a:lstStyle/>
-          <a:p>
-            <a:pPr>
-              <a:lnSpc>
-                <a:spcPct val="100000"/>
-              </a:lnSpc>
-              <a:spcBef>
-                <a:spcPts val="1600"/>
-              </a:spcBef>
-            </a:pPr>
-            <a:r>
-              <a:rPr lang="en-GB" dirty="0"/>
-              <a:t>Quick answer</a:t>
-            </a:r>
-          </a:p>
-          <a:p>
-            <a:pPr lvl="1">
-              <a:lnSpc>
-                <a:spcPct val="100000"/>
-              </a:lnSpc>
-            </a:pPr>
-            <a:r>
-              <a:rPr lang="en-GB" dirty="0"/>
-              <a:t>Software, with bad purposes</a:t>
-            </a:r>
-          </a:p>
-          <a:p>
-            <a:pPr>
-              <a:lnSpc>
-                <a:spcPct val="100000"/>
-              </a:lnSpc>
-              <a:spcBef>
-                <a:spcPts val="1600"/>
-              </a:spcBef>
-            </a:pPr>
-            <a:r>
-              <a:rPr lang="en-GB" dirty="0"/>
-              <a:t>Different types of malware</a:t>
-            </a:r>
-          </a:p>
-          <a:p>
-            <a:pPr lvl="1">
-              <a:lnSpc>
-                <a:spcPct val="100000"/>
-              </a:lnSpc>
-            </a:pPr>
-            <a:r>
-              <a:rPr lang="en-GB" dirty="0"/>
-              <a:t>Viruses, ransomware, trojan, spyware, worms</a:t>
-            </a:r>
-          </a:p>
-          <a:p>
-            <a:pPr>
-              <a:lnSpc>
-                <a:spcPct val="100000"/>
-              </a:lnSpc>
-            </a:pPr>
-            <a:r>
-              <a:rPr lang="en-GB" dirty="0"/>
-              <a:t>Goal</a:t>
-            </a:r>
-          </a:p>
-          <a:p>
-            <a:pPr lvl="1">
-              <a:lnSpc>
-                <a:spcPct val="100000"/>
-              </a:lnSpc>
-            </a:pPr>
-            <a:r>
-              <a:rPr lang="en-GB" dirty="0"/>
-              <a:t>Money, cyber-vandalism, hacktivism, cyber-war</a:t>
-            </a:r>
-          </a:p>
-          <a:p>
-            <a:pPr>
-              <a:lnSpc>
-                <a:spcPct val="100000"/>
-              </a:lnSpc>
-              <a:spcBef>
-                <a:spcPts val="1600"/>
-              </a:spcBef>
-            </a:pPr>
-            <a:endParaRPr lang="en-GB" dirty="0"/>
-          </a:p>
-          <a:p>
-            <a:pPr lvl="1">
-              <a:lnSpc>
-                <a:spcPct val="100000"/>
-              </a:lnSpc>
-              <a:spcBef>
-                <a:spcPts val="1600"/>
-              </a:spcBef>
-            </a:pPr>
-            <a:endParaRPr lang="en-GB" dirty="0"/>
-          </a:p>
-          <a:p>
-            <a:pPr>
-              <a:lnSpc>
-                <a:spcPct val="100000"/>
-              </a:lnSpc>
-              <a:spcBef>
-                <a:spcPts val="1600"/>
-              </a:spcBef>
-            </a:pPr>
-            <a:endParaRPr lang="en-GB" dirty="0"/>
+              <a:t>So, what is a ransomware?</a:t>
+            </a:r>
           </a:p>
         </p:txBody>
       </p:sp>
       <p:pic>
         <p:nvPicPr>
-          <p:cNvPr id="4" name="Imagem 3">
-            <a:extLst>
-              <a:ext uri="{FF2B5EF4-FFF2-40B4-BE49-F238E27FC236}">
-                <a16:creationId xmlns:a16="http://schemas.microsoft.com/office/drawing/2014/main" id="{0EAA96F2-D30E-DCF9-C35D-44D03D2F098C}"/>
+          <p:cNvPr id="2051" name="Picture 3">
+            <a:extLst>
+              <a:ext uri="{FF2B5EF4-FFF2-40B4-BE49-F238E27FC236}">
+                <a16:creationId xmlns:a16="http://schemas.microsoft.com/office/drawing/2014/main" id="{F233BF0C-6EA1-41BA-A80F-70808476523C}"/>
               </a:ext>
             </a:extLst>
           </p:cNvPr>
           <p:cNvPicPr>
-            <a:picLocks noChangeAspect="1"/>
+            <a:picLocks noChangeAspect="1" noChangeArrowheads="1"/>
           </p:cNvPicPr>
           <p:nvPr/>
         </p:nvPicPr>
@@ -8363,31 +12978,42 @@
               </a:ext>
             </a:extLst>
           </a:blip>
+          <a:srcRect/>
           <a:stretch>
             <a:fillRect/>
           </a:stretch>
         </p:blipFill>
-        <p:spPr>
-          <a:xfrm>
-            <a:off x="2602454" y="6371432"/>
-            <a:ext cx="438377" cy="338320"/>
+        <p:spPr bwMode="auto">
+          <a:xfrm>
+            <a:off x="1784808" y="1816099"/>
+            <a:ext cx="1498600" cy="1612901"/>
           </a:xfrm>
           <a:prstGeom prst="rect">
             <a:avLst/>
           </a:prstGeom>
+          <a:noFill/>
+          <a:extLst>
+            <a:ext uri="{909E8E84-426E-40DD-AFC4-6F175D3DCCD1}">
+              <a14:hiddenFill xmlns:a14="http://schemas.microsoft.com/office/drawing/2010/main">
+                <a:solidFill>
+                  <a:srgbClr val="FFFFFF"/>
+                </a:solidFill>
+              </a14:hiddenFill>
+            </a:ext>
+          </a:extLst>
         </p:spPr>
       </p:pic>
       <p:pic>
         <p:nvPicPr>
-          <p:cNvPr id="5" name="Imagem 4">
-            <a:extLst>
-              <a:ext uri="{FF2B5EF4-FFF2-40B4-BE49-F238E27FC236}">
-                <a16:creationId xmlns:a16="http://schemas.microsoft.com/office/drawing/2014/main" id="{F5CA5EFD-B561-B0DC-C995-6447DDA18C62}"/>
+          <p:cNvPr id="2055" name="Picture 7">
+            <a:extLst>
+              <a:ext uri="{FF2B5EF4-FFF2-40B4-BE49-F238E27FC236}">
+                <a16:creationId xmlns:a16="http://schemas.microsoft.com/office/drawing/2014/main" id="{DC00EF7D-426E-0701-064A-6237FD3B676C}"/>
               </a:ext>
             </a:extLst>
           </p:cNvPr>
           <p:cNvPicPr>
-            <a:picLocks noChangeAspect="1"/>
+            <a:picLocks noChangeAspect="1" noChangeArrowheads="1"/>
           </p:cNvPicPr>
           <p:nvPr/>
         </p:nvPicPr>
@@ -8399,24 +13025,315 @@
               </a:ext>
             </a:extLst>
           </a:blip>
+          <a:srcRect/>
           <a:stretch>
             <a:fillRect/>
           </a:stretch>
         </p:blipFill>
-        <p:spPr>
-          <a:xfrm>
-            <a:off x="1747844" y="6337055"/>
-            <a:ext cx="836680" cy="407074"/>
+        <p:spPr bwMode="auto">
+          <a:xfrm>
+            <a:off x="5237756" y="1854200"/>
+            <a:ext cx="1549400" cy="1536701"/>
           </a:xfrm>
           <a:prstGeom prst="rect">
             <a:avLst/>
           </a:prstGeom>
+          <a:noFill/>
+          <a:extLst>
+            <a:ext uri="{909E8E84-426E-40DD-AFC4-6F175D3DCCD1}">
+              <a14:hiddenFill xmlns:a14="http://schemas.microsoft.com/office/drawing/2010/main">
+                <a:solidFill>
+                  <a:srgbClr val="FFFFFF"/>
+                </a:solidFill>
+              </a14:hiddenFill>
+            </a:ext>
+          </a:extLst>
         </p:spPr>
       </p:pic>
+      <p:grpSp>
+        <p:nvGrpSpPr>
+          <p:cNvPr id="6" name="Agrupar 5">
+            <a:extLst>
+              <a:ext uri="{FF2B5EF4-FFF2-40B4-BE49-F238E27FC236}">
+                <a16:creationId xmlns:a16="http://schemas.microsoft.com/office/drawing/2014/main" id="{A18C7429-3CD4-E8C8-A83A-30E97AAAF619}"/>
+              </a:ext>
+            </a:extLst>
+          </p:cNvPr>
+          <p:cNvGrpSpPr/>
+          <p:nvPr/>
+        </p:nvGrpSpPr>
+        <p:grpSpPr>
+          <a:xfrm>
+            <a:off x="8741504" y="1980701"/>
+            <a:ext cx="1657384" cy="1283695"/>
+            <a:chOff x="5941977" y="2918415"/>
+            <a:chExt cx="1657384" cy="1283695"/>
+          </a:xfrm>
+        </p:grpSpPr>
+        <p:pic>
+          <p:nvPicPr>
+            <p:cNvPr id="2059" name="Picture 11">
+              <a:extLst>
+                <a:ext uri="{FF2B5EF4-FFF2-40B4-BE49-F238E27FC236}">
+                  <a16:creationId xmlns:a16="http://schemas.microsoft.com/office/drawing/2014/main" id="{D3A1C36F-5BA3-6B7C-06ED-00C1C9B2CB5B}"/>
+                </a:ext>
+              </a:extLst>
+            </p:cNvPr>
+            <p:cNvPicPr>
+              <a:picLocks noChangeAspect="1" noChangeArrowheads="1"/>
+            </p:cNvPicPr>
+            <p:nvPr/>
+          </p:nvPicPr>
+          <p:blipFill>
+            <a:blip r:embed="rId4">
+              <a:extLst>
+                <a:ext uri="{28A0092B-C50C-407E-A947-70E740481C1C}">
+                  <a14:useLocalDpi xmlns:a14="http://schemas.microsoft.com/office/drawing/2010/main" val="0"/>
+                </a:ext>
+              </a:extLst>
+            </a:blip>
+            <a:srcRect/>
+            <a:stretch>
+              <a:fillRect/>
+            </a:stretch>
+          </p:blipFill>
+          <p:spPr bwMode="auto">
+            <a:xfrm>
+              <a:off x="6329361" y="2918415"/>
+              <a:ext cx="1270000" cy="1193800"/>
+            </a:xfrm>
+            <a:prstGeom prst="rect">
+              <a:avLst/>
+            </a:prstGeom>
+            <a:noFill/>
+            <a:extLst>
+              <a:ext uri="{909E8E84-426E-40DD-AFC4-6F175D3DCCD1}">
+                <a14:hiddenFill xmlns:a14="http://schemas.microsoft.com/office/drawing/2010/main">
+                  <a:solidFill>
+                    <a:srgbClr val="FFFFFF"/>
+                  </a:solidFill>
+                </a14:hiddenFill>
+              </a:ext>
+            </a:extLst>
+          </p:spPr>
+        </p:pic>
+        <p:pic>
+          <p:nvPicPr>
+            <p:cNvPr id="2057" name="Picture 9">
+              <a:extLst>
+                <a:ext uri="{FF2B5EF4-FFF2-40B4-BE49-F238E27FC236}">
+                  <a16:creationId xmlns:a16="http://schemas.microsoft.com/office/drawing/2014/main" id="{3825F040-F3D4-34CF-B8C2-F1D8F7CC8A06}"/>
+                </a:ext>
+              </a:extLst>
+            </p:cNvPr>
+            <p:cNvPicPr>
+              <a:picLocks noChangeAspect="1" noChangeArrowheads="1"/>
+            </p:cNvPicPr>
+            <p:nvPr/>
+          </p:nvPicPr>
+          <p:blipFill>
+            <a:blip r:embed="rId5">
+              <a:extLst>
+                <a:ext uri="{28A0092B-C50C-407E-A947-70E740481C1C}">
+                  <a14:useLocalDpi xmlns:a14="http://schemas.microsoft.com/office/drawing/2010/main" val="0"/>
+                </a:ext>
+              </a:extLst>
+            </a:blip>
+            <a:srcRect/>
+            <a:stretch>
+              <a:fillRect/>
+            </a:stretch>
+          </p:blipFill>
+          <p:spPr bwMode="auto">
+            <a:xfrm>
+              <a:off x="5941977" y="3109910"/>
+              <a:ext cx="1155700" cy="1092200"/>
+            </a:xfrm>
+            <a:prstGeom prst="rect">
+              <a:avLst/>
+            </a:prstGeom>
+            <a:noFill/>
+            <a:extLst>
+              <a:ext uri="{909E8E84-426E-40DD-AFC4-6F175D3DCCD1}">
+                <a14:hiddenFill xmlns:a14="http://schemas.microsoft.com/office/drawing/2010/main">
+                  <a:solidFill>
+                    <a:srgbClr val="FFFFFF"/>
+                  </a:solidFill>
+                </a14:hiddenFill>
+              </a:ext>
+            </a:extLst>
+          </p:spPr>
+        </p:pic>
+      </p:grpSp>
+      <p:pic>
+        <p:nvPicPr>
+          <p:cNvPr id="2061" name="Picture 13">
+            <a:extLst>
+              <a:ext uri="{FF2B5EF4-FFF2-40B4-BE49-F238E27FC236}">
+                <a16:creationId xmlns:a16="http://schemas.microsoft.com/office/drawing/2014/main" id="{963F5039-C3CF-1BD1-7A0A-3A22AE6A49DA}"/>
+              </a:ext>
+            </a:extLst>
+          </p:cNvPr>
+          <p:cNvPicPr>
+            <a:picLocks noChangeAspect="1" noChangeArrowheads="1"/>
+          </p:cNvPicPr>
+          <p:nvPr/>
+        </p:nvPicPr>
+        <p:blipFill>
+          <a:blip r:embed="rId6">
+            <a:extLst>
+              <a:ext uri="{28A0092B-C50C-407E-A947-70E740481C1C}">
+                <a14:useLocalDpi xmlns:a14="http://schemas.microsoft.com/office/drawing/2010/main" val="0"/>
+              </a:ext>
+            </a:extLst>
+          </a:blip>
+          <a:srcRect/>
+          <a:stretch>
+            <a:fillRect/>
+          </a:stretch>
+        </p:blipFill>
+        <p:spPr bwMode="auto">
+          <a:xfrm>
+            <a:off x="5992680" y="2622548"/>
+            <a:ext cx="1181100" cy="1168400"/>
+          </a:xfrm>
+          <a:prstGeom prst="rect">
+            <a:avLst/>
+          </a:prstGeom>
+          <a:noFill/>
+          <a:extLst>
+            <a:ext uri="{909E8E84-426E-40DD-AFC4-6F175D3DCCD1}">
+              <a14:hiddenFill xmlns:a14="http://schemas.microsoft.com/office/drawing/2010/main">
+                <a:solidFill>
+                  <a:srgbClr val="FFFFFF"/>
+                </a:solidFill>
+              </a14:hiddenFill>
+            </a:ext>
+          </a:extLst>
+        </p:spPr>
+      </p:pic>
+      <p:sp>
+        <p:nvSpPr>
+          <p:cNvPr id="8" name="Seta para a Direita 7">
+            <a:extLst>
+              <a:ext uri="{FF2B5EF4-FFF2-40B4-BE49-F238E27FC236}">
+                <a16:creationId xmlns:a16="http://schemas.microsoft.com/office/drawing/2014/main" id="{065FF50C-73AA-A1FF-9290-40CA948E0DEC}"/>
+              </a:ext>
+            </a:extLst>
+          </p:cNvPr>
+          <p:cNvSpPr/>
+          <p:nvPr/>
+        </p:nvSpPr>
+        <p:spPr>
+          <a:xfrm>
+            <a:off x="3927127" y="2466877"/>
+            <a:ext cx="705080" cy="311343"/>
+          </a:xfrm>
+          <a:prstGeom prst="rightArrow">
+            <a:avLst/>
+          </a:prstGeom>
+          <a:solidFill>
+            <a:schemeClr val="accent1">
+              <a:lumMod val="60000"/>
+              <a:lumOff val="40000"/>
+            </a:schemeClr>
+          </a:solidFill>
+          <a:ln w="38100">
+            <a:solidFill>
+              <a:schemeClr val="accent1">
+                <a:lumMod val="75000"/>
+              </a:schemeClr>
+            </a:solidFill>
+          </a:ln>
+        </p:spPr>
+        <p:style>
+          <a:lnRef idx="2">
+            <a:schemeClr val="accent1">
+              <a:shade val="50000"/>
+            </a:schemeClr>
+          </a:lnRef>
+          <a:fillRef idx="1">
+            <a:schemeClr val="accent1"/>
+          </a:fillRef>
+          <a:effectRef idx="0">
+            <a:schemeClr val="accent1"/>
+          </a:effectRef>
+          <a:fontRef idx="minor">
+            <a:schemeClr val="lt1"/>
+          </a:fontRef>
+        </p:style>
+        <p:txBody>
+          <a:bodyPr rtlCol="0" anchor="ctr"/>
+          <a:lstStyle/>
+          <a:p>
+            <a:pPr algn="ctr"/>
+            <a:endParaRPr lang="en-GB"/>
+          </a:p>
+        </p:txBody>
+      </p:sp>
+      <p:sp>
+        <p:nvSpPr>
+          <p:cNvPr id="10" name="Seta para a Direita 9">
+            <a:extLst>
+              <a:ext uri="{FF2B5EF4-FFF2-40B4-BE49-F238E27FC236}">
+                <a16:creationId xmlns:a16="http://schemas.microsoft.com/office/drawing/2014/main" id="{9AC0D933-7379-CA69-A5FD-09324B54ABE5}"/>
+              </a:ext>
+            </a:extLst>
+          </p:cNvPr>
+          <p:cNvSpPr/>
+          <p:nvPr/>
+        </p:nvSpPr>
+        <p:spPr>
+          <a:xfrm>
+            <a:off x="7748144" y="2466876"/>
+            <a:ext cx="705080" cy="311343"/>
+          </a:xfrm>
+          <a:prstGeom prst="rightArrow">
+            <a:avLst/>
+          </a:prstGeom>
+          <a:solidFill>
+            <a:schemeClr val="accent1">
+              <a:lumMod val="60000"/>
+              <a:lumOff val="40000"/>
+            </a:schemeClr>
+          </a:solidFill>
+          <a:ln w="38100">
+            <a:solidFill>
+              <a:schemeClr val="accent1">
+                <a:lumMod val="75000"/>
+              </a:schemeClr>
+            </a:solidFill>
+          </a:ln>
+        </p:spPr>
+        <p:style>
+          <a:lnRef idx="2">
+            <a:schemeClr val="accent1">
+              <a:shade val="50000"/>
+            </a:schemeClr>
+          </a:lnRef>
+          <a:fillRef idx="1">
+            <a:schemeClr val="accent1"/>
+          </a:fillRef>
+          <a:effectRef idx="0">
+            <a:schemeClr val="accent1"/>
+          </a:effectRef>
+          <a:fontRef idx="minor">
+            <a:schemeClr val="lt1"/>
+          </a:fontRef>
+        </p:style>
+        <p:txBody>
+          <a:bodyPr rtlCol="0" anchor="ctr"/>
+          <a:lstStyle/>
+          <a:p>
+            <a:pPr algn="ctr"/>
+            <a:endParaRPr lang="en-GB"/>
+          </a:p>
+        </p:txBody>
+      </p:sp>
     </p:spTree>
     <p:extLst>
       <p:ext uri="{BB962C8B-B14F-4D97-AF65-F5344CB8AC3E}">
-        <p14:creationId xmlns:p14="http://schemas.microsoft.com/office/powerpoint/2010/main" val="2159338900"/>
+        <p14:creationId xmlns:p14="http://schemas.microsoft.com/office/powerpoint/2010/main" val="858517607"/>
       </p:ext>
     </p:extLst>
   </p:cSld>
@@ -8466,141 +13383,22 @@
           <a:p>
             <a:r>
               <a:rPr lang="en-GB" dirty="0"/>
-              <a:t>Good practices</a:t>
-            </a:r>
-          </a:p>
-        </p:txBody>
-      </p:sp>
-      <p:sp>
-        <p:nvSpPr>
-          <p:cNvPr id="3" name="Subtítulo 2">
-            <a:extLst>
-              <a:ext uri="{FF2B5EF4-FFF2-40B4-BE49-F238E27FC236}">
-                <a16:creationId xmlns:a16="http://schemas.microsoft.com/office/drawing/2014/main" id="{717A8B4D-8CEE-D51D-5917-4538B5A34057}"/>
-              </a:ext>
-            </a:extLst>
-          </p:cNvPr>
-          <p:cNvSpPr>
-            <a:spLocks noGrp="1"/>
-          </p:cNvSpPr>
-          <p:nvPr>
-            <p:ph type="subTitle" idx="13"/>
-          </p:nvPr>
-        </p:nvSpPr>
-        <p:spPr/>
-        <p:txBody>
-          <a:bodyPr/>
-          <a:lstStyle/>
-          <a:p>
-            <a:pPr>
-              <a:lnSpc>
-                <a:spcPct val="100000"/>
-              </a:lnSpc>
-              <a:spcBef>
-                <a:spcPts val="1600"/>
-              </a:spcBef>
-            </a:pPr>
-            <a:r>
-              <a:rPr lang="en-GB" dirty="0"/>
-              <a:t>Code obfuscation</a:t>
-            </a:r>
-          </a:p>
-          <a:p>
-            <a:pPr>
-              <a:lnSpc>
-                <a:spcPct val="100000"/>
-              </a:lnSpc>
-              <a:spcBef>
-                <a:spcPts val="1600"/>
-              </a:spcBef>
-            </a:pPr>
-            <a:r>
-              <a:rPr lang="en-GB" dirty="0"/>
-              <a:t>Do not reuse code</a:t>
-            </a:r>
-          </a:p>
-          <a:p>
-            <a:pPr lvl="1">
-              <a:lnSpc>
-                <a:spcPct val="100000"/>
-              </a:lnSpc>
-            </a:pPr>
-            <a:r>
-              <a:rPr lang="en-GB" dirty="0"/>
-              <a:t>Neither toolkits, that is for Lammers</a:t>
-            </a:r>
-          </a:p>
-          <a:p>
-            <a:pPr>
-              <a:lnSpc>
-                <a:spcPct val="100000"/>
-              </a:lnSpc>
-            </a:pPr>
-            <a:r>
-              <a:rPr lang="en-GB" dirty="0"/>
-              <a:t>Define an architecture</a:t>
-            </a:r>
-          </a:p>
-          <a:p>
-            <a:pPr lvl="1">
-              <a:lnSpc>
-                <a:spcPct val="100000"/>
-              </a:lnSpc>
-            </a:pPr>
-            <a:r>
-              <a:rPr lang="en-GB" dirty="0"/>
-              <a:t>It is software, so it should be planned like a software</a:t>
-            </a:r>
-          </a:p>
-          <a:p>
-            <a:pPr>
-              <a:lnSpc>
-                <a:spcPct val="100000"/>
-              </a:lnSpc>
-              <a:spcBef>
-                <a:spcPts val="1600"/>
-              </a:spcBef>
-            </a:pPr>
-            <a:r>
-              <a:rPr lang="en-GB" dirty="0"/>
-              <a:t>Use Virtual Machine</a:t>
-            </a:r>
-          </a:p>
-          <a:p>
-            <a:pPr lvl="1">
-              <a:lnSpc>
-                <a:spcPct val="100000"/>
-              </a:lnSpc>
-            </a:pPr>
-            <a:r>
-              <a:rPr lang="en-GB" dirty="0"/>
-              <a:t>Disconnected from the web</a:t>
-            </a:r>
-          </a:p>
-          <a:p>
-            <a:pPr lvl="1">
-              <a:lnSpc>
-                <a:spcPct val="100000"/>
-              </a:lnSpc>
-            </a:pPr>
-            <a:r>
-              <a:rPr lang="en-GB" dirty="0"/>
-              <a:t>But for this workshop, we can use your local computer</a:t>
+              <a:t>So, what is a ransomware?</a:t>
             </a:r>
           </a:p>
         </p:txBody>
       </p:sp>
       <p:pic>
         <p:nvPicPr>
-          <p:cNvPr id="4" name="Imagem 3">
-            <a:extLst>
-              <a:ext uri="{FF2B5EF4-FFF2-40B4-BE49-F238E27FC236}">
-                <a16:creationId xmlns:a16="http://schemas.microsoft.com/office/drawing/2014/main" id="{0EAA96F2-D30E-DCF9-C35D-44D03D2F098C}"/>
+          <p:cNvPr id="2051" name="Picture 3">
+            <a:extLst>
+              <a:ext uri="{FF2B5EF4-FFF2-40B4-BE49-F238E27FC236}">
+                <a16:creationId xmlns:a16="http://schemas.microsoft.com/office/drawing/2014/main" id="{F233BF0C-6EA1-41BA-A80F-70808476523C}"/>
               </a:ext>
             </a:extLst>
           </p:cNvPr>
           <p:cNvPicPr>
-            <a:picLocks noChangeAspect="1"/>
+            <a:picLocks noChangeAspect="1" noChangeArrowheads="1"/>
           </p:cNvPicPr>
           <p:nvPr/>
         </p:nvPicPr>
@@ -8612,31 +13410,42 @@
               </a:ext>
             </a:extLst>
           </a:blip>
+          <a:srcRect/>
           <a:stretch>
             <a:fillRect/>
           </a:stretch>
         </p:blipFill>
-        <p:spPr>
-          <a:xfrm>
-            <a:off x="2602454" y="6371432"/>
-            <a:ext cx="438377" cy="338320"/>
+        <p:spPr bwMode="auto">
+          <a:xfrm>
+            <a:off x="1784808" y="1816099"/>
+            <a:ext cx="1498600" cy="1612901"/>
           </a:xfrm>
           <a:prstGeom prst="rect">
             <a:avLst/>
           </a:prstGeom>
+          <a:noFill/>
+          <a:extLst>
+            <a:ext uri="{909E8E84-426E-40DD-AFC4-6F175D3DCCD1}">
+              <a14:hiddenFill xmlns:a14="http://schemas.microsoft.com/office/drawing/2010/main">
+                <a:solidFill>
+                  <a:srgbClr val="FFFFFF"/>
+                </a:solidFill>
+              </a14:hiddenFill>
+            </a:ext>
+          </a:extLst>
         </p:spPr>
       </p:pic>
       <p:pic>
         <p:nvPicPr>
-          <p:cNvPr id="5" name="Imagem 4">
-            <a:extLst>
-              <a:ext uri="{FF2B5EF4-FFF2-40B4-BE49-F238E27FC236}">
-                <a16:creationId xmlns:a16="http://schemas.microsoft.com/office/drawing/2014/main" id="{F5CA5EFD-B561-B0DC-C995-6447DDA18C62}"/>
+          <p:cNvPr id="2055" name="Picture 7">
+            <a:extLst>
+              <a:ext uri="{FF2B5EF4-FFF2-40B4-BE49-F238E27FC236}">
+                <a16:creationId xmlns:a16="http://schemas.microsoft.com/office/drawing/2014/main" id="{DC00EF7D-426E-0701-064A-6237FD3B676C}"/>
               </a:ext>
             </a:extLst>
           </p:cNvPr>
           <p:cNvPicPr>
-            <a:picLocks noChangeAspect="1"/>
+            <a:picLocks noChangeAspect="1" noChangeArrowheads="1"/>
           </p:cNvPicPr>
           <p:nvPr/>
         </p:nvPicPr>
@@ -8648,24 +13457,315 @@
               </a:ext>
             </a:extLst>
           </a:blip>
+          <a:srcRect/>
           <a:stretch>
             <a:fillRect/>
           </a:stretch>
         </p:blipFill>
-        <p:spPr>
-          <a:xfrm>
-            <a:off x="1747844" y="6337055"/>
-            <a:ext cx="836680" cy="407074"/>
+        <p:spPr bwMode="auto">
+          <a:xfrm>
+            <a:off x="5237756" y="1854200"/>
+            <a:ext cx="1549400" cy="1536701"/>
           </a:xfrm>
           <a:prstGeom prst="rect">
             <a:avLst/>
           </a:prstGeom>
+          <a:noFill/>
+          <a:extLst>
+            <a:ext uri="{909E8E84-426E-40DD-AFC4-6F175D3DCCD1}">
+              <a14:hiddenFill xmlns:a14="http://schemas.microsoft.com/office/drawing/2010/main">
+                <a:solidFill>
+                  <a:srgbClr val="FFFFFF"/>
+                </a:solidFill>
+              </a14:hiddenFill>
+            </a:ext>
+          </a:extLst>
         </p:spPr>
       </p:pic>
+      <p:grpSp>
+        <p:nvGrpSpPr>
+          <p:cNvPr id="6" name="Agrupar 5">
+            <a:extLst>
+              <a:ext uri="{FF2B5EF4-FFF2-40B4-BE49-F238E27FC236}">
+                <a16:creationId xmlns:a16="http://schemas.microsoft.com/office/drawing/2014/main" id="{A18C7429-3CD4-E8C8-A83A-30E97AAAF619}"/>
+              </a:ext>
+            </a:extLst>
+          </p:cNvPr>
+          <p:cNvGrpSpPr/>
+          <p:nvPr/>
+        </p:nvGrpSpPr>
+        <p:grpSpPr>
+          <a:xfrm>
+            <a:off x="8741504" y="1980701"/>
+            <a:ext cx="1657384" cy="1283695"/>
+            <a:chOff x="5941977" y="2918415"/>
+            <a:chExt cx="1657384" cy="1283695"/>
+          </a:xfrm>
+        </p:grpSpPr>
+        <p:pic>
+          <p:nvPicPr>
+            <p:cNvPr id="2059" name="Picture 11">
+              <a:extLst>
+                <a:ext uri="{FF2B5EF4-FFF2-40B4-BE49-F238E27FC236}">
+                  <a16:creationId xmlns:a16="http://schemas.microsoft.com/office/drawing/2014/main" id="{D3A1C36F-5BA3-6B7C-06ED-00C1C9B2CB5B}"/>
+                </a:ext>
+              </a:extLst>
+            </p:cNvPr>
+            <p:cNvPicPr>
+              <a:picLocks noChangeAspect="1" noChangeArrowheads="1"/>
+            </p:cNvPicPr>
+            <p:nvPr/>
+          </p:nvPicPr>
+          <p:blipFill>
+            <a:blip r:embed="rId4">
+              <a:extLst>
+                <a:ext uri="{28A0092B-C50C-407E-A947-70E740481C1C}">
+                  <a14:useLocalDpi xmlns:a14="http://schemas.microsoft.com/office/drawing/2010/main" val="0"/>
+                </a:ext>
+              </a:extLst>
+            </a:blip>
+            <a:srcRect/>
+            <a:stretch>
+              <a:fillRect/>
+            </a:stretch>
+          </p:blipFill>
+          <p:spPr bwMode="auto">
+            <a:xfrm>
+              <a:off x="6329361" y="2918415"/>
+              <a:ext cx="1270000" cy="1193800"/>
+            </a:xfrm>
+            <a:prstGeom prst="rect">
+              <a:avLst/>
+            </a:prstGeom>
+            <a:noFill/>
+            <a:extLst>
+              <a:ext uri="{909E8E84-426E-40DD-AFC4-6F175D3DCCD1}">
+                <a14:hiddenFill xmlns:a14="http://schemas.microsoft.com/office/drawing/2010/main">
+                  <a:solidFill>
+                    <a:srgbClr val="FFFFFF"/>
+                  </a:solidFill>
+                </a14:hiddenFill>
+              </a:ext>
+            </a:extLst>
+          </p:spPr>
+        </p:pic>
+        <p:pic>
+          <p:nvPicPr>
+            <p:cNvPr id="2057" name="Picture 9">
+              <a:extLst>
+                <a:ext uri="{FF2B5EF4-FFF2-40B4-BE49-F238E27FC236}">
+                  <a16:creationId xmlns:a16="http://schemas.microsoft.com/office/drawing/2014/main" id="{3825F040-F3D4-34CF-B8C2-F1D8F7CC8A06}"/>
+                </a:ext>
+              </a:extLst>
+            </p:cNvPr>
+            <p:cNvPicPr>
+              <a:picLocks noChangeAspect="1" noChangeArrowheads="1"/>
+            </p:cNvPicPr>
+            <p:nvPr/>
+          </p:nvPicPr>
+          <p:blipFill>
+            <a:blip r:embed="rId5">
+              <a:extLst>
+                <a:ext uri="{28A0092B-C50C-407E-A947-70E740481C1C}">
+                  <a14:useLocalDpi xmlns:a14="http://schemas.microsoft.com/office/drawing/2010/main" val="0"/>
+                </a:ext>
+              </a:extLst>
+            </a:blip>
+            <a:srcRect/>
+            <a:stretch>
+              <a:fillRect/>
+            </a:stretch>
+          </p:blipFill>
+          <p:spPr bwMode="auto">
+            <a:xfrm>
+              <a:off x="5941977" y="3109910"/>
+              <a:ext cx="1155700" cy="1092200"/>
+            </a:xfrm>
+            <a:prstGeom prst="rect">
+              <a:avLst/>
+            </a:prstGeom>
+            <a:noFill/>
+            <a:extLst>
+              <a:ext uri="{909E8E84-426E-40DD-AFC4-6F175D3DCCD1}">
+                <a14:hiddenFill xmlns:a14="http://schemas.microsoft.com/office/drawing/2010/main">
+                  <a:solidFill>
+                    <a:srgbClr val="FFFFFF"/>
+                  </a:solidFill>
+                </a14:hiddenFill>
+              </a:ext>
+            </a:extLst>
+          </p:spPr>
+        </p:pic>
+      </p:grpSp>
+      <p:pic>
+        <p:nvPicPr>
+          <p:cNvPr id="2061" name="Picture 13">
+            <a:extLst>
+              <a:ext uri="{FF2B5EF4-FFF2-40B4-BE49-F238E27FC236}">
+                <a16:creationId xmlns:a16="http://schemas.microsoft.com/office/drawing/2014/main" id="{963F5039-C3CF-1BD1-7A0A-3A22AE6A49DA}"/>
+              </a:ext>
+            </a:extLst>
+          </p:cNvPr>
+          <p:cNvPicPr>
+            <a:picLocks noChangeAspect="1" noChangeArrowheads="1"/>
+          </p:cNvPicPr>
+          <p:nvPr/>
+        </p:nvPicPr>
+        <p:blipFill>
+          <a:blip r:embed="rId6">
+            <a:extLst>
+              <a:ext uri="{28A0092B-C50C-407E-A947-70E740481C1C}">
+                <a14:useLocalDpi xmlns:a14="http://schemas.microsoft.com/office/drawing/2010/main" val="0"/>
+              </a:ext>
+            </a:extLst>
+          </a:blip>
+          <a:srcRect/>
+          <a:stretch>
+            <a:fillRect/>
+          </a:stretch>
+        </p:blipFill>
+        <p:spPr bwMode="auto">
+          <a:xfrm>
+            <a:off x="9557496" y="2622547"/>
+            <a:ext cx="1181100" cy="1168400"/>
+          </a:xfrm>
+          <a:prstGeom prst="rect">
+            <a:avLst/>
+          </a:prstGeom>
+          <a:noFill/>
+          <a:extLst>
+            <a:ext uri="{909E8E84-426E-40DD-AFC4-6F175D3DCCD1}">
+              <a14:hiddenFill xmlns:a14="http://schemas.microsoft.com/office/drawing/2010/main">
+                <a:solidFill>
+                  <a:srgbClr val="FFFFFF"/>
+                </a:solidFill>
+              </a14:hiddenFill>
+            </a:ext>
+          </a:extLst>
+        </p:spPr>
+      </p:pic>
+      <p:sp>
+        <p:nvSpPr>
+          <p:cNvPr id="8" name="Seta para a Direita 7">
+            <a:extLst>
+              <a:ext uri="{FF2B5EF4-FFF2-40B4-BE49-F238E27FC236}">
+                <a16:creationId xmlns:a16="http://schemas.microsoft.com/office/drawing/2014/main" id="{065FF50C-73AA-A1FF-9290-40CA948E0DEC}"/>
+              </a:ext>
+            </a:extLst>
+          </p:cNvPr>
+          <p:cNvSpPr/>
+          <p:nvPr/>
+        </p:nvSpPr>
+        <p:spPr>
+          <a:xfrm>
+            <a:off x="3927127" y="2466877"/>
+            <a:ext cx="705080" cy="311343"/>
+          </a:xfrm>
+          <a:prstGeom prst="rightArrow">
+            <a:avLst/>
+          </a:prstGeom>
+          <a:solidFill>
+            <a:schemeClr val="accent1">
+              <a:lumMod val="60000"/>
+              <a:lumOff val="40000"/>
+            </a:schemeClr>
+          </a:solidFill>
+          <a:ln w="38100">
+            <a:solidFill>
+              <a:schemeClr val="accent1">
+                <a:lumMod val="75000"/>
+              </a:schemeClr>
+            </a:solidFill>
+          </a:ln>
+        </p:spPr>
+        <p:style>
+          <a:lnRef idx="2">
+            <a:schemeClr val="accent1">
+              <a:shade val="50000"/>
+            </a:schemeClr>
+          </a:lnRef>
+          <a:fillRef idx="1">
+            <a:schemeClr val="accent1"/>
+          </a:fillRef>
+          <a:effectRef idx="0">
+            <a:schemeClr val="accent1"/>
+          </a:effectRef>
+          <a:fontRef idx="minor">
+            <a:schemeClr val="lt1"/>
+          </a:fontRef>
+        </p:style>
+        <p:txBody>
+          <a:bodyPr rtlCol="0" anchor="ctr"/>
+          <a:lstStyle/>
+          <a:p>
+            <a:pPr algn="ctr"/>
+            <a:endParaRPr lang="en-GB"/>
+          </a:p>
+        </p:txBody>
+      </p:sp>
+      <p:sp>
+        <p:nvSpPr>
+          <p:cNvPr id="10" name="Seta para a Direita 9">
+            <a:extLst>
+              <a:ext uri="{FF2B5EF4-FFF2-40B4-BE49-F238E27FC236}">
+                <a16:creationId xmlns:a16="http://schemas.microsoft.com/office/drawing/2014/main" id="{9AC0D933-7379-CA69-A5FD-09324B54ABE5}"/>
+              </a:ext>
+            </a:extLst>
+          </p:cNvPr>
+          <p:cNvSpPr/>
+          <p:nvPr/>
+        </p:nvSpPr>
+        <p:spPr>
+          <a:xfrm>
+            <a:off x="7748144" y="2466876"/>
+            <a:ext cx="705080" cy="311343"/>
+          </a:xfrm>
+          <a:prstGeom prst="rightArrow">
+            <a:avLst/>
+          </a:prstGeom>
+          <a:solidFill>
+            <a:schemeClr val="accent1">
+              <a:lumMod val="60000"/>
+              <a:lumOff val="40000"/>
+            </a:schemeClr>
+          </a:solidFill>
+          <a:ln w="38100">
+            <a:solidFill>
+              <a:schemeClr val="accent1">
+                <a:lumMod val="75000"/>
+              </a:schemeClr>
+            </a:solidFill>
+          </a:ln>
+        </p:spPr>
+        <p:style>
+          <a:lnRef idx="2">
+            <a:schemeClr val="accent1">
+              <a:shade val="50000"/>
+            </a:schemeClr>
+          </a:lnRef>
+          <a:fillRef idx="1">
+            <a:schemeClr val="accent1"/>
+          </a:fillRef>
+          <a:effectRef idx="0">
+            <a:schemeClr val="accent1"/>
+          </a:effectRef>
+          <a:fontRef idx="minor">
+            <a:schemeClr val="lt1"/>
+          </a:fontRef>
+        </p:style>
+        <p:txBody>
+          <a:bodyPr rtlCol="0" anchor="ctr"/>
+          <a:lstStyle/>
+          <a:p>
+            <a:pPr algn="ctr"/>
+            <a:endParaRPr lang="en-GB"/>
+          </a:p>
+        </p:txBody>
+      </p:sp>
     </p:spTree>
     <p:extLst>
       <p:ext uri="{BB962C8B-B14F-4D97-AF65-F5344CB8AC3E}">
-        <p14:creationId xmlns:p14="http://schemas.microsoft.com/office/powerpoint/2010/main" val="288484117"/>
+        <p14:creationId xmlns:p14="http://schemas.microsoft.com/office/powerpoint/2010/main" val="360513972"/>
       </p:ext>
     </p:extLst>
   </p:cSld>
@@ -8715,64 +13815,430 @@
           <a:p>
             <a:r>
               <a:rPr lang="en-GB" dirty="0"/>
-              <a:t>Let’s make a malware</a:t>
-            </a:r>
-            <a:br>
-              <a:rPr lang="en-GB" dirty="0"/>
-            </a:br>
-            <a:r>
-              <a:rPr lang="en-GB" sz="2800" dirty="0">
-                <a:solidFill>
-                  <a:schemeClr val="bg1">
-                    <a:lumMod val="50000"/>
-                  </a:schemeClr>
-                </a:solidFill>
-              </a:rPr>
-              <a:t>Architecture</a:t>
-            </a:r>
-            <a:endParaRPr lang="en-GB" dirty="0"/>
-          </a:p>
-        </p:txBody>
-      </p:sp>
-      <p:sp>
-        <p:nvSpPr>
-          <p:cNvPr id="3" name="Subtítulo 2">
-            <a:extLst>
-              <a:ext uri="{FF2B5EF4-FFF2-40B4-BE49-F238E27FC236}">
-                <a16:creationId xmlns:a16="http://schemas.microsoft.com/office/drawing/2014/main" id="{717A8B4D-8CEE-D51D-5917-4538B5A34057}"/>
-              </a:ext>
-            </a:extLst>
-          </p:cNvPr>
-          <p:cNvSpPr>
-            <a:spLocks noGrp="1"/>
-          </p:cNvSpPr>
-          <p:nvPr>
-            <p:ph type="subTitle" idx="13"/>
-          </p:nvPr>
-        </p:nvSpPr>
-        <p:spPr/>
-        <p:txBody>
-          <a:bodyPr/>
-          <a:lstStyle/>
-          <a:p>
-            <a:pPr>
-              <a:lnSpc>
-                <a:spcPct val="150000"/>
-              </a:lnSpc>
-            </a:pPr>
-            <a:r>
-              <a:rPr lang="en-GB" dirty="0"/>
-              <a:t>To do</a:t>
+              <a:t>So, what is a ransomware?</a:t>
             </a:r>
           </a:p>
         </p:txBody>
       </p:sp>
       <p:pic>
         <p:nvPicPr>
-          <p:cNvPr id="4" name="Imagem 3">
-            <a:extLst>
-              <a:ext uri="{FF2B5EF4-FFF2-40B4-BE49-F238E27FC236}">
-                <a16:creationId xmlns:a16="http://schemas.microsoft.com/office/drawing/2014/main" id="{0EAA96F2-D30E-DCF9-C35D-44D03D2F098C}"/>
+          <p:cNvPr id="2051" name="Picture 3">
+            <a:extLst>
+              <a:ext uri="{FF2B5EF4-FFF2-40B4-BE49-F238E27FC236}">
+                <a16:creationId xmlns:a16="http://schemas.microsoft.com/office/drawing/2014/main" id="{F233BF0C-6EA1-41BA-A80F-70808476523C}"/>
+              </a:ext>
+            </a:extLst>
+          </p:cNvPr>
+          <p:cNvPicPr>
+            <a:picLocks noChangeAspect="1" noChangeArrowheads="1"/>
+          </p:cNvPicPr>
+          <p:nvPr/>
+        </p:nvPicPr>
+        <p:blipFill>
+          <a:blip r:embed="rId2">
+            <a:extLst>
+              <a:ext uri="{28A0092B-C50C-407E-A947-70E740481C1C}">
+                <a14:useLocalDpi xmlns:a14="http://schemas.microsoft.com/office/drawing/2010/main" val="0"/>
+              </a:ext>
+            </a:extLst>
+          </a:blip>
+          <a:srcRect/>
+          <a:stretch>
+            <a:fillRect/>
+          </a:stretch>
+        </p:blipFill>
+        <p:spPr bwMode="auto">
+          <a:xfrm>
+            <a:off x="1784808" y="1816099"/>
+            <a:ext cx="1498600" cy="1612901"/>
+          </a:xfrm>
+          <a:prstGeom prst="rect">
+            <a:avLst/>
+          </a:prstGeom>
+          <a:noFill/>
+          <a:extLst>
+            <a:ext uri="{909E8E84-426E-40DD-AFC4-6F175D3DCCD1}">
+              <a14:hiddenFill xmlns:a14="http://schemas.microsoft.com/office/drawing/2010/main">
+                <a:solidFill>
+                  <a:srgbClr val="FFFFFF"/>
+                </a:solidFill>
+              </a14:hiddenFill>
+            </a:ext>
+          </a:extLst>
+        </p:spPr>
+      </p:pic>
+      <p:pic>
+        <p:nvPicPr>
+          <p:cNvPr id="2055" name="Picture 7">
+            <a:extLst>
+              <a:ext uri="{FF2B5EF4-FFF2-40B4-BE49-F238E27FC236}">
+                <a16:creationId xmlns:a16="http://schemas.microsoft.com/office/drawing/2014/main" id="{DC00EF7D-426E-0701-064A-6237FD3B676C}"/>
+              </a:ext>
+            </a:extLst>
+          </p:cNvPr>
+          <p:cNvPicPr>
+            <a:picLocks noChangeAspect="1" noChangeArrowheads="1"/>
+          </p:cNvPicPr>
+          <p:nvPr/>
+        </p:nvPicPr>
+        <p:blipFill>
+          <a:blip r:embed="rId3">
+            <a:extLst>
+              <a:ext uri="{28A0092B-C50C-407E-A947-70E740481C1C}">
+                <a14:useLocalDpi xmlns:a14="http://schemas.microsoft.com/office/drawing/2010/main" val="0"/>
+              </a:ext>
+            </a:extLst>
+          </a:blip>
+          <a:srcRect/>
+          <a:stretch>
+            <a:fillRect/>
+          </a:stretch>
+        </p:blipFill>
+        <p:spPr bwMode="auto">
+          <a:xfrm>
+            <a:off x="5237756" y="1854200"/>
+            <a:ext cx="1549400" cy="1536701"/>
+          </a:xfrm>
+          <a:prstGeom prst="rect">
+            <a:avLst/>
+          </a:prstGeom>
+          <a:noFill/>
+          <a:extLst>
+            <a:ext uri="{909E8E84-426E-40DD-AFC4-6F175D3DCCD1}">
+              <a14:hiddenFill xmlns:a14="http://schemas.microsoft.com/office/drawing/2010/main">
+                <a:solidFill>
+                  <a:srgbClr val="FFFFFF"/>
+                </a:solidFill>
+              </a14:hiddenFill>
+            </a:ext>
+          </a:extLst>
+        </p:spPr>
+      </p:pic>
+      <p:grpSp>
+        <p:nvGrpSpPr>
+          <p:cNvPr id="6" name="Agrupar 5">
+            <a:extLst>
+              <a:ext uri="{FF2B5EF4-FFF2-40B4-BE49-F238E27FC236}">
+                <a16:creationId xmlns:a16="http://schemas.microsoft.com/office/drawing/2014/main" id="{A18C7429-3CD4-E8C8-A83A-30E97AAAF619}"/>
+              </a:ext>
+            </a:extLst>
+          </p:cNvPr>
+          <p:cNvGrpSpPr/>
+          <p:nvPr/>
+        </p:nvGrpSpPr>
+        <p:grpSpPr>
+          <a:xfrm>
+            <a:off x="8741504" y="1980701"/>
+            <a:ext cx="1657384" cy="1283695"/>
+            <a:chOff x="5941977" y="2918415"/>
+            <a:chExt cx="1657384" cy="1283695"/>
+          </a:xfrm>
+        </p:grpSpPr>
+        <p:pic>
+          <p:nvPicPr>
+            <p:cNvPr id="2059" name="Picture 11">
+              <a:extLst>
+                <a:ext uri="{FF2B5EF4-FFF2-40B4-BE49-F238E27FC236}">
+                  <a16:creationId xmlns:a16="http://schemas.microsoft.com/office/drawing/2014/main" id="{D3A1C36F-5BA3-6B7C-06ED-00C1C9B2CB5B}"/>
+                </a:ext>
+              </a:extLst>
+            </p:cNvPr>
+            <p:cNvPicPr>
+              <a:picLocks noChangeAspect="1" noChangeArrowheads="1"/>
+            </p:cNvPicPr>
+            <p:nvPr/>
+          </p:nvPicPr>
+          <p:blipFill>
+            <a:blip r:embed="rId4">
+              <a:extLst>
+                <a:ext uri="{28A0092B-C50C-407E-A947-70E740481C1C}">
+                  <a14:useLocalDpi xmlns:a14="http://schemas.microsoft.com/office/drawing/2010/main" val="0"/>
+                </a:ext>
+              </a:extLst>
+            </a:blip>
+            <a:srcRect/>
+            <a:stretch>
+              <a:fillRect/>
+            </a:stretch>
+          </p:blipFill>
+          <p:spPr bwMode="auto">
+            <a:xfrm>
+              <a:off x="6329361" y="2918415"/>
+              <a:ext cx="1270000" cy="1193800"/>
+            </a:xfrm>
+            <a:prstGeom prst="rect">
+              <a:avLst/>
+            </a:prstGeom>
+            <a:noFill/>
+            <a:extLst>
+              <a:ext uri="{909E8E84-426E-40DD-AFC4-6F175D3DCCD1}">
+                <a14:hiddenFill xmlns:a14="http://schemas.microsoft.com/office/drawing/2010/main">
+                  <a:solidFill>
+                    <a:srgbClr val="FFFFFF"/>
+                  </a:solidFill>
+                </a14:hiddenFill>
+              </a:ext>
+            </a:extLst>
+          </p:spPr>
+        </p:pic>
+        <p:pic>
+          <p:nvPicPr>
+            <p:cNvPr id="2057" name="Picture 9">
+              <a:extLst>
+                <a:ext uri="{FF2B5EF4-FFF2-40B4-BE49-F238E27FC236}">
+                  <a16:creationId xmlns:a16="http://schemas.microsoft.com/office/drawing/2014/main" id="{3825F040-F3D4-34CF-B8C2-F1D8F7CC8A06}"/>
+                </a:ext>
+              </a:extLst>
+            </p:cNvPr>
+            <p:cNvPicPr>
+              <a:picLocks noChangeAspect="1" noChangeArrowheads="1"/>
+            </p:cNvPicPr>
+            <p:nvPr/>
+          </p:nvPicPr>
+          <p:blipFill>
+            <a:blip r:embed="rId5">
+              <a:extLst>
+                <a:ext uri="{28A0092B-C50C-407E-A947-70E740481C1C}">
+                  <a14:useLocalDpi xmlns:a14="http://schemas.microsoft.com/office/drawing/2010/main" val="0"/>
+                </a:ext>
+              </a:extLst>
+            </a:blip>
+            <a:srcRect/>
+            <a:stretch>
+              <a:fillRect/>
+            </a:stretch>
+          </p:blipFill>
+          <p:spPr bwMode="auto">
+            <a:xfrm>
+              <a:off x="5941977" y="3109910"/>
+              <a:ext cx="1155700" cy="1092200"/>
+            </a:xfrm>
+            <a:prstGeom prst="rect">
+              <a:avLst/>
+            </a:prstGeom>
+            <a:noFill/>
+            <a:extLst>
+              <a:ext uri="{909E8E84-426E-40DD-AFC4-6F175D3DCCD1}">
+                <a14:hiddenFill xmlns:a14="http://schemas.microsoft.com/office/drawing/2010/main">
+                  <a:solidFill>
+                    <a:srgbClr val="FFFFFF"/>
+                  </a:solidFill>
+                </a14:hiddenFill>
+              </a:ext>
+            </a:extLst>
+          </p:spPr>
+        </p:pic>
+      </p:grpSp>
+      <p:pic>
+        <p:nvPicPr>
+          <p:cNvPr id="2061" name="Picture 13">
+            <a:extLst>
+              <a:ext uri="{FF2B5EF4-FFF2-40B4-BE49-F238E27FC236}">
+                <a16:creationId xmlns:a16="http://schemas.microsoft.com/office/drawing/2014/main" id="{963F5039-C3CF-1BD1-7A0A-3A22AE6A49DA}"/>
+              </a:ext>
+            </a:extLst>
+          </p:cNvPr>
+          <p:cNvPicPr>
+            <a:picLocks noChangeAspect="1" noChangeArrowheads="1"/>
+          </p:cNvPicPr>
+          <p:nvPr/>
+        </p:nvPicPr>
+        <p:blipFill>
+          <a:blip r:embed="rId6">
+            <a:extLst>
+              <a:ext uri="{28A0092B-C50C-407E-A947-70E740481C1C}">
+                <a14:useLocalDpi xmlns:a14="http://schemas.microsoft.com/office/drawing/2010/main" val="0"/>
+              </a:ext>
+            </a:extLst>
+          </a:blip>
+          <a:srcRect/>
+          <a:stretch>
+            <a:fillRect/>
+          </a:stretch>
+        </p:blipFill>
+        <p:spPr bwMode="auto">
+          <a:xfrm>
+            <a:off x="9557496" y="2622547"/>
+            <a:ext cx="1181100" cy="1168400"/>
+          </a:xfrm>
+          <a:prstGeom prst="rect">
+            <a:avLst/>
+          </a:prstGeom>
+          <a:noFill/>
+          <a:extLst>
+            <a:ext uri="{909E8E84-426E-40DD-AFC4-6F175D3DCCD1}">
+              <a14:hiddenFill xmlns:a14="http://schemas.microsoft.com/office/drawing/2010/main">
+                <a:solidFill>
+                  <a:srgbClr val="FFFFFF"/>
+                </a:solidFill>
+              </a14:hiddenFill>
+            </a:ext>
+          </a:extLst>
+        </p:spPr>
+      </p:pic>
+      <p:sp>
+        <p:nvSpPr>
+          <p:cNvPr id="8" name="Seta para a Direita 7">
+            <a:extLst>
+              <a:ext uri="{FF2B5EF4-FFF2-40B4-BE49-F238E27FC236}">
+                <a16:creationId xmlns:a16="http://schemas.microsoft.com/office/drawing/2014/main" id="{065FF50C-73AA-A1FF-9290-40CA948E0DEC}"/>
+              </a:ext>
+            </a:extLst>
+          </p:cNvPr>
+          <p:cNvSpPr/>
+          <p:nvPr/>
+        </p:nvSpPr>
+        <p:spPr>
+          <a:xfrm>
+            <a:off x="3927127" y="2466877"/>
+            <a:ext cx="705080" cy="311343"/>
+          </a:xfrm>
+          <a:prstGeom prst="rightArrow">
+            <a:avLst/>
+          </a:prstGeom>
+          <a:solidFill>
+            <a:schemeClr val="accent1">
+              <a:lumMod val="60000"/>
+              <a:lumOff val="40000"/>
+            </a:schemeClr>
+          </a:solidFill>
+          <a:ln w="38100">
+            <a:solidFill>
+              <a:schemeClr val="accent1">
+                <a:lumMod val="75000"/>
+              </a:schemeClr>
+            </a:solidFill>
+          </a:ln>
+        </p:spPr>
+        <p:style>
+          <a:lnRef idx="2">
+            <a:schemeClr val="accent1">
+              <a:shade val="50000"/>
+            </a:schemeClr>
+          </a:lnRef>
+          <a:fillRef idx="1">
+            <a:schemeClr val="accent1"/>
+          </a:fillRef>
+          <a:effectRef idx="0">
+            <a:schemeClr val="accent1"/>
+          </a:effectRef>
+          <a:fontRef idx="minor">
+            <a:schemeClr val="lt1"/>
+          </a:fontRef>
+        </p:style>
+        <p:txBody>
+          <a:bodyPr rtlCol="0" anchor="ctr"/>
+          <a:lstStyle/>
+          <a:p>
+            <a:pPr algn="ctr"/>
+            <a:endParaRPr lang="en-GB"/>
+          </a:p>
+        </p:txBody>
+      </p:sp>
+      <p:sp>
+        <p:nvSpPr>
+          <p:cNvPr id="10" name="Seta para a Direita 9">
+            <a:extLst>
+              <a:ext uri="{FF2B5EF4-FFF2-40B4-BE49-F238E27FC236}">
+                <a16:creationId xmlns:a16="http://schemas.microsoft.com/office/drawing/2014/main" id="{9AC0D933-7379-CA69-A5FD-09324B54ABE5}"/>
+              </a:ext>
+            </a:extLst>
+          </p:cNvPr>
+          <p:cNvSpPr/>
+          <p:nvPr/>
+        </p:nvSpPr>
+        <p:spPr>
+          <a:xfrm>
+            <a:off x="7748144" y="2466876"/>
+            <a:ext cx="705080" cy="311343"/>
+          </a:xfrm>
+          <a:prstGeom prst="rightArrow">
+            <a:avLst/>
+          </a:prstGeom>
+          <a:solidFill>
+            <a:schemeClr val="accent1">
+              <a:lumMod val="60000"/>
+              <a:lumOff val="40000"/>
+            </a:schemeClr>
+          </a:solidFill>
+          <a:ln w="38100">
+            <a:solidFill>
+              <a:schemeClr val="accent1">
+                <a:lumMod val="75000"/>
+              </a:schemeClr>
+            </a:solidFill>
+          </a:ln>
+        </p:spPr>
+        <p:style>
+          <a:lnRef idx="2">
+            <a:schemeClr val="accent1">
+              <a:shade val="50000"/>
+            </a:schemeClr>
+          </a:lnRef>
+          <a:fillRef idx="1">
+            <a:schemeClr val="accent1"/>
+          </a:fillRef>
+          <a:effectRef idx="0">
+            <a:schemeClr val="accent1"/>
+          </a:effectRef>
+          <a:fontRef idx="minor">
+            <a:schemeClr val="lt1"/>
+          </a:fontRef>
+        </p:style>
+        <p:txBody>
+          <a:bodyPr rtlCol="0" anchor="ctr"/>
+          <a:lstStyle/>
+          <a:p>
+            <a:pPr algn="ctr"/>
+            <a:endParaRPr lang="en-GB"/>
+          </a:p>
+        </p:txBody>
+      </p:sp>
+      <p:cxnSp>
+        <p:nvCxnSpPr>
+          <p:cNvPr id="4" name="Conexão Reta 3">
+            <a:extLst>
+              <a:ext uri="{FF2B5EF4-FFF2-40B4-BE49-F238E27FC236}">
+                <a16:creationId xmlns:a16="http://schemas.microsoft.com/office/drawing/2014/main" id="{EDD889BA-8F78-A4EA-7EF5-B810AD040E9E}"/>
+              </a:ext>
+            </a:extLst>
+          </p:cNvPr>
+          <p:cNvCxnSpPr/>
+          <p:nvPr/>
+        </p:nvCxnSpPr>
+        <p:spPr>
+          <a:xfrm>
+            <a:off x="1244906" y="3790947"/>
+            <a:ext cx="9617725" cy="0"/>
+          </a:xfrm>
+          <a:prstGeom prst="line">
+            <a:avLst/>
+          </a:prstGeom>
+          <a:ln w="12700">
+            <a:prstDash val="dash"/>
+          </a:ln>
+        </p:spPr>
+        <p:style>
+          <a:lnRef idx="1">
+            <a:schemeClr val="accent1"/>
+          </a:lnRef>
+          <a:fillRef idx="0">
+            <a:schemeClr val="accent1"/>
+          </a:fillRef>
+          <a:effectRef idx="0">
+            <a:schemeClr val="accent1"/>
+          </a:effectRef>
+          <a:fontRef idx="minor">
+            <a:schemeClr val="tx1"/>
+          </a:fontRef>
+        </p:style>
+      </p:cxnSp>
+      <p:pic>
+        <p:nvPicPr>
+          <p:cNvPr id="7" name="Gráfico 6">
+            <a:extLst>
+              <a:ext uri="{FF2B5EF4-FFF2-40B4-BE49-F238E27FC236}">
+                <a16:creationId xmlns:a16="http://schemas.microsoft.com/office/drawing/2014/main" id="{6BE7B2F9-D1F2-0A82-ACFB-00BD330CF406}"/>
               </a:ext>
             </a:extLst>
           </p:cNvPr>
@@ -8782,10 +14248,13 @@
           <p:nvPr/>
         </p:nvPicPr>
         <p:blipFill>
-          <a:blip r:embed="rId2">
+          <a:blip r:embed="rId7">
             <a:extLst>
               <a:ext uri="{28A0092B-C50C-407E-A947-70E740481C1C}">
                 <a14:useLocalDpi xmlns:a14="http://schemas.microsoft.com/office/drawing/2010/main" val="0"/>
+              </a:ext>
+              <a:ext uri="{96DAC541-7B7A-43D3-8B79-37D633B846F1}">
+                <asvg:svgBlip xmlns:asvg="http://schemas.microsoft.com/office/drawing/2016/SVG/main" r:embed="rId8"/>
               </a:ext>
             </a:extLst>
           </a:blip>
@@ -8795,8 +14264,8 @@
         </p:blipFill>
         <p:spPr>
           <a:xfrm>
-            <a:off x="2602454" y="6371432"/>
-            <a:ext cx="438377" cy="338320"/>
+            <a:off x="2177607" y="4407394"/>
+            <a:ext cx="981074" cy="1308099"/>
           </a:xfrm>
           <a:prstGeom prst="rect">
             <a:avLst/>
@@ -8805,10 +14274,175 @@
       </p:pic>
       <p:pic>
         <p:nvPicPr>
-          <p:cNvPr id="5" name="Imagem 4">
-            <a:extLst>
-              <a:ext uri="{FF2B5EF4-FFF2-40B4-BE49-F238E27FC236}">
-                <a16:creationId xmlns:a16="http://schemas.microsoft.com/office/drawing/2014/main" id="{F5CA5EFD-B561-B0DC-C995-6447DDA18C62}"/>
+          <p:cNvPr id="16" name="Picture 13">
+            <a:extLst>
+              <a:ext uri="{FF2B5EF4-FFF2-40B4-BE49-F238E27FC236}">
+                <a16:creationId xmlns:a16="http://schemas.microsoft.com/office/drawing/2014/main" id="{09F0853D-86C8-51F8-7665-87889C0C45FF}"/>
+              </a:ext>
+            </a:extLst>
+          </p:cNvPr>
+          <p:cNvPicPr>
+            <a:picLocks noChangeAspect="1" noChangeArrowheads="1"/>
+          </p:cNvPicPr>
+          <p:nvPr/>
+        </p:nvPicPr>
+        <p:blipFill>
+          <a:blip r:embed="rId6">
+            <a:extLst>
+              <a:ext uri="{28A0092B-C50C-407E-A947-70E740481C1C}">
+                <a14:useLocalDpi xmlns:a14="http://schemas.microsoft.com/office/drawing/2010/main" val="0"/>
+              </a:ext>
+            </a:extLst>
+          </a:blip>
+          <a:srcRect/>
+          <a:stretch>
+            <a:fillRect/>
+          </a:stretch>
+        </p:blipFill>
+        <p:spPr bwMode="auto">
+          <a:xfrm>
+            <a:off x="5463218" y="4477586"/>
+            <a:ext cx="1181100" cy="1168400"/>
+          </a:xfrm>
+          <a:prstGeom prst="rect">
+            <a:avLst/>
+          </a:prstGeom>
+          <a:noFill/>
+          <a:extLst>
+            <a:ext uri="{909E8E84-426E-40DD-AFC4-6F175D3DCCD1}">
+              <a14:hiddenFill xmlns:a14="http://schemas.microsoft.com/office/drawing/2010/main">
+                <a:solidFill>
+                  <a:srgbClr val="FFFFFF"/>
+                </a:solidFill>
+              </a14:hiddenFill>
+            </a:ext>
+          </a:extLst>
+        </p:spPr>
+      </p:pic>
+      <p:sp>
+        <p:nvSpPr>
+          <p:cNvPr id="17" name="Seta para a Direita 16">
+            <a:extLst>
+              <a:ext uri="{FF2B5EF4-FFF2-40B4-BE49-F238E27FC236}">
+                <a16:creationId xmlns:a16="http://schemas.microsoft.com/office/drawing/2014/main" id="{BEDCE8BB-C518-BAE6-8700-FB7616849CC4}"/>
+              </a:ext>
+            </a:extLst>
+          </p:cNvPr>
+          <p:cNvSpPr/>
+          <p:nvPr/>
+        </p:nvSpPr>
+        <p:spPr>
+          <a:xfrm>
+            <a:off x="3927127" y="4884198"/>
+            <a:ext cx="705080" cy="311343"/>
+          </a:xfrm>
+          <a:prstGeom prst="rightArrow">
+            <a:avLst/>
+          </a:prstGeom>
+          <a:solidFill>
+            <a:schemeClr val="accent1">
+              <a:lumMod val="60000"/>
+              <a:lumOff val="40000"/>
+            </a:schemeClr>
+          </a:solidFill>
+          <a:ln w="38100">
+            <a:solidFill>
+              <a:schemeClr val="accent1">
+                <a:lumMod val="75000"/>
+              </a:schemeClr>
+            </a:solidFill>
+          </a:ln>
+        </p:spPr>
+        <p:style>
+          <a:lnRef idx="2">
+            <a:schemeClr val="accent1">
+              <a:shade val="50000"/>
+            </a:schemeClr>
+          </a:lnRef>
+          <a:fillRef idx="1">
+            <a:schemeClr val="accent1"/>
+          </a:fillRef>
+          <a:effectRef idx="0">
+            <a:schemeClr val="accent1"/>
+          </a:effectRef>
+          <a:fontRef idx="minor">
+            <a:schemeClr val="lt1"/>
+          </a:fontRef>
+        </p:style>
+        <p:txBody>
+          <a:bodyPr rtlCol="0" anchor="ctr"/>
+          <a:lstStyle/>
+          <a:p>
+            <a:pPr algn="ctr"/>
+            <a:endParaRPr lang="en-GB"/>
+          </a:p>
+        </p:txBody>
+      </p:sp>
+      <p:sp>
+        <p:nvSpPr>
+          <p:cNvPr id="18" name="Seta para a Direita 17">
+            <a:extLst>
+              <a:ext uri="{FF2B5EF4-FFF2-40B4-BE49-F238E27FC236}">
+                <a16:creationId xmlns:a16="http://schemas.microsoft.com/office/drawing/2014/main" id="{FACB57C6-B774-722A-5770-92CB157FFBCF}"/>
+              </a:ext>
+            </a:extLst>
+          </p:cNvPr>
+          <p:cNvSpPr/>
+          <p:nvPr/>
+        </p:nvSpPr>
+        <p:spPr>
+          <a:xfrm>
+            <a:off x="7748144" y="4884198"/>
+            <a:ext cx="705080" cy="311343"/>
+          </a:xfrm>
+          <a:prstGeom prst="rightArrow">
+            <a:avLst/>
+          </a:prstGeom>
+          <a:solidFill>
+            <a:schemeClr val="accent1">
+              <a:lumMod val="60000"/>
+              <a:lumOff val="40000"/>
+            </a:schemeClr>
+          </a:solidFill>
+          <a:ln w="38100">
+            <a:solidFill>
+              <a:schemeClr val="accent1">
+                <a:lumMod val="75000"/>
+              </a:schemeClr>
+            </a:solidFill>
+          </a:ln>
+        </p:spPr>
+        <p:style>
+          <a:lnRef idx="2">
+            <a:schemeClr val="accent1">
+              <a:shade val="50000"/>
+            </a:schemeClr>
+          </a:lnRef>
+          <a:fillRef idx="1">
+            <a:schemeClr val="accent1"/>
+          </a:fillRef>
+          <a:effectRef idx="0">
+            <a:schemeClr val="accent1"/>
+          </a:effectRef>
+          <a:fontRef idx="minor">
+            <a:schemeClr val="lt1"/>
+          </a:fontRef>
+        </p:style>
+        <p:txBody>
+          <a:bodyPr rtlCol="0" anchor="ctr"/>
+          <a:lstStyle/>
+          <a:p>
+            <a:pPr algn="ctr"/>
+            <a:endParaRPr lang="en-GB"/>
+          </a:p>
+        </p:txBody>
+      </p:sp>
+      <p:pic>
+        <p:nvPicPr>
+          <p:cNvPr id="11" name="Gráfico 10">
+            <a:extLst>
+              <a:ext uri="{FF2B5EF4-FFF2-40B4-BE49-F238E27FC236}">
+                <a16:creationId xmlns:a16="http://schemas.microsoft.com/office/drawing/2014/main" id="{38A26539-532B-D40B-C236-2AE956C2F91F}"/>
               </a:ext>
             </a:extLst>
           </p:cNvPr>
@@ -8818,10 +14452,13 @@
           <p:nvPr/>
         </p:nvPicPr>
         <p:blipFill>
-          <a:blip r:embed="rId3">
+          <a:blip r:embed="rId9">
             <a:extLst>
               <a:ext uri="{28A0092B-C50C-407E-A947-70E740481C1C}">
                 <a14:useLocalDpi xmlns:a14="http://schemas.microsoft.com/office/drawing/2010/main" val="0"/>
+              </a:ext>
+              <a:ext uri="{96DAC541-7B7A-43D3-8B79-37D633B846F1}">
+                <asvg:svgBlip xmlns:asvg="http://schemas.microsoft.com/office/drawing/2016/SVG/main" r:embed="rId10"/>
               </a:ext>
             </a:extLst>
           </a:blip>
@@ -8831,18 +14468,173 @@
         </p:blipFill>
         <p:spPr>
           <a:xfrm>
-            <a:off x="1747844" y="6337055"/>
-            <a:ext cx="836680" cy="407074"/>
+            <a:off x="9384420" y="4407394"/>
+            <a:ext cx="981074" cy="1308099"/>
           </a:xfrm>
           <a:prstGeom prst="rect">
             <a:avLst/>
           </a:prstGeom>
         </p:spPr>
       </p:pic>
+      <p:pic>
+        <p:nvPicPr>
+          <p:cNvPr id="6150" name="Picture 6">
+            <a:extLst>
+              <a:ext uri="{FF2B5EF4-FFF2-40B4-BE49-F238E27FC236}">
+                <a16:creationId xmlns:a16="http://schemas.microsoft.com/office/drawing/2014/main" id="{937E3E5F-2640-21A6-74F9-646B9E204CBF}"/>
+              </a:ext>
+            </a:extLst>
+          </p:cNvPr>
+          <p:cNvPicPr>
+            <a:picLocks noChangeAspect="1" noChangeArrowheads="1"/>
+          </p:cNvPicPr>
+          <p:nvPr/>
+        </p:nvPicPr>
+        <p:blipFill>
+          <a:blip r:embed="rId11">
+            <a:extLst>
+              <a:ext uri="{28A0092B-C50C-407E-A947-70E740481C1C}">
+                <a14:useLocalDpi xmlns:a14="http://schemas.microsoft.com/office/drawing/2010/main" val="0"/>
+              </a:ext>
+            </a:extLst>
+          </a:blip>
+          <a:srcRect/>
+          <a:stretch>
+            <a:fillRect/>
+          </a:stretch>
+        </p:blipFill>
+        <p:spPr bwMode="auto">
+          <a:xfrm>
+            <a:off x="9592427" y="4907280"/>
+            <a:ext cx="565060" cy="565060"/>
+          </a:xfrm>
+          <a:prstGeom prst="rect">
+            <a:avLst/>
+          </a:prstGeom>
+          <a:noFill/>
+          <a:extLst>
+            <a:ext uri="{909E8E84-426E-40DD-AFC4-6F175D3DCCD1}">
+              <a14:hiddenFill xmlns:a14="http://schemas.microsoft.com/office/drawing/2010/main">
+                <a:solidFill>
+                  <a:srgbClr val="FFFFFF"/>
+                </a:solidFill>
+              </a14:hiddenFill>
+            </a:ext>
+          </a:extLst>
+        </p:spPr>
+      </p:pic>
+      <p:sp>
+        <p:nvSpPr>
+          <p:cNvPr id="12" name="CaixaDeTexto 11">
+            <a:extLst>
+              <a:ext uri="{FF2B5EF4-FFF2-40B4-BE49-F238E27FC236}">
+                <a16:creationId xmlns:a16="http://schemas.microsoft.com/office/drawing/2014/main" id="{E599AA0B-D043-C57B-1C8C-E7026705A750}"/>
+              </a:ext>
+            </a:extLst>
+          </p:cNvPr>
+          <p:cNvSpPr txBox="1"/>
+          <p:nvPr/>
+        </p:nvSpPr>
+        <p:spPr>
+          <a:xfrm>
+            <a:off x="5247127" y="5726193"/>
+            <a:ext cx="1697746" cy="369332"/>
+          </a:xfrm>
+          <a:prstGeom prst="rect">
+            <a:avLst/>
+          </a:prstGeom>
+          <a:noFill/>
+        </p:spPr>
+        <p:txBody>
+          <a:bodyPr wrap="square" rtlCol="0">
+            <a:spAutoFit/>
+          </a:bodyPr>
+          <a:lstStyle/>
+          <a:p>
+            <a:pPr algn="ctr"/>
+            <a:r>
+              <a:rPr lang="en-GB" dirty="0"/>
+              <a:t>Ransomware</a:t>
+            </a:r>
+          </a:p>
+        </p:txBody>
+      </p:sp>
+      <p:sp>
+        <p:nvSpPr>
+          <p:cNvPr id="26" name="CaixaDeTexto 25">
+            <a:extLst>
+              <a:ext uri="{FF2B5EF4-FFF2-40B4-BE49-F238E27FC236}">
+                <a16:creationId xmlns:a16="http://schemas.microsoft.com/office/drawing/2014/main" id="{A19E36EA-5538-3F3E-E2AA-7D9A27346119}"/>
+              </a:ext>
+            </a:extLst>
+          </p:cNvPr>
+          <p:cNvSpPr txBox="1"/>
+          <p:nvPr/>
+        </p:nvSpPr>
+        <p:spPr>
+          <a:xfrm>
+            <a:off x="1819271" y="5720843"/>
+            <a:ext cx="1697746" cy="369332"/>
+          </a:xfrm>
+          <a:prstGeom prst="rect">
+            <a:avLst/>
+          </a:prstGeom>
+          <a:noFill/>
+        </p:spPr>
+        <p:txBody>
+          <a:bodyPr wrap="square" rtlCol="0">
+            <a:spAutoFit/>
+          </a:bodyPr>
+          <a:lstStyle/>
+          <a:p>
+            <a:pPr algn="ctr"/>
+            <a:r>
+              <a:rPr lang="en-GB" dirty="0"/>
+              <a:t>Files</a:t>
+            </a:r>
+          </a:p>
+        </p:txBody>
+      </p:sp>
+      <p:sp>
+        <p:nvSpPr>
+          <p:cNvPr id="27" name="CaixaDeTexto 26">
+            <a:extLst>
+              <a:ext uri="{FF2B5EF4-FFF2-40B4-BE49-F238E27FC236}">
+                <a16:creationId xmlns:a16="http://schemas.microsoft.com/office/drawing/2014/main" id="{AEA187CF-D8F3-3E4E-5D5E-81BD45B7C4A7}"/>
+              </a:ext>
+            </a:extLst>
+          </p:cNvPr>
+          <p:cNvSpPr txBox="1"/>
+          <p:nvPr/>
+        </p:nvSpPr>
+        <p:spPr>
+          <a:xfrm>
+            <a:off x="8945696" y="5715493"/>
+            <a:ext cx="1916935" cy="369332"/>
+          </a:xfrm>
+          <a:prstGeom prst="rect">
+            <a:avLst/>
+          </a:prstGeom>
+          <a:noFill/>
+        </p:spPr>
+        <p:txBody>
+          <a:bodyPr wrap="square" rtlCol="0">
+            <a:spAutoFit/>
+          </a:bodyPr>
+          <a:lstStyle/>
+          <a:p>
+            <a:pPr algn="ctr"/>
+            <a:r>
+              <a:rPr lang="en-GB" dirty="0"/>
+              <a:t>Encrypted Files</a:t>
+            </a:r>
+          </a:p>
+        </p:txBody>
+      </p:sp>
     </p:spTree>
     <p:extLst>
       <p:ext uri="{BB962C8B-B14F-4D97-AF65-F5344CB8AC3E}">
-        <p14:creationId xmlns:p14="http://schemas.microsoft.com/office/powerpoint/2010/main" val="2496797616"/>
+        <p14:creationId xmlns:p14="http://schemas.microsoft.com/office/powerpoint/2010/main" val="853322204"/>
       </p:ext>
     </p:extLst>
   </p:cSld>

--- a/presentation/Presentation.pptx
+++ b/presentation/Presentation.pptx
@@ -5,7 +5,7 @@
     <p:sldMasterId id="2147483648" r:id="rId1"/>
   </p:sldMasterIdLst>
   <p:notesMasterIdLst>
-    <p:notesMasterId r:id="rId30"/>
+    <p:notesMasterId r:id="rId31"/>
   </p:notesMasterIdLst>
   <p:sldIdLst>
     <p:sldId id="259" r:id="rId2"/>
@@ -19,23 +19,24 @@
     <p:sldId id="291" r:id="rId10"/>
     <p:sldId id="264" r:id="rId11"/>
     <p:sldId id="265" r:id="rId12"/>
-    <p:sldId id="268" r:id="rId13"/>
-    <p:sldId id="280" r:id="rId14"/>
-    <p:sldId id="262" r:id="rId15"/>
-    <p:sldId id="271" r:id="rId16"/>
-    <p:sldId id="274" r:id="rId17"/>
-    <p:sldId id="275" r:id="rId18"/>
-    <p:sldId id="292" r:id="rId19"/>
-    <p:sldId id="279" r:id="rId20"/>
-    <p:sldId id="272" r:id="rId21"/>
-    <p:sldId id="282" r:id="rId22"/>
-    <p:sldId id="283" r:id="rId23"/>
-    <p:sldId id="284" r:id="rId24"/>
-    <p:sldId id="281" r:id="rId25"/>
-    <p:sldId id="276" r:id="rId26"/>
-    <p:sldId id="278" r:id="rId27"/>
-    <p:sldId id="287" r:id="rId28"/>
-    <p:sldId id="286" r:id="rId29"/>
+    <p:sldId id="293" r:id="rId13"/>
+    <p:sldId id="268" r:id="rId14"/>
+    <p:sldId id="280" r:id="rId15"/>
+    <p:sldId id="262" r:id="rId16"/>
+    <p:sldId id="271" r:id="rId17"/>
+    <p:sldId id="274" r:id="rId18"/>
+    <p:sldId id="275" r:id="rId19"/>
+    <p:sldId id="292" r:id="rId20"/>
+    <p:sldId id="279" r:id="rId21"/>
+    <p:sldId id="272" r:id="rId22"/>
+    <p:sldId id="282" r:id="rId23"/>
+    <p:sldId id="283" r:id="rId24"/>
+    <p:sldId id="284" r:id="rId25"/>
+    <p:sldId id="281" r:id="rId26"/>
+    <p:sldId id="276" r:id="rId27"/>
+    <p:sldId id="278" r:id="rId28"/>
+    <p:sldId id="287" r:id="rId29"/>
+    <p:sldId id="286" r:id="rId30"/>
   </p:sldIdLst>
   <p:sldSz cx="12192000" cy="6858000"/>
   <p:notesSz cx="6858000" cy="9144000"/>
@@ -756,6 +757,90 @@
     <p:extLst>
       <p:ext uri="{BB962C8B-B14F-4D97-AF65-F5344CB8AC3E}">
         <p14:creationId xmlns:p14="http://schemas.microsoft.com/office/powerpoint/2010/main" val="2856276453"/>
+      </p:ext>
+    </p:extLst>
+  </p:cSld>
+  <p:clrMapOvr>
+    <a:masterClrMapping/>
+  </p:clrMapOvr>
+</p:notes>
+</file>
+
+<file path=ppt/notesSlides/notesSlide4.xml><?xml version="1.0" encoding="utf-8"?>
+<p:notes xmlns:a="http://schemas.openxmlformats.org/drawingml/2006/main" xmlns:r="http://schemas.openxmlformats.org/officeDocument/2006/relationships" xmlns:p="http://schemas.openxmlformats.org/presentationml/2006/main">
+  <p:cSld>
+    <p:spTree>
+      <p:nvGrpSpPr>
+        <p:cNvPr id="1" name=""/>
+        <p:cNvGrpSpPr/>
+        <p:nvPr/>
+      </p:nvGrpSpPr>
+      <p:grpSpPr>
+        <a:xfrm>
+          <a:off x="0" y="0"/>
+          <a:ext cx="0" cy="0"/>
+          <a:chOff x="0" y="0"/>
+          <a:chExt cx="0" cy="0"/>
+        </a:xfrm>
+      </p:grpSpPr>
+      <p:sp>
+        <p:nvSpPr>
+          <p:cNvPr id="2" name="Marcador de Posição da Imagem do Diapositivo 1"/>
+          <p:cNvSpPr>
+            <a:spLocks noGrp="1" noRot="1" noChangeAspect="1"/>
+          </p:cNvSpPr>
+          <p:nvPr>
+            <p:ph type="sldImg"/>
+          </p:nvPr>
+        </p:nvSpPr>
+        <p:spPr/>
+      </p:sp>
+      <p:sp>
+        <p:nvSpPr>
+          <p:cNvPr id="3" name="Marcador de Posição de Notas 2"/>
+          <p:cNvSpPr>
+            <a:spLocks noGrp="1"/>
+          </p:cNvSpPr>
+          <p:nvPr>
+            <p:ph type="body" idx="1"/>
+          </p:nvPr>
+        </p:nvSpPr>
+        <p:spPr/>
+        <p:txBody>
+          <a:bodyPr/>
+          <a:lstStyle/>
+          <a:p>
+            <a:endParaRPr lang="en-GB" dirty="0"/>
+          </a:p>
+        </p:txBody>
+      </p:sp>
+      <p:sp>
+        <p:nvSpPr>
+          <p:cNvPr id="4" name="Marcador de Posição do Número do Diapositivo 3"/>
+          <p:cNvSpPr>
+            <a:spLocks noGrp="1"/>
+          </p:cNvSpPr>
+          <p:nvPr>
+            <p:ph type="sldNum" sz="quarter" idx="5"/>
+          </p:nvPr>
+        </p:nvSpPr>
+        <p:spPr/>
+        <p:txBody>
+          <a:bodyPr/>
+          <a:lstStyle/>
+          <a:p>
+            <a:fld id="{862D1C96-AE65-4153-A540-555B06E2BF5D}" type="slidenum">
+              <a:rPr lang="pt-PT" smtClean="0"/>
+              <a:t>12</a:t>
+            </a:fld>
+            <a:endParaRPr lang="pt-PT"/>
+          </a:p>
+        </p:txBody>
+      </p:sp>
+    </p:spTree>
+    <p:extLst>
+      <p:ext uri="{BB962C8B-B14F-4D97-AF65-F5344CB8AC3E}">
+        <p14:creationId xmlns:p14="http://schemas.microsoft.com/office/powerpoint/2010/main" val="2065398526"/>
       </p:ext>
     </p:extLst>
   </p:cSld>
@@ -7247,7 +7332,7 @@
           <a:p>
             <a:r>
               <a:rPr lang="en-GB" dirty="0"/>
-              <a:t>Good practices</a:t>
+              <a:t>A bit of context…</a:t>
             </a:r>
           </a:p>
         </p:txBody>
@@ -7275,68 +7360,222 @@
           <a:p>
             <a:r>
               <a:rPr lang="en-GB" dirty="0"/>
-              <a:t>Code obfuscation</a:t>
-            </a:r>
-          </a:p>
-          <a:p>
+              <a:t>Procedure</a:t>
+            </a:r>
+          </a:p>
+          <a:p>
+            <a:pPr lvl="1"/>
             <a:r>
               <a:rPr lang="en-GB" dirty="0"/>
-              <a:t>Do not reuse code</a:t>
+              <a:t>Replace the original .exe file by the crack you got somewhere</a:t>
             </a:r>
           </a:p>
           <a:p>
             <a:pPr lvl="1"/>
             <a:r>
               <a:rPr lang="en-GB" dirty="0"/>
-              <a:t>Neither toolkits, that is for Lammers</a:t>
-            </a:r>
-          </a:p>
-          <a:p>
+              <a:t>Windows does not like it</a:t>
+            </a:r>
+          </a:p>
+          <a:p>
+            <a:pPr lvl="2"/>
             <a:r>
               <a:rPr lang="en-GB" dirty="0"/>
-              <a:t>Define an architecture</a:t>
-            </a:r>
-          </a:p>
-          <a:p>
-            <a:pPr lvl="1"/>
-            <a:r>
-              <a:rPr lang="en-GB" dirty="0"/>
-              <a:t>It is software, so it should be planned like a software</a:t>
-            </a:r>
-          </a:p>
-          <a:p>
-            <a:r>
-              <a:rPr lang="en-GB" dirty="0"/>
-              <a:t>Use Virtual Machine</a:t>
-            </a:r>
-          </a:p>
-          <a:p>
-            <a:pPr lvl="1"/>
-            <a:r>
-              <a:rPr lang="en-GB" dirty="0"/>
-              <a:t>Disconnected from the web</a:t>
-            </a:r>
-          </a:p>
-          <a:p>
-            <a:pPr lvl="1"/>
-            <a:r>
-              <a:rPr lang="en-GB" dirty="0"/>
-              <a:t>But for this workshop, we can use your local computer</a:t>
-            </a:r>
-          </a:p>
-          <a:p>
-            <a:pPr lvl="2"/>
-            <a:r>
-              <a:rPr lang="en-GB" dirty="0"/>
-              <a:t>Only to develop a POC (proof-of-concept)</a:t>
-            </a:r>
-          </a:p>
-        </p:txBody>
-      </p:sp>
+              <a:t>But you are ok with it</a:t>
+            </a:r>
+          </a:p>
+        </p:txBody>
+      </p:sp>
+      <p:grpSp>
+        <p:nvGrpSpPr>
+          <p:cNvPr id="7" name="Agrupar 6">
+            <a:extLst>
+              <a:ext uri="{FF2B5EF4-FFF2-40B4-BE49-F238E27FC236}">
+                <a16:creationId xmlns:a16="http://schemas.microsoft.com/office/drawing/2014/main" id="{346593D3-56BB-85F4-B84D-3A0097293A2B}"/>
+              </a:ext>
+            </a:extLst>
+          </p:cNvPr>
+          <p:cNvGrpSpPr/>
+          <p:nvPr/>
+        </p:nvGrpSpPr>
+        <p:grpSpPr>
+          <a:xfrm>
+            <a:off x="6959396" y="3332168"/>
+            <a:ext cx="3803541" cy="2855075"/>
+            <a:chOff x="856998" y="3332168"/>
+            <a:chExt cx="3803541" cy="2855075"/>
+          </a:xfrm>
+        </p:grpSpPr>
+        <p:pic>
+          <p:nvPicPr>
+            <p:cNvPr id="2050" name="Picture 2">
+              <a:extLst>
+                <a:ext uri="{FF2B5EF4-FFF2-40B4-BE49-F238E27FC236}">
+                  <a16:creationId xmlns:a16="http://schemas.microsoft.com/office/drawing/2014/main" id="{68A0DFD0-3E7F-36E7-DAFE-189D5AEB8654}"/>
+                </a:ext>
+              </a:extLst>
+            </p:cNvPr>
+            <p:cNvPicPr>
+              <a:picLocks noChangeAspect="1" noChangeArrowheads="1"/>
+            </p:cNvPicPr>
+            <p:nvPr/>
+          </p:nvPicPr>
+          <p:blipFill rotWithShape="1">
+            <a:blip r:embed="rId3">
+              <a:extLst>
+                <a:ext uri="{28A0092B-C50C-407E-A947-70E740481C1C}">
+                  <a14:useLocalDpi xmlns:a14="http://schemas.microsoft.com/office/drawing/2010/main" val="0"/>
+                </a:ext>
+              </a:extLst>
+            </a:blip>
+            <a:srcRect l="29583" t="22778" r="29479" b="22593"/>
+            <a:stretch/>
+          </p:blipFill>
+          <p:spPr bwMode="auto">
+            <a:xfrm>
+              <a:off x="856998" y="3332168"/>
+              <a:ext cx="3803541" cy="2855075"/>
+            </a:xfrm>
+            <a:prstGeom prst="rect">
+              <a:avLst/>
+            </a:prstGeom>
+            <a:noFill/>
+            <a:extLst>
+              <a:ext uri="{909E8E84-426E-40DD-AFC4-6F175D3DCCD1}">
+                <a14:hiddenFill xmlns:a14="http://schemas.microsoft.com/office/drawing/2010/main">
+                  <a:solidFill>
+                    <a:srgbClr val="FFFFFF"/>
+                  </a:solidFill>
+                </a14:hiddenFill>
+              </a:ext>
+            </a:extLst>
+          </p:spPr>
+        </p:pic>
+        <p:sp>
+          <p:nvSpPr>
+            <p:cNvPr id="6" name="CaixaDeTexto 5">
+              <a:extLst>
+                <a:ext uri="{FF2B5EF4-FFF2-40B4-BE49-F238E27FC236}">
+                  <a16:creationId xmlns:a16="http://schemas.microsoft.com/office/drawing/2014/main" id="{855A08EE-C1CF-FE29-A6C9-4F09EC5872C1}"/>
+                </a:ext>
+              </a:extLst>
+            </p:cNvPr>
+            <p:cNvSpPr txBox="1"/>
+            <p:nvPr/>
+          </p:nvSpPr>
+          <p:spPr>
+            <a:xfrm>
+              <a:off x="946199" y="4526664"/>
+              <a:ext cx="2832100" cy="276999"/>
+            </a:xfrm>
+            <a:prstGeom prst="rect">
+              <a:avLst/>
+            </a:prstGeom>
+            <a:solidFill>
+              <a:srgbClr val="E6E6E6"/>
+            </a:solidFill>
+          </p:spPr>
+          <p:txBody>
+            <a:bodyPr wrap="square" rtlCol="0">
+              <a:spAutoFit/>
+            </a:bodyPr>
+            <a:lstStyle/>
+            <a:p>
+              <a:r>
+                <a:rPr lang="en-GB" sz="1200" dirty="0" err="1">
+                  <a:solidFill>
+                    <a:schemeClr val="accent3">
+                      <a:lumMod val="10000"/>
+                    </a:schemeClr>
+                  </a:solidFill>
+                </a:rPr>
+                <a:t>awesome_game.exe</a:t>
+              </a:r>
+              <a:endParaRPr lang="en-GB" sz="1200" dirty="0">
+                <a:solidFill>
+                  <a:schemeClr val="accent3">
+                    <a:lumMod val="10000"/>
+                  </a:schemeClr>
+                </a:solidFill>
+              </a:endParaRPr>
+            </a:p>
+          </p:txBody>
+        </p:sp>
+      </p:grpSp>
+      <p:pic>
+        <p:nvPicPr>
+          <p:cNvPr id="9" name="Imagem 8">
+            <a:extLst>
+              <a:ext uri="{FF2B5EF4-FFF2-40B4-BE49-F238E27FC236}">
+                <a16:creationId xmlns:a16="http://schemas.microsoft.com/office/drawing/2014/main" id="{64D06A3F-3038-EDF5-3AD4-95E7D109515A}"/>
+              </a:ext>
+            </a:extLst>
+          </p:cNvPr>
+          <p:cNvPicPr>
+            <a:picLocks noChangeAspect="1"/>
+          </p:cNvPicPr>
+          <p:nvPr/>
+        </p:nvPicPr>
+        <p:blipFill rotWithShape="1">
+          <a:blip r:embed="rId4">
+            <a:extLst>
+              <a:ext uri="{28A0092B-C50C-407E-A947-70E740481C1C}">
+                <a14:useLocalDpi xmlns:a14="http://schemas.microsoft.com/office/drawing/2010/main" val="0"/>
+              </a:ext>
+            </a:extLst>
+          </a:blip>
+          <a:srcRect l="1220" t="1761" r="2054" b="1961"/>
+          <a:stretch/>
+        </p:blipFill>
+        <p:spPr>
+          <a:xfrm>
+            <a:off x="1603948" y="3335127"/>
+            <a:ext cx="3628657" cy="2852116"/>
+          </a:xfrm>
+          <a:prstGeom prst="rect">
+            <a:avLst/>
+          </a:prstGeom>
+        </p:spPr>
+      </p:pic>
+      <p:pic>
+        <p:nvPicPr>
+          <p:cNvPr id="8" name="Imagem 7">
+            <a:extLst>
+              <a:ext uri="{FF2B5EF4-FFF2-40B4-BE49-F238E27FC236}">
+                <a16:creationId xmlns:a16="http://schemas.microsoft.com/office/drawing/2014/main" id="{075BAE29-6B1A-52F6-D1D4-B6B3096C4D30}"/>
+              </a:ext>
+            </a:extLst>
+          </p:cNvPr>
+          <p:cNvPicPr>
+            <a:picLocks noChangeAspect="1"/>
+          </p:cNvPicPr>
+          <p:nvPr/>
+        </p:nvPicPr>
+        <p:blipFill rotWithShape="1">
+          <a:blip r:embed="rId5">
+            <a:extLst>
+              <a:ext uri="{28A0092B-C50C-407E-A947-70E740481C1C}">
+                <a14:useLocalDpi xmlns:a14="http://schemas.microsoft.com/office/drawing/2010/main" val="0"/>
+              </a:ext>
+            </a:extLst>
+          </a:blip>
+          <a:srcRect l="400" t="558" r="624" b="1667"/>
+          <a:stretch/>
+        </p:blipFill>
+        <p:spPr>
+          <a:xfrm>
+            <a:off x="2922233" y="1322573"/>
+            <a:ext cx="6347534" cy="4900670"/>
+          </a:xfrm>
+          <a:prstGeom prst="rect">
+            <a:avLst/>
+          </a:prstGeom>
+        </p:spPr>
+      </p:pic>
     </p:spTree>
     <p:extLst>
       <p:ext uri="{BB962C8B-B14F-4D97-AF65-F5344CB8AC3E}">
-        <p14:creationId xmlns:p14="http://schemas.microsoft.com/office/powerpoint/2010/main" val="288484117"/>
+        <p14:creationId xmlns:p14="http://schemas.microsoft.com/office/powerpoint/2010/main" val="444658553"/>
       </p:ext>
     </p:extLst>
   </p:cSld>
@@ -7365,10 +7604,10 @@
       </p:grpSpPr>
       <p:sp>
         <p:nvSpPr>
-          <p:cNvPr id="5" name="Título 4">
-            <a:extLst>
-              <a:ext uri="{FF2B5EF4-FFF2-40B4-BE49-F238E27FC236}">
-                <a16:creationId xmlns:a16="http://schemas.microsoft.com/office/drawing/2014/main" id="{D75AEDC6-D0A7-10D2-4B99-AFA8CD5AF9D6}"/>
+          <p:cNvPr id="2" name="Título 1">
+            <a:extLst>
+              <a:ext uri="{FF2B5EF4-FFF2-40B4-BE49-F238E27FC236}">
+                <a16:creationId xmlns:a16="http://schemas.microsoft.com/office/drawing/2014/main" id="{290198D7-7381-7BD0-7B6C-3352C41A1BAD}"/>
               </a:ext>
             </a:extLst>
           </p:cNvPr>
@@ -7386,17 +7625,17 @@
           <a:p>
             <a:r>
               <a:rPr lang="en-GB" dirty="0"/>
-              <a:t>Let’s make a malware</a:t>
-            </a:r>
-          </a:p>
-        </p:txBody>
-      </p:sp>
-      <p:sp>
-        <p:nvSpPr>
-          <p:cNvPr id="6" name="Subtítulo 5">
-            <a:extLst>
-              <a:ext uri="{FF2B5EF4-FFF2-40B4-BE49-F238E27FC236}">
-                <a16:creationId xmlns:a16="http://schemas.microsoft.com/office/drawing/2014/main" id="{E1C640B9-1539-05DB-5B87-2FEA431960A1}"/>
+              <a:t>Good practices</a:t>
+            </a:r>
+          </a:p>
+        </p:txBody>
+      </p:sp>
+      <p:sp>
+        <p:nvSpPr>
+          <p:cNvPr id="3" name="Subtítulo 2">
+            <a:extLst>
+              <a:ext uri="{FF2B5EF4-FFF2-40B4-BE49-F238E27FC236}">
+                <a16:creationId xmlns:a16="http://schemas.microsoft.com/office/drawing/2014/main" id="{717A8B4D-8CEE-D51D-5917-4538B5A34057}"/>
               </a:ext>
             </a:extLst>
           </p:cNvPr>
@@ -7404,7 +7643,7 @@
             <a:spLocks noGrp="1"/>
           </p:cNvSpPr>
           <p:nvPr>
-            <p:ph type="subTitle" idx="1"/>
+            <p:ph type="subTitle" idx="13"/>
           </p:nvPr>
         </p:nvSpPr>
         <p:spPr/>
@@ -7412,14 +7651,70 @@
           <a:bodyPr/>
           <a:lstStyle/>
           <a:p>
-            <a:endParaRPr lang="en-GB"/>
+            <a:r>
+              <a:rPr lang="en-GB" dirty="0"/>
+              <a:t>Code obfuscation</a:t>
+            </a:r>
+          </a:p>
+          <a:p>
+            <a:r>
+              <a:rPr lang="en-GB" dirty="0"/>
+              <a:t>Do not reuse code</a:t>
+            </a:r>
+          </a:p>
+          <a:p>
+            <a:pPr lvl="1"/>
+            <a:r>
+              <a:rPr lang="en-GB" dirty="0"/>
+              <a:t>Neither toolkits, that is for Lammers</a:t>
+            </a:r>
+          </a:p>
+          <a:p>
+            <a:r>
+              <a:rPr lang="en-GB" dirty="0"/>
+              <a:t>Define an architecture</a:t>
+            </a:r>
+          </a:p>
+          <a:p>
+            <a:pPr lvl="1"/>
+            <a:r>
+              <a:rPr lang="en-GB" dirty="0"/>
+              <a:t>It is software, so it should be planned like a software</a:t>
+            </a:r>
+          </a:p>
+          <a:p>
+            <a:r>
+              <a:rPr lang="en-GB" dirty="0"/>
+              <a:t>Use Virtual Machine</a:t>
+            </a:r>
+          </a:p>
+          <a:p>
+            <a:pPr lvl="1"/>
+            <a:r>
+              <a:rPr lang="en-GB" dirty="0"/>
+              <a:t>Disconnected from the web</a:t>
+            </a:r>
+          </a:p>
+          <a:p>
+            <a:pPr lvl="1"/>
+            <a:r>
+              <a:rPr lang="en-GB" dirty="0"/>
+              <a:t>But for this workshop, we can use your local computer</a:t>
+            </a:r>
+          </a:p>
+          <a:p>
+            <a:pPr lvl="2"/>
+            <a:r>
+              <a:rPr lang="en-GB" dirty="0"/>
+              <a:t>Only to develop a POC (proof-of-concept)</a:t>
+            </a:r>
           </a:p>
         </p:txBody>
       </p:sp>
     </p:spTree>
     <p:extLst>
       <p:ext uri="{BB962C8B-B14F-4D97-AF65-F5344CB8AC3E}">
-        <p14:creationId xmlns:p14="http://schemas.microsoft.com/office/powerpoint/2010/main" val="1810156345"/>
+        <p14:creationId xmlns:p14="http://schemas.microsoft.com/office/powerpoint/2010/main" val="288484117"/>
       </p:ext>
     </p:extLst>
   </p:cSld>
@@ -7446,6 +7741,89 @@
           <a:chExt cx="0" cy="0"/>
         </a:xfrm>
       </p:grpSpPr>
+      <p:sp>
+        <p:nvSpPr>
+          <p:cNvPr id="5" name="Título 4">
+            <a:extLst>
+              <a:ext uri="{FF2B5EF4-FFF2-40B4-BE49-F238E27FC236}">
+                <a16:creationId xmlns:a16="http://schemas.microsoft.com/office/drawing/2014/main" id="{D75AEDC6-D0A7-10D2-4B99-AFA8CD5AF9D6}"/>
+              </a:ext>
+            </a:extLst>
+          </p:cNvPr>
+          <p:cNvSpPr>
+            <a:spLocks noGrp="1"/>
+          </p:cNvSpPr>
+          <p:nvPr>
+            <p:ph type="ctrTitle"/>
+          </p:nvPr>
+        </p:nvSpPr>
+        <p:spPr/>
+        <p:txBody>
+          <a:bodyPr/>
+          <a:lstStyle/>
+          <a:p>
+            <a:r>
+              <a:rPr lang="en-GB" dirty="0"/>
+              <a:t>Let’s make a malware</a:t>
+            </a:r>
+          </a:p>
+        </p:txBody>
+      </p:sp>
+      <p:sp>
+        <p:nvSpPr>
+          <p:cNvPr id="6" name="Subtítulo 5">
+            <a:extLst>
+              <a:ext uri="{FF2B5EF4-FFF2-40B4-BE49-F238E27FC236}">
+                <a16:creationId xmlns:a16="http://schemas.microsoft.com/office/drawing/2014/main" id="{E1C640B9-1539-05DB-5B87-2FEA431960A1}"/>
+              </a:ext>
+            </a:extLst>
+          </p:cNvPr>
+          <p:cNvSpPr>
+            <a:spLocks noGrp="1"/>
+          </p:cNvSpPr>
+          <p:nvPr>
+            <p:ph type="subTitle" idx="1"/>
+          </p:nvPr>
+        </p:nvSpPr>
+        <p:spPr/>
+        <p:txBody>
+          <a:bodyPr/>
+          <a:lstStyle/>
+          <a:p>
+            <a:endParaRPr lang="en-GB"/>
+          </a:p>
+        </p:txBody>
+      </p:sp>
+    </p:spTree>
+    <p:extLst>
+      <p:ext uri="{BB962C8B-B14F-4D97-AF65-F5344CB8AC3E}">
+        <p14:creationId xmlns:p14="http://schemas.microsoft.com/office/powerpoint/2010/main" val="1810156345"/>
+      </p:ext>
+    </p:extLst>
+  </p:cSld>
+  <p:clrMapOvr>
+    <a:masterClrMapping/>
+  </p:clrMapOvr>
+</p:sld>
+</file>
+
+<file path=ppt/slides/slide15.xml><?xml version="1.0" encoding="utf-8"?>
+<p:sld xmlns:a="http://schemas.openxmlformats.org/drawingml/2006/main" xmlns:r="http://schemas.openxmlformats.org/officeDocument/2006/relationships" xmlns:p="http://schemas.openxmlformats.org/presentationml/2006/main">
+  <p:cSld>
+    <p:spTree>
+      <p:nvGrpSpPr>
+        <p:cNvPr id="1" name=""/>
+        <p:cNvGrpSpPr/>
+        <p:nvPr/>
+      </p:nvGrpSpPr>
+      <p:grpSpPr>
+        <a:xfrm>
+          <a:off x="0" y="0"/>
+          <a:ext cx="0" cy="0"/>
+          <a:chOff x="0" y="0"/>
+          <a:chExt cx="0" cy="0"/>
+        </a:xfrm>
+      </p:grpSpPr>
       <p:pic>
         <p:nvPicPr>
           <p:cNvPr id="1026" name="Picture 2" descr="Take shareable snapshots of a folder tree with Snap2HTML | BetaNews">
@@ -7940,6 +8318,42 @@
                 </a:solidFill>
               </a:rPr>
               <a:t>Crack</a:t>
+            </a:r>
+          </a:p>
+        </p:txBody>
+      </p:sp>
+      <p:sp>
+        <p:nvSpPr>
+          <p:cNvPr id="12" name="CaixaDeTexto 11">
+            <a:extLst>
+              <a:ext uri="{FF2B5EF4-FFF2-40B4-BE49-F238E27FC236}">
+                <a16:creationId xmlns:a16="http://schemas.microsoft.com/office/drawing/2014/main" id="{F30A3AD0-1F22-6AE2-D1BB-EABAFC21DF48}"/>
+              </a:ext>
+            </a:extLst>
+          </p:cNvPr>
+          <p:cNvSpPr txBox="1"/>
+          <p:nvPr/>
+        </p:nvSpPr>
+        <p:spPr>
+          <a:xfrm>
+            <a:off x="1208567" y="4875279"/>
+            <a:ext cx="2514184" cy="923330"/>
+          </a:xfrm>
+          <a:prstGeom prst="rect">
+            <a:avLst/>
+          </a:prstGeom>
+          <a:noFill/>
+        </p:spPr>
+        <p:txBody>
+          <a:bodyPr wrap="square" rtlCol="0">
+            <a:spAutoFit/>
+          </a:bodyPr>
+          <a:lstStyle/>
+          <a:p>
+            <a:pPr algn="ctr"/>
+            <a:r>
+              <a:rPr lang="en-GB" dirty="0"/>
+              <a:t>We will not create an executable from the Python code</a:t>
             </a:r>
           </a:p>
         </p:txBody>
@@ -8151,6 +8565,51 @@
                       </p:childTnLst>
                     </p:cTn>
                   </p:par>
+                  <p:par>
+                    <p:cTn id="19" fill="hold">
+                      <p:stCondLst>
+                        <p:cond delay="indefinite"/>
+                      </p:stCondLst>
+                      <p:childTnLst>
+                        <p:par>
+                          <p:cTn id="20" fill="hold">
+                            <p:stCondLst>
+                              <p:cond delay="0"/>
+                            </p:stCondLst>
+                            <p:childTnLst>
+                              <p:par>
+                                <p:cTn id="21" presetID="1" presetClass="entr" presetSubtype="0" fill="hold" grpId="0" nodeType="clickEffect">
+                                  <p:stCondLst>
+                                    <p:cond delay="0"/>
+                                  </p:stCondLst>
+                                  <p:childTnLst>
+                                    <p:set>
+                                      <p:cBhvr>
+                                        <p:cTn id="22" dur="1" fill="hold">
+                                          <p:stCondLst>
+                                            <p:cond delay="0"/>
+                                          </p:stCondLst>
+                                        </p:cTn>
+                                        <p:tgtEl>
+                                          <p:spTgt spid="12"/>
+                                        </p:tgtEl>
+                                        <p:attrNameLst>
+                                          <p:attrName>style.visibility</p:attrName>
+                                        </p:attrNameLst>
+                                      </p:cBhvr>
+                                      <p:to>
+                                        <p:strVal val="visible"/>
+                                      </p:to>
+                                    </p:set>
+                                  </p:childTnLst>
+                                </p:cTn>
+                              </p:par>
+                            </p:childTnLst>
+                          </p:cTn>
+                        </p:par>
+                      </p:childTnLst>
+                    </p:cTn>
+                  </p:par>
                 </p:childTnLst>
               </p:cTn>
               <p:prevCondLst>
@@ -8176,12 +8635,13 @@
       <p:bldP spid="14" grpId="0" animBg="1"/>
       <p:bldP spid="15" grpId="0" animBg="1"/>
       <p:bldP spid="25" grpId="0" animBg="1"/>
+      <p:bldP spid="12" grpId="0"/>
     </p:bldLst>
   </p:timing>
 </p:sld>
 </file>
 
-<file path=ppt/slides/slide15.xml><?xml version="1.0" encoding="utf-8"?>
+<file path=ppt/slides/slide16.xml><?xml version="1.0" encoding="utf-8"?>
 <p:sld xmlns:a="http://schemas.openxmlformats.org/drawingml/2006/main" xmlns:r="http://schemas.openxmlformats.org/officeDocument/2006/relationships" xmlns:p="http://schemas.openxmlformats.org/presentationml/2006/main">
   <p:cSld>
     <p:spTree>
@@ -8435,7 +8895,7 @@
 </p:sld>
 </file>
 
-<file path=ppt/slides/slide16.xml><?xml version="1.0" encoding="utf-8"?>
+<file path=ppt/slides/slide17.xml><?xml version="1.0" encoding="utf-8"?>
 <p:sld xmlns:a="http://schemas.openxmlformats.org/drawingml/2006/main" xmlns:r="http://schemas.openxmlformats.org/officeDocument/2006/relationships" xmlns:p="http://schemas.openxmlformats.org/presentationml/2006/main">
   <p:cSld>
     <p:spTree>
@@ -8685,7 +9145,7 @@
 </p:sld>
 </file>
 
-<file path=ppt/slides/slide17.xml><?xml version="1.0" encoding="utf-8"?>
+<file path=ppt/slides/slide18.xml><?xml version="1.0" encoding="utf-8"?>
 <p:sld xmlns:a="http://schemas.openxmlformats.org/drawingml/2006/main" xmlns:r="http://schemas.openxmlformats.org/officeDocument/2006/relationships" xmlns:p="http://schemas.openxmlformats.org/presentationml/2006/main">
   <p:cSld>
     <p:spTree>
@@ -9006,7 +9466,7 @@
 </p:sld>
 </file>
 
-<file path=ppt/slides/slide18.xml><?xml version="1.0" encoding="utf-8"?>
+<file path=ppt/slides/slide19.xml><?xml version="1.0" encoding="utf-8"?>
 <p:sld xmlns:a="http://schemas.openxmlformats.org/drawingml/2006/main" xmlns:r="http://schemas.openxmlformats.org/officeDocument/2006/relationships" xmlns:p="http://schemas.openxmlformats.org/presentationml/2006/main">
   <p:cSld>
     <p:spTree>
@@ -9422,89 +9882,6 @@
 </p:sld>
 </file>
 
-<file path=ppt/slides/slide19.xml><?xml version="1.0" encoding="utf-8"?>
-<p:sld xmlns:a="http://schemas.openxmlformats.org/drawingml/2006/main" xmlns:r="http://schemas.openxmlformats.org/officeDocument/2006/relationships" xmlns:p="http://schemas.openxmlformats.org/presentationml/2006/main">
-  <p:cSld>
-    <p:spTree>
-      <p:nvGrpSpPr>
-        <p:cNvPr id="1" name=""/>
-        <p:cNvGrpSpPr/>
-        <p:nvPr/>
-      </p:nvGrpSpPr>
-      <p:grpSpPr>
-        <a:xfrm>
-          <a:off x="0" y="0"/>
-          <a:ext cx="0" cy="0"/>
-          <a:chOff x="0" y="0"/>
-          <a:chExt cx="0" cy="0"/>
-        </a:xfrm>
-      </p:grpSpPr>
-      <p:sp>
-        <p:nvSpPr>
-          <p:cNvPr id="5" name="Título 4">
-            <a:extLst>
-              <a:ext uri="{FF2B5EF4-FFF2-40B4-BE49-F238E27FC236}">
-                <a16:creationId xmlns:a16="http://schemas.microsoft.com/office/drawing/2014/main" id="{D75AEDC6-D0A7-10D2-4B99-AFA8CD5AF9D6}"/>
-              </a:ext>
-            </a:extLst>
-          </p:cNvPr>
-          <p:cNvSpPr>
-            <a:spLocks noGrp="1"/>
-          </p:cNvSpPr>
-          <p:nvPr>
-            <p:ph type="ctrTitle"/>
-          </p:nvPr>
-        </p:nvSpPr>
-        <p:spPr/>
-        <p:txBody>
-          <a:bodyPr/>
-          <a:lstStyle/>
-          <a:p>
-            <a:r>
-              <a:rPr lang="en-GB" dirty="0"/>
-              <a:t>Obfuscation</a:t>
-            </a:r>
-          </a:p>
-        </p:txBody>
-      </p:sp>
-      <p:sp>
-        <p:nvSpPr>
-          <p:cNvPr id="6" name="Subtítulo 5">
-            <a:extLst>
-              <a:ext uri="{FF2B5EF4-FFF2-40B4-BE49-F238E27FC236}">
-                <a16:creationId xmlns:a16="http://schemas.microsoft.com/office/drawing/2014/main" id="{E1C640B9-1539-05DB-5B87-2FEA431960A1}"/>
-              </a:ext>
-            </a:extLst>
-          </p:cNvPr>
-          <p:cNvSpPr>
-            <a:spLocks noGrp="1"/>
-          </p:cNvSpPr>
-          <p:nvPr>
-            <p:ph type="subTitle" idx="1"/>
-          </p:nvPr>
-        </p:nvSpPr>
-        <p:spPr/>
-        <p:txBody>
-          <a:bodyPr/>
-          <a:lstStyle/>
-          <a:p>
-            <a:endParaRPr lang="en-GB"/>
-          </a:p>
-        </p:txBody>
-      </p:sp>
-    </p:spTree>
-    <p:extLst>
-      <p:ext uri="{BB962C8B-B14F-4D97-AF65-F5344CB8AC3E}">
-        <p14:creationId xmlns:p14="http://schemas.microsoft.com/office/powerpoint/2010/main" val="1853310776"/>
-      </p:ext>
-    </p:extLst>
-  </p:cSld>
-  <p:clrMapOvr>
-    <a:masterClrMapping/>
-  </p:clrMapOvr>
-</p:sld>
-</file>
-
 <file path=ppt/slides/slide2.xml><?xml version="1.0" encoding="utf-8"?>
 <p:sld xmlns:a="http://schemas.openxmlformats.org/drawingml/2006/main" xmlns:r="http://schemas.openxmlformats.org/officeDocument/2006/relationships" xmlns:p="http://schemas.openxmlformats.org/presentationml/2006/main">
   <p:cSld>
@@ -9609,6 +9986,89 @@
 </file>
 
 <file path=ppt/slides/slide20.xml><?xml version="1.0" encoding="utf-8"?>
+<p:sld xmlns:a="http://schemas.openxmlformats.org/drawingml/2006/main" xmlns:r="http://schemas.openxmlformats.org/officeDocument/2006/relationships" xmlns:p="http://schemas.openxmlformats.org/presentationml/2006/main">
+  <p:cSld>
+    <p:spTree>
+      <p:nvGrpSpPr>
+        <p:cNvPr id="1" name=""/>
+        <p:cNvGrpSpPr/>
+        <p:nvPr/>
+      </p:nvGrpSpPr>
+      <p:grpSpPr>
+        <a:xfrm>
+          <a:off x="0" y="0"/>
+          <a:ext cx="0" cy="0"/>
+          <a:chOff x="0" y="0"/>
+          <a:chExt cx="0" cy="0"/>
+        </a:xfrm>
+      </p:grpSpPr>
+      <p:sp>
+        <p:nvSpPr>
+          <p:cNvPr id="5" name="Título 4">
+            <a:extLst>
+              <a:ext uri="{FF2B5EF4-FFF2-40B4-BE49-F238E27FC236}">
+                <a16:creationId xmlns:a16="http://schemas.microsoft.com/office/drawing/2014/main" id="{D75AEDC6-D0A7-10D2-4B99-AFA8CD5AF9D6}"/>
+              </a:ext>
+            </a:extLst>
+          </p:cNvPr>
+          <p:cNvSpPr>
+            <a:spLocks noGrp="1"/>
+          </p:cNvSpPr>
+          <p:nvPr>
+            <p:ph type="ctrTitle"/>
+          </p:nvPr>
+        </p:nvSpPr>
+        <p:spPr/>
+        <p:txBody>
+          <a:bodyPr/>
+          <a:lstStyle/>
+          <a:p>
+            <a:r>
+              <a:rPr lang="en-GB" dirty="0"/>
+              <a:t>Obfuscation</a:t>
+            </a:r>
+          </a:p>
+        </p:txBody>
+      </p:sp>
+      <p:sp>
+        <p:nvSpPr>
+          <p:cNvPr id="6" name="Subtítulo 5">
+            <a:extLst>
+              <a:ext uri="{FF2B5EF4-FFF2-40B4-BE49-F238E27FC236}">
+                <a16:creationId xmlns:a16="http://schemas.microsoft.com/office/drawing/2014/main" id="{E1C640B9-1539-05DB-5B87-2FEA431960A1}"/>
+              </a:ext>
+            </a:extLst>
+          </p:cNvPr>
+          <p:cNvSpPr>
+            <a:spLocks noGrp="1"/>
+          </p:cNvSpPr>
+          <p:nvPr>
+            <p:ph type="subTitle" idx="1"/>
+          </p:nvPr>
+        </p:nvSpPr>
+        <p:spPr/>
+        <p:txBody>
+          <a:bodyPr/>
+          <a:lstStyle/>
+          <a:p>
+            <a:endParaRPr lang="en-GB"/>
+          </a:p>
+        </p:txBody>
+      </p:sp>
+    </p:spTree>
+    <p:extLst>
+      <p:ext uri="{BB962C8B-B14F-4D97-AF65-F5344CB8AC3E}">
+        <p14:creationId xmlns:p14="http://schemas.microsoft.com/office/powerpoint/2010/main" val="1853310776"/>
+      </p:ext>
+    </p:extLst>
+  </p:cSld>
+  <p:clrMapOvr>
+    <a:masterClrMapping/>
+  </p:clrMapOvr>
+</p:sld>
+</file>
+
+<file path=ppt/slides/slide21.xml><?xml version="1.0" encoding="utf-8"?>
 <p:sld xmlns:a="http://schemas.openxmlformats.org/drawingml/2006/main" xmlns:r="http://schemas.openxmlformats.org/officeDocument/2006/relationships" xmlns:p="http://schemas.openxmlformats.org/presentationml/2006/main">
   <p:cSld>
     <p:spTree>
@@ -9933,7 +10393,7 @@
 </p:sld>
 </file>
 
-<file path=ppt/slides/slide21.xml><?xml version="1.0" encoding="utf-8"?>
+<file path=ppt/slides/slide22.xml><?xml version="1.0" encoding="utf-8"?>
 <p:sld xmlns:a="http://schemas.openxmlformats.org/drawingml/2006/main" xmlns:r="http://schemas.openxmlformats.org/officeDocument/2006/relationships" xmlns:p="http://schemas.openxmlformats.org/presentationml/2006/main">
   <p:cSld>
     <p:spTree>
@@ -10631,7 +11091,7 @@
 </p:sld>
 </file>
 
-<file path=ppt/slides/slide22.xml><?xml version="1.0" encoding="utf-8"?>
+<file path=ppt/slides/slide23.xml><?xml version="1.0" encoding="utf-8"?>
 <p:sld xmlns:a="http://schemas.openxmlformats.org/drawingml/2006/main" xmlns:r="http://schemas.openxmlformats.org/officeDocument/2006/relationships" xmlns:p="http://schemas.openxmlformats.org/presentationml/2006/main">
   <p:cSld>
     <p:spTree>
@@ -11086,206 +11546,6 @@
 </p:sld>
 </file>
 
-<file path=ppt/slides/slide23.xml><?xml version="1.0" encoding="utf-8"?>
-<p:sld xmlns:a="http://schemas.openxmlformats.org/drawingml/2006/main" xmlns:r="http://schemas.openxmlformats.org/officeDocument/2006/relationships" xmlns:p="http://schemas.openxmlformats.org/presentationml/2006/main">
-  <p:cSld>
-    <p:spTree>
-      <p:nvGrpSpPr>
-        <p:cNvPr id="1" name=""/>
-        <p:cNvGrpSpPr/>
-        <p:nvPr/>
-      </p:nvGrpSpPr>
-      <p:grpSpPr>
-        <a:xfrm>
-          <a:off x="0" y="0"/>
-          <a:ext cx="0" cy="0"/>
-          <a:chOff x="0" y="0"/>
-          <a:chExt cx="0" cy="0"/>
-        </a:xfrm>
-      </p:grpSpPr>
-      <p:sp>
-        <p:nvSpPr>
-          <p:cNvPr id="2" name="Título 1">
-            <a:extLst>
-              <a:ext uri="{FF2B5EF4-FFF2-40B4-BE49-F238E27FC236}">
-                <a16:creationId xmlns:a16="http://schemas.microsoft.com/office/drawing/2014/main" id="{290198D7-7381-7BD0-7B6C-3352C41A1BAD}"/>
-              </a:ext>
-            </a:extLst>
-          </p:cNvPr>
-          <p:cNvSpPr>
-            <a:spLocks noGrp="1"/>
-          </p:cNvSpPr>
-          <p:nvPr>
-            <p:ph type="ctrTitle"/>
-          </p:nvPr>
-        </p:nvSpPr>
-        <p:spPr/>
-        <p:txBody>
-          <a:bodyPr/>
-          <a:lstStyle/>
-          <a:p>
-            <a:r>
-              <a:rPr lang="en-GB" dirty="0"/>
-              <a:t>Obfuscation</a:t>
-            </a:r>
-          </a:p>
-        </p:txBody>
-      </p:sp>
-      <p:sp>
-        <p:nvSpPr>
-          <p:cNvPr id="3" name="Subtítulo 2">
-            <a:extLst>
-              <a:ext uri="{FF2B5EF4-FFF2-40B4-BE49-F238E27FC236}">
-                <a16:creationId xmlns:a16="http://schemas.microsoft.com/office/drawing/2014/main" id="{717A8B4D-8CEE-D51D-5917-4538B5A34057}"/>
-              </a:ext>
-            </a:extLst>
-          </p:cNvPr>
-          <p:cNvSpPr>
-            <a:spLocks noGrp="1"/>
-          </p:cNvSpPr>
-          <p:nvPr>
-            <p:ph type="subTitle" idx="13"/>
-          </p:nvPr>
-        </p:nvSpPr>
-        <p:spPr/>
-        <p:txBody>
-          <a:bodyPr/>
-          <a:lstStyle/>
-          <a:p>
-            <a:r>
-              <a:rPr lang="en-GB" dirty="0"/>
-              <a:t>Centralise the code into a single file</a:t>
-            </a:r>
-          </a:p>
-          <a:p>
-            <a:pPr lvl="1"/>
-            <a:r>
-              <a:rPr lang="en-GB" dirty="0"/>
-              <a:t>manually</a:t>
-            </a:r>
-          </a:p>
-          <a:p>
-            <a:r>
-              <a:rPr lang="en-GB" dirty="0" err="1"/>
-              <a:t>pyminify</a:t>
-            </a:r>
-            <a:endParaRPr lang="en-GB" dirty="0"/>
-          </a:p>
-          <a:p>
-            <a:pPr lvl="1"/>
-            <a:r>
-              <a:rPr lang="en-GB" dirty="0"/>
-              <a:t>to minimize the code</a:t>
-            </a:r>
-          </a:p>
-          <a:p>
-            <a:r>
-              <a:rPr lang="en-GB" dirty="0"/>
-              <a:t>Base64</a:t>
-            </a:r>
-          </a:p>
-          <a:p>
-            <a:pPr lvl="1"/>
-            <a:r>
-              <a:rPr lang="en-GB" dirty="0"/>
-              <a:t>several rounds with creative techniques</a:t>
-            </a:r>
-          </a:p>
-          <a:p>
-            <a:pPr lvl="2"/>
-            <a:r>
-              <a:rPr lang="en-GB" dirty="0" err="1"/>
-              <a:t>obfuscatorStageOne.py</a:t>
-            </a:r>
-            <a:r>
-              <a:rPr lang="en-GB" dirty="0"/>
-              <a:t> and </a:t>
-            </a:r>
-            <a:r>
-              <a:rPr lang="en-GB" dirty="0" err="1"/>
-              <a:t>obfuscatorStageTwo.py</a:t>
-            </a:r>
-            <a:r>
-              <a:rPr lang="en-GB" dirty="0"/>
-              <a:t> </a:t>
-            </a:r>
-          </a:p>
-          <a:p>
-            <a:r>
-              <a:rPr lang="en-GB" dirty="0"/>
-              <a:t>Dummy code</a:t>
-            </a:r>
-          </a:p>
-          <a:p>
-            <a:pPr lvl="1"/>
-            <a:r>
-              <a:rPr lang="en-GB" dirty="0"/>
-              <a:t>just to create </a:t>
-            </a:r>
-            <a:r>
-              <a:rPr lang="en-GB" i="1" dirty="0"/>
-              <a:t>chaos</a:t>
-            </a:r>
-            <a:r>
-              <a:rPr lang="en-GB" dirty="0"/>
-              <a:t> in during analysis</a:t>
-            </a:r>
-          </a:p>
-          <a:p>
-            <a:pPr lvl="2"/>
-            <a:r>
-              <a:rPr lang="en-GB" dirty="0" err="1"/>
-              <a:t>obfuscatorStageThree.py</a:t>
-            </a:r>
-            <a:endParaRPr lang="en-GB" dirty="0"/>
-          </a:p>
-          <a:p>
-            <a:pPr lvl="1"/>
-            <a:endParaRPr lang="en-GB" dirty="0"/>
-          </a:p>
-        </p:txBody>
-      </p:sp>
-      <p:sp>
-        <p:nvSpPr>
-          <p:cNvPr id="8" name="Marcador de Posição do Texto 7">
-            <a:extLst>
-              <a:ext uri="{FF2B5EF4-FFF2-40B4-BE49-F238E27FC236}">
-                <a16:creationId xmlns:a16="http://schemas.microsoft.com/office/drawing/2014/main" id="{72263B5A-61AA-0518-5E89-7A99458BFEBF}"/>
-              </a:ext>
-            </a:extLst>
-          </p:cNvPr>
-          <p:cNvSpPr>
-            <a:spLocks noGrp="1"/>
-          </p:cNvSpPr>
-          <p:nvPr>
-            <p:ph type="body" sz="quarter" idx="14"/>
-          </p:nvPr>
-        </p:nvSpPr>
-        <p:spPr/>
-        <p:txBody>
-          <a:bodyPr/>
-          <a:lstStyle/>
-          <a:p>
-            <a:r>
-              <a:rPr lang="en-GB" dirty="0"/>
-              <a:t>Possible strategy</a:t>
-            </a:r>
-          </a:p>
-        </p:txBody>
-      </p:sp>
-    </p:spTree>
-    <p:extLst>
-      <p:ext uri="{BB962C8B-B14F-4D97-AF65-F5344CB8AC3E}">
-        <p14:creationId xmlns:p14="http://schemas.microsoft.com/office/powerpoint/2010/main" val="2827915376"/>
-      </p:ext>
-    </p:extLst>
-  </p:cSld>
-  <p:clrMapOvr>
-    <a:masterClrMapping/>
-  </p:clrMapOvr>
-</p:sld>
-</file>
-
 <file path=ppt/slides/slide24.xml><?xml version="1.0" encoding="utf-8"?>
 <p:sld xmlns:a="http://schemas.openxmlformats.org/drawingml/2006/main" xmlns:r="http://schemas.openxmlformats.org/officeDocument/2006/relationships" xmlns:p="http://schemas.openxmlformats.org/presentationml/2006/main">
   <p:cSld>
@@ -11305,10 +11565,10 @@
       </p:grpSpPr>
       <p:sp>
         <p:nvSpPr>
-          <p:cNvPr id="5" name="Título 4">
-            <a:extLst>
-              <a:ext uri="{FF2B5EF4-FFF2-40B4-BE49-F238E27FC236}">
-                <a16:creationId xmlns:a16="http://schemas.microsoft.com/office/drawing/2014/main" id="{D75AEDC6-D0A7-10D2-4B99-AFA8CD5AF9D6}"/>
+          <p:cNvPr id="2" name="Título 1">
+            <a:extLst>
+              <a:ext uri="{FF2B5EF4-FFF2-40B4-BE49-F238E27FC236}">
+                <a16:creationId xmlns:a16="http://schemas.microsoft.com/office/drawing/2014/main" id="{290198D7-7381-7BD0-7B6C-3352C41A1BAD}"/>
               </a:ext>
             </a:extLst>
           </p:cNvPr>
@@ -11326,17 +11586,17 @@
           <a:p>
             <a:r>
               <a:rPr lang="en-GB" dirty="0"/>
-              <a:t>Malware analysis</a:t>
-            </a:r>
-          </a:p>
-        </p:txBody>
-      </p:sp>
-      <p:sp>
-        <p:nvSpPr>
-          <p:cNvPr id="6" name="Subtítulo 5">
-            <a:extLst>
-              <a:ext uri="{FF2B5EF4-FFF2-40B4-BE49-F238E27FC236}">
-                <a16:creationId xmlns:a16="http://schemas.microsoft.com/office/drawing/2014/main" id="{E1C640B9-1539-05DB-5B87-2FEA431960A1}"/>
+              <a:t>Obfuscation</a:t>
+            </a:r>
+          </a:p>
+        </p:txBody>
+      </p:sp>
+      <p:sp>
+        <p:nvSpPr>
+          <p:cNvPr id="3" name="Subtítulo 2">
+            <a:extLst>
+              <a:ext uri="{FF2B5EF4-FFF2-40B4-BE49-F238E27FC236}">
+                <a16:creationId xmlns:a16="http://schemas.microsoft.com/office/drawing/2014/main" id="{717A8B4D-8CEE-D51D-5917-4538B5A34057}"/>
               </a:ext>
             </a:extLst>
           </p:cNvPr>
@@ -11344,7 +11604,7 @@
             <a:spLocks noGrp="1"/>
           </p:cNvSpPr>
           <p:nvPr>
-            <p:ph type="subTitle" idx="1"/>
+            <p:ph type="subTitle" idx="13"/>
           </p:nvPr>
         </p:nvSpPr>
         <p:spPr/>
@@ -11352,14 +11612,131 @@
           <a:bodyPr/>
           <a:lstStyle/>
           <a:p>
-            <a:endParaRPr lang="en-GB"/>
+            <a:r>
+              <a:rPr lang="en-GB" dirty="0"/>
+              <a:t>Centralise the code into a single file</a:t>
+            </a:r>
+          </a:p>
+          <a:p>
+            <a:pPr lvl="1"/>
+            <a:r>
+              <a:rPr lang="en-GB" dirty="0"/>
+              <a:t>manually</a:t>
+            </a:r>
+          </a:p>
+          <a:p>
+            <a:r>
+              <a:rPr lang="en-GB" dirty="0" err="1"/>
+              <a:t>pyminify</a:t>
+            </a:r>
+            <a:endParaRPr lang="en-GB" dirty="0"/>
+          </a:p>
+          <a:p>
+            <a:pPr lvl="1"/>
+            <a:r>
+              <a:rPr lang="en-GB" dirty="0"/>
+              <a:t>to minimize the code</a:t>
+            </a:r>
+          </a:p>
+          <a:p>
+            <a:r>
+              <a:rPr lang="en-GB" dirty="0"/>
+              <a:t>Base64</a:t>
+            </a:r>
+          </a:p>
+          <a:p>
+            <a:pPr lvl="1"/>
+            <a:r>
+              <a:rPr lang="en-GB" dirty="0"/>
+              <a:t>several rounds with creative techniques</a:t>
+            </a:r>
+          </a:p>
+          <a:p>
+            <a:pPr lvl="2"/>
+            <a:r>
+              <a:rPr lang="en-GB" dirty="0" err="1"/>
+              <a:t>obfuscatorStageOne.py</a:t>
+            </a:r>
+            <a:r>
+              <a:rPr lang="en-GB" dirty="0"/>
+              <a:t> and </a:t>
+            </a:r>
+            <a:r>
+              <a:rPr lang="en-GB" dirty="0" err="1"/>
+              <a:t>obfuscatorStageTwo.py</a:t>
+            </a:r>
+            <a:r>
+              <a:rPr lang="en-GB" dirty="0"/>
+              <a:t> </a:t>
+            </a:r>
+          </a:p>
+          <a:p>
+            <a:r>
+              <a:rPr lang="en-GB" dirty="0"/>
+              <a:t>Dummy code</a:t>
+            </a:r>
+          </a:p>
+          <a:p>
+            <a:pPr lvl="1"/>
+            <a:r>
+              <a:rPr lang="en-GB" dirty="0"/>
+              <a:t>just to create </a:t>
+            </a:r>
+            <a:r>
+              <a:rPr lang="en-GB" i="1" dirty="0"/>
+              <a:t>chaos</a:t>
+            </a:r>
+            <a:r>
+              <a:rPr lang="en-GB" dirty="0"/>
+              <a:t> in during analysis</a:t>
+            </a:r>
+          </a:p>
+          <a:p>
+            <a:pPr lvl="2"/>
+            <a:r>
+              <a:rPr lang="en-GB" dirty="0" err="1"/>
+              <a:t>obfuscatorStageThree.py</a:t>
+            </a:r>
+            <a:endParaRPr lang="en-GB" dirty="0"/>
+          </a:p>
+          <a:p>
+            <a:pPr lvl="1"/>
+            <a:endParaRPr lang="en-GB" dirty="0"/>
+          </a:p>
+        </p:txBody>
+      </p:sp>
+      <p:sp>
+        <p:nvSpPr>
+          <p:cNvPr id="8" name="Marcador de Posição do Texto 7">
+            <a:extLst>
+              <a:ext uri="{FF2B5EF4-FFF2-40B4-BE49-F238E27FC236}">
+                <a16:creationId xmlns:a16="http://schemas.microsoft.com/office/drawing/2014/main" id="{72263B5A-61AA-0518-5E89-7A99458BFEBF}"/>
+              </a:ext>
+            </a:extLst>
+          </p:cNvPr>
+          <p:cNvSpPr>
+            <a:spLocks noGrp="1"/>
+          </p:cNvSpPr>
+          <p:nvPr>
+            <p:ph type="body" sz="quarter" idx="14"/>
+          </p:nvPr>
+        </p:nvSpPr>
+        <p:spPr/>
+        <p:txBody>
+          <a:bodyPr/>
+          <a:lstStyle/>
+          <a:p>
+            <a:r>
+              <a:rPr lang="en-GB" dirty="0"/>
+              <a:t>Possible strategy</a:t>
+            </a:r>
           </a:p>
         </p:txBody>
       </p:sp>
     </p:spTree>
     <p:extLst>
       <p:ext uri="{BB962C8B-B14F-4D97-AF65-F5344CB8AC3E}">
-        <p14:creationId xmlns:p14="http://schemas.microsoft.com/office/powerpoint/2010/main" val="3309066633"/>
+        <p14:creationId xmlns:p14="http://schemas.microsoft.com/office/powerpoint/2010/main" val="2827915376"/>
       </p:ext>
     </p:extLst>
   </p:cSld>
@@ -11388,10 +11765,10 @@
       </p:grpSpPr>
       <p:sp>
         <p:nvSpPr>
-          <p:cNvPr id="2" name="Título 1">
-            <a:extLst>
-              <a:ext uri="{FF2B5EF4-FFF2-40B4-BE49-F238E27FC236}">
-                <a16:creationId xmlns:a16="http://schemas.microsoft.com/office/drawing/2014/main" id="{290198D7-7381-7BD0-7B6C-3352C41A1BAD}"/>
+          <p:cNvPr id="5" name="Título 4">
+            <a:extLst>
+              <a:ext uri="{FF2B5EF4-FFF2-40B4-BE49-F238E27FC236}">
+                <a16:creationId xmlns:a16="http://schemas.microsoft.com/office/drawing/2014/main" id="{D75AEDC6-D0A7-10D2-4B99-AFA8CD5AF9D6}"/>
               </a:ext>
             </a:extLst>
           </p:cNvPr>
@@ -11416,10 +11793,10 @@
       </p:sp>
       <p:sp>
         <p:nvSpPr>
-          <p:cNvPr id="3" name="Subtítulo 2">
-            <a:extLst>
-              <a:ext uri="{FF2B5EF4-FFF2-40B4-BE49-F238E27FC236}">
-                <a16:creationId xmlns:a16="http://schemas.microsoft.com/office/drawing/2014/main" id="{717A8B4D-8CEE-D51D-5917-4538B5A34057}"/>
+          <p:cNvPr id="6" name="Subtítulo 5">
+            <a:extLst>
+              <a:ext uri="{FF2B5EF4-FFF2-40B4-BE49-F238E27FC236}">
+                <a16:creationId xmlns:a16="http://schemas.microsoft.com/office/drawing/2014/main" id="{E1C640B9-1539-05DB-5B87-2FEA431960A1}"/>
               </a:ext>
             </a:extLst>
           </p:cNvPr>
@@ -11427,7 +11804,7 @@
             <a:spLocks noGrp="1"/>
           </p:cNvSpPr>
           <p:nvPr>
-            <p:ph type="subTitle" idx="13"/>
+            <p:ph type="subTitle" idx="1"/>
           </p:nvPr>
         </p:nvSpPr>
         <p:spPr/>
@@ -11435,98 +11812,14 @@
           <a:bodyPr/>
           <a:lstStyle/>
           <a:p>
-            <a:r>
-              <a:rPr lang="en-GB" dirty="0"/>
-              <a:t>Code obfuscation</a:t>
-            </a:r>
-          </a:p>
-          <a:p>
-            <a:r>
-              <a:rPr lang="en-GB" dirty="0"/>
-              <a:t>Do not reuse code</a:t>
-            </a:r>
-          </a:p>
-          <a:p>
-            <a:pPr lvl="1"/>
-            <a:r>
-              <a:rPr lang="en-GB" dirty="0"/>
-              <a:t>Neither toolkits, that is for Lammers</a:t>
-            </a:r>
-          </a:p>
-          <a:p>
-            <a:r>
-              <a:rPr lang="en-GB" dirty="0"/>
-              <a:t>Define an architecture</a:t>
-            </a:r>
-          </a:p>
-          <a:p>
-            <a:pPr lvl="1"/>
-            <a:r>
-              <a:rPr lang="en-GB" dirty="0"/>
-              <a:t>It is software, so it should be planned like a software</a:t>
-            </a:r>
-          </a:p>
-          <a:p>
-            <a:r>
-              <a:rPr lang="en-GB" dirty="0"/>
-              <a:t>Use Virtual Machine</a:t>
-            </a:r>
-          </a:p>
-          <a:p>
-            <a:pPr lvl="1"/>
-            <a:r>
-              <a:rPr lang="en-GB" dirty="0"/>
-              <a:t>Disconnected from the web</a:t>
-            </a:r>
-          </a:p>
-          <a:p>
-            <a:pPr lvl="1"/>
-            <a:r>
-              <a:rPr lang="en-GB" dirty="0"/>
-              <a:t>But for this workshop, we can use your local computer</a:t>
-            </a:r>
-          </a:p>
-          <a:p>
-            <a:pPr lvl="2"/>
-            <a:r>
-              <a:rPr lang="en-GB" dirty="0"/>
-              <a:t>Only to develop the POC (proof-of-concept)</a:t>
-            </a:r>
-          </a:p>
-        </p:txBody>
-      </p:sp>
-      <p:sp>
-        <p:nvSpPr>
-          <p:cNvPr id="8" name="Marcador de Posição do Texto 7">
-            <a:extLst>
-              <a:ext uri="{FF2B5EF4-FFF2-40B4-BE49-F238E27FC236}">
-                <a16:creationId xmlns:a16="http://schemas.microsoft.com/office/drawing/2014/main" id="{72263B5A-61AA-0518-5E89-7A99458BFEBF}"/>
-              </a:ext>
-            </a:extLst>
-          </p:cNvPr>
-          <p:cNvSpPr>
-            <a:spLocks noGrp="1"/>
-          </p:cNvSpPr>
-          <p:nvPr>
-            <p:ph type="body" sz="quarter" idx="14"/>
-          </p:nvPr>
-        </p:nvSpPr>
-        <p:spPr/>
-        <p:txBody>
-          <a:bodyPr/>
-          <a:lstStyle/>
-          <a:p>
-            <a:r>
-              <a:rPr lang="en-GB" dirty="0"/>
-              <a:t>Good practices</a:t>
-            </a:r>
+            <a:endParaRPr lang="en-GB"/>
           </a:p>
         </p:txBody>
       </p:sp>
     </p:spTree>
     <p:extLst>
       <p:ext uri="{BB962C8B-B14F-4D97-AF65-F5344CB8AC3E}">
-        <p14:creationId xmlns:p14="http://schemas.microsoft.com/office/powerpoint/2010/main" val="3475394575"/>
+        <p14:creationId xmlns:p14="http://schemas.microsoft.com/office/powerpoint/2010/main" val="3309066633"/>
       </p:ext>
     </p:extLst>
   </p:cSld>
@@ -11603,106 +11896,60 @@
           <a:lstStyle/>
           <a:p>
             <a:r>
-              <a:rPr lang="en-GB" dirty="0">
-                <a:solidFill>
-                  <a:schemeClr val="tx1">
-                    <a:lumMod val="20000"/>
-                    <a:lumOff val="80000"/>
-                  </a:schemeClr>
-                </a:solidFill>
-              </a:rPr>
+              <a:rPr lang="en-GB" dirty="0"/>
               <a:t>Code obfuscation</a:t>
             </a:r>
           </a:p>
           <a:p>
             <a:r>
-              <a:rPr lang="en-GB" dirty="0">
-                <a:solidFill>
-                  <a:schemeClr val="tx1">
-                    <a:lumMod val="20000"/>
-                    <a:lumOff val="80000"/>
-                  </a:schemeClr>
-                </a:solidFill>
-              </a:rPr>
+              <a:rPr lang="en-GB" dirty="0"/>
               <a:t>Do not reuse code</a:t>
             </a:r>
           </a:p>
           <a:p>
             <a:pPr lvl="1"/>
             <a:r>
-              <a:rPr lang="en-GB" dirty="0">
-                <a:solidFill>
-                  <a:schemeClr val="bg1">
-                    <a:lumMod val="85000"/>
-                  </a:schemeClr>
-                </a:solidFill>
-              </a:rPr>
+              <a:rPr lang="en-GB" dirty="0"/>
               <a:t>Neither toolkits, that is for Lammers</a:t>
             </a:r>
           </a:p>
           <a:p>
             <a:r>
-              <a:rPr lang="en-GB" dirty="0">
-                <a:solidFill>
-                  <a:schemeClr val="tx1">
-                    <a:lumMod val="20000"/>
-                    <a:lumOff val="80000"/>
-                  </a:schemeClr>
-                </a:solidFill>
-              </a:rPr>
+              <a:rPr lang="en-GB" dirty="0"/>
               <a:t>Define an architecture</a:t>
             </a:r>
           </a:p>
           <a:p>
             <a:pPr lvl="1"/>
             <a:r>
-              <a:rPr lang="en-GB" dirty="0">
-                <a:solidFill>
-                  <a:schemeClr val="bg1">
-                    <a:lumMod val="85000"/>
-                  </a:schemeClr>
-                </a:solidFill>
-              </a:rPr>
+              <a:rPr lang="en-GB" dirty="0"/>
               <a:t>It is software, so it should be planned like a software</a:t>
             </a:r>
           </a:p>
           <a:p>
             <a:r>
-              <a:rPr lang="en-GB" b="1" dirty="0"/>
+              <a:rPr lang="en-GB" dirty="0"/>
               <a:t>Use Virtual Machine</a:t>
             </a:r>
           </a:p>
           <a:p>
             <a:pPr lvl="1"/>
             <a:r>
-              <a:rPr lang="en-GB" b="1" dirty="0"/>
+              <a:rPr lang="en-GB" dirty="0"/>
               <a:t>Disconnected from the web</a:t>
             </a:r>
           </a:p>
           <a:p>
             <a:pPr lvl="1"/>
             <a:r>
-              <a:rPr lang="en-GB" dirty="0">
-                <a:solidFill>
-                  <a:schemeClr val="bg1">
-                    <a:lumMod val="85000"/>
-                  </a:schemeClr>
-                </a:solidFill>
-              </a:rPr>
+              <a:rPr lang="en-GB" dirty="0"/>
               <a:t>But for this workshop, we can use your local computer</a:t>
             </a:r>
           </a:p>
           <a:p>
             <a:pPr lvl="2"/>
             <a:r>
-              <a:rPr lang="en-GB" dirty="0">
-                <a:solidFill>
-                  <a:schemeClr val="tx1">
-                    <a:lumMod val="20000"/>
-                    <a:lumOff val="80000"/>
-                  </a:schemeClr>
-                </a:solidFill>
-              </a:rPr>
+              <a:rPr lang="en-GB" dirty="0"/>
               <a:t>Only to develop the POC (proof-of-concept)</a:t>
             </a:r>
           </a:p>
@@ -11739,7 +11986,7 @@
     </p:spTree>
     <p:extLst>
       <p:ext uri="{BB962C8B-B14F-4D97-AF65-F5344CB8AC3E}">
-        <p14:creationId xmlns:p14="http://schemas.microsoft.com/office/powerpoint/2010/main" val="3587499115"/>
+        <p14:creationId xmlns:p14="http://schemas.microsoft.com/office/powerpoint/2010/main" val="3475394575"/>
       </p:ext>
     </p:extLst>
   </p:cSld>
@@ -11816,6 +12063,219 @@
           <a:lstStyle/>
           <a:p>
             <a:r>
+              <a:rPr lang="en-GB" dirty="0">
+                <a:solidFill>
+                  <a:schemeClr val="tx1">
+                    <a:lumMod val="20000"/>
+                    <a:lumOff val="80000"/>
+                  </a:schemeClr>
+                </a:solidFill>
+              </a:rPr>
+              <a:t>Code obfuscation</a:t>
+            </a:r>
+          </a:p>
+          <a:p>
+            <a:r>
+              <a:rPr lang="en-GB" dirty="0">
+                <a:solidFill>
+                  <a:schemeClr val="tx1">
+                    <a:lumMod val="20000"/>
+                    <a:lumOff val="80000"/>
+                  </a:schemeClr>
+                </a:solidFill>
+              </a:rPr>
+              <a:t>Do not reuse code</a:t>
+            </a:r>
+          </a:p>
+          <a:p>
+            <a:pPr lvl="1"/>
+            <a:r>
+              <a:rPr lang="en-GB" dirty="0">
+                <a:solidFill>
+                  <a:schemeClr val="bg1">
+                    <a:lumMod val="85000"/>
+                  </a:schemeClr>
+                </a:solidFill>
+              </a:rPr>
+              <a:t>Neither toolkits, that is for Lammers</a:t>
+            </a:r>
+          </a:p>
+          <a:p>
+            <a:r>
+              <a:rPr lang="en-GB" dirty="0">
+                <a:solidFill>
+                  <a:schemeClr val="tx1">
+                    <a:lumMod val="20000"/>
+                    <a:lumOff val="80000"/>
+                  </a:schemeClr>
+                </a:solidFill>
+              </a:rPr>
+              <a:t>Define an architecture</a:t>
+            </a:r>
+          </a:p>
+          <a:p>
+            <a:pPr lvl="1"/>
+            <a:r>
+              <a:rPr lang="en-GB" dirty="0">
+                <a:solidFill>
+                  <a:schemeClr val="bg1">
+                    <a:lumMod val="85000"/>
+                  </a:schemeClr>
+                </a:solidFill>
+              </a:rPr>
+              <a:t>It is software, so it should be planned like a software</a:t>
+            </a:r>
+          </a:p>
+          <a:p>
+            <a:r>
+              <a:rPr lang="en-GB" b="1" dirty="0"/>
+              <a:t>Use Virtual Machine</a:t>
+            </a:r>
+          </a:p>
+          <a:p>
+            <a:pPr lvl="1"/>
+            <a:r>
+              <a:rPr lang="en-GB" b="1" dirty="0"/>
+              <a:t>Disconnected from the web</a:t>
+            </a:r>
+          </a:p>
+          <a:p>
+            <a:pPr lvl="1"/>
+            <a:r>
+              <a:rPr lang="en-GB" dirty="0">
+                <a:solidFill>
+                  <a:schemeClr val="bg1">
+                    <a:lumMod val="85000"/>
+                  </a:schemeClr>
+                </a:solidFill>
+              </a:rPr>
+              <a:t>But for this workshop, we can use your local computer</a:t>
+            </a:r>
+          </a:p>
+          <a:p>
+            <a:pPr lvl="2"/>
+            <a:r>
+              <a:rPr lang="en-GB" dirty="0">
+                <a:solidFill>
+                  <a:schemeClr val="tx1">
+                    <a:lumMod val="20000"/>
+                    <a:lumOff val="80000"/>
+                  </a:schemeClr>
+                </a:solidFill>
+              </a:rPr>
+              <a:t>Only to develop the POC (proof-of-concept)</a:t>
+            </a:r>
+          </a:p>
+        </p:txBody>
+      </p:sp>
+      <p:sp>
+        <p:nvSpPr>
+          <p:cNvPr id="8" name="Marcador de Posição do Texto 7">
+            <a:extLst>
+              <a:ext uri="{FF2B5EF4-FFF2-40B4-BE49-F238E27FC236}">
+                <a16:creationId xmlns:a16="http://schemas.microsoft.com/office/drawing/2014/main" id="{72263B5A-61AA-0518-5E89-7A99458BFEBF}"/>
+              </a:ext>
+            </a:extLst>
+          </p:cNvPr>
+          <p:cNvSpPr>
+            <a:spLocks noGrp="1"/>
+          </p:cNvSpPr>
+          <p:nvPr>
+            <p:ph type="body" sz="quarter" idx="14"/>
+          </p:nvPr>
+        </p:nvSpPr>
+        <p:spPr/>
+        <p:txBody>
+          <a:bodyPr/>
+          <a:lstStyle/>
+          <a:p>
+            <a:r>
+              <a:rPr lang="en-GB" dirty="0"/>
+              <a:t>Good practices</a:t>
+            </a:r>
+          </a:p>
+        </p:txBody>
+      </p:sp>
+    </p:spTree>
+    <p:extLst>
+      <p:ext uri="{BB962C8B-B14F-4D97-AF65-F5344CB8AC3E}">
+        <p14:creationId xmlns:p14="http://schemas.microsoft.com/office/powerpoint/2010/main" val="3587499115"/>
+      </p:ext>
+    </p:extLst>
+  </p:cSld>
+  <p:clrMapOvr>
+    <a:masterClrMapping/>
+  </p:clrMapOvr>
+</p:sld>
+</file>
+
+<file path=ppt/slides/slide28.xml><?xml version="1.0" encoding="utf-8"?>
+<p:sld xmlns:a="http://schemas.openxmlformats.org/drawingml/2006/main" xmlns:r="http://schemas.openxmlformats.org/officeDocument/2006/relationships" xmlns:p="http://schemas.openxmlformats.org/presentationml/2006/main">
+  <p:cSld>
+    <p:spTree>
+      <p:nvGrpSpPr>
+        <p:cNvPr id="1" name=""/>
+        <p:cNvGrpSpPr/>
+        <p:nvPr/>
+      </p:nvGrpSpPr>
+      <p:grpSpPr>
+        <a:xfrm>
+          <a:off x="0" y="0"/>
+          <a:ext cx="0" cy="0"/>
+          <a:chOff x="0" y="0"/>
+          <a:chExt cx="0" cy="0"/>
+        </a:xfrm>
+      </p:grpSpPr>
+      <p:sp>
+        <p:nvSpPr>
+          <p:cNvPr id="2" name="Título 1">
+            <a:extLst>
+              <a:ext uri="{FF2B5EF4-FFF2-40B4-BE49-F238E27FC236}">
+                <a16:creationId xmlns:a16="http://schemas.microsoft.com/office/drawing/2014/main" id="{290198D7-7381-7BD0-7B6C-3352C41A1BAD}"/>
+              </a:ext>
+            </a:extLst>
+          </p:cNvPr>
+          <p:cNvSpPr>
+            <a:spLocks noGrp="1"/>
+          </p:cNvSpPr>
+          <p:nvPr>
+            <p:ph type="ctrTitle"/>
+          </p:nvPr>
+        </p:nvSpPr>
+        <p:spPr/>
+        <p:txBody>
+          <a:bodyPr/>
+          <a:lstStyle/>
+          <a:p>
+            <a:r>
+              <a:rPr lang="en-GB" dirty="0"/>
+              <a:t>Malware analysis</a:t>
+            </a:r>
+          </a:p>
+        </p:txBody>
+      </p:sp>
+      <p:sp>
+        <p:nvSpPr>
+          <p:cNvPr id="3" name="Subtítulo 2">
+            <a:extLst>
+              <a:ext uri="{FF2B5EF4-FFF2-40B4-BE49-F238E27FC236}">
+                <a16:creationId xmlns:a16="http://schemas.microsoft.com/office/drawing/2014/main" id="{717A8B4D-8CEE-D51D-5917-4538B5A34057}"/>
+              </a:ext>
+            </a:extLst>
+          </p:cNvPr>
+          <p:cNvSpPr>
+            <a:spLocks noGrp="1"/>
+          </p:cNvSpPr>
+          <p:nvPr>
+            <p:ph type="subTitle" idx="13"/>
+          </p:nvPr>
+        </p:nvSpPr>
+        <p:spPr/>
+        <p:txBody>
+          <a:bodyPr/>
+          <a:lstStyle/>
+          <a:p>
+            <a:r>
               <a:rPr lang="en-GB" dirty="0"/>
               <a:t>Beautify code</a:t>
             </a:r>
@@ -11914,7 +12374,7 @@
 </p:sld>
 </file>
 
-<file path=ppt/slides/slide28.xml><?xml version="1.0" encoding="utf-8"?>
+<file path=ppt/slides/slide29.xml><?xml version="1.0" encoding="utf-8"?>
 <p:sld xmlns:a="http://schemas.openxmlformats.org/drawingml/2006/main" xmlns:r="http://schemas.openxmlformats.org/officeDocument/2006/relationships" xmlns:p="http://schemas.openxmlformats.org/presentationml/2006/main">
   <p:cSld>
     <p:spTree>

--- a/presentation/Presentation.pptx
+++ b/presentation/Presentation.pptx
@@ -225,7 +225,7 @@
           <a:p>
             <a:fld id="{17F23661-E68F-432A-A181-BA9A618B9166}" type="datetimeFigureOut">
               <a:rPr lang="pt-PT" smtClean="0"/>
-              <a:t>22/05/22</a:t>
+              <a:t>23/05/22</a:t>
             </a:fld>
             <a:endParaRPr lang="pt-PT"/>
           </a:p>
@@ -10476,7 +10476,7 @@
             </a:r>
             <a:r>
               <a:rPr lang="en-GB" dirty="0" err="1"/>
-              <a:t>pymimifier</a:t>
+              <a:t>pyminifier</a:t>
             </a:r>
             <a:endParaRPr lang="en-GB" dirty="0"/>
           </a:p>
@@ -10546,7 +10546,7 @@
             </a:r>
             <a:r>
               <a:rPr lang="en-GB" dirty="0" err="1"/>
-              <a:t>Pymimifier</a:t>
+              <a:t>Pyminifier</a:t>
             </a:r>
             <a:endParaRPr lang="en-GB" dirty="0"/>
           </a:p>

--- a/presentation/Presentation.pptx
+++ b/presentation/Presentation.pptx
@@ -36,7 +36,7 @@
     <p:sldId id="276" r:id="rId27"/>
     <p:sldId id="278" r:id="rId28"/>
     <p:sldId id="287" r:id="rId29"/>
-    <p:sldId id="286" r:id="rId30"/>
+    <p:sldId id="294" r:id="rId30"/>
   </p:sldIdLst>
   <p:sldSz cx="12192000" cy="6858000"/>
   <p:notesSz cx="6858000" cy="9144000"/>
@@ -225,7 +225,7 @@
           <a:p>
             <a:fld id="{17F23661-E68F-432A-A181-BA9A618B9166}" type="datetimeFigureOut">
               <a:rPr lang="pt-PT" smtClean="0"/>
-              <a:t>23/05/22</a:t>
+              <a:t>07/12/22</a:t>
             </a:fld>
             <a:endParaRPr lang="pt-PT"/>
           </a:p>
@@ -6656,7 +6656,7 @@
           <a:p>
             <a:r>
               <a:rPr lang="pt-BR" b="1" dirty="0"/>
-              <a:t>João Rafael Almeida &amp; Camila Fonseca</a:t>
+              <a:t>João Rafael Almeida</a:t>
             </a:r>
           </a:p>
         </p:txBody>
@@ -6690,6 +6690,16 @@
           <a:lstStyle/>
           <a:p>
             <a:pPr algn="ctr"/>
+            <a:r>
+              <a:rPr lang="pt-BR" dirty="0">
+                <a:solidFill>
+                  <a:schemeClr val="accent4">
+                    <a:lumMod val="50000"/>
+                  </a:schemeClr>
+                </a:solidFill>
+              </a:rPr>
+              <a:t>DETI/IEETA, </a:t>
+            </a:r>
             <a:r>
               <a:rPr lang="pt-BR" dirty="0" err="1">
                 <a:solidFill>
@@ -6698,27 +6708,7 @@
                   </a:schemeClr>
                 </a:solidFill>
               </a:rPr>
-              <a:t>CyberSec</a:t>
-            </a:r>
-            <a:r>
-              <a:rPr lang="pt-BR" dirty="0">
-                <a:solidFill>
-                  <a:schemeClr val="accent4">
-                    <a:lumMod val="50000"/>
-                  </a:schemeClr>
-                </a:solidFill>
-              </a:rPr>
-              <a:t> Week 2022, </a:t>
-            </a:r>
-            <a:r>
-              <a:rPr lang="pt-BR" dirty="0" err="1">
-                <a:solidFill>
-                  <a:schemeClr val="accent4">
-                    <a:lumMod val="50000"/>
-                  </a:schemeClr>
-                </a:solidFill>
-              </a:rPr>
-              <a:t>organized</a:t>
+              <a:t>University</a:t>
             </a:r>
             <a:r>
               <a:rPr lang="pt-BR" dirty="0">
@@ -6738,7 +6728,7 @@
                   </a:schemeClr>
                 </a:solidFill>
               </a:rPr>
-              <a:t>by</a:t>
+              <a:t>of</a:t>
             </a:r>
             <a:r>
               <a:rPr lang="pt-BR" dirty="0">
@@ -6748,7 +6738,7 @@
                   </a:schemeClr>
                 </a:solidFill>
               </a:rPr>
-              <a:t> UAC</a:t>
+              <a:t> Aveiro</a:t>
             </a:r>
           </a:p>
         </p:txBody>
@@ -12442,7 +12432,7 @@
           <a:p>
             <a:r>
               <a:rPr lang="pt-BR" b="1" dirty="0"/>
-              <a:t>João Rafael Almeida &amp; Camila Fonseca</a:t>
+              <a:t>João Rafael Almeida</a:t>
             </a:r>
           </a:p>
         </p:txBody>
@@ -12476,6 +12466,16 @@
           <a:lstStyle/>
           <a:p>
             <a:pPr algn="ctr"/>
+            <a:r>
+              <a:rPr lang="pt-BR" dirty="0">
+                <a:solidFill>
+                  <a:schemeClr val="accent4">
+                    <a:lumMod val="50000"/>
+                  </a:schemeClr>
+                </a:solidFill>
+              </a:rPr>
+              <a:t>DETI/IEETA, </a:t>
+            </a:r>
             <a:r>
               <a:rPr lang="pt-BR" dirty="0" err="1">
                 <a:solidFill>
@@ -12484,27 +12484,7 @@
                   </a:schemeClr>
                 </a:solidFill>
               </a:rPr>
-              <a:t>CyberSec</a:t>
-            </a:r>
-            <a:r>
-              <a:rPr lang="pt-BR" dirty="0">
-                <a:solidFill>
-                  <a:schemeClr val="accent4">
-                    <a:lumMod val="50000"/>
-                  </a:schemeClr>
-                </a:solidFill>
-              </a:rPr>
-              <a:t> Week 2022, </a:t>
-            </a:r>
-            <a:r>
-              <a:rPr lang="pt-BR" dirty="0" err="1">
-                <a:solidFill>
-                  <a:schemeClr val="accent4">
-                    <a:lumMod val="50000"/>
-                  </a:schemeClr>
-                </a:solidFill>
-              </a:rPr>
-              <a:t>organized</a:t>
+              <a:t>University</a:t>
             </a:r>
             <a:r>
               <a:rPr lang="pt-BR" dirty="0">
@@ -12524,7 +12504,7 @@
                   </a:schemeClr>
                 </a:solidFill>
               </a:rPr>
-              <a:t>by</a:t>
+              <a:t>of</a:t>
             </a:r>
             <a:r>
               <a:rPr lang="pt-BR" dirty="0">
@@ -12534,7 +12514,7 @@
                   </a:schemeClr>
                 </a:solidFill>
               </a:rPr>
-              <a:t> UAC</a:t>
+              <a:t> Aveiro</a:t>
             </a:r>
           </a:p>
         </p:txBody>
@@ -12542,7 +12522,7 @@
     </p:spTree>
     <p:extLst>
       <p:ext uri="{BB962C8B-B14F-4D97-AF65-F5344CB8AC3E}">
-        <p14:creationId xmlns:p14="http://schemas.microsoft.com/office/powerpoint/2010/main" val="1358262978"/>
+        <p14:creationId xmlns:p14="http://schemas.microsoft.com/office/powerpoint/2010/main" val="2445714597"/>
       </p:ext>
     </p:extLst>
   </p:cSld>

--- a/presentation/Presentation.pptx
+++ b/presentation/Presentation.pptx
@@ -12397,14 +12397,33 @@
             <p:ph type="ctrTitle"/>
           </p:nvPr>
         </p:nvSpPr>
-        <p:spPr/>
-        <p:txBody>
-          <a:bodyPr/>
+        <p:spPr>
+          <a:xfrm>
+            <a:off x="839789" y="2321512"/>
+            <a:ext cx="8623202" cy="1672971"/>
+          </a:xfrm>
+        </p:spPr>
+        <p:txBody>
+          <a:bodyPr>
+            <a:normAutofit/>
+          </a:bodyPr>
           <a:lstStyle/>
           <a:p>
+            <a:pPr>
+              <a:lnSpc>
+                <a:spcPct val="150000"/>
+              </a:lnSpc>
+            </a:pPr>
             <a:r>
               <a:rPr lang="en-GB" dirty="0"/>
-              <a:t>Making virus just for fun!</a:t>
+              <a:t>Do you want to learn more about this?</a:t>
+            </a:r>
+            <a:br>
+              <a:rPr lang="en-GB" dirty="0"/>
+            </a:br>
+            <a:r>
+              <a:rPr lang="en-GB" b="0" dirty="0"/>
+              <a:t>Join UAC to participate in CTFs</a:t>
             </a:r>
           </a:p>
         </p:txBody>
@@ -12425,14 +12444,27 @@
             <p:ph type="subTitle" idx="1"/>
           </p:nvPr>
         </p:nvSpPr>
-        <p:spPr/>
+        <p:spPr>
+          <a:xfrm>
+            <a:off x="839788" y="4151165"/>
+            <a:ext cx="8623201" cy="369332"/>
+          </a:xfrm>
+        </p:spPr>
         <p:txBody>
           <a:bodyPr/>
           <a:lstStyle/>
           <a:p>
             <a:r>
-              <a:rPr lang="pt-BR" b="1" dirty="0"/>
-              <a:t>João Rafael Almeida</a:t>
+              <a:rPr lang="pt-BR" sz="1800" b="1" dirty="0"/>
+              <a:t>https://</a:t>
+            </a:r>
+            <a:r>
+              <a:rPr lang="pt-BR" sz="1800" b="1" dirty="0" err="1"/>
+              <a:t>discord.gg</a:t>
+            </a:r>
+            <a:r>
+              <a:rPr lang="pt-BR" sz="1800" b="1" dirty="0"/>
+              <a:t>/27ua4d58</a:t>
             </a:r>
           </a:p>
         </p:txBody>
